--- a/presentation/Packet classification.pptx
+++ b/presentation/Packet classification.pptx
@@ -5,7 +5,7 @@
     <p:sldMasterId id="2147483648" r:id="rId1"/>
   </p:sldMasterIdLst>
   <p:notesMasterIdLst>
-    <p:notesMasterId r:id="rId11"/>
+    <p:notesMasterId r:id="rId13"/>
   </p:notesMasterIdLst>
   <p:sldIdLst>
     <p:sldId id="256" r:id="rId2"/>
@@ -15,8 +15,10 @@
     <p:sldId id="258" r:id="rId6"/>
     <p:sldId id="260" r:id="rId7"/>
     <p:sldId id="284" r:id="rId8"/>
-    <p:sldId id="288" r:id="rId9"/>
-    <p:sldId id="282" r:id="rId10"/>
+    <p:sldId id="290" r:id="rId9"/>
+    <p:sldId id="291" r:id="rId10"/>
+    <p:sldId id="288" r:id="rId11"/>
+    <p:sldId id="282" r:id="rId12"/>
   </p:sldIdLst>
   <p:sldSz cx="12192000" cy="6858000"/>
   <p:notesSz cx="6858000" cy="9144000"/>
@@ -2254,7 +2256,7 @@
           <a:p>
             <a:fld id="{E4C3FCC2-4E7A-4671-AA79-177CB194E449}" type="datetimeFigureOut">
               <a:rPr lang="en-US" smtClean="0"/>
-              <a:t>2020-09-11</a:t>
+              <a:t>2020-09-15</a:t>
             </a:fld>
             <a:endParaRPr lang="en-US"/>
           </a:p>
@@ -2856,7 +2858,7 @@
           <a:p>
             <a:fld id="{5A01C38D-F26D-4167-83EF-8774BC62D548}" type="slidenum">
               <a:rPr lang="en-US" smtClean="0"/>
-              <a:t>8</a:t>
+              <a:t>10</a:t>
             </a:fld>
             <a:endParaRPr lang="en-US"/>
           </a:p>
@@ -2945,7 +2947,7 @@
           <a:p>
             <a:fld id="{DF61EA0F-A667-4B49-8422-0062BC55E249}" type="slidenum">
               <a:rPr lang="en-US" smtClean="0"/>
-              <a:t>9</a:t>
+              <a:t>11</a:t>
             </a:fld>
             <a:endParaRPr lang="en-US"/>
           </a:p>
@@ -4670,7 +4672,7 @@
           <a:p>
             <a:fld id="{4744E560-77BF-4D1A-B6E7-CD55CE12B1B8}" type="datetimeFigureOut">
               <a:rPr lang="en-US" smtClean="0"/>
-              <a:t>2020-09-11</a:t>
+              <a:t>2020-09-15</a:t>
             </a:fld>
             <a:endParaRPr lang="en-US"/>
           </a:p>
@@ -5608,6 +5610,739 @@
 </p:sld>
 </file>
 
+<file path=ppt/slides/slide10.xml><?xml version="1.0" encoding="utf-8"?>
+<p:sld xmlns:a="http://schemas.openxmlformats.org/drawingml/2006/main" xmlns:r="http://schemas.openxmlformats.org/officeDocument/2006/relationships" xmlns:p="http://schemas.openxmlformats.org/presentationml/2006/main">
+  <p:cSld>
+    <p:spTree>
+      <p:nvGrpSpPr>
+        <p:cNvPr id="1" name=""/>
+        <p:cNvGrpSpPr/>
+        <p:nvPr/>
+      </p:nvGrpSpPr>
+      <p:grpSpPr>
+        <a:xfrm>
+          <a:off x="0" y="0"/>
+          <a:ext cx="0" cy="0"/>
+          <a:chOff x="0" y="0"/>
+          <a:chExt cx="0" cy="0"/>
+        </a:xfrm>
+      </p:grpSpPr>
+      <p:sp>
+        <p:nvSpPr>
+          <p:cNvPr id="2" name="Title 1">
+            <a:extLst>
+              <a:ext uri="{FF2B5EF4-FFF2-40B4-BE49-F238E27FC236}">
+                <a16:creationId xmlns:a16="http://schemas.microsoft.com/office/drawing/2014/main" id="{133ED516-A0B4-4D09-B6A3-A788188B6704}"/>
+              </a:ext>
+            </a:extLst>
+          </p:cNvPr>
+          <p:cNvSpPr>
+            <a:spLocks noGrp="1"/>
+          </p:cNvSpPr>
+          <p:nvPr>
+            <p:ph type="title"/>
+          </p:nvPr>
+        </p:nvSpPr>
+        <p:spPr/>
+        <p:txBody>
+          <a:bodyPr>
+            <a:normAutofit/>
+          </a:bodyPr>
+          <a:lstStyle/>
+          <a:p>
+            <a:r>
+              <a:rPr lang="en-US" dirty="0"/>
+              <a:t>Performance Evaluation – Time</a:t>
+            </a:r>
+          </a:p>
+        </p:txBody>
+      </p:sp>
+      <p:graphicFrame>
+        <p:nvGraphicFramePr>
+          <p:cNvPr id="6" name="Chart 5">
+            <a:extLst>
+              <a:ext uri="{FF2B5EF4-FFF2-40B4-BE49-F238E27FC236}">
+                <a16:creationId xmlns:a16="http://schemas.microsoft.com/office/drawing/2014/main" id="{6962B784-A1E4-4442-AE54-366BCEBB30AE}"/>
+              </a:ext>
+            </a:extLst>
+          </p:cNvPr>
+          <p:cNvGraphicFramePr>
+            <a:graphicFrameLocks/>
+          </p:cNvGraphicFramePr>
+          <p:nvPr>
+            <p:extLst>
+              <p:ext uri="{D42A27DB-BD31-4B8C-83A1-F6EECF244321}">
+                <p14:modId xmlns:p14="http://schemas.microsoft.com/office/powerpoint/2010/main" val="2646801903"/>
+              </p:ext>
+            </p:extLst>
+          </p:nvPr>
+        </p:nvGraphicFramePr>
+        <p:xfrm>
+          <a:off x="509752" y="1311165"/>
+          <a:ext cx="4572000" cy="2743200"/>
+        </p:xfrm>
+        <a:graphic>
+          <a:graphicData uri="http://schemas.openxmlformats.org/drawingml/2006/chart">
+            <c:chart xmlns:c="http://schemas.openxmlformats.org/drawingml/2006/chart" xmlns:r="http://schemas.openxmlformats.org/officeDocument/2006/relationships" r:id="rId3"/>
+          </a:graphicData>
+        </a:graphic>
+      </p:graphicFrame>
+      <p:sp>
+        <p:nvSpPr>
+          <p:cNvPr id="5" name="TextBox 4">
+            <a:extLst>
+              <a:ext uri="{FF2B5EF4-FFF2-40B4-BE49-F238E27FC236}">
+                <a16:creationId xmlns:a16="http://schemas.microsoft.com/office/drawing/2014/main" id="{D181127F-DF19-4B69-8DEE-77E9D36ABFA9}"/>
+              </a:ext>
+            </a:extLst>
+          </p:cNvPr>
+          <p:cNvSpPr txBox="1"/>
+          <p:nvPr/>
+        </p:nvSpPr>
+        <p:spPr>
+          <a:xfrm>
+            <a:off x="4987070" y="1311164"/>
+            <a:ext cx="6600496" cy="5268311"/>
+          </a:xfrm>
+          <a:prstGeom prst="rect">
+            <a:avLst/>
+          </a:prstGeom>
+        </p:spPr>
+        <p:txBody>
+          <a:bodyPr vert="horz" wrap="none" lIns="91440" tIns="45720" rIns="91440" bIns="45720" rtlCol="0">
+            <a:noAutofit/>
+          </a:bodyPr>
+          <a:lstStyle/>
+          <a:p>
+            <a:pPr marL="0" indent="0" algn="l">
+              <a:lnSpc>
+                <a:spcPts val="1800"/>
+              </a:lnSpc>
+              <a:spcAft>
+                <a:spcPts val="600"/>
+              </a:spcAft>
+              <a:buNone/>
+            </a:pPr>
+            <a:r>
+              <a:rPr lang="en-US" sz="1400" b="1" dirty="0">
+                <a:solidFill>
+                  <a:prstClr val="black">
+                    <a:lumMod val="75000"/>
+                    <a:lumOff val="25000"/>
+                  </a:prstClr>
+                </a:solidFill>
+                <a:latin typeface="Segoe UI" panose="020B0502040204020203" pitchFamily="34" charset="0"/>
+                <a:cs typeface="Segoe UI" panose="020B0502040204020203" pitchFamily="34" charset="0"/>
+              </a:rPr>
+              <a:t>Search Speed (Classification time):</a:t>
+            </a:r>
+          </a:p>
+          <a:p>
+            <a:pPr marL="171450" indent="-171450" algn="l">
+              <a:lnSpc>
+                <a:spcPts val="1800"/>
+              </a:lnSpc>
+              <a:spcAft>
+                <a:spcPts val="600"/>
+              </a:spcAft>
+              <a:buFont typeface="Arial" panose="020B0604020202020204" pitchFamily="34" charset="0"/>
+              <a:buChar char="•"/>
+            </a:pPr>
+            <a:r>
+              <a:rPr lang="en-US" sz="1400" dirty="0">
+                <a:solidFill>
+                  <a:prstClr val="black">
+                    <a:lumMod val="75000"/>
+                    <a:lumOff val="25000"/>
+                  </a:prstClr>
+                </a:solidFill>
+                <a:latin typeface="Segoe UI" panose="020B0502040204020203" pitchFamily="34" charset="0"/>
+                <a:cs typeface="Segoe UI" panose="020B0502040204020203" pitchFamily="34" charset="0"/>
+              </a:rPr>
+              <a:t>The total classification increases linearly with the incoming packets</a:t>
+            </a:r>
+          </a:p>
+          <a:p>
+            <a:pPr marL="0" indent="0" algn="l">
+              <a:lnSpc>
+                <a:spcPts val="1800"/>
+              </a:lnSpc>
+              <a:spcAft>
+                <a:spcPts val="600"/>
+              </a:spcAft>
+              <a:buNone/>
+            </a:pPr>
+            <a:endParaRPr lang="en-US" sz="1400" b="1" dirty="0">
+              <a:solidFill>
+                <a:prstClr val="black">
+                  <a:lumMod val="75000"/>
+                  <a:lumOff val="25000"/>
+                </a:prstClr>
+              </a:solidFill>
+              <a:latin typeface="Segoe UI" panose="020B0502040204020203" pitchFamily="34" charset="0"/>
+              <a:cs typeface="Segoe UI" panose="020B0502040204020203" pitchFamily="34" charset="0"/>
+            </a:endParaRPr>
+          </a:p>
+          <a:p>
+            <a:pPr marL="0" indent="0" algn="l">
+              <a:lnSpc>
+                <a:spcPts val="1800"/>
+              </a:lnSpc>
+              <a:spcAft>
+                <a:spcPts val="600"/>
+              </a:spcAft>
+              <a:buNone/>
+            </a:pPr>
+            <a:r>
+              <a:rPr lang="en-US" sz="1400" b="1" strike="sngStrike" dirty="0">
+                <a:solidFill>
+                  <a:prstClr val="black">
+                    <a:lumMod val="75000"/>
+                    <a:lumOff val="25000"/>
+                  </a:prstClr>
+                </a:solidFill>
+                <a:latin typeface="Segoe UI" panose="020B0502040204020203" pitchFamily="34" charset="0"/>
+                <a:cs typeface="Segoe UI" panose="020B0502040204020203" pitchFamily="34" charset="0"/>
+              </a:rPr>
+              <a:t>Storage requirement (memory):</a:t>
+            </a:r>
+          </a:p>
+          <a:p>
+            <a:pPr marL="171450" indent="-171450" algn="l">
+              <a:lnSpc>
+                <a:spcPts val="1800"/>
+              </a:lnSpc>
+              <a:spcAft>
+                <a:spcPts val="600"/>
+              </a:spcAft>
+              <a:buFont typeface="Arial" panose="020B0604020202020204" pitchFamily="34" charset="0"/>
+              <a:buChar char="•"/>
+            </a:pPr>
+            <a:r>
+              <a:rPr lang="en-US" sz="1400" dirty="0">
+                <a:solidFill>
+                  <a:prstClr val="black">
+                    <a:lumMod val="75000"/>
+                    <a:lumOff val="25000"/>
+                  </a:prstClr>
+                </a:solidFill>
+                <a:latin typeface="Segoe UI" panose="020B0502040204020203" pitchFamily="34" charset="0"/>
+                <a:cs typeface="Segoe UI" panose="020B0502040204020203" pitchFamily="34" charset="0"/>
+              </a:rPr>
+              <a:t>evaluation was not successful since the outcome measurements were inaccurate.</a:t>
+            </a:r>
+          </a:p>
+          <a:p>
+            <a:pPr marL="171450" indent="-171450" algn="l">
+              <a:lnSpc>
+                <a:spcPts val="1800"/>
+              </a:lnSpc>
+              <a:spcAft>
+                <a:spcPts val="600"/>
+              </a:spcAft>
+              <a:buFont typeface="Arial" panose="020B0604020202020204" pitchFamily="34" charset="0"/>
+              <a:buChar char="•"/>
+            </a:pPr>
+            <a:endParaRPr lang="en-US" sz="1400" dirty="0">
+              <a:solidFill>
+                <a:prstClr val="black">
+                  <a:lumMod val="75000"/>
+                  <a:lumOff val="25000"/>
+                </a:prstClr>
+              </a:solidFill>
+              <a:latin typeface="Segoe UI" panose="020B0502040204020203" pitchFamily="34" charset="0"/>
+              <a:cs typeface="Segoe UI" panose="020B0502040204020203" pitchFamily="34" charset="0"/>
+            </a:endParaRPr>
+          </a:p>
+          <a:p>
+            <a:pPr marL="0" indent="0" algn="l">
+              <a:lnSpc>
+                <a:spcPts val="1800"/>
+              </a:lnSpc>
+              <a:spcAft>
+                <a:spcPts val="600"/>
+              </a:spcAft>
+              <a:buNone/>
+            </a:pPr>
+            <a:r>
+              <a:rPr lang="en-US" sz="1400" b="1" dirty="0">
+                <a:solidFill>
+                  <a:prstClr val="black">
+                    <a:lumMod val="75000"/>
+                    <a:lumOff val="25000"/>
+                  </a:prstClr>
+                </a:solidFill>
+                <a:latin typeface="Segoe UI" panose="020B0502040204020203" pitchFamily="34" charset="0"/>
+                <a:cs typeface="Segoe UI" panose="020B0502040204020203" pitchFamily="34" charset="0"/>
+              </a:rPr>
+              <a:t>Scalability:</a:t>
+            </a:r>
+          </a:p>
+          <a:p>
+            <a:pPr marL="171450" indent="-171450" algn="l">
+              <a:lnSpc>
+                <a:spcPts val="1800"/>
+              </a:lnSpc>
+              <a:spcAft>
+                <a:spcPts val="600"/>
+              </a:spcAft>
+              <a:buFont typeface="Arial" panose="020B0604020202020204" pitchFamily="34" charset="0"/>
+              <a:buChar char="•"/>
+            </a:pPr>
+            <a:r>
+              <a:rPr lang="en-US" sz="1400" dirty="0">
+                <a:solidFill>
+                  <a:prstClr val="black">
+                    <a:lumMod val="75000"/>
+                    <a:lumOff val="25000"/>
+                  </a:prstClr>
+                </a:solidFill>
+                <a:latin typeface="Segoe UI" panose="020B0502040204020203" pitchFamily="34" charset="0"/>
+                <a:cs typeface="Segoe UI" panose="020B0502040204020203" pitchFamily="34" charset="0"/>
+              </a:rPr>
+              <a:t>Size: classified 1 Million entries in 14425 </a:t>
+            </a:r>
+            <a:r>
+              <a:rPr lang="en-US" sz="1400" dirty="0" err="1">
+                <a:solidFill>
+                  <a:prstClr val="black">
+                    <a:lumMod val="75000"/>
+                    <a:lumOff val="25000"/>
+                  </a:prstClr>
+                </a:solidFill>
+                <a:latin typeface="Segoe UI" panose="020B0502040204020203" pitchFamily="34" charset="0"/>
+                <a:cs typeface="Segoe UI" panose="020B0502040204020203" pitchFamily="34" charset="0"/>
+              </a:rPr>
+              <a:t>ms</a:t>
+            </a:r>
+            <a:endParaRPr lang="en-US" sz="1400" dirty="0">
+              <a:solidFill>
+                <a:prstClr val="black">
+                  <a:lumMod val="75000"/>
+                  <a:lumOff val="25000"/>
+                </a:prstClr>
+              </a:solidFill>
+              <a:latin typeface="Segoe UI" panose="020B0502040204020203" pitchFamily="34" charset="0"/>
+              <a:cs typeface="Segoe UI" panose="020B0502040204020203" pitchFamily="34" charset="0"/>
+            </a:endParaRPr>
+          </a:p>
+          <a:p>
+            <a:pPr marL="171450" indent="-171450" algn="l">
+              <a:lnSpc>
+                <a:spcPts val="1800"/>
+              </a:lnSpc>
+              <a:spcAft>
+                <a:spcPts val="600"/>
+              </a:spcAft>
+              <a:buFont typeface="Arial" panose="020B0604020202020204" pitchFamily="34" charset="0"/>
+              <a:buChar char="•"/>
+            </a:pPr>
+            <a:r>
+              <a:rPr lang="en-US" sz="1400" dirty="0">
+                <a:solidFill>
+                  <a:prstClr val="black">
+                    <a:lumMod val="75000"/>
+                    <a:lumOff val="25000"/>
+                  </a:prstClr>
+                </a:solidFill>
+                <a:latin typeface="Segoe UI" panose="020B0502040204020203" pitchFamily="34" charset="0"/>
+                <a:cs typeface="Segoe UI" panose="020B0502040204020203" pitchFamily="34" charset="0"/>
+              </a:rPr>
+              <a:t>Header fields: this program doesn’t accept dynamic dimension of classifiers.</a:t>
+            </a:r>
+          </a:p>
+          <a:p>
+            <a:pPr marL="0" indent="0" algn="l">
+              <a:lnSpc>
+                <a:spcPts val="1800"/>
+              </a:lnSpc>
+              <a:spcAft>
+                <a:spcPts val="600"/>
+              </a:spcAft>
+              <a:buNone/>
+            </a:pPr>
+            <a:endParaRPr lang="en-US" sz="1400" b="1" dirty="0">
+              <a:solidFill>
+                <a:prstClr val="black">
+                  <a:lumMod val="75000"/>
+                  <a:lumOff val="25000"/>
+                </a:prstClr>
+              </a:solidFill>
+              <a:latin typeface="Segoe UI" panose="020B0502040204020203" pitchFamily="34" charset="0"/>
+              <a:cs typeface="Segoe UI" panose="020B0502040204020203" pitchFamily="34" charset="0"/>
+            </a:endParaRPr>
+          </a:p>
+          <a:p>
+            <a:pPr marL="0" indent="0" algn="l">
+              <a:lnSpc>
+                <a:spcPts val="1800"/>
+              </a:lnSpc>
+              <a:spcAft>
+                <a:spcPts val="600"/>
+              </a:spcAft>
+              <a:buNone/>
+            </a:pPr>
+            <a:r>
+              <a:rPr lang="en-US" sz="1400" b="1" strike="sngStrike" dirty="0">
+                <a:solidFill>
+                  <a:prstClr val="black">
+                    <a:lumMod val="75000"/>
+                    <a:lumOff val="25000"/>
+                  </a:prstClr>
+                </a:solidFill>
+                <a:latin typeface="Segoe UI" panose="020B0502040204020203" pitchFamily="34" charset="0"/>
+                <a:cs typeface="Segoe UI" panose="020B0502040204020203" pitchFamily="34" charset="0"/>
+              </a:rPr>
+              <a:t>Update time:</a:t>
+            </a:r>
+          </a:p>
+          <a:p>
+            <a:pPr marL="171450" indent="-171450">
+              <a:lnSpc>
+                <a:spcPts val="1800"/>
+              </a:lnSpc>
+              <a:spcAft>
+                <a:spcPts val="600"/>
+              </a:spcAft>
+              <a:buFont typeface="Arial" panose="020B0604020202020204" pitchFamily="34" charset="0"/>
+              <a:buChar char="•"/>
+            </a:pPr>
+            <a:r>
+              <a:rPr lang="en-US" sz="1400" dirty="0">
+                <a:solidFill>
+                  <a:prstClr val="black">
+                    <a:lumMod val="75000"/>
+                    <a:lumOff val="25000"/>
+                  </a:prstClr>
+                </a:solidFill>
+                <a:latin typeface="Segoe UI" panose="020B0502040204020203" pitchFamily="34" charset="0"/>
+                <a:cs typeface="Segoe UI" panose="020B0502040204020203" pitchFamily="34" charset="0"/>
+              </a:rPr>
+              <a:t>This program doesn’t consider updates of rules in its algorithm.</a:t>
+            </a:r>
+          </a:p>
+          <a:p>
+            <a:pPr marL="0" indent="0" algn="l">
+              <a:lnSpc>
+                <a:spcPts val="1800"/>
+              </a:lnSpc>
+              <a:spcAft>
+                <a:spcPts val="600"/>
+              </a:spcAft>
+              <a:buNone/>
+            </a:pPr>
+            <a:endParaRPr lang="en-US" sz="1400" b="1" dirty="0">
+              <a:solidFill>
+                <a:prstClr val="black">
+                  <a:lumMod val="75000"/>
+                  <a:lumOff val="25000"/>
+                </a:prstClr>
+              </a:solidFill>
+              <a:latin typeface="Segoe UI" panose="020B0502040204020203" pitchFamily="34" charset="0"/>
+              <a:cs typeface="Segoe UI" panose="020B0502040204020203" pitchFamily="34" charset="0"/>
+            </a:endParaRPr>
+          </a:p>
+          <a:p>
+            <a:pPr marL="0" indent="0" algn="l">
+              <a:lnSpc>
+                <a:spcPts val="1800"/>
+              </a:lnSpc>
+              <a:spcAft>
+                <a:spcPts val="600"/>
+              </a:spcAft>
+              <a:buNone/>
+            </a:pPr>
+            <a:r>
+              <a:rPr lang="en-US" sz="1400" b="1" dirty="0">
+                <a:solidFill>
+                  <a:prstClr val="black">
+                    <a:lumMod val="75000"/>
+                    <a:lumOff val="25000"/>
+                  </a:prstClr>
+                </a:solidFill>
+                <a:latin typeface="Segoe UI" panose="020B0502040204020203" pitchFamily="34" charset="0"/>
+                <a:cs typeface="Segoe UI" panose="020B0502040204020203" pitchFamily="34" charset="0"/>
+              </a:rPr>
+              <a:t>Flexibility in specification:</a:t>
+            </a:r>
+          </a:p>
+          <a:p>
+            <a:pPr marL="171450" indent="-171450" algn="l">
+              <a:lnSpc>
+                <a:spcPts val="1800"/>
+              </a:lnSpc>
+              <a:spcAft>
+                <a:spcPts val="600"/>
+              </a:spcAft>
+              <a:buFont typeface="Arial" panose="020B0604020202020204" pitchFamily="34" charset="0"/>
+              <a:buChar char="•"/>
+            </a:pPr>
+            <a:r>
+              <a:rPr lang="en-US" sz="1400" dirty="0">
+                <a:solidFill>
+                  <a:prstClr val="black">
+                    <a:lumMod val="75000"/>
+                    <a:lumOff val="25000"/>
+                  </a:prstClr>
+                </a:solidFill>
+                <a:latin typeface="Segoe UI" panose="020B0502040204020203" pitchFamily="34" charset="0"/>
+                <a:cs typeface="Segoe UI" panose="020B0502040204020203" pitchFamily="34" charset="0"/>
+              </a:rPr>
+              <a:t>This program accepts NetID and ranges for port numbers.</a:t>
+            </a:r>
+          </a:p>
+          <a:p>
+            <a:pPr marL="171450" indent="-171450" algn="l">
+              <a:lnSpc>
+                <a:spcPts val="1800"/>
+              </a:lnSpc>
+              <a:spcAft>
+                <a:spcPts val="600"/>
+              </a:spcAft>
+              <a:buFont typeface="Arial" panose="020B0604020202020204" pitchFamily="34" charset="0"/>
+              <a:buChar char="•"/>
+            </a:pPr>
+            <a:r>
+              <a:rPr lang="en-US" sz="1400" dirty="0">
+                <a:solidFill>
+                  <a:prstClr val="black">
+                    <a:lumMod val="75000"/>
+                    <a:lumOff val="25000"/>
+                  </a:prstClr>
+                </a:solidFill>
+                <a:latin typeface="Segoe UI" panose="020B0502040204020203" pitchFamily="34" charset="0"/>
+                <a:cs typeface="Segoe UI" panose="020B0502040204020203" pitchFamily="34" charset="0"/>
+              </a:rPr>
+              <a:t>Using different NetID increased the classification time. Using port ranges instead</a:t>
+            </a:r>
+          </a:p>
+          <a:p>
+            <a:pPr algn="l">
+              <a:lnSpc>
+                <a:spcPts val="1800"/>
+              </a:lnSpc>
+              <a:spcAft>
+                <a:spcPts val="600"/>
+              </a:spcAft>
+            </a:pPr>
+            <a:r>
+              <a:rPr lang="en-US" sz="1400" dirty="0">
+                <a:solidFill>
+                  <a:prstClr val="black">
+                    <a:lumMod val="75000"/>
+                    <a:lumOff val="25000"/>
+                  </a:prstClr>
+                </a:solidFill>
+                <a:latin typeface="Segoe UI" panose="020B0502040204020203" pitchFamily="34" charset="0"/>
+                <a:cs typeface="Segoe UI" panose="020B0502040204020203" pitchFamily="34" charset="0"/>
+              </a:rPr>
+              <a:t>of numbers did not increased the classification time significantly.</a:t>
+            </a:r>
+          </a:p>
+          <a:p>
+            <a:pPr marL="171450" indent="-171450" algn="l">
+              <a:lnSpc>
+                <a:spcPts val="1800"/>
+              </a:lnSpc>
+              <a:spcAft>
+                <a:spcPts val="600"/>
+              </a:spcAft>
+              <a:buFont typeface="Arial" panose="020B0604020202020204" pitchFamily="34" charset="0"/>
+              <a:buChar char="•"/>
+            </a:pPr>
+            <a:endParaRPr lang="en-US" sz="1400" dirty="0"/>
+          </a:p>
+          <a:p>
+            <a:pPr algn="l">
+              <a:lnSpc>
+                <a:spcPts val="1800"/>
+              </a:lnSpc>
+              <a:spcAft>
+                <a:spcPts val="600"/>
+              </a:spcAft>
+            </a:pPr>
+            <a:endParaRPr lang="en-US" sz="1400" dirty="0">
+              <a:solidFill>
+                <a:prstClr val="black">
+                  <a:lumMod val="75000"/>
+                  <a:lumOff val="25000"/>
+                </a:prstClr>
+              </a:solidFill>
+              <a:latin typeface="Segoe UI" panose="020B0502040204020203" pitchFamily="34" charset="0"/>
+              <a:cs typeface="Segoe UI" panose="020B0502040204020203" pitchFamily="34" charset="0"/>
+            </a:endParaRPr>
+          </a:p>
+        </p:txBody>
+      </p:sp>
+      <p:graphicFrame>
+        <p:nvGraphicFramePr>
+          <p:cNvPr id="9" name="Chart 8">
+            <a:extLst>
+              <a:ext uri="{FF2B5EF4-FFF2-40B4-BE49-F238E27FC236}">
+                <a16:creationId xmlns:a16="http://schemas.microsoft.com/office/drawing/2014/main" id="{F92247AD-67C2-404D-BB8D-FEA750DC1960}"/>
+              </a:ext>
+            </a:extLst>
+          </p:cNvPr>
+          <p:cNvGraphicFramePr>
+            <a:graphicFrameLocks/>
+          </p:cNvGraphicFramePr>
+          <p:nvPr>
+            <p:extLst>
+              <p:ext uri="{D42A27DB-BD31-4B8C-83A1-F6EECF244321}">
+                <p14:modId xmlns:p14="http://schemas.microsoft.com/office/powerpoint/2010/main" val="3888556801"/>
+              </p:ext>
+            </p:extLst>
+          </p:nvPr>
+        </p:nvGraphicFramePr>
+        <p:xfrm>
+          <a:off x="436179" y="3936124"/>
+          <a:ext cx="4572000" cy="2743200"/>
+        </p:xfrm>
+        <a:graphic>
+          <a:graphicData uri="http://schemas.openxmlformats.org/drawingml/2006/chart">
+            <c:chart xmlns:c="http://schemas.openxmlformats.org/drawingml/2006/chart" xmlns:r="http://schemas.openxmlformats.org/officeDocument/2006/relationships" r:id="rId4"/>
+          </a:graphicData>
+        </a:graphic>
+      </p:graphicFrame>
+    </p:spTree>
+    <p:extLst>
+      <p:ext uri="{BB962C8B-B14F-4D97-AF65-F5344CB8AC3E}">
+        <p14:creationId xmlns:p14="http://schemas.microsoft.com/office/powerpoint/2010/main" val="2414066741"/>
+      </p:ext>
+    </p:extLst>
+  </p:cSld>
+  <p:clrMapOvr>
+    <a:masterClrMapping/>
+  </p:clrMapOvr>
+</p:sld>
+</file>
+
+<file path=ppt/slides/slide11.xml><?xml version="1.0" encoding="utf-8"?>
+<p:sld xmlns:a="http://schemas.openxmlformats.org/drawingml/2006/main" xmlns:r="http://schemas.openxmlformats.org/officeDocument/2006/relationships" xmlns:p="http://schemas.openxmlformats.org/presentationml/2006/main">
+  <p:cSld>
+    <p:spTree>
+      <p:nvGrpSpPr>
+        <p:cNvPr id="1" name=""/>
+        <p:cNvGrpSpPr/>
+        <p:nvPr/>
+      </p:nvGrpSpPr>
+      <p:grpSpPr>
+        <a:xfrm>
+          <a:off x="0" y="0"/>
+          <a:ext cx="0" cy="0"/>
+          <a:chOff x="0" y="0"/>
+          <a:chExt cx="0" cy="0"/>
+        </a:xfrm>
+      </p:grpSpPr>
+      <p:sp>
+        <p:nvSpPr>
+          <p:cNvPr id="10" name="Title 9"/>
+          <p:cNvSpPr>
+            <a:spLocks noGrp="1"/>
+          </p:cNvSpPr>
+          <p:nvPr>
+            <p:ph type="title"/>
+          </p:nvPr>
+        </p:nvSpPr>
+        <p:spPr>
+          <a:xfrm>
+            <a:off x="521208" y="1536192"/>
+            <a:ext cx="6876288" cy="640080"/>
+          </a:xfrm>
+        </p:spPr>
+        <p:txBody>
+          <a:bodyPr>
+            <a:normAutofit/>
+          </a:bodyPr>
+          <a:lstStyle/>
+          <a:p>
+            <a:r>
+              <a:rPr lang="en-US" dirty="0">
+                <a:latin typeface="Segoe UI Light" panose="020B0502040204020203" pitchFamily="34" charset="0"/>
+                <a:cs typeface="Segoe UI Light" panose="020B0502040204020203" pitchFamily="34" charset="0"/>
+              </a:rPr>
+              <a:t>End</a:t>
+            </a:r>
+          </a:p>
+        </p:txBody>
+      </p:sp>
+      <p:sp>
+        <p:nvSpPr>
+          <p:cNvPr id="2" name="TextBox 1">
+            <a:extLst>
+              <a:ext uri="{FF2B5EF4-FFF2-40B4-BE49-F238E27FC236}">
+                <a16:creationId xmlns:a16="http://schemas.microsoft.com/office/drawing/2014/main" id="{296BDEEF-CA06-4C56-B0F8-3102D4E953E4}"/>
+              </a:ext>
+            </a:extLst>
+          </p:cNvPr>
+          <p:cNvSpPr txBox="1"/>
+          <p:nvPr/>
+        </p:nvSpPr>
+        <p:spPr>
+          <a:xfrm>
+            <a:off x="542229" y="3019096"/>
+            <a:ext cx="3573517" cy="819807"/>
+          </a:xfrm>
+          <a:prstGeom prst="rect">
+            <a:avLst/>
+          </a:prstGeom>
+        </p:spPr>
+        <p:txBody>
+          <a:bodyPr vert="horz" wrap="none" lIns="91440" tIns="45720" rIns="91440" bIns="45720" rtlCol="0">
+            <a:noAutofit/>
+          </a:bodyPr>
+          <a:lstStyle/>
+          <a:p>
+            <a:pPr marL="0" indent="0" algn="l">
+              <a:lnSpc>
+                <a:spcPts val="1800"/>
+              </a:lnSpc>
+              <a:spcAft>
+                <a:spcPts val="600"/>
+              </a:spcAft>
+              <a:buNone/>
+            </a:pPr>
+            <a:r>
+              <a:rPr lang="en-US" sz="3200" b="1" dirty="0">
+                <a:solidFill>
+                  <a:prstClr val="black">
+                    <a:lumMod val="75000"/>
+                    <a:lumOff val="25000"/>
+                  </a:prstClr>
+                </a:solidFill>
+                <a:latin typeface="Segoe UI" panose="020B0502040204020203" pitchFamily="34" charset="0"/>
+                <a:cs typeface="Segoe UI" panose="020B0502040204020203" pitchFamily="34" charset="0"/>
+              </a:rPr>
+              <a:t>Questions?</a:t>
+            </a:r>
+          </a:p>
+        </p:txBody>
+      </p:sp>
+    </p:spTree>
+    <p:extLst>
+      <p:ext uri="{BB962C8B-B14F-4D97-AF65-F5344CB8AC3E}">
+        <p14:creationId xmlns:p14="http://schemas.microsoft.com/office/powerpoint/2010/main" val="893025881"/>
+      </p:ext>
+    </p:extLst>
+  </p:cSld>
+  <p:clrMapOvr>
+    <a:masterClrMapping/>
+  </p:clrMapOvr>
+  <mc:AlternateContent xmlns:mc="http://schemas.openxmlformats.org/markup-compatibility/2006" xmlns:p15="http://schemas.microsoft.com/office/powerpoint/2012/main">
+    <mc:Choice Requires="p15">
+      <p:transition xmlns:p14="http://schemas.microsoft.com/office/powerpoint/2010/main" spd="slow" p14:dur="2000">
+        <p15:prstTrans prst="drape"/>
+      </p:transition>
+    </mc:Choice>
+    <mc:Fallback xmlns="">
+      <p:transition xmlns:p14="http://schemas.microsoft.com/office/powerpoint/2010/main" spd="slow">
+        <p:fade/>
+      </p:transition>
+    </mc:Fallback>
+  </mc:AlternateContent>
+</p:sld>
+</file>
+
 <file path=ppt/slides/slide2.xml><?xml version="1.0" encoding="utf-8"?>
 <p:sld xmlns:a="http://schemas.openxmlformats.org/drawingml/2006/main" xmlns:r="http://schemas.openxmlformats.org/officeDocument/2006/relationships" xmlns:p="http://schemas.openxmlformats.org/presentationml/2006/main">
   <p:cSld>
@@ -7489,7 +8224,7 @@
           <p:cNvPr id="2" name="Title 1">
             <a:extLst>
               <a:ext uri="{FF2B5EF4-FFF2-40B4-BE49-F238E27FC236}">
-                <a16:creationId xmlns:a16="http://schemas.microsoft.com/office/drawing/2014/main" id="{133ED516-A0B4-4D09-B6A3-A788188B6704}"/>
+                <a16:creationId xmlns:a16="http://schemas.microsoft.com/office/drawing/2014/main" id="{B0D7EBDB-8A0F-4DA8-8090-D4619D885EED}"/>
               </a:ext>
             </a:extLst>
           </p:cNvPr>
@@ -7502,569 +8237,20 @@
         </p:nvSpPr>
         <p:spPr/>
         <p:txBody>
-          <a:bodyPr>
-            <a:normAutofit/>
-          </a:bodyPr>
+          <a:bodyPr/>
           <a:lstStyle/>
           <a:p>
             <a:r>
               <a:rPr lang="en-US" dirty="0"/>
-              <a:t>Performance Evaluation – Time</a:t>
+              <a:t>Flow</a:t>
             </a:r>
           </a:p>
         </p:txBody>
       </p:sp>
-      <p:graphicFrame>
-        <p:nvGraphicFramePr>
-          <p:cNvPr id="6" name="Chart 5">
-            <a:extLst>
-              <a:ext uri="{FF2B5EF4-FFF2-40B4-BE49-F238E27FC236}">
-                <a16:creationId xmlns:a16="http://schemas.microsoft.com/office/drawing/2014/main" id="{6962B784-A1E4-4442-AE54-366BCEBB30AE}"/>
-              </a:ext>
-            </a:extLst>
-          </p:cNvPr>
-          <p:cNvGraphicFramePr>
-            <a:graphicFrameLocks/>
-          </p:cNvGraphicFramePr>
-          <p:nvPr>
-            <p:extLst>
-              <p:ext uri="{D42A27DB-BD31-4B8C-83A1-F6EECF244321}">
-                <p14:modId xmlns:p14="http://schemas.microsoft.com/office/powerpoint/2010/main" val="2646801903"/>
-              </p:ext>
-            </p:extLst>
-          </p:nvPr>
-        </p:nvGraphicFramePr>
-        <p:xfrm>
-          <a:off x="509752" y="1311165"/>
-          <a:ext cx="4572000" cy="2743200"/>
-        </p:xfrm>
-        <a:graphic>
-          <a:graphicData uri="http://schemas.openxmlformats.org/drawingml/2006/chart">
-            <c:chart xmlns:c="http://schemas.openxmlformats.org/drawingml/2006/chart" xmlns:r="http://schemas.openxmlformats.org/officeDocument/2006/relationships" r:id="rId3"/>
-          </a:graphicData>
-        </a:graphic>
-      </p:graphicFrame>
-      <p:sp>
-        <p:nvSpPr>
-          <p:cNvPr id="5" name="TextBox 4">
-            <a:extLst>
-              <a:ext uri="{FF2B5EF4-FFF2-40B4-BE49-F238E27FC236}">
-                <a16:creationId xmlns:a16="http://schemas.microsoft.com/office/drawing/2014/main" id="{D181127F-DF19-4B69-8DEE-77E9D36ABFA9}"/>
-              </a:ext>
-            </a:extLst>
-          </p:cNvPr>
-          <p:cNvSpPr txBox="1"/>
-          <p:nvPr/>
-        </p:nvSpPr>
-        <p:spPr>
-          <a:xfrm>
-            <a:off x="4987070" y="1311164"/>
-            <a:ext cx="6600496" cy="5268311"/>
-          </a:xfrm>
-          <a:prstGeom prst="rect">
-            <a:avLst/>
-          </a:prstGeom>
-        </p:spPr>
-        <p:txBody>
-          <a:bodyPr vert="horz" wrap="none" lIns="91440" tIns="45720" rIns="91440" bIns="45720" rtlCol="0">
-            <a:noAutofit/>
-          </a:bodyPr>
-          <a:lstStyle/>
-          <a:p>
-            <a:pPr marL="0" indent="0" algn="l">
-              <a:lnSpc>
-                <a:spcPts val="1800"/>
-              </a:lnSpc>
-              <a:spcAft>
-                <a:spcPts val="600"/>
-              </a:spcAft>
-              <a:buNone/>
-            </a:pPr>
-            <a:r>
-              <a:rPr lang="en-US" sz="1400" b="1" dirty="0">
-                <a:solidFill>
-                  <a:prstClr val="black">
-                    <a:lumMod val="75000"/>
-                    <a:lumOff val="25000"/>
-                  </a:prstClr>
-                </a:solidFill>
-                <a:latin typeface="Segoe UI" panose="020B0502040204020203" pitchFamily="34" charset="0"/>
-                <a:cs typeface="Segoe UI" panose="020B0502040204020203" pitchFamily="34" charset="0"/>
-              </a:rPr>
-              <a:t>Search Speed (Classification time):</a:t>
-            </a:r>
-          </a:p>
-          <a:p>
-            <a:pPr marL="171450" indent="-171450" algn="l">
-              <a:lnSpc>
-                <a:spcPts val="1800"/>
-              </a:lnSpc>
-              <a:spcAft>
-                <a:spcPts val="600"/>
-              </a:spcAft>
-              <a:buFont typeface="Arial" panose="020B0604020202020204" pitchFamily="34" charset="0"/>
-              <a:buChar char="•"/>
-            </a:pPr>
-            <a:r>
-              <a:rPr lang="en-US" sz="1400" dirty="0">
-                <a:solidFill>
-                  <a:prstClr val="black">
-                    <a:lumMod val="75000"/>
-                    <a:lumOff val="25000"/>
-                  </a:prstClr>
-                </a:solidFill>
-                <a:latin typeface="Segoe UI" panose="020B0502040204020203" pitchFamily="34" charset="0"/>
-                <a:cs typeface="Segoe UI" panose="020B0502040204020203" pitchFamily="34" charset="0"/>
-              </a:rPr>
-              <a:t>The total classification increases linearly with the incoming packets</a:t>
-            </a:r>
-          </a:p>
-          <a:p>
-            <a:pPr marL="0" indent="0" algn="l">
-              <a:lnSpc>
-                <a:spcPts val="1800"/>
-              </a:lnSpc>
-              <a:spcAft>
-                <a:spcPts val="600"/>
-              </a:spcAft>
-              <a:buNone/>
-            </a:pPr>
-            <a:endParaRPr lang="en-US" sz="1400" b="1" dirty="0">
-              <a:solidFill>
-                <a:prstClr val="black">
-                  <a:lumMod val="75000"/>
-                  <a:lumOff val="25000"/>
-                </a:prstClr>
-              </a:solidFill>
-              <a:latin typeface="Segoe UI" panose="020B0502040204020203" pitchFamily="34" charset="0"/>
-              <a:cs typeface="Segoe UI" panose="020B0502040204020203" pitchFamily="34" charset="0"/>
-            </a:endParaRPr>
-          </a:p>
-          <a:p>
-            <a:pPr marL="0" indent="0" algn="l">
-              <a:lnSpc>
-                <a:spcPts val="1800"/>
-              </a:lnSpc>
-              <a:spcAft>
-                <a:spcPts val="600"/>
-              </a:spcAft>
-              <a:buNone/>
-            </a:pPr>
-            <a:r>
-              <a:rPr lang="en-US" sz="1400" b="1" strike="sngStrike" dirty="0">
-                <a:solidFill>
-                  <a:prstClr val="black">
-                    <a:lumMod val="75000"/>
-                    <a:lumOff val="25000"/>
-                  </a:prstClr>
-                </a:solidFill>
-                <a:latin typeface="Segoe UI" panose="020B0502040204020203" pitchFamily="34" charset="0"/>
-                <a:cs typeface="Segoe UI" panose="020B0502040204020203" pitchFamily="34" charset="0"/>
-              </a:rPr>
-              <a:t>Storage requirement (memory):</a:t>
-            </a:r>
-          </a:p>
-          <a:p>
-            <a:pPr marL="171450" indent="-171450" algn="l">
-              <a:lnSpc>
-                <a:spcPts val="1800"/>
-              </a:lnSpc>
-              <a:spcAft>
-                <a:spcPts val="600"/>
-              </a:spcAft>
-              <a:buFont typeface="Arial" panose="020B0604020202020204" pitchFamily="34" charset="0"/>
-              <a:buChar char="•"/>
-            </a:pPr>
-            <a:r>
-              <a:rPr lang="en-US" sz="1400" dirty="0">
-                <a:solidFill>
-                  <a:prstClr val="black">
-                    <a:lumMod val="75000"/>
-                    <a:lumOff val="25000"/>
-                  </a:prstClr>
-                </a:solidFill>
-                <a:latin typeface="Segoe UI" panose="020B0502040204020203" pitchFamily="34" charset="0"/>
-                <a:cs typeface="Segoe UI" panose="020B0502040204020203" pitchFamily="34" charset="0"/>
-              </a:rPr>
-              <a:t>evaluation was not successful since the outcome measurements were inaccurate.</a:t>
-            </a:r>
-          </a:p>
-          <a:p>
-            <a:pPr marL="171450" indent="-171450" algn="l">
-              <a:lnSpc>
-                <a:spcPts val="1800"/>
-              </a:lnSpc>
-              <a:spcAft>
-                <a:spcPts val="600"/>
-              </a:spcAft>
-              <a:buFont typeface="Arial" panose="020B0604020202020204" pitchFamily="34" charset="0"/>
-              <a:buChar char="•"/>
-            </a:pPr>
-            <a:endParaRPr lang="en-US" sz="1400" dirty="0">
-              <a:solidFill>
-                <a:prstClr val="black">
-                  <a:lumMod val="75000"/>
-                  <a:lumOff val="25000"/>
-                </a:prstClr>
-              </a:solidFill>
-              <a:latin typeface="Segoe UI" panose="020B0502040204020203" pitchFamily="34" charset="0"/>
-              <a:cs typeface="Segoe UI" panose="020B0502040204020203" pitchFamily="34" charset="0"/>
-            </a:endParaRPr>
-          </a:p>
-          <a:p>
-            <a:pPr marL="0" indent="0" algn="l">
-              <a:lnSpc>
-                <a:spcPts val="1800"/>
-              </a:lnSpc>
-              <a:spcAft>
-                <a:spcPts val="600"/>
-              </a:spcAft>
-              <a:buNone/>
-            </a:pPr>
-            <a:r>
-              <a:rPr lang="en-US" sz="1400" b="1" dirty="0">
-                <a:solidFill>
-                  <a:prstClr val="black">
-                    <a:lumMod val="75000"/>
-                    <a:lumOff val="25000"/>
-                  </a:prstClr>
-                </a:solidFill>
-                <a:latin typeface="Segoe UI" panose="020B0502040204020203" pitchFamily="34" charset="0"/>
-                <a:cs typeface="Segoe UI" panose="020B0502040204020203" pitchFamily="34" charset="0"/>
-              </a:rPr>
-              <a:t>Scalability:</a:t>
-            </a:r>
-          </a:p>
-          <a:p>
-            <a:pPr marL="171450" indent="-171450" algn="l">
-              <a:lnSpc>
-                <a:spcPts val="1800"/>
-              </a:lnSpc>
-              <a:spcAft>
-                <a:spcPts val="600"/>
-              </a:spcAft>
-              <a:buFont typeface="Arial" panose="020B0604020202020204" pitchFamily="34" charset="0"/>
-              <a:buChar char="•"/>
-            </a:pPr>
-            <a:r>
-              <a:rPr lang="en-US" sz="1400" dirty="0">
-                <a:solidFill>
-                  <a:prstClr val="black">
-                    <a:lumMod val="75000"/>
-                    <a:lumOff val="25000"/>
-                  </a:prstClr>
-                </a:solidFill>
-                <a:latin typeface="Segoe UI" panose="020B0502040204020203" pitchFamily="34" charset="0"/>
-                <a:cs typeface="Segoe UI" panose="020B0502040204020203" pitchFamily="34" charset="0"/>
-              </a:rPr>
-              <a:t>Size: classified 1 Million entries in 14425 </a:t>
-            </a:r>
-            <a:r>
-              <a:rPr lang="en-US" sz="1400" dirty="0" err="1">
-                <a:solidFill>
-                  <a:prstClr val="black">
-                    <a:lumMod val="75000"/>
-                    <a:lumOff val="25000"/>
-                  </a:prstClr>
-                </a:solidFill>
-                <a:latin typeface="Segoe UI" panose="020B0502040204020203" pitchFamily="34" charset="0"/>
-                <a:cs typeface="Segoe UI" panose="020B0502040204020203" pitchFamily="34" charset="0"/>
-              </a:rPr>
-              <a:t>ms</a:t>
-            </a:r>
-            <a:endParaRPr lang="en-US" sz="1400" dirty="0">
-              <a:solidFill>
-                <a:prstClr val="black">
-                  <a:lumMod val="75000"/>
-                  <a:lumOff val="25000"/>
-                </a:prstClr>
-              </a:solidFill>
-              <a:latin typeface="Segoe UI" panose="020B0502040204020203" pitchFamily="34" charset="0"/>
-              <a:cs typeface="Segoe UI" panose="020B0502040204020203" pitchFamily="34" charset="0"/>
-            </a:endParaRPr>
-          </a:p>
-          <a:p>
-            <a:pPr marL="171450" indent="-171450" algn="l">
-              <a:lnSpc>
-                <a:spcPts val="1800"/>
-              </a:lnSpc>
-              <a:spcAft>
-                <a:spcPts val="600"/>
-              </a:spcAft>
-              <a:buFont typeface="Arial" panose="020B0604020202020204" pitchFamily="34" charset="0"/>
-              <a:buChar char="•"/>
-            </a:pPr>
-            <a:r>
-              <a:rPr lang="en-US" sz="1400" dirty="0">
-                <a:solidFill>
-                  <a:prstClr val="black">
-                    <a:lumMod val="75000"/>
-                    <a:lumOff val="25000"/>
-                  </a:prstClr>
-                </a:solidFill>
-                <a:latin typeface="Segoe UI" panose="020B0502040204020203" pitchFamily="34" charset="0"/>
-                <a:cs typeface="Segoe UI" panose="020B0502040204020203" pitchFamily="34" charset="0"/>
-              </a:rPr>
-              <a:t>Header fields: this program doesn’t accept dynamic dimension of classifiers.</a:t>
-            </a:r>
-          </a:p>
-          <a:p>
-            <a:pPr marL="0" indent="0" algn="l">
-              <a:lnSpc>
-                <a:spcPts val="1800"/>
-              </a:lnSpc>
-              <a:spcAft>
-                <a:spcPts val="600"/>
-              </a:spcAft>
-              <a:buNone/>
-            </a:pPr>
-            <a:endParaRPr lang="en-US" sz="1400" b="1" dirty="0">
-              <a:solidFill>
-                <a:prstClr val="black">
-                  <a:lumMod val="75000"/>
-                  <a:lumOff val="25000"/>
-                </a:prstClr>
-              </a:solidFill>
-              <a:latin typeface="Segoe UI" panose="020B0502040204020203" pitchFamily="34" charset="0"/>
-              <a:cs typeface="Segoe UI" panose="020B0502040204020203" pitchFamily="34" charset="0"/>
-            </a:endParaRPr>
-          </a:p>
-          <a:p>
-            <a:pPr marL="0" indent="0" algn="l">
-              <a:lnSpc>
-                <a:spcPts val="1800"/>
-              </a:lnSpc>
-              <a:spcAft>
-                <a:spcPts val="600"/>
-              </a:spcAft>
-              <a:buNone/>
-            </a:pPr>
-            <a:r>
-              <a:rPr lang="en-US" sz="1400" b="1" strike="sngStrike" dirty="0">
-                <a:solidFill>
-                  <a:prstClr val="black">
-                    <a:lumMod val="75000"/>
-                    <a:lumOff val="25000"/>
-                  </a:prstClr>
-                </a:solidFill>
-                <a:latin typeface="Segoe UI" panose="020B0502040204020203" pitchFamily="34" charset="0"/>
-                <a:cs typeface="Segoe UI" panose="020B0502040204020203" pitchFamily="34" charset="0"/>
-              </a:rPr>
-              <a:t>Update time:</a:t>
-            </a:r>
-          </a:p>
-          <a:p>
-            <a:pPr marL="171450" indent="-171450">
-              <a:lnSpc>
-                <a:spcPts val="1800"/>
-              </a:lnSpc>
-              <a:spcAft>
-                <a:spcPts val="600"/>
-              </a:spcAft>
-              <a:buFont typeface="Arial" panose="020B0604020202020204" pitchFamily="34" charset="0"/>
-              <a:buChar char="•"/>
-            </a:pPr>
-            <a:r>
-              <a:rPr lang="en-US" sz="1400" dirty="0">
-                <a:solidFill>
-                  <a:prstClr val="black">
-                    <a:lumMod val="75000"/>
-                    <a:lumOff val="25000"/>
-                  </a:prstClr>
-                </a:solidFill>
-                <a:latin typeface="Segoe UI" panose="020B0502040204020203" pitchFamily="34" charset="0"/>
-                <a:cs typeface="Segoe UI" panose="020B0502040204020203" pitchFamily="34" charset="0"/>
-              </a:rPr>
-              <a:t>This program doesn’t consider updates of rules in its algorithm.</a:t>
-            </a:r>
-          </a:p>
-          <a:p>
-            <a:pPr marL="0" indent="0" algn="l">
-              <a:lnSpc>
-                <a:spcPts val="1800"/>
-              </a:lnSpc>
-              <a:spcAft>
-                <a:spcPts val="600"/>
-              </a:spcAft>
-              <a:buNone/>
-            </a:pPr>
-            <a:endParaRPr lang="en-US" sz="1400" b="1" dirty="0">
-              <a:solidFill>
-                <a:prstClr val="black">
-                  <a:lumMod val="75000"/>
-                  <a:lumOff val="25000"/>
-                </a:prstClr>
-              </a:solidFill>
-              <a:latin typeface="Segoe UI" panose="020B0502040204020203" pitchFamily="34" charset="0"/>
-              <a:cs typeface="Segoe UI" panose="020B0502040204020203" pitchFamily="34" charset="0"/>
-            </a:endParaRPr>
-          </a:p>
-          <a:p>
-            <a:pPr marL="0" indent="0" algn="l">
-              <a:lnSpc>
-                <a:spcPts val="1800"/>
-              </a:lnSpc>
-              <a:spcAft>
-                <a:spcPts val="600"/>
-              </a:spcAft>
-              <a:buNone/>
-            </a:pPr>
-            <a:r>
-              <a:rPr lang="en-US" sz="1400" b="1" dirty="0">
-                <a:solidFill>
-                  <a:prstClr val="black">
-                    <a:lumMod val="75000"/>
-                    <a:lumOff val="25000"/>
-                  </a:prstClr>
-                </a:solidFill>
-                <a:latin typeface="Segoe UI" panose="020B0502040204020203" pitchFamily="34" charset="0"/>
-                <a:cs typeface="Segoe UI" panose="020B0502040204020203" pitchFamily="34" charset="0"/>
-              </a:rPr>
-              <a:t>Flexibility in specification:</a:t>
-            </a:r>
-          </a:p>
-          <a:p>
-            <a:pPr marL="171450" indent="-171450" algn="l">
-              <a:lnSpc>
-                <a:spcPts val="1800"/>
-              </a:lnSpc>
-              <a:spcAft>
-                <a:spcPts val="600"/>
-              </a:spcAft>
-              <a:buFont typeface="Arial" panose="020B0604020202020204" pitchFamily="34" charset="0"/>
-              <a:buChar char="•"/>
-            </a:pPr>
-            <a:r>
-              <a:rPr lang="en-US" sz="1400" dirty="0">
-                <a:solidFill>
-                  <a:prstClr val="black">
-                    <a:lumMod val="75000"/>
-                    <a:lumOff val="25000"/>
-                  </a:prstClr>
-                </a:solidFill>
-                <a:latin typeface="Segoe UI" panose="020B0502040204020203" pitchFamily="34" charset="0"/>
-                <a:cs typeface="Segoe UI" panose="020B0502040204020203" pitchFamily="34" charset="0"/>
-              </a:rPr>
-              <a:t>This program accepts NetID and ranges for port numbers.</a:t>
-            </a:r>
-          </a:p>
-          <a:p>
-            <a:pPr marL="171450" indent="-171450" algn="l">
-              <a:lnSpc>
-                <a:spcPts val="1800"/>
-              </a:lnSpc>
-              <a:spcAft>
-                <a:spcPts val="600"/>
-              </a:spcAft>
-              <a:buFont typeface="Arial" panose="020B0604020202020204" pitchFamily="34" charset="0"/>
-              <a:buChar char="•"/>
-            </a:pPr>
-            <a:r>
-              <a:rPr lang="en-US" sz="1400" dirty="0">
-                <a:solidFill>
-                  <a:prstClr val="black">
-                    <a:lumMod val="75000"/>
-                    <a:lumOff val="25000"/>
-                  </a:prstClr>
-                </a:solidFill>
-                <a:latin typeface="Segoe UI" panose="020B0502040204020203" pitchFamily="34" charset="0"/>
-                <a:cs typeface="Segoe UI" panose="020B0502040204020203" pitchFamily="34" charset="0"/>
-              </a:rPr>
-              <a:t>Using different NetID increased the classification time. Using port ranges instead</a:t>
-            </a:r>
-          </a:p>
-          <a:p>
-            <a:pPr algn="l">
-              <a:lnSpc>
-                <a:spcPts val="1800"/>
-              </a:lnSpc>
-              <a:spcAft>
-                <a:spcPts val="600"/>
-              </a:spcAft>
-            </a:pPr>
-            <a:r>
-              <a:rPr lang="en-US" sz="1400" dirty="0">
-                <a:solidFill>
-                  <a:prstClr val="black">
-                    <a:lumMod val="75000"/>
-                    <a:lumOff val="25000"/>
-                  </a:prstClr>
-                </a:solidFill>
-                <a:latin typeface="Segoe UI" panose="020B0502040204020203" pitchFamily="34" charset="0"/>
-                <a:cs typeface="Segoe UI" panose="020B0502040204020203" pitchFamily="34" charset="0"/>
-              </a:rPr>
-              <a:t>of numbers did not increased the classification time significantly.</a:t>
-            </a:r>
-          </a:p>
-          <a:p>
-            <a:pPr marL="171450" indent="-171450" algn="l">
-              <a:lnSpc>
-                <a:spcPts val="1800"/>
-              </a:lnSpc>
-              <a:spcAft>
-                <a:spcPts val="600"/>
-              </a:spcAft>
-              <a:buFont typeface="Arial" panose="020B0604020202020204" pitchFamily="34" charset="0"/>
-              <a:buChar char="•"/>
-            </a:pPr>
-            <a:endParaRPr lang="en-US" sz="1400" dirty="0"/>
-          </a:p>
-          <a:p>
-            <a:pPr algn="l">
-              <a:lnSpc>
-                <a:spcPts val="1800"/>
-              </a:lnSpc>
-              <a:spcAft>
-                <a:spcPts val="600"/>
-              </a:spcAft>
-            </a:pPr>
-            <a:endParaRPr lang="en-US" sz="1400" dirty="0">
-              <a:solidFill>
-                <a:prstClr val="black">
-                  <a:lumMod val="75000"/>
-                  <a:lumOff val="25000"/>
-                </a:prstClr>
-              </a:solidFill>
-              <a:latin typeface="Segoe UI" panose="020B0502040204020203" pitchFamily="34" charset="0"/>
-              <a:cs typeface="Segoe UI" panose="020B0502040204020203" pitchFamily="34" charset="0"/>
-            </a:endParaRPr>
-          </a:p>
-        </p:txBody>
-      </p:sp>
-      <p:graphicFrame>
-        <p:nvGraphicFramePr>
-          <p:cNvPr id="9" name="Chart 8">
-            <a:extLst>
-              <a:ext uri="{FF2B5EF4-FFF2-40B4-BE49-F238E27FC236}">
-                <a16:creationId xmlns:a16="http://schemas.microsoft.com/office/drawing/2014/main" id="{F92247AD-67C2-404D-BB8D-FEA750DC1960}"/>
-              </a:ext>
-            </a:extLst>
-          </p:cNvPr>
-          <p:cNvGraphicFramePr>
-            <a:graphicFrameLocks/>
-          </p:cNvGraphicFramePr>
-          <p:nvPr>
-            <p:extLst>
-              <p:ext uri="{D42A27DB-BD31-4B8C-83A1-F6EECF244321}">
-                <p14:modId xmlns:p14="http://schemas.microsoft.com/office/powerpoint/2010/main" val="3888556801"/>
-              </p:ext>
-            </p:extLst>
-          </p:nvPr>
-        </p:nvGraphicFramePr>
-        <p:xfrm>
-          <a:off x="436179" y="3936124"/>
-          <a:ext cx="4572000" cy="2743200"/>
-        </p:xfrm>
-        <a:graphic>
-          <a:graphicData uri="http://schemas.openxmlformats.org/drawingml/2006/chart">
-            <c:chart xmlns:c="http://schemas.openxmlformats.org/drawingml/2006/chart" xmlns:r="http://schemas.openxmlformats.org/officeDocument/2006/relationships" r:id="rId4"/>
-          </a:graphicData>
-        </a:graphic>
-      </p:graphicFrame>
     </p:spTree>
     <p:extLst>
       <p:ext uri="{BB962C8B-B14F-4D97-AF65-F5344CB8AC3E}">
-        <p14:creationId xmlns:p14="http://schemas.microsoft.com/office/powerpoint/2010/main" val="2414066741"/>
+        <p14:creationId xmlns:p14="http://schemas.microsoft.com/office/powerpoint/2010/main" val="2059633017"/>
       </p:ext>
     </p:extLst>
   </p:cSld>
@@ -8093,7 +8279,13 @@
       </p:grpSpPr>
       <p:sp>
         <p:nvSpPr>
-          <p:cNvPr id="10" name="Title 9"/>
+          <p:cNvPr id="2" name="Title 1">
+            <a:extLst>
+              <a:ext uri="{FF2B5EF4-FFF2-40B4-BE49-F238E27FC236}">
+                <a16:creationId xmlns:a16="http://schemas.microsoft.com/office/drawing/2014/main" id="{6D65D2DD-E0B7-4913-A30F-1803DEE4B489}"/>
+              </a:ext>
+            </a:extLst>
+          </p:cNvPr>
           <p:cNvSpPr>
             <a:spLocks noGrp="1"/>
           </p:cNvSpPr>
@@ -8101,102 +8293,25 @@
             <p:ph type="title"/>
           </p:nvPr>
         </p:nvSpPr>
-        <p:spPr>
-          <a:xfrm>
-            <a:off x="521208" y="1536192"/>
-            <a:ext cx="6876288" cy="640080"/>
-          </a:xfrm>
-        </p:spPr>
+        <p:spPr/>
         <p:txBody>
-          <a:bodyPr>
-            <a:normAutofit/>
-          </a:bodyPr>
+          <a:bodyPr/>
           <a:lstStyle/>
           <a:p>
-            <a:r>
-              <a:rPr lang="en-US" dirty="0">
-                <a:latin typeface="Segoe UI Light" panose="020B0502040204020203" pitchFamily="34" charset="0"/>
-                <a:cs typeface="Segoe UI Light" panose="020B0502040204020203" pitchFamily="34" charset="0"/>
-              </a:rPr>
-              <a:t>End</a:t>
-            </a:r>
-          </a:p>
-        </p:txBody>
-      </p:sp>
-      <p:sp>
-        <p:nvSpPr>
-          <p:cNvPr id="2" name="TextBox 1">
-            <a:extLst>
-              <a:ext uri="{FF2B5EF4-FFF2-40B4-BE49-F238E27FC236}">
-                <a16:creationId xmlns:a16="http://schemas.microsoft.com/office/drawing/2014/main" id="{296BDEEF-CA06-4C56-B0F8-3102D4E953E4}"/>
-              </a:ext>
-            </a:extLst>
-          </p:cNvPr>
-          <p:cNvSpPr txBox="1"/>
-          <p:nvPr/>
-        </p:nvSpPr>
-        <p:spPr>
-          <a:xfrm>
-            <a:off x="542229" y="3019096"/>
-            <a:ext cx="3573517" cy="819807"/>
-          </a:xfrm>
-          <a:prstGeom prst="rect">
-            <a:avLst/>
-          </a:prstGeom>
-        </p:spPr>
-        <p:txBody>
-          <a:bodyPr vert="horz" wrap="none" lIns="91440" tIns="45720" rIns="91440" bIns="45720" rtlCol="0">
-            <a:noAutofit/>
-          </a:bodyPr>
-          <a:lstStyle/>
-          <a:p>
-            <a:pPr marL="0" indent="0" algn="l">
-              <a:lnSpc>
-                <a:spcPts val="1800"/>
-              </a:lnSpc>
-              <a:spcAft>
-                <a:spcPts val="600"/>
-              </a:spcAft>
-              <a:buNone/>
-            </a:pPr>
-            <a:r>
-              <a:rPr lang="en-US" sz="3200" b="1" dirty="0">
-                <a:solidFill>
-                  <a:prstClr val="black">
-                    <a:lumMod val="75000"/>
-                    <a:lumOff val="25000"/>
-                  </a:prstClr>
-                </a:solidFill>
-                <a:latin typeface="Segoe UI" panose="020B0502040204020203" pitchFamily="34" charset="0"/>
-                <a:cs typeface="Segoe UI" panose="020B0502040204020203" pitchFamily="34" charset="0"/>
-              </a:rPr>
-              <a:t>Questions?</a:t>
-            </a:r>
+            <a:endParaRPr lang="en-US" dirty="0"/>
           </a:p>
         </p:txBody>
       </p:sp>
     </p:spTree>
     <p:extLst>
       <p:ext uri="{BB962C8B-B14F-4D97-AF65-F5344CB8AC3E}">
-        <p14:creationId xmlns:p14="http://schemas.microsoft.com/office/powerpoint/2010/main" val="893025881"/>
+        <p14:creationId xmlns:p14="http://schemas.microsoft.com/office/powerpoint/2010/main" val="3027493990"/>
       </p:ext>
     </p:extLst>
   </p:cSld>
   <p:clrMapOvr>
     <a:masterClrMapping/>
   </p:clrMapOvr>
-  <mc:AlternateContent xmlns:mc="http://schemas.openxmlformats.org/markup-compatibility/2006" xmlns:p15="http://schemas.microsoft.com/office/powerpoint/2012/main">
-    <mc:Choice Requires="p15">
-      <p:transition xmlns:p14="http://schemas.microsoft.com/office/powerpoint/2010/main" spd="slow" p14:dur="2000">
-        <p15:prstTrans prst="drape"/>
-      </p:transition>
-    </mc:Choice>
-    <mc:Fallback xmlns="">
-      <p:transition xmlns:p14="http://schemas.microsoft.com/office/powerpoint/2010/main" spd="slow">
-        <p:fade/>
-      </p:transition>
-    </mc:Fallback>
-  </mc:AlternateContent>
 </p:sld>
 </file>
 

--- a/presentation/Packet classification.pptx
+++ b/presentation/Packet classification.pptx
@@ -5,7 +5,7 @@
     <p:sldMasterId id="2147483648" r:id="rId1"/>
   </p:sldMasterIdLst>
   <p:notesMasterIdLst>
-    <p:notesMasterId r:id="rId19"/>
+    <p:notesMasterId r:id="rId22"/>
   </p:notesMasterIdLst>
   <p:sldIdLst>
     <p:sldId id="256" r:id="rId2"/>
@@ -22,9 +22,12 @@
     <p:sldId id="296" r:id="rId13"/>
     <p:sldId id="297" r:id="rId14"/>
     <p:sldId id="299" r:id="rId15"/>
-    <p:sldId id="291" r:id="rId16"/>
-    <p:sldId id="288" r:id="rId17"/>
-    <p:sldId id="282" r:id="rId18"/>
+    <p:sldId id="300" r:id="rId16"/>
+    <p:sldId id="301" r:id="rId17"/>
+    <p:sldId id="302" r:id="rId18"/>
+    <p:sldId id="291" r:id="rId19"/>
+    <p:sldId id="288" r:id="rId20"/>
+    <p:sldId id="282" r:id="rId21"/>
   </p:sldIdLst>
   <p:sldSz cx="12192000" cy="6858000"/>
   <p:notesSz cx="6858000" cy="9144000"/>
@@ -728,943 +731,6 @@
 </c:chartSpace>
 </file>
 
-<file path=ppt/charts/chart2.xml><?xml version="1.0" encoding="utf-8"?>
-<c:chartSpace xmlns:c="http://schemas.openxmlformats.org/drawingml/2006/chart" xmlns:a="http://schemas.openxmlformats.org/drawingml/2006/main" xmlns:r="http://schemas.openxmlformats.org/officeDocument/2006/relationships" xmlns:c16r2="http://schemas.microsoft.com/office/drawing/2015/06/chart">
-  <c:date1904 val="0"/>
-  <c:lang val="en-US"/>
-  <c:roundedCorners val="0"/>
-  <mc:AlternateContent xmlns:mc="http://schemas.openxmlformats.org/markup-compatibility/2006">
-    <mc:Choice xmlns:c14="http://schemas.microsoft.com/office/drawing/2007/8/2/chart" Requires="c14">
-      <c14:style val="102"/>
-    </mc:Choice>
-    <mc:Fallback>
-      <c:style val="2"/>
-    </mc:Fallback>
-  </mc:AlternateContent>
-  <c:chart>
-    <c:title>
-      <c:overlay val="0"/>
-      <c:spPr>
-        <a:noFill/>
-        <a:ln>
-          <a:noFill/>
-        </a:ln>
-        <a:effectLst/>
-      </c:spPr>
-      <c:txPr>
-        <a:bodyPr rot="0" spcFirstLastPara="1" vertOverflow="ellipsis" vert="horz" wrap="square" anchor="ctr" anchorCtr="1"/>
-        <a:lstStyle/>
-        <a:p>
-          <a:pPr>
-            <a:defRPr sz="1400" b="0" i="0" u="none" strike="noStrike" kern="1200" spc="0" baseline="0">
-              <a:solidFill>
-                <a:schemeClr val="tx1">
-                  <a:lumMod val="65000"/>
-                  <a:lumOff val="35000"/>
-                </a:schemeClr>
-              </a:solidFill>
-              <a:latin typeface="+mn-lt"/>
-              <a:ea typeface="+mn-ea"/>
-              <a:cs typeface="+mn-cs"/>
-            </a:defRPr>
-          </a:pPr>
-          <a:endParaRPr lang="en-US"/>
-        </a:p>
-      </c:txPr>
-    </c:title>
-    <c:autoTitleDeleted val="0"/>
-    <c:plotArea>
-      <c:layout/>
-      <c:scatterChart>
-        <c:scatterStyle val="smoothMarker"/>
-        <c:varyColors val="0"/>
-        <c:ser>
-          <c:idx val="0"/>
-          <c:order val="0"/>
-          <c:tx>
-            <c:strRef>
-              <c:f>Sheet1!$C$1</c:f>
-              <c:strCache>
-                <c:ptCount val="1"/>
-                <c:pt idx="0">
-                  <c:v>Time (ms)</c:v>
-                </c:pt>
-              </c:strCache>
-            </c:strRef>
-          </c:tx>
-          <c:spPr>
-            <a:ln w="19050" cap="rnd">
-              <a:solidFill>
-                <a:schemeClr val="accent1"/>
-              </a:solidFill>
-              <a:round/>
-            </a:ln>
-            <a:effectLst/>
-          </c:spPr>
-          <c:marker>
-            <c:symbol val="circle"/>
-            <c:size val="5"/>
-            <c:spPr>
-              <a:solidFill>
-                <a:schemeClr val="accent1"/>
-              </a:solidFill>
-              <a:ln w="9525">
-                <a:solidFill>
-                  <a:schemeClr val="accent1"/>
-                </a:solidFill>
-              </a:ln>
-              <a:effectLst/>
-            </c:spPr>
-          </c:marker>
-          <c:dLbls>
-            <c:spPr>
-              <a:noFill/>
-              <a:ln>
-                <a:noFill/>
-              </a:ln>
-              <a:effectLst/>
-            </c:spPr>
-            <c:txPr>
-              <a:bodyPr rot="0" spcFirstLastPara="1" vertOverflow="ellipsis" vert="horz" wrap="square" lIns="38100" tIns="19050" rIns="38100" bIns="19050" anchor="ctr" anchorCtr="1">
-                <a:spAutoFit/>
-              </a:bodyPr>
-              <a:lstStyle/>
-              <a:p>
-                <a:pPr>
-                  <a:defRPr sz="900" b="0" i="0" u="none" strike="noStrike" kern="1200" baseline="0">
-                    <a:solidFill>
-                      <a:schemeClr val="tx1">
-                        <a:lumMod val="75000"/>
-                        <a:lumOff val="25000"/>
-                      </a:schemeClr>
-                    </a:solidFill>
-                    <a:latin typeface="+mn-lt"/>
-                    <a:ea typeface="+mn-ea"/>
-                    <a:cs typeface="+mn-cs"/>
-                  </a:defRPr>
-                </a:pPr>
-                <a:endParaRPr lang="en-US"/>
-              </a:p>
-            </c:txPr>
-            <c:dLblPos val="t"/>
-            <c:showLegendKey val="0"/>
-            <c:showVal val="1"/>
-            <c:showCatName val="0"/>
-            <c:showSerName val="0"/>
-            <c:showPercent val="0"/>
-            <c:showBubbleSize val="0"/>
-            <c:showLeaderLines val="0"/>
-            <c:extLst>
-              <c:ext xmlns:c15="http://schemas.microsoft.com/office/drawing/2012/chart" uri="{CE6537A1-D6FC-4f65-9D91-7224C49458BB}">
-                <c15:showLeaderLines val="1"/>
-                <c15:leaderLines>
-                  <c:spPr>
-                    <a:ln w="9525" cap="flat" cmpd="sng" algn="ctr">
-                      <a:solidFill>
-                        <a:schemeClr val="tx1">
-                          <a:lumMod val="35000"/>
-                          <a:lumOff val="65000"/>
-                        </a:schemeClr>
-                      </a:solidFill>
-                      <a:round/>
-                    </a:ln>
-                    <a:effectLst/>
-                  </c:spPr>
-                </c15:leaderLines>
-              </c:ext>
-            </c:extLst>
-          </c:dLbls>
-          <c:xVal>
-            <c:numRef>
-              <c:f>Sheet1!$B$2:$B$16</c:f>
-              <c:numCache>
-                <c:formatCode>General</c:formatCode>
-                <c:ptCount val="3"/>
-                <c:pt idx="0">
-                  <c:v>1</c:v>
-                </c:pt>
-                <c:pt idx="1">
-                  <c:v>10</c:v>
-                </c:pt>
-                <c:pt idx="2">
-                  <c:v>100</c:v>
-                </c:pt>
-              </c:numCache>
-            </c:numRef>
-          </c:xVal>
-          <c:yVal>
-            <c:numRef>
-              <c:f>Sheet1!$C$2:$C$16</c:f>
-              <c:numCache>
-                <c:formatCode>General</c:formatCode>
-                <c:ptCount val="3"/>
-                <c:pt idx="0">
-                  <c:v>2334</c:v>
-                </c:pt>
-                <c:pt idx="1">
-                  <c:v>6064</c:v>
-                </c:pt>
-                <c:pt idx="2">
-                  <c:v>14425</c:v>
-                </c:pt>
-              </c:numCache>
-            </c:numRef>
-          </c:yVal>
-          <c:smooth val="1"/>
-          <c:extLst>
-            <c:ext xmlns:c16="http://schemas.microsoft.com/office/drawing/2014/chart" uri="{C3380CC4-5D6E-409C-BE32-E72D297353CC}">
-              <c16:uniqueId val="{00000000-A23A-4D6B-8160-33C8F33ACAE7}"/>
-            </c:ext>
-          </c:extLst>
-        </c:ser>
-        <c:dLbls>
-          <c:dLblPos val="t"/>
-          <c:showLegendKey val="0"/>
-          <c:showVal val="1"/>
-          <c:showCatName val="0"/>
-          <c:showSerName val="0"/>
-          <c:showPercent val="0"/>
-          <c:showBubbleSize val="0"/>
-        </c:dLbls>
-        <c:axId val="1901267024"/>
-        <c:axId val="1688723392"/>
-      </c:scatterChart>
-      <c:valAx>
-        <c:axId val="1901267024"/>
-        <c:scaling>
-          <c:orientation val="minMax"/>
-        </c:scaling>
-        <c:delete val="0"/>
-        <c:axPos val="b"/>
-        <c:title>
-          <c:tx>
-            <c:rich>
-              <a:bodyPr rot="0" spcFirstLastPara="1" vertOverflow="ellipsis" vert="horz" wrap="square" anchor="ctr" anchorCtr="1"/>
-              <a:lstStyle/>
-              <a:p>
-                <a:pPr>
-                  <a:defRPr sz="1000" b="0" i="0" u="none" strike="noStrike" kern="1200" baseline="0">
-                    <a:solidFill>
-                      <a:schemeClr val="tx1">
-                        <a:lumMod val="65000"/>
-                        <a:lumOff val="35000"/>
-                      </a:schemeClr>
-                    </a:solidFill>
-                    <a:latin typeface="+mn-lt"/>
-                    <a:ea typeface="+mn-ea"/>
-                    <a:cs typeface="+mn-cs"/>
-                  </a:defRPr>
-                </a:pPr>
-                <a:r>
-                  <a:rPr lang="en-US"/>
-                  <a:t>Rule list</a:t>
-                </a:r>
-              </a:p>
-            </c:rich>
-          </c:tx>
-          <c:overlay val="0"/>
-          <c:spPr>
-            <a:noFill/>
-            <a:ln>
-              <a:noFill/>
-            </a:ln>
-            <a:effectLst/>
-          </c:spPr>
-          <c:txPr>
-            <a:bodyPr rot="0" spcFirstLastPara="1" vertOverflow="ellipsis" vert="horz" wrap="square" anchor="ctr" anchorCtr="1"/>
-            <a:lstStyle/>
-            <a:p>
-              <a:pPr>
-                <a:defRPr sz="1000" b="0" i="0" u="none" strike="noStrike" kern="1200" baseline="0">
-                  <a:solidFill>
-                    <a:schemeClr val="tx1">
-                      <a:lumMod val="65000"/>
-                      <a:lumOff val="35000"/>
-                    </a:schemeClr>
-                  </a:solidFill>
-                  <a:latin typeface="+mn-lt"/>
-                  <a:ea typeface="+mn-ea"/>
-                  <a:cs typeface="+mn-cs"/>
-                </a:defRPr>
-              </a:pPr>
-              <a:endParaRPr lang="en-US"/>
-            </a:p>
-          </c:txPr>
-        </c:title>
-        <c:numFmt formatCode="General" sourceLinked="1"/>
-        <c:majorTickMark val="none"/>
-        <c:minorTickMark val="none"/>
-        <c:tickLblPos val="nextTo"/>
-        <c:spPr>
-          <a:noFill/>
-          <a:ln w="9525" cap="flat" cmpd="sng" algn="ctr">
-            <a:solidFill>
-              <a:schemeClr val="tx1">
-                <a:lumMod val="25000"/>
-                <a:lumOff val="75000"/>
-              </a:schemeClr>
-            </a:solidFill>
-            <a:round/>
-          </a:ln>
-          <a:effectLst/>
-        </c:spPr>
-        <c:txPr>
-          <a:bodyPr rot="-60000000" spcFirstLastPara="1" vertOverflow="ellipsis" vert="horz" wrap="square" anchor="ctr" anchorCtr="1"/>
-          <a:lstStyle/>
-          <a:p>
-            <a:pPr>
-              <a:defRPr sz="900" b="0" i="0" u="none" strike="noStrike" kern="1200" baseline="0">
-                <a:solidFill>
-                  <a:schemeClr val="tx1">
-                    <a:lumMod val="65000"/>
-                    <a:lumOff val="35000"/>
-                  </a:schemeClr>
-                </a:solidFill>
-                <a:latin typeface="+mn-lt"/>
-                <a:ea typeface="+mn-ea"/>
-                <a:cs typeface="+mn-cs"/>
-              </a:defRPr>
-            </a:pPr>
-            <a:endParaRPr lang="en-US"/>
-          </a:p>
-        </c:txPr>
-        <c:crossAx val="1688723392"/>
-        <c:crosses val="autoZero"/>
-        <c:crossBetween val="midCat"/>
-      </c:valAx>
-      <c:valAx>
-        <c:axId val="1688723392"/>
-        <c:scaling>
-          <c:orientation val="minMax"/>
-        </c:scaling>
-        <c:delete val="0"/>
-        <c:axPos val="l"/>
-        <c:majorGridlines>
-          <c:spPr>
-            <a:ln w="9525" cap="flat" cmpd="sng" algn="ctr">
-              <a:solidFill>
-                <a:schemeClr val="tx1">
-                  <a:lumMod val="15000"/>
-                  <a:lumOff val="85000"/>
-                </a:schemeClr>
-              </a:solidFill>
-              <a:round/>
-            </a:ln>
-            <a:effectLst/>
-          </c:spPr>
-        </c:majorGridlines>
-        <c:numFmt formatCode="General" sourceLinked="1"/>
-        <c:majorTickMark val="out"/>
-        <c:minorTickMark val="none"/>
-        <c:tickLblPos val="nextTo"/>
-        <c:spPr>
-          <a:noFill/>
-          <a:ln w="9525" cap="flat" cmpd="sng" algn="ctr">
-            <a:solidFill>
-              <a:schemeClr val="tx1">
-                <a:lumMod val="25000"/>
-                <a:lumOff val="75000"/>
-              </a:schemeClr>
-            </a:solidFill>
-            <a:round/>
-          </a:ln>
-          <a:effectLst/>
-        </c:spPr>
-        <c:txPr>
-          <a:bodyPr rot="-60000000" spcFirstLastPara="1" vertOverflow="ellipsis" vert="horz" wrap="square" anchor="ctr" anchorCtr="1"/>
-          <a:lstStyle/>
-          <a:p>
-            <a:pPr>
-              <a:defRPr sz="900" b="0" i="0" u="none" strike="noStrike" kern="1200" baseline="0">
-                <a:solidFill>
-                  <a:schemeClr val="tx1">
-                    <a:lumMod val="65000"/>
-                    <a:lumOff val="35000"/>
-                  </a:schemeClr>
-                </a:solidFill>
-                <a:latin typeface="+mn-lt"/>
-                <a:ea typeface="+mn-ea"/>
-                <a:cs typeface="+mn-cs"/>
-              </a:defRPr>
-            </a:pPr>
-            <a:endParaRPr lang="en-US"/>
-          </a:p>
-        </c:txPr>
-        <c:crossAx val="1901267024"/>
-        <c:crosses val="autoZero"/>
-        <c:crossBetween val="midCat"/>
-      </c:valAx>
-      <c:spPr>
-        <a:noFill/>
-        <a:ln>
-          <a:noFill/>
-        </a:ln>
-        <a:effectLst/>
-      </c:spPr>
-    </c:plotArea>
-    <c:plotVisOnly val="1"/>
-    <c:dispBlanksAs val="gap"/>
-    <c:showDLblsOverMax val="0"/>
-  </c:chart>
-  <c:spPr>
-    <a:noFill/>
-    <a:ln>
-      <a:noFill/>
-    </a:ln>
-    <a:effectLst/>
-  </c:spPr>
-  <c:txPr>
-    <a:bodyPr/>
-    <a:lstStyle/>
-    <a:p>
-      <a:pPr>
-        <a:defRPr/>
-      </a:pPr>
-      <a:endParaRPr lang="en-US"/>
-    </a:p>
-  </c:txPr>
-  <c:externalData r:id="rId3">
-    <c:autoUpdate val="0"/>
-  </c:externalData>
-</c:chartSpace>
-</file>
-
-<file path=ppt/charts/chart3.xml><?xml version="1.0" encoding="utf-8"?>
-<c:chartSpace xmlns:c="http://schemas.openxmlformats.org/drawingml/2006/chart" xmlns:a="http://schemas.openxmlformats.org/drawingml/2006/main" xmlns:r="http://schemas.openxmlformats.org/officeDocument/2006/relationships" xmlns:c16r2="http://schemas.microsoft.com/office/drawing/2015/06/chart">
-  <c:date1904 val="0"/>
-  <c:lang val="en-US"/>
-  <c:roundedCorners val="0"/>
-  <mc:AlternateContent xmlns:mc="http://schemas.openxmlformats.org/markup-compatibility/2006">
-    <mc:Choice xmlns:c14="http://schemas.microsoft.com/office/drawing/2007/8/2/chart" Requires="c14">
-      <c14:style val="102"/>
-    </mc:Choice>
-    <mc:Fallback>
-      <c:style val="2"/>
-    </mc:Fallback>
-  </mc:AlternateContent>
-  <c:chart>
-    <c:title>
-      <c:overlay val="0"/>
-      <c:spPr>
-        <a:noFill/>
-        <a:ln>
-          <a:noFill/>
-        </a:ln>
-        <a:effectLst/>
-      </c:spPr>
-      <c:txPr>
-        <a:bodyPr rot="0" spcFirstLastPara="1" vertOverflow="ellipsis" vert="horz" wrap="square" anchor="ctr" anchorCtr="1"/>
-        <a:lstStyle/>
-        <a:p>
-          <a:pPr>
-            <a:defRPr sz="1400" b="0" i="0" u="none" strike="noStrike" kern="1200" spc="0" baseline="0">
-              <a:solidFill>
-                <a:schemeClr val="tx1">
-                  <a:lumMod val="65000"/>
-                  <a:lumOff val="35000"/>
-                </a:schemeClr>
-              </a:solidFill>
-              <a:latin typeface="+mn-lt"/>
-              <a:ea typeface="+mn-ea"/>
-              <a:cs typeface="+mn-cs"/>
-            </a:defRPr>
-          </a:pPr>
-          <a:endParaRPr lang="en-US"/>
-        </a:p>
-      </c:txPr>
-    </c:title>
-    <c:autoTitleDeleted val="0"/>
-    <c:plotArea>
-      <c:layout/>
-      <c:scatterChart>
-        <c:scatterStyle val="smoothMarker"/>
-        <c:varyColors val="0"/>
-        <c:ser>
-          <c:idx val="0"/>
-          <c:order val="0"/>
-          <c:tx>
-            <c:strRef>
-              <c:f>Sheet1!$C$1</c:f>
-              <c:strCache>
-                <c:ptCount val="1"/>
-                <c:pt idx="0">
-                  <c:v>Time (ms)</c:v>
-                </c:pt>
-              </c:strCache>
-            </c:strRef>
-          </c:tx>
-          <c:spPr>
-            <a:ln w="19050" cap="rnd">
-              <a:solidFill>
-                <a:schemeClr val="accent1"/>
-              </a:solidFill>
-              <a:round/>
-            </a:ln>
-            <a:effectLst/>
-          </c:spPr>
-          <c:marker>
-            <c:symbol val="circle"/>
-            <c:size val="5"/>
-            <c:spPr>
-              <a:solidFill>
-                <a:schemeClr val="accent1"/>
-              </a:solidFill>
-              <a:ln w="9525">
-                <a:solidFill>
-                  <a:schemeClr val="accent1"/>
-                </a:solidFill>
-              </a:ln>
-              <a:effectLst/>
-            </c:spPr>
-          </c:marker>
-          <c:dLbls>
-            <c:dLbl>
-              <c:idx val="1"/>
-              <c:layout>
-                <c:manualLayout>
-                  <c:x val="-2.2388888888888913E-2"/>
-                  <c:y val="-0.1087616652085156"/>
-                </c:manualLayout>
-              </c:layout>
-              <c:dLblPos val="r"/>
-              <c:showLegendKey val="0"/>
-              <c:showVal val="1"/>
-              <c:showCatName val="0"/>
-              <c:showSerName val="0"/>
-              <c:showPercent val="0"/>
-              <c:showBubbleSize val="0"/>
-              <c:extLst>
-                <c:ext xmlns:c15="http://schemas.microsoft.com/office/drawing/2012/chart" uri="{CE6537A1-D6FC-4f65-9D91-7224C49458BB}"/>
-                <c:ext xmlns:c16="http://schemas.microsoft.com/office/drawing/2014/chart" uri="{C3380CC4-5D6E-409C-BE32-E72D297353CC}">
-                  <c16:uniqueId val="{00000000-AF4B-401C-851E-8A14C2255A7B}"/>
-                </c:ext>
-              </c:extLst>
-            </c:dLbl>
-            <c:dLbl>
-              <c:idx val="2"/>
-              <c:layout>
-                <c:manualLayout>
-                  <c:x val="-1.6222222222222197E-2"/>
-                  <c:y val="-0.17589129483814522"/>
-                </c:manualLayout>
-              </c:layout>
-              <c:spPr>
-                <a:noFill/>
-                <a:ln>
-                  <a:noFill/>
-                </a:ln>
-                <a:effectLst/>
-              </c:spPr>
-              <c:txPr>
-                <a:bodyPr rot="0" spcFirstLastPara="1" vertOverflow="ellipsis" vert="horz" wrap="square" lIns="38100" tIns="19050" rIns="38100" bIns="19050" anchor="ctr" anchorCtr="1">
-                  <a:noAutofit/>
-                </a:bodyPr>
-                <a:lstStyle/>
-                <a:p>
-                  <a:pPr>
-                    <a:defRPr sz="900" b="0" i="0" u="none" strike="noStrike" kern="1200" baseline="0">
-                      <a:solidFill>
-                        <a:schemeClr val="tx1">
-                          <a:lumMod val="75000"/>
-                          <a:lumOff val="25000"/>
-                        </a:schemeClr>
-                      </a:solidFill>
-                      <a:latin typeface="+mn-lt"/>
-                      <a:ea typeface="+mn-ea"/>
-                      <a:cs typeface="+mn-cs"/>
-                    </a:defRPr>
-                  </a:pPr>
-                  <a:endParaRPr lang="en-US"/>
-                </a:p>
-              </c:txPr>
-              <c:dLblPos val="r"/>
-              <c:showLegendKey val="0"/>
-              <c:showVal val="1"/>
-              <c:showCatName val="0"/>
-              <c:showSerName val="0"/>
-              <c:showPercent val="0"/>
-              <c:showBubbleSize val="0"/>
-              <c:extLst>
-                <c:ext xmlns:c15="http://schemas.microsoft.com/office/drawing/2012/chart" uri="{CE6537A1-D6FC-4f65-9D91-7224C49458BB}">
-                  <c15:layout>
-                    <c:manualLayout>
-                      <c:w val="7.9666666666666663E-2"/>
-                      <c:h val="8.789370078740158E-2"/>
-                    </c:manualLayout>
-                  </c15:layout>
-                </c:ext>
-                <c:ext xmlns:c16="http://schemas.microsoft.com/office/drawing/2014/chart" uri="{C3380CC4-5D6E-409C-BE32-E72D297353CC}">
-                  <c16:uniqueId val="{00000001-AF4B-401C-851E-8A14C2255A7B}"/>
-                </c:ext>
-              </c:extLst>
-            </c:dLbl>
-            <c:dLbl>
-              <c:idx val="3"/>
-              <c:layout>
-                <c:manualLayout>
-                  <c:x val="2.8833333333333332E-2"/>
-                  <c:y val="1.1608705161854768E-2"/>
-                </c:manualLayout>
-              </c:layout>
-              <c:dLblPos val="r"/>
-              <c:showLegendKey val="0"/>
-              <c:showVal val="1"/>
-              <c:showCatName val="0"/>
-              <c:showSerName val="0"/>
-              <c:showPercent val="0"/>
-              <c:showBubbleSize val="0"/>
-              <c:extLst>
-                <c:ext xmlns:c15="http://schemas.microsoft.com/office/drawing/2012/chart" uri="{CE6537A1-D6FC-4f65-9D91-7224C49458BB}"/>
-                <c:ext xmlns:c16="http://schemas.microsoft.com/office/drawing/2014/chart" uri="{C3380CC4-5D6E-409C-BE32-E72D297353CC}">
-                  <c16:uniqueId val="{00000002-AF4B-401C-851E-8A14C2255A7B}"/>
-                </c:ext>
-              </c:extLst>
-            </c:dLbl>
-            <c:spPr>
-              <a:noFill/>
-              <a:ln>
-                <a:noFill/>
-              </a:ln>
-              <a:effectLst/>
-            </c:spPr>
-            <c:txPr>
-              <a:bodyPr rot="0" spcFirstLastPara="1" vertOverflow="ellipsis" vert="horz" wrap="square" lIns="38100" tIns="19050" rIns="38100" bIns="19050" anchor="ctr" anchorCtr="1">
-                <a:spAutoFit/>
-              </a:bodyPr>
-              <a:lstStyle/>
-              <a:p>
-                <a:pPr>
-                  <a:defRPr sz="900" b="0" i="0" u="none" strike="noStrike" kern="1200" baseline="0">
-                    <a:solidFill>
-                      <a:schemeClr val="tx1">
-                        <a:lumMod val="75000"/>
-                        <a:lumOff val="25000"/>
-                      </a:schemeClr>
-                    </a:solidFill>
-                    <a:latin typeface="+mn-lt"/>
-                    <a:ea typeface="+mn-ea"/>
-                    <a:cs typeface="+mn-cs"/>
-                  </a:defRPr>
-                </a:pPr>
-                <a:endParaRPr lang="en-US"/>
-              </a:p>
-            </c:txPr>
-            <c:dLblPos val="t"/>
-            <c:showLegendKey val="0"/>
-            <c:showVal val="1"/>
-            <c:showCatName val="0"/>
-            <c:showSerName val="0"/>
-            <c:showPercent val="0"/>
-            <c:showBubbleSize val="0"/>
-            <c:showLeaderLines val="0"/>
-            <c:extLst>
-              <c:ext xmlns:c15="http://schemas.microsoft.com/office/drawing/2012/chart" uri="{CE6537A1-D6FC-4f65-9D91-7224C49458BB}">
-                <c15:showLeaderLines val="1"/>
-                <c15:leaderLines>
-                  <c:spPr>
-                    <a:ln w="9525" cap="flat" cmpd="sng" algn="ctr">
-                      <a:solidFill>
-                        <a:schemeClr val="tx1">
-                          <a:lumMod val="35000"/>
-                          <a:lumOff val="65000"/>
-                        </a:schemeClr>
-                      </a:solidFill>
-                      <a:round/>
-                    </a:ln>
-                    <a:effectLst/>
-                  </c:spPr>
-                </c15:leaderLines>
-              </c:ext>
-            </c:extLst>
-          </c:dLbls>
-          <c:xVal>
-            <c:numRef>
-              <c:f>Sheet1!$A$2:$A$16</c:f>
-              <c:numCache>
-                <c:formatCode>General</c:formatCode>
-                <c:ptCount val="5"/>
-                <c:pt idx="0">
-                  <c:v>100</c:v>
-                </c:pt>
-                <c:pt idx="1">
-                  <c:v>1000</c:v>
-                </c:pt>
-                <c:pt idx="2">
-                  <c:v>10000</c:v>
-                </c:pt>
-                <c:pt idx="3">
-                  <c:v>100000</c:v>
-                </c:pt>
-                <c:pt idx="4">
-                  <c:v>1000000</c:v>
-                </c:pt>
-              </c:numCache>
-            </c:numRef>
-          </c:xVal>
-          <c:yVal>
-            <c:numRef>
-              <c:f>Sheet1!$C$2:$C$16</c:f>
-              <c:numCache>
-                <c:formatCode>General</c:formatCode>
-                <c:ptCount val="5"/>
-                <c:pt idx="0">
-                  <c:v>0</c:v>
-                </c:pt>
-                <c:pt idx="1">
-                  <c:v>15</c:v>
-                </c:pt>
-                <c:pt idx="2">
-                  <c:v>145</c:v>
-                </c:pt>
-                <c:pt idx="3">
-                  <c:v>1676</c:v>
-                </c:pt>
-                <c:pt idx="4">
-                  <c:v>14425</c:v>
-                </c:pt>
-              </c:numCache>
-            </c:numRef>
-          </c:yVal>
-          <c:smooth val="1"/>
-          <c:extLst>
-            <c:ext xmlns:c16="http://schemas.microsoft.com/office/drawing/2014/chart" uri="{C3380CC4-5D6E-409C-BE32-E72D297353CC}">
-              <c16:uniqueId val="{00000003-AF4B-401C-851E-8A14C2255A7B}"/>
-            </c:ext>
-          </c:extLst>
-        </c:ser>
-        <c:dLbls>
-          <c:dLblPos val="t"/>
-          <c:showLegendKey val="0"/>
-          <c:showVal val="1"/>
-          <c:showCatName val="0"/>
-          <c:showSerName val="0"/>
-          <c:showPercent val="0"/>
-          <c:showBubbleSize val="0"/>
-        </c:dLbls>
-        <c:axId val="345012351"/>
-        <c:axId val="234661087"/>
-      </c:scatterChart>
-      <c:valAx>
-        <c:axId val="345012351"/>
-        <c:scaling>
-          <c:orientation val="minMax"/>
-        </c:scaling>
-        <c:delete val="0"/>
-        <c:axPos val="b"/>
-        <c:majorGridlines>
-          <c:spPr>
-            <a:ln w="9525" cap="flat" cmpd="sng" algn="ctr">
-              <a:solidFill>
-                <a:schemeClr val="tx1">
-                  <a:lumMod val="15000"/>
-                  <a:lumOff val="85000"/>
-                </a:schemeClr>
-              </a:solidFill>
-              <a:round/>
-            </a:ln>
-            <a:effectLst/>
-          </c:spPr>
-        </c:majorGridlines>
-        <c:title>
-          <c:tx>
-            <c:rich>
-              <a:bodyPr rot="0" spcFirstLastPara="1" vertOverflow="ellipsis" vert="horz" wrap="square" anchor="ctr" anchorCtr="1"/>
-              <a:lstStyle/>
-              <a:p>
-                <a:pPr>
-                  <a:defRPr sz="1000" b="0" i="0" u="none" strike="noStrike" kern="1200" baseline="0">
-                    <a:solidFill>
-                      <a:schemeClr val="tx1">
-                        <a:lumMod val="65000"/>
-                        <a:lumOff val="35000"/>
-                      </a:schemeClr>
-                    </a:solidFill>
-                    <a:latin typeface="+mn-lt"/>
-                    <a:ea typeface="+mn-ea"/>
-                    <a:cs typeface="+mn-cs"/>
-                  </a:defRPr>
-                </a:pPr>
-                <a:r>
-                  <a:rPr lang="en-US"/>
-                  <a:t>Incoming Packets</a:t>
-                </a:r>
-              </a:p>
-            </c:rich>
-          </c:tx>
-          <c:overlay val="0"/>
-          <c:spPr>
-            <a:noFill/>
-            <a:ln>
-              <a:noFill/>
-            </a:ln>
-            <a:effectLst/>
-          </c:spPr>
-          <c:txPr>
-            <a:bodyPr rot="0" spcFirstLastPara="1" vertOverflow="ellipsis" vert="horz" wrap="square" anchor="ctr" anchorCtr="1"/>
-            <a:lstStyle/>
-            <a:p>
-              <a:pPr>
-                <a:defRPr sz="1000" b="0" i="0" u="none" strike="noStrike" kern="1200" baseline="0">
-                  <a:solidFill>
-                    <a:schemeClr val="tx1">
-                      <a:lumMod val="65000"/>
-                      <a:lumOff val="35000"/>
-                    </a:schemeClr>
-                  </a:solidFill>
-                  <a:latin typeface="+mn-lt"/>
-                  <a:ea typeface="+mn-ea"/>
-                  <a:cs typeface="+mn-cs"/>
-                </a:defRPr>
-              </a:pPr>
-              <a:endParaRPr lang="en-US"/>
-            </a:p>
-          </c:txPr>
-        </c:title>
-        <c:numFmt formatCode="General" sourceLinked="1"/>
-        <c:majorTickMark val="none"/>
-        <c:minorTickMark val="none"/>
-        <c:tickLblPos val="nextTo"/>
-        <c:spPr>
-          <a:noFill/>
-          <a:ln w="9525" cap="flat" cmpd="sng" algn="ctr">
-            <a:solidFill>
-              <a:schemeClr val="tx1">
-                <a:lumMod val="25000"/>
-                <a:lumOff val="75000"/>
-              </a:schemeClr>
-            </a:solidFill>
-            <a:round/>
-          </a:ln>
-          <a:effectLst/>
-        </c:spPr>
-        <c:txPr>
-          <a:bodyPr rot="-60000000" spcFirstLastPara="1" vertOverflow="ellipsis" vert="horz" wrap="square" anchor="ctr" anchorCtr="1"/>
-          <a:lstStyle/>
-          <a:p>
-            <a:pPr>
-              <a:defRPr sz="900" b="0" i="0" u="none" strike="noStrike" kern="1200" baseline="0">
-                <a:solidFill>
-                  <a:schemeClr val="tx1">
-                    <a:lumMod val="65000"/>
-                    <a:lumOff val="35000"/>
-                  </a:schemeClr>
-                </a:solidFill>
-                <a:latin typeface="+mn-lt"/>
-                <a:ea typeface="+mn-ea"/>
-                <a:cs typeface="+mn-cs"/>
-              </a:defRPr>
-            </a:pPr>
-            <a:endParaRPr lang="en-US"/>
-          </a:p>
-        </c:txPr>
-        <c:crossAx val="234661087"/>
-        <c:crosses val="autoZero"/>
-        <c:crossBetween val="midCat"/>
-      </c:valAx>
-      <c:valAx>
-        <c:axId val="234661087"/>
-        <c:scaling>
-          <c:orientation val="minMax"/>
-        </c:scaling>
-        <c:delete val="0"/>
-        <c:axPos val="l"/>
-        <c:majorGridlines>
-          <c:spPr>
-            <a:ln w="9525" cap="flat" cmpd="sng" algn="ctr">
-              <a:solidFill>
-                <a:schemeClr val="tx1">
-                  <a:lumMod val="15000"/>
-                  <a:lumOff val="85000"/>
-                </a:schemeClr>
-              </a:solidFill>
-              <a:round/>
-            </a:ln>
-            <a:effectLst/>
-          </c:spPr>
-        </c:majorGridlines>
-        <c:numFmt formatCode="General" sourceLinked="1"/>
-        <c:majorTickMark val="none"/>
-        <c:minorTickMark val="none"/>
-        <c:tickLblPos val="nextTo"/>
-        <c:spPr>
-          <a:noFill/>
-          <a:ln w="9525" cap="flat" cmpd="sng" algn="ctr">
-            <a:solidFill>
-              <a:schemeClr val="tx1">
-                <a:lumMod val="25000"/>
-                <a:lumOff val="75000"/>
-              </a:schemeClr>
-            </a:solidFill>
-            <a:round/>
-          </a:ln>
-          <a:effectLst/>
-        </c:spPr>
-        <c:txPr>
-          <a:bodyPr rot="-60000000" spcFirstLastPara="1" vertOverflow="ellipsis" vert="horz" wrap="square" anchor="ctr" anchorCtr="1"/>
-          <a:lstStyle/>
-          <a:p>
-            <a:pPr>
-              <a:defRPr sz="900" b="0" i="0" u="none" strike="noStrike" kern="1200" baseline="0">
-                <a:solidFill>
-                  <a:schemeClr val="tx1">
-                    <a:lumMod val="65000"/>
-                    <a:lumOff val="35000"/>
-                  </a:schemeClr>
-                </a:solidFill>
-                <a:latin typeface="+mn-lt"/>
-                <a:ea typeface="+mn-ea"/>
-                <a:cs typeface="+mn-cs"/>
-              </a:defRPr>
-            </a:pPr>
-            <a:endParaRPr lang="en-US"/>
-          </a:p>
-        </c:txPr>
-        <c:crossAx val="345012351"/>
-        <c:crosses val="autoZero"/>
-        <c:crossBetween val="midCat"/>
-      </c:valAx>
-      <c:spPr>
-        <a:noFill/>
-        <a:ln>
-          <a:noFill/>
-        </a:ln>
-        <a:effectLst/>
-      </c:spPr>
-    </c:plotArea>
-    <c:plotVisOnly val="1"/>
-    <c:dispBlanksAs val="gap"/>
-    <c:extLst>
-      <c:ext xmlns:c16r3="http://schemas.microsoft.com/office/drawing/2017/03/chart" uri="{56B9EC1D-385E-4148-901F-78D8002777C0}">
-        <c16r3:dataDisplayOptions16>
-          <c16r3:dispNaAsBlank val="1"/>
-        </c16r3:dataDisplayOptions16>
-      </c:ext>
-    </c:extLst>
-    <c:showDLblsOverMax val="0"/>
-  </c:chart>
-  <c:spPr>
-    <a:noFill/>
-    <a:ln>
-      <a:noFill/>
-    </a:ln>
-    <a:effectLst/>
-  </c:spPr>
-  <c:txPr>
-    <a:bodyPr/>
-    <a:lstStyle/>
-    <a:p>
-      <a:pPr>
-        <a:defRPr/>
-      </a:pPr>
-      <a:endParaRPr lang="en-US"/>
-    </a:p>
-  </c:txPr>
-  <c:externalData r:id="rId3">
-    <c:autoUpdate val="0"/>
-  </c:externalData>
-</c:chartSpace>
-</file>
-
 <file path=ppt/charts/colors1.xml><?xml version="1.0" encoding="utf-8"?>
 <cs:colorStyle xmlns:cs="http://schemas.microsoft.com/office/drawing/2012/chartStyle" xmlns:a="http://schemas.openxmlformats.org/drawingml/2006/main" meth="cycle" id="10">
   <a:schemeClr val="accent1"/>
@@ -1705,1119 +771,7 @@
 </cs:colorStyle>
 </file>
 
-<file path=ppt/charts/colors2.xml><?xml version="1.0" encoding="utf-8"?>
-<cs:colorStyle xmlns:cs="http://schemas.microsoft.com/office/drawing/2012/chartStyle" xmlns:a="http://schemas.openxmlformats.org/drawingml/2006/main" meth="cycle" id="10">
-  <a:schemeClr val="accent1"/>
-  <a:schemeClr val="accent2"/>
-  <a:schemeClr val="accent3"/>
-  <a:schemeClr val="accent4"/>
-  <a:schemeClr val="accent5"/>
-  <a:schemeClr val="accent6"/>
-  <cs:variation/>
-  <cs:variation>
-    <a:lumMod val="60000"/>
-  </cs:variation>
-  <cs:variation>
-    <a:lumMod val="80000"/>
-    <a:lumOff val="20000"/>
-  </cs:variation>
-  <cs:variation>
-    <a:lumMod val="80000"/>
-  </cs:variation>
-  <cs:variation>
-    <a:lumMod val="60000"/>
-    <a:lumOff val="40000"/>
-  </cs:variation>
-  <cs:variation>
-    <a:lumMod val="50000"/>
-  </cs:variation>
-  <cs:variation>
-    <a:lumMod val="70000"/>
-    <a:lumOff val="30000"/>
-  </cs:variation>
-  <cs:variation>
-    <a:lumMod val="70000"/>
-  </cs:variation>
-  <cs:variation>
-    <a:lumMod val="50000"/>
-    <a:lumOff val="50000"/>
-  </cs:variation>
-</cs:colorStyle>
-</file>
-
-<file path=ppt/charts/colors3.xml><?xml version="1.0" encoding="utf-8"?>
-<cs:colorStyle xmlns:cs="http://schemas.microsoft.com/office/drawing/2012/chartStyle" xmlns:a="http://schemas.openxmlformats.org/drawingml/2006/main" meth="cycle" id="10">
-  <a:schemeClr val="accent1"/>
-  <a:schemeClr val="accent2"/>
-  <a:schemeClr val="accent3"/>
-  <a:schemeClr val="accent4"/>
-  <a:schemeClr val="accent5"/>
-  <a:schemeClr val="accent6"/>
-  <cs:variation/>
-  <cs:variation>
-    <a:lumMod val="60000"/>
-  </cs:variation>
-  <cs:variation>
-    <a:lumMod val="80000"/>
-    <a:lumOff val="20000"/>
-  </cs:variation>
-  <cs:variation>
-    <a:lumMod val="80000"/>
-  </cs:variation>
-  <cs:variation>
-    <a:lumMod val="60000"/>
-    <a:lumOff val="40000"/>
-  </cs:variation>
-  <cs:variation>
-    <a:lumMod val="50000"/>
-  </cs:variation>
-  <cs:variation>
-    <a:lumMod val="70000"/>
-    <a:lumOff val="30000"/>
-  </cs:variation>
-  <cs:variation>
-    <a:lumMod val="70000"/>
-  </cs:variation>
-  <cs:variation>
-    <a:lumMod val="50000"/>
-    <a:lumOff val="50000"/>
-  </cs:variation>
-</cs:colorStyle>
-</file>
-
 <file path=ppt/charts/style1.xml><?xml version="1.0" encoding="utf-8"?>
-<cs:chartStyle xmlns:cs="http://schemas.microsoft.com/office/drawing/2012/chartStyle" xmlns:a="http://schemas.openxmlformats.org/drawingml/2006/main" id="240">
-  <cs:axisTitle>
-    <cs:lnRef idx="0"/>
-    <cs:fillRef idx="0"/>
-    <cs:effectRef idx="0"/>
-    <cs:fontRef idx="minor">
-      <a:schemeClr val="tx1">
-        <a:lumMod val="65000"/>
-        <a:lumOff val="35000"/>
-      </a:schemeClr>
-    </cs:fontRef>
-    <cs:defRPr sz="1000" kern="1200"/>
-  </cs:axisTitle>
-  <cs:categoryAxis>
-    <cs:lnRef idx="0"/>
-    <cs:fillRef idx="0"/>
-    <cs:effectRef idx="0"/>
-    <cs:fontRef idx="minor">
-      <a:schemeClr val="tx1">
-        <a:lumMod val="65000"/>
-        <a:lumOff val="35000"/>
-      </a:schemeClr>
-    </cs:fontRef>
-    <cs:spPr>
-      <a:ln w="9525" cap="flat" cmpd="sng" algn="ctr">
-        <a:solidFill>
-          <a:schemeClr val="tx1">
-            <a:lumMod val="25000"/>
-            <a:lumOff val="75000"/>
-          </a:schemeClr>
-        </a:solidFill>
-        <a:round/>
-      </a:ln>
-    </cs:spPr>
-    <cs:defRPr sz="900" kern="1200"/>
-  </cs:categoryAxis>
-  <cs:chartArea mods="allowNoFillOverride allowNoLineOverride">
-    <cs:lnRef idx="0"/>
-    <cs:fillRef idx="0"/>
-    <cs:effectRef idx="0"/>
-    <cs:fontRef idx="minor">
-      <a:schemeClr val="tx1"/>
-    </cs:fontRef>
-    <cs:spPr>
-      <a:solidFill>
-        <a:schemeClr val="bg1"/>
-      </a:solidFill>
-      <a:ln w="9525" cap="flat" cmpd="sng" algn="ctr">
-        <a:solidFill>
-          <a:schemeClr val="tx1">
-            <a:lumMod val="15000"/>
-            <a:lumOff val="85000"/>
-          </a:schemeClr>
-        </a:solidFill>
-        <a:round/>
-      </a:ln>
-    </cs:spPr>
-    <cs:defRPr sz="1000" kern="1200"/>
-  </cs:chartArea>
-  <cs:dataLabel>
-    <cs:lnRef idx="0"/>
-    <cs:fillRef idx="0"/>
-    <cs:effectRef idx="0"/>
-    <cs:fontRef idx="minor">
-      <a:schemeClr val="tx1">
-        <a:lumMod val="75000"/>
-        <a:lumOff val="25000"/>
-      </a:schemeClr>
-    </cs:fontRef>
-    <cs:defRPr sz="900" kern="1200"/>
-  </cs:dataLabel>
-  <cs:dataLabelCallout>
-    <cs:lnRef idx="0"/>
-    <cs:fillRef idx="0"/>
-    <cs:effectRef idx="0"/>
-    <cs:fontRef idx="minor">
-      <a:schemeClr val="dk1">
-        <a:lumMod val="65000"/>
-        <a:lumOff val="35000"/>
-      </a:schemeClr>
-    </cs:fontRef>
-    <cs:spPr>
-      <a:solidFill>
-        <a:schemeClr val="lt1"/>
-      </a:solidFill>
-      <a:ln>
-        <a:solidFill>
-          <a:schemeClr val="dk1">
-            <a:lumMod val="25000"/>
-            <a:lumOff val="75000"/>
-          </a:schemeClr>
-        </a:solidFill>
-      </a:ln>
-    </cs:spPr>
-    <cs:defRPr sz="900" kern="1200"/>
-    <cs:bodyPr rot="0" spcFirstLastPara="1" vertOverflow="clip" horzOverflow="clip" vert="horz" wrap="square" lIns="36576" tIns="18288" rIns="36576" bIns="18288" anchor="ctr" anchorCtr="1">
-      <a:spAutoFit/>
-    </cs:bodyPr>
-  </cs:dataLabelCallout>
-  <cs:dataPoint>
-    <cs:lnRef idx="0"/>
-    <cs:fillRef idx="1">
-      <cs:styleClr val="auto"/>
-    </cs:fillRef>
-    <cs:effectRef idx="0"/>
-    <cs:fontRef idx="minor">
-      <a:schemeClr val="tx1"/>
-    </cs:fontRef>
-  </cs:dataPoint>
-  <cs:dataPoint3D>
-    <cs:lnRef idx="0"/>
-    <cs:fillRef idx="1">
-      <cs:styleClr val="auto"/>
-    </cs:fillRef>
-    <cs:effectRef idx="0"/>
-    <cs:fontRef idx="minor">
-      <a:schemeClr val="tx1"/>
-    </cs:fontRef>
-  </cs:dataPoint3D>
-  <cs:dataPointLine>
-    <cs:lnRef idx="0">
-      <cs:styleClr val="auto"/>
-    </cs:lnRef>
-    <cs:fillRef idx="1"/>
-    <cs:effectRef idx="0"/>
-    <cs:fontRef idx="minor">
-      <a:schemeClr val="tx1"/>
-    </cs:fontRef>
-    <cs:spPr>
-      <a:ln w="19050" cap="rnd">
-        <a:solidFill>
-          <a:schemeClr val="phClr"/>
-        </a:solidFill>
-        <a:round/>
-      </a:ln>
-    </cs:spPr>
-  </cs:dataPointLine>
-  <cs:dataPointMarker>
-    <cs:lnRef idx="0">
-      <cs:styleClr val="auto"/>
-    </cs:lnRef>
-    <cs:fillRef idx="1">
-      <cs:styleClr val="auto"/>
-    </cs:fillRef>
-    <cs:effectRef idx="0"/>
-    <cs:fontRef idx="minor">
-      <a:schemeClr val="tx1"/>
-    </cs:fontRef>
-    <cs:spPr>
-      <a:ln w="9525">
-        <a:solidFill>
-          <a:schemeClr val="phClr"/>
-        </a:solidFill>
-      </a:ln>
-    </cs:spPr>
-  </cs:dataPointMarker>
-  <cs:dataPointMarkerLayout symbol="circle" size="5"/>
-  <cs:dataPointWireframe>
-    <cs:lnRef idx="0">
-      <cs:styleClr val="auto"/>
-    </cs:lnRef>
-    <cs:fillRef idx="0"/>
-    <cs:effectRef idx="0"/>
-    <cs:fontRef idx="minor">
-      <a:schemeClr val="dk1"/>
-    </cs:fontRef>
-    <cs:spPr>
-      <a:ln w="9525" cap="rnd">
-        <a:solidFill>
-          <a:schemeClr val="phClr"/>
-        </a:solidFill>
-        <a:round/>
-      </a:ln>
-    </cs:spPr>
-  </cs:dataPointWireframe>
-  <cs:dataTable>
-    <cs:lnRef idx="0"/>
-    <cs:fillRef idx="0"/>
-    <cs:effectRef idx="0"/>
-    <cs:fontRef idx="minor">
-      <a:schemeClr val="tx1">
-        <a:lumMod val="65000"/>
-        <a:lumOff val="35000"/>
-      </a:schemeClr>
-    </cs:fontRef>
-    <cs:spPr>
-      <a:noFill/>
-      <a:ln w="9525" cap="flat" cmpd="sng" algn="ctr">
-        <a:solidFill>
-          <a:schemeClr val="tx1">
-            <a:lumMod val="15000"/>
-            <a:lumOff val="85000"/>
-          </a:schemeClr>
-        </a:solidFill>
-        <a:round/>
-      </a:ln>
-    </cs:spPr>
-    <cs:defRPr sz="900" kern="1200"/>
-  </cs:dataTable>
-  <cs:downBar>
-    <cs:lnRef idx="0"/>
-    <cs:fillRef idx="0"/>
-    <cs:effectRef idx="0"/>
-    <cs:fontRef idx="minor">
-      <a:schemeClr val="tx1"/>
-    </cs:fontRef>
-    <cs:spPr>
-      <a:solidFill>
-        <a:schemeClr val="dk1">
-          <a:lumMod val="75000"/>
-          <a:lumOff val="25000"/>
-        </a:schemeClr>
-      </a:solidFill>
-      <a:ln w="9525" cap="flat" cmpd="sng" algn="ctr">
-        <a:solidFill>
-          <a:schemeClr val="tx1">
-            <a:lumMod val="65000"/>
-            <a:lumOff val="35000"/>
-          </a:schemeClr>
-        </a:solidFill>
-        <a:round/>
-      </a:ln>
-    </cs:spPr>
-  </cs:downBar>
-  <cs:dropLine>
-    <cs:lnRef idx="0"/>
-    <cs:fillRef idx="0"/>
-    <cs:effectRef idx="0"/>
-    <cs:fontRef idx="minor">
-      <a:schemeClr val="tx1"/>
-    </cs:fontRef>
-    <cs:spPr>
-      <a:ln w="9525" cap="flat" cmpd="sng" algn="ctr">
-        <a:solidFill>
-          <a:schemeClr val="tx1">
-            <a:lumMod val="35000"/>
-            <a:lumOff val="65000"/>
-          </a:schemeClr>
-        </a:solidFill>
-        <a:round/>
-      </a:ln>
-    </cs:spPr>
-  </cs:dropLine>
-  <cs:errorBar>
-    <cs:lnRef idx="0"/>
-    <cs:fillRef idx="0"/>
-    <cs:effectRef idx="0"/>
-    <cs:fontRef idx="minor">
-      <a:schemeClr val="tx1"/>
-    </cs:fontRef>
-    <cs:spPr>
-      <a:ln w="9525" cap="flat" cmpd="sng" algn="ctr">
-        <a:solidFill>
-          <a:schemeClr val="tx1">
-            <a:lumMod val="65000"/>
-            <a:lumOff val="35000"/>
-          </a:schemeClr>
-        </a:solidFill>
-        <a:round/>
-      </a:ln>
-    </cs:spPr>
-  </cs:errorBar>
-  <cs:floor>
-    <cs:lnRef idx="0"/>
-    <cs:fillRef idx="0"/>
-    <cs:effectRef idx="0"/>
-    <cs:fontRef idx="minor">
-      <a:schemeClr val="tx1"/>
-    </cs:fontRef>
-    <cs:spPr>
-      <a:noFill/>
-      <a:ln>
-        <a:noFill/>
-      </a:ln>
-    </cs:spPr>
-  </cs:floor>
-  <cs:gridlineMajor>
-    <cs:lnRef idx="0"/>
-    <cs:fillRef idx="0"/>
-    <cs:effectRef idx="0"/>
-    <cs:fontRef idx="minor">
-      <a:schemeClr val="tx1"/>
-    </cs:fontRef>
-    <cs:spPr>
-      <a:ln w="9525" cap="flat" cmpd="sng" algn="ctr">
-        <a:solidFill>
-          <a:schemeClr val="tx1">
-            <a:lumMod val="15000"/>
-            <a:lumOff val="85000"/>
-          </a:schemeClr>
-        </a:solidFill>
-        <a:round/>
-      </a:ln>
-    </cs:spPr>
-  </cs:gridlineMajor>
-  <cs:gridlineMinor>
-    <cs:lnRef idx="0"/>
-    <cs:fillRef idx="0"/>
-    <cs:effectRef idx="0"/>
-    <cs:fontRef idx="minor">
-      <a:schemeClr val="tx1"/>
-    </cs:fontRef>
-    <cs:spPr>
-      <a:ln w="9525" cap="flat" cmpd="sng" algn="ctr">
-        <a:solidFill>
-          <a:schemeClr val="tx1">
-            <a:lumMod val="5000"/>
-            <a:lumOff val="95000"/>
-          </a:schemeClr>
-        </a:solidFill>
-        <a:round/>
-      </a:ln>
-    </cs:spPr>
-  </cs:gridlineMinor>
-  <cs:hiLoLine>
-    <cs:lnRef idx="0"/>
-    <cs:fillRef idx="0"/>
-    <cs:effectRef idx="0"/>
-    <cs:fontRef idx="minor">
-      <a:schemeClr val="tx1"/>
-    </cs:fontRef>
-    <cs:spPr>
-      <a:ln w="9525" cap="flat" cmpd="sng" algn="ctr">
-        <a:solidFill>
-          <a:schemeClr val="tx1">
-            <a:lumMod val="50000"/>
-            <a:lumOff val="50000"/>
-          </a:schemeClr>
-        </a:solidFill>
-        <a:round/>
-      </a:ln>
-    </cs:spPr>
-  </cs:hiLoLine>
-  <cs:leaderLine>
-    <cs:lnRef idx="0"/>
-    <cs:fillRef idx="0"/>
-    <cs:effectRef idx="0"/>
-    <cs:fontRef idx="minor">
-      <a:schemeClr val="tx1"/>
-    </cs:fontRef>
-    <cs:spPr>
-      <a:ln w="9525" cap="flat" cmpd="sng" algn="ctr">
-        <a:solidFill>
-          <a:schemeClr val="tx1">
-            <a:lumMod val="35000"/>
-            <a:lumOff val="65000"/>
-          </a:schemeClr>
-        </a:solidFill>
-        <a:round/>
-      </a:ln>
-    </cs:spPr>
-  </cs:leaderLine>
-  <cs:legend>
-    <cs:lnRef idx="0"/>
-    <cs:fillRef idx="0"/>
-    <cs:effectRef idx="0"/>
-    <cs:fontRef idx="minor">
-      <a:schemeClr val="tx1">
-        <a:lumMod val="65000"/>
-        <a:lumOff val="35000"/>
-      </a:schemeClr>
-    </cs:fontRef>
-    <cs:defRPr sz="900" kern="1200"/>
-  </cs:legend>
-  <cs:plotArea mods="allowNoFillOverride allowNoLineOverride">
-    <cs:lnRef idx="0"/>
-    <cs:fillRef idx="0"/>
-    <cs:effectRef idx="0"/>
-    <cs:fontRef idx="minor">
-      <a:schemeClr val="tx1"/>
-    </cs:fontRef>
-  </cs:plotArea>
-  <cs:plotArea3D mods="allowNoFillOverride allowNoLineOverride">
-    <cs:lnRef idx="0"/>
-    <cs:fillRef idx="0"/>
-    <cs:effectRef idx="0"/>
-    <cs:fontRef idx="minor">
-      <a:schemeClr val="tx1"/>
-    </cs:fontRef>
-  </cs:plotArea3D>
-  <cs:seriesAxis>
-    <cs:lnRef idx="0"/>
-    <cs:fillRef idx="0"/>
-    <cs:effectRef idx="0"/>
-    <cs:fontRef idx="minor">
-      <a:schemeClr val="tx1">
-        <a:lumMod val="65000"/>
-        <a:lumOff val="35000"/>
-      </a:schemeClr>
-    </cs:fontRef>
-    <cs:defRPr sz="900" kern="1200"/>
-  </cs:seriesAxis>
-  <cs:seriesLine>
-    <cs:lnRef idx="0"/>
-    <cs:fillRef idx="0"/>
-    <cs:effectRef idx="0"/>
-    <cs:fontRef idx="minor">
-      <a:schemeClr val="tx1"/>
-    </cs:fontRef>
-    <cs:spPr>
-      <a:ln w="9525" cap="flat" cmpd="sng" algn="ctr">
-        <a:solidFill>
-          <a:schemeClr val="tx1">
-            <a:lumMod val="35000"/>
-            <a:lumOff val="65000"/>
-          </a:schemeClr>
-        </a:solidFill>
-        <a:round/>
-      </a:ln>
-    </cs:spPr>
-  </cs:seriesLine>
-  <cs:title>
-    <cs:lnRef idx="0"/>
-    <cs:fillRef idx="0"/>
-    <cs:effectRef idx="0"/>
-    <cs:fontRef idx="minor">
-      <a:schemeClr val="tx1">
-        <a:lumMod val="65000"/>
-        <a:lumOff val="35000"/>
-      </a:schemeClr>
-    </cs:fontRef>
-    <cs:defRPr sz="1400" b="0" kern="1200" spc="0" baseline="0"/>
-  </cs:title>
-  <cs:trendline>
-    <cs:lnRef idx="0">
-      <cs:styleClr val="auto"/>
-    </cs:lnRef>
-    <cs:fillRef idx="0"/>
-    <cs:effectRef idx="0"/>
-    <cs:fontRef idx="minor">
-      <a:schemeClr val="tx1"/>
-    </cs:fontRef>
-    <cs:spPr>
-      <a:ln w="19050" cap="rnd">
-        <a:solidFill>
-          <a:schemeClr val="phClr"/>
-        </a:solidFill>
-        <a:prstDash val="sysDot"/>
-      </a:ln>
-    </cs:spPr>
-  </cs:trendline>
-  <cs:trendlineLabel>
-    <cs:lnRef idx="0"/>
-    <cs:fillRef idx="0"/>
-    <cs:effectRef idx="0"/>
-    <cs:fontRef idx="minor">
-      <a:schemeClr val="tx1">
-        <a:lumMod val="65000"/>
-        <a:lumOff val="35000"/>
-      </a:schemeClr>
-    </cs:fontRef>
-    <cs:defRPr sz="900" kern="1200"/>
-  </cs:trendlineLabel>
-  <cs:upBar>
-    <cs:lnRef idx="0"/>
-    <cs:fillRef idx="0"/>
-    <cs:effectRef idx="0"/>
-    <cs:fontRef idx="minor">
-      <a:schemeClr val="tx1"/>
-    </cs:fontRef>
-    <cs:spPr>
-      <a:solidFill>
-        <a:schemeClr val="lt1"/>
-      </a:solidFill>
-      <a:ln w="9525" cap="flat" cmpd="sng" algn="ctr">
-        <a:solidFill>
-          <a:schemeClr val="tx1">
-            <a:lumMod val="65000"/>
-            <a:lumOff val="35000"/>
-          </a:schemeClr>
-        </a:solidFill>
-        <a:round/>
-      </a:ln>
-    </cs:spPr>
-  </cs:upBar>
-  <cs:valueAxis>
-    <cs:lnRef idx="0"/>
-    <cs:fillRef idx="0"/>
-    <cs:effectRef idx="0"/>
-    <cs:fontRef idx="minor">
-      <a:schemeClr val="tx1">
-        <a:lumMod val="65000"/>
-        <a:lumOff val="35000"/>
-      </a:schemeClr>
-    </cs:fontRef>
-    <cs:spPr>
-      <a:ln w="9525" cap="flat" cmpd="sng" algn="ctr">
-        <a:solidFill>
-          <a:schemeClr val="tx1">
-            <a:lumMod val="25000"/>
-            <a:lumOff val="75000"/>
-          </a:schemeClr>
-        </a:solidFill>
-        <a:round/>
-      </a:ln>
-    </cs:spPr>
-    <cs:defRPr sz="900" kern="1200"/>
-  </cs:valueAxis>
-  <cs:wall>
-    <cs:lnRef idx="0"/>
-    <cs:fillRef idx="0"/>
-    <cs:effectRef idx="0"/>
-    <cs:fontRef idx="minor">
-      <a:schemeClr val="tx1"/>
-    </cs:fontRef>
-    <cs:spPr>
-      <a:noFill/>
-      <a:ln>
-        <a:noFill/>
-      </a:ln>
-    </cs:spPr>
-  </cs:wall>
-</cs:chartStyle>
-</file>
-
-<file path=ppt/charts/style2.xml><?xml version="1.0" encoding="utf-8"?>
-<cs:chartStyle xmlns:cs="http://schemas.microsoft.com/office/drawing/2012/chartStyle" xmlns:a="http://schemas.openxmlformats.org/drawingml/2006/main" id="240">
-  <cs:axisTitle>
-    <cs:lnRef idx="0"/>
-    <cs:fillRef idx="0"/>
-    <cs:effectRef idx="0"/>
-    <cs:fontRef idx="minor">
-      <a:schemeClr val="tx1">
-        <a:lumMod val="65000"/>
-        <a:lumOff val="35000"/>
-      </a:schemeClr>
-    </cs:fontRef>
-    <cs:defRPr sz="1000" kern="1200"/>
-  </cs:axisTitle>
-  <cs:categoryAxis>
-    <cs:lnRef idx="0"/>
-    <cs:fillRef idx="0"/>
-    <cs:effectRef idx="0"/>
-    <cs:fontRef idx="minor">
-      <a:schemeClr val="tx1">
-        <a:lumMod val="65000"/>
-        <a:lumOff val="35000"/>
-      </a:schemeClr>
-    </cs:fontRef>
-    <cs:spPr>
-      <a:ln w="9525" cap="flat" cmpd="sng" algn="ctr">
-        <a:solidFill>
-          <a:schemeClr val="tx1">
-            <a:lumMod val="25000"/>
-            <a:lumOff val="75000"/>
-          </a:schemeClr>
-        </a:solidFill>
-        <a:round/>
-      </a:ln>
-    </cs:spPr>
-    <cs:defRPr sz="900" kern="1200"/>
-  </cs:categoryAxis>
-  <cs:chartArea mods="allowNoFillOverride allowNoLineOverride">
-    <cs:lnRef idx="0"/>
-    <cs:fillRef idx="0"/>
-    <cs:effectRef idx="0"/>
-    <cs:fontRef idx="minor">
-      <a:schemeClr val="tx1"/>
-    </cs:fontRef>
-    <cs:spPr>
-      <a:solidFill>
-        <a:schemeClr val="bg1"/>
-      </a:solidFill>
-      <a:ln w="9525" cap="flat" cmpd="sng" algn="ctr">
-        <a:solidFill>
-          <a:schemeClr val="tx1">
-            <a:lumMod val="15000"/>
-            <a:lumOff val="85000"/>
-          </a:schemeClr>
-        </a:solidFill>
-        <a:round/>
-      </a:ln>
-    </cs:spPr>
-    <cs:defRPr sz="1000" kern="1200"/>
-  </cs:chartArea>
-  <cs:dataLabel>
-    <cs:lnRef idx="0"/>
-    <cs:fillRef idx="0"/>
-    <cs:effectRef idx="0"/>
-    <cs:fontRef idx="minor">
-      <a:schemeClr val="tx1">
-        <a:lumMod val="75000"/>
-        <a:lumOff val="25000"/>
-      </a:schemeClr>
-    </cs:fontRef>
-    <cs:defRPr sz="900" kern="1200"/>
-  </cs:dataLabel>
-  <cs:dataLabelCallout>
-    <cs:lnRef idx="0"/>
-    <cs:fillRef idx="0"/>
-    <cs:effectRef idx="0"/>
-    <cs:fontRef idx="minor">
-      <a:schemeClr val="dk1">
-        <a:lumMod val="65000"/>
-        <a:lumOff val="35000"/>
-      </a:schemeClr>
-    </cs:fontRef>
-    <cs:spPr>
-      <a:solidFill>
-        <a:schemeClr val="lt1"/>
-      </a:solidFill>
-      <a:ln>
-        <a:solidFill>
-          <a:schemeClr val="dk1">
-            <a:lumMod val="25000"/>
-            <a:lumOff val="75000"/>
-          </a:schemeClr>
-        </a:solidFill>
-      </a:ln>
-    </cs:spPr>
-    <cs:defRPr sz="900" kern="1200"/>
-    <cs:bodyPr rot="0" spcFirstLastPara="1" vertOverflow="clip" horzOverflow="clip" vert="horz" wrap="square" lIns="36576" tIns="18288" rIns="36576" bIns="18288" anchor="ctr" anchorCtr="1">
-      <a:spAutoFit/>
-    </cs:bodyPr>
-  </cs:dataLabelCallout>
-  <cs:dataPoint>
-    <cs:lnRef idx="0"/>
-    <cs:fillRef idx="1">
-      <cs:styleClr val="auto"/>
-    </cs:fillRef>
-    <cs:effectRef idx="0"/>
-    <cs:fontRef idx="minor">
-      <a:schemeClr val="tx1"/>
-    </cs:fontRef>
-  </cs:dataPoint>
-  <cs:dataPoint3D>
-    <cs:lnRef idx="0"/>
-    <cs:fillRef idx="1">
-      <cs:styleClr val="auto"/>
-    </cs:fillRef>
-    <cs:effectRef idx="0"/>
-    <cs:fontRef idx="minor">
-      <a:schemeClr val="tx1"/>
-    </cs:fontRef>
-  </cs:dataPoint3D>
-  <cs:dataPointLine>
-    <cs:lnRef idx="0">
-      <cs:styleClr val="auto"/>
-    </cs:lnRef>
-    <cs:fillRef idx="1"/>
-    <cs:effectRef idx="0"/>
-    <cs:fontRef idx="minor">
-      <a:schemeClr val="tx1"/>
-    </cs:fontRef>
-    <cs:spPr>
-      <a:ln w="19050" cap="rnd">
-        <a:solidFill>
-          <a:schemeClr val="phClr"/>
-        </a:solidFill>
-        <a:round/>
-      </a:ln>
-    </cs:spPr>
-  </cs:dataPointLine>
-  <cs:dataPointMarker>
-    <cs:lnRef idx="0">
-      <cs:styleClr val="auto"/>
-    </cs:lnRef>
-    <cs:fillRef idx="1">
-      <cs:styleClr val="auto"/>
-    </cs:fillRef>
-    <cs:effectRef idx="0"/>
-    <cs:fontRef idx="minor">
-      <a:schemeClr val="tx1"/>
-    </cs:fontRef>
-    <cs:spPr>
-      <a:ln w="9525">
-        <a:solidFill>
-          <a:schemeClr val="phClr"/>
-        </a:solidFill>
-      </a:ln>
-    </cs:spPr>
-  </cs:dataPointMarker>
-  <cs:dataPointMarkerLayout symbol="circle" size="5"/>
-  <cs:dataPointWireframe>
-    <cs:lnRef idx="0">
-      <cs:styleClr val="auto"/>
-    </cs:lnRef>
-    <cs:fillRef idx="0"/>
-    <cs:effectRef idx="0"/>
-    <cs:fontRef idx="minor">
-      <a:schemeClr val="dk1"/>
-    </cs:fontRef>
-    <cs:spPr>
-      <a:ln w="9525" cap="rnd">
-        <a:solidFill>
-          <a:schemeClr val="phClr"/>
-        </a:solidFill>
-        <a:round/>
-      </a:ln>
-    </cs:spPr>
-  </cs:dataPointWireframe>
-  <cs:dataTable>
-    <cs:lnRef idx="0"/>
-    <cs:fillRef idx="0"/>
-    <cs:effectRef idx="0"/>
-    <cs:fontRef idx="minor">
-      <a:schemeClr val="tx1">
-        <a:lumMod val="65000"/>
-        <a:lumOff val="35000"/>
-      </a:schemeClr>
-    </cs:fontRef>
-    <cs:spPr>
-      <a:noFill/>
-      <a:ln w="9525" cap="flat" cmpd="sng" algn="ctr">
-        <a:solidFill>
-          <a:schemeClr val="tx1">
-            <a:lumMod val="15000"/>
-            <a:lumOff val="85000"/>
-          </a:schemeClr>
-        </a:solidFill>
-        <a:round/>
-      </a:ln>
-    </cs:spPr>
-    <cs:defRPr sz="900" kern="1200"/>
-  </cs:dataTable>
-  <cs:downBar>
-    <cs:lnRef idx="0"/>
-    <cs:fillRef idx="0"/>
-    <cs:effectRef idx="0"/>
-    <cs:fontRef idx="minor">
-      <a:schemeClr val="tx1"/>
-    </cs:fontRef>
-    <cs:spPr>
-      <a:solidFill>
-        <a:schemeClr val="dk1">
-          <a:lumMod val="75000"/>
-          <a:lumOff val="25000"/>
-        </a:schemeClr>
-      </a:solidFill>
-      <a:ln w="9525" cap="flat" cmpd="sng" algn="ctr">
-        <a:solidFill>
-          <a:schemeClr val="tx1">
-            <a:lumMod val="65000"/>
-            <a:lumOff val="35000"/>
-          </a:schemeClr>
-        </a:solidFill>
-        <a:round/>
-      </a:ln>
-    </cs:spPr>
-  </cs:downBar>
-  <cs:dropLine>
-    <cs:lnRef idx="0"/>
-    <cs:fillRef idx="0"/>
-    <cs:effectRef idx="0"/>
-    <cs:fontRef idx="minor">
-      <a:schemeClr val="tx1"/>
-    </cs:fontRef>
-    <cs:spPr>
-      <a:ln w="9525" cap="flat" cmpd="sng" algn="ctr">
-        <a:solidFill>
-          <a:schemeClr val="tx1">
-            <a:lumMod val="35000"/>
-            <a:lumOff val="65000"/>
-          </a:schemeClr>
-        </a:solidFill>
-        <a:round/>
-      </a:ln>
-    </cs:spPr>
-  </cs:dropLine>
-  <cs:errorBar>
-    <cs:lnRef idx="0"/>
-    <cs:fillRef idx="0"/>
-    <cs:effectRef idx="0"/>
-    <cs:fontRef idx="minor">
-      <a:schemeClr val="tx1"/>
-    </cs:fontRef>
-    <cs:spPr>
-      <a:ln w="9525" cap="flat" cmpd="sng" algn="ctr">
-        <a:solidFill>
-          <a:schemeClr val="tx1">
-            <a:lumMod val="65000"/>
-            <a:lumOff val="35000"/>
-          </a:schemeClr>
-        </a:solidFill>
-        <a:round/>
-      </a:ln>
-    </cs:spPr>
-  </cs:errorBar>
-  <cs:floor>
-    <cs:lnRef idx="0"/>
-    <cs:fillRef idx="0"/>
-    <cs:effectRef idx="0"/>
-    <cs:fontRef idx="minor">
-      <a:schemeClr val="tx1"/>
-    </cs:fontRef>
-    <cs:spPr>
-      <a:noFill/>
-      <a:ln>
-        <a:noFill/>
-      </a:ln>
-    </cs:spPr>
-  </cs:floor>
-  <cs:gridlineMajor>
-    <cs:lnRef idx="0"/>
-    <cs:fillRef idx="0"/>
-    <cs:effectRef idx="0"/>
-    <cs:fontRef idx="minor">
-      <a:schemeClr val="tx1"/>
-    </cs:fontRef>
-    <cs:spPr>
-      <a:ln w="9525" cap="flat" cmpd="sng" algn="ctr">
-        <a:solidFill>
-          <a:schemeClr val="tx1">
-            <a:lumMod val="15000"/>
-            <a:lumOff val="85000"/>
-          </a:schemeClr>
-        </a:solidFill>
-        <a:round/>
-      </a:ln>
-    </cs:spPr>
-  </cs:gridlineMajor>
-  <cs:gridlineMinor>
-    <cs:lnRef idx="0"/>
-    <cs:fillRef idx="0"/>
-    <cs:effectRef idx="0"/>
-    <cs:fontRef idx="minor">
-      <a:schemeClr val="tx1"/>
-    </cs:fontRef>
-    <cs:spPr>
-      <a:ln w="9525" cap="flat" cmpd="sng" algn="ctr">
-        <a:solidFill>
-          <a:schemeClr val="tx1">
-            <a:lumMod val="5000"/>
-            <a:lumOff val="95000"/>
-          </a:schemeClr>
-        </a:solidFill>
-        <a:round/>
-      </a:ln>
-    </cs:spPr>
-  </cs:gridlineMinor>
-  <cs:hiLoLine>
-    <cs:lnRef idx="0"/>
-    <cs:fillRef idx="0"/>
-    <cs:effectRef idx="0"/>
-    <cs:fontRef idx="minor">
-      <a:schemeClr val="tx1"/>
-    </cs:fontRef>
-    <cs:spPr>
-      <a:ln w="9525" cap="flat" cmpd="sng" algn="ctr">
-        <a:solidFill>
-          <a:schemeClr val="tx1">
-            <a:lumMod val="50000"/>
-            <a:lumOff val="50000"/>
-          </a:schemeClr>
-        </a:solidFill>
-        <a:round/>
-      </a:ln>
-    </cs:spPr>
-  </cs:hiLoLine>
-  <cs:leaderLine>
-    <cs:lnRef idx="0"/>
-    <cs:fillRef idx="0"/>
-    <cs:effectRef idx="0"/>
-    <cs:fontRef idx="minor">
-      <a:schemeClr val="tx1"/>
-    </cs:fontRef>
-    <cs:spPr>
-      <a:ln w="9525" cap="flat" cmpd="sng" algn="ctr">
-        <a:solidFill>
-          <a:schemeClr val="tx1">
-            <a:lumMod val="35000"/>
-            <a:lumOff val="65000"/>
-          </a:schemeClr>
-        </a:solidFill>
-        <a:round/>
-      </a:ln>
-    </cs:spPr>
-  </cs:leaderLine>
-  <cs:legend>
-    <cs:lnRef idx="0"/>
-    <cs:fillRef idx="0"/>
-    <cs:effectRef idx="0"/>
-    <cs:fontRef idx="minor">
-      <a:schemeClr val="tx1">
-        <a:lumMod val="65000"/>
-        <a:lumOff val="35000"/>
-      </a:schemeClr>
-    </cs:fontRef>
-    <cs:defRPr sz="900" kern="1200"/>
-  </cs:legend>
-  <cs:plotArea mods="allowNoFillOverride allowNoLineOverride">
-    <cs:lnRef idx="0"/>
-    <cs:fillRef idx="0"/>
-    <cs:effectRef idx="0"/>
-    <cs:fontRef idx="minor">
-      <a:schemeClr val="tx1"/>
-    </cs:fontRef>
-  </cs:plotArea>
-  <cs:plotArea3D mods="allowNoFillOverride allowNoLineOverride">
-    <cs:lnRef idx="0"/>
-    <cs:fillRef idx="0"/>
-    <cs:effectRef idx="0"/>
-    <cs:fontRef idx="minor">
-      <a:schemeClr val="tx1"/>
-    </cs:fontRef>
-  </cs:plotArea3D>
-  <cs:seriesAxis>
-    <cs:lnRef idx="0"/>
-    <cs:fillRef idx="0"/>
-    <cs:effectRef idx="0"/>
-    <cs:fontRef idx="minor">
-      <a:schemeClr val="tx1">
-        <a:lumMod val="65000"/>
-        <a:lumOff val="35000"/>
-      </a:schemeClr>
-    </cs:fontRef>
-    <cs:defRPr sz="900" kern="1200"/>
-  </cs:seriesAxis>
-  <cs:seriesLine>
-    <cs:lnRef idx="0"/>
-    <cs:fillRef idx="0"/>
-    <cs:effectRef idx="0"/>
-    <cs:fontRef idx="minor">
-      <a:schemeClr val="tx1"/>
-    </cs:fontRef>
-    <cs:spPr>
-      <a:ln w="9525" cap="flat" cmpd="sng" algn="ctr">
-        <a:solidFill>
-          <a:schemeClr val="tx1">
-            <a:lumMod val="35000"/>
-            <a:lumOff val="65000"/>
-          </a:schemeClr>
-        </a:solidFill>
-        <a:round/>
-      </a:ln>
-    </cs:spPr>
-  </cs:seriesLine>
-  <cs:title>
-    <cs:lnRef idx="0"/>
-    <cs:fillRef idx="0"/>
-    <cs:effectRef idx="0"/>
-    <cs:fontRef idx="minor">
-      <a:schemeClr val="tx1">
-        <a:lumMod val="65000"/>
-        <a:lumOff val="35000"/>
-      </a:schemeClr>
-    </cs:fontRef>
-    <cs:defRPr sz="1400" b="0" kern="1200" spc="0" baseline="0"/>
-  </cs:title>
-  <cs:trendline>
-    <cs:lnRef idx="0">
-      <cs:styleClr val="auto"/>
-    </cs:lnRef>
-    <cs:fillRef idx="0"/>
-    <cs:effectRef idx="0"/>
-    <cs:fontRef idx="minor">
-      <a:schemeClr val="tx1"/>
-    </cs:fontRef>
-    <cs:spPr>
-      <a:ln w="19050" cap="rnd">
-        <a:solidFill>
-          <a:schemeClr val="phClr"/>
-        </a:solidFill>
-        <a:prstDash val="sysDot"/>
-      </a:ln>
-    </cs:spPr>
-  </cs:trendline>
-  <cs:trendlineLabel>
-    <cs:lnRef idx="0"/>
-    <cs:fillRef idx="0"/>
-    <cs:effectRef idx="0"/>
-    <cs:fontRef idx="minor">
-      <a:schemeClr val="tx1">
-        <a:lumMod val="65000"/>
-        <a:lumOff val="35000"/>
-      </a:schemeClr>
-    </cs:fontRef>
-    <cs:defRPr sz="900" kern="1200"/>
-  </cs:trendlineLabel>
-  <cs:upBar>
-    <cs:lnRef idx="0"/>
-    <cs:fillRef idx="0"/>
-    <cs:effectRef idx="0"/>
-    <cs:fontRef idx="minor">
-      <a:schemeClr val="tx1"/>
-    </cs:fontRef>
-    <cs:spPr>
-      <a:solidFill>
-        <a:schemeClr val="lt1"/>
-      </a:solidFill>
-      <a:ln w="9525" cap="flat" cmpd="sng" algn="ctr">
-        <a:solidFill>
-          <a:schemeClr val="tx1">
-            <a:lumMod val="65000"/>
-            <a:lumOff val="35000"/>
-          </a:schemeClr>
-        </a:solidFill>
-        <a:round/>
-      </a:ln>
-    </cs:spPr>
-  </cs:upBar>
-  <cs:valueAxis>
-    <cs:lnRef idx="0"/>
-    <cs:fillRef idx="0"/>
-    <cs:effectRef idx="0"/>
-    <cs:fontRef idx="minor">
-      <a:schemeClr val="tx1">
-        <a:lumMod val="65000"/>
-        <a:lumOff val="35000"/>
-      </a:schemeClr>
-    </cs:fontRef>
-    <cs:spPr>
-      <a:ln w="9525" cap="flat" cmpd="sng" algn="ctr">
-        <a:solidFill>
-          <a:schemeClr val="tx1">
-            <a:lumMod val="25000"/>
-            <a:lumOff val="75000"/>
-          </a:schemeClr>
-        </a:solidFill>
-        <a:round/>
-      </a:ln>
-    </cs:spPr>
-    <cs:defRPr sz="900" kern="1200"/>
-  </cs:valueAxis>
-  <cs:wall>
-    <cs:lnRef idx="0"/>
-    <cs:fillRef idx="0"/>
-    <cs:effectRef idx="0"/>
-    <cs:fontRef idx="minor">
-      <a:schemeClr val="tx1"/>
-    </cs:fontRef>
-    <cs:spPr>
-      <a:noFill/>
-      <a:ln>
-        <a:noFill/>
-      </a:ln>
-    </cs:spPr>
-  </cs:wall>
-</cs:chartStyle>
-</file>
-
-<file path=ppt/charts/style3.xml><?xml version="1.0" encoding="utf-8"?>
 <cs:chartStyle xmlns:cs="http://schemas.microsoft.com/office/drawing/2012/chartStyle" xmlns:a="http://schemas.openxmlformats.org/drawingml/2006/main" id="240">
   <cs:axisTitle>
     <cs:lnRef idx="0"/>
@@ -3415,7 +1369,7 @@
           <a:p>
             <a:fld id="{E4C3FCC2-4E7A-4671-AA79-177CB194E449}" type="datetimeFigureOut">
               <a:rPr lang="en-US" smtClean="0"/>
-              <a:t>2020-09-15</a:t>
+              <a:t>2020-09-16</a:t>
             </a:fld>
             <a:endParaRPr lang="en-US"/>
           </a:p>
@@ -4017,7 +1971,7 @@
           <a:p>
             <a:fld id="{5A01C38D-F26D-4167-83EF-8774BC62D548}" type="slidenum">
               <a:rPr lang="en-US" smtClean="0"/>
-              <a:t>16</a:t>
+              <a:t>19</a:t>
             </a:fld>
             <a:endParaRPr lang="en-US"/>
           </a:p>
@@ -4106,7 +2060,7 @@
           <a:p>
             <a:fld id="{DF61EA0F-A667-4B49-8422-0062BC55E249}" type="slidenum">
               <a:rPr lang="en-US" smtClean="0"/>
-              <a:t>17</a:t>
+              <a:t>20</a:t>
             </a:fld>
             <a:endParaRPr lang="en-US"/>
           </a:p>
@@ -5831,7 +3785,7 @@
           <a:p>
             <a:fld id="{4744E560-77BF-4D1A-B6E7-CD55CE12B1B8}" type="datetimeFigureOut">
               <a:rPr lang="en-US" smtClean="0"/>
-              <a:t>2020-09-15</a:t>
+              <a:t>2020-09-16</a:t>
             </a:fld>
             <a:endParaRPr lang="en-US"/>
           </a:p>
@@ -7089,7 +5043,7 @@
           <a:lstStyle/>
           <a:p>
             <a:r>
-              <a:rPr lang="en-US" b="1" kern="1200" dirty="0">
+              <a:rPr lang="en-US" b="1" kern="1200" dirty="0" err="1">
                 <a:solidFill>
                   <a:schemeClr val="bg1"/>
                 </a:solidFill>
@@ -7097,7 +5051,18 @@
                 <a:ea typeface="+mj-ea"/>
                 <a:cs typeface="+mj-cs"/>
               </a:rPr>
-              <a:t>Flow </a:t>
+              <a:t>FlowDiagram</a:t>
+            </a:r>
+            <a:r>
+              <a:rPr lang="en-US" b="1" kern="1200" dirty="0">
+                <a:solidFill>
+                  <a:schemeClr val="bg1"/>
+                </a:solidFill>
+                <a:latin typeface="+mj-lt"/>
+                <a:ea typeface="+mj-ea"/>
+                <a:cs typeface="+mj-cs"/>
+              </a:rPr>
+              <a:t> – Rule</a:t>
             </a:r>
           </a:p>
         </p:txBody>
@@ -8206,10 +6171,10 @@
       </p:sp>
       <p:pic>
         <p:nvPicPr>
-          <p:cNvPr id="13" name="Picture 12" descr="A picture containing clock&#10;&#10;Description automatically generated">
+          <p:cNvPr id="5" name="Picture 4" descr="A picture containing clock&#10;&#10;Description automatically generated">
             <a:extLst>
               <a:ext uri="{FF2B5EF4-FFF2-40B4-BE49-F238E27FC236}">
-                <a16:creationId xmlns:a16="http://schemas.microsoft.com/office/drawing/2014/main" id="{5692D772-F0F3-4935-AA9F-5A02B99300A0}"/>
+                <a16:creationId xmlns:a16="http://schemas.microsoft.com/office/drawing/2014/main" id="{917D835F-B66F-4F82-A1E1-1C1FDA4C42B0}"/>
               </a:ext>
             </a:extLst>
           </p:cNvPr>
@@ -8232,8 +6197,8 @@
         </p:blipFill>
         <p:spPr>
           <a:xfrm>
-            <a:off x="7266039" y="1266825"/>
-            <a:ext cx="4321527" cy="2199007"/>
+            <a:off x="7266038" y="1266825"/>
+            <a:ext cx="4321528" cy="2199007"/>
           </a:xfrm>
           <a:prstGeom prst="rect">
             <a:avLst/>
@@ -8446,7 +6411,7 @@
           <a:lstStyle/>
           <a:p>
             <a:r>
-              <a:rPr lang="en-US" b="1" kern="1200" dirty="0">
+              <a:rPr lang="en-US" b="1" kern="1200" dirty="0" err="1">
                 <a:solidFill>
                   <a:schemeClr val="bg1"/>
                 </a:solidFill>
@@ -8454,7 +6419,18 @@
                 <a:ea typeface="+mj-ea"/>
                 <a:cs typeface="+mj-cs"/>
               </a:rPr>
-              <a:t>Flow </a:t>
+              <a:t>FlowDiagram</a:t>
+            </a:r>
+            <a:r>
+              <a:rPr lang="en-US" b="1" kern="1200" dirty="0">
+                <a:solidFill>
+                  <a:schemeClr val="bg1"/>
+                </a:solidFill>
+                <a:latin typeface="+mj-lt"/>
+                <a:ea typeface="+mj-ea"/>
+                <a:cs typeface="+mj-cs"/>
+              </a:rPr>
+              <a:t> – Algorithm start</a:t>
             </a:r>
           </a:p>
         </p:txBody>
@@ -9211,7 +7187,7 @@
           <a:lstStyle/>
           <a:p>
             <a:r>
-              <a:rPr lang="en-US" b="1" kern="1200" dirty="0">
+              <a:rPr lang="en-US" b="1" kern="1200" dirty="0" err="1">
                 <a:solidFill>
                   <a:schemeClr val="bg1"/>
                 </a:solidFill>
@@ -9219,7 +7195,40 @@
                 <a:ea typeface="+mj-ea"/>
                 <a:cs typeface="+mj-cs"/>
               </a:rPr>
-              <a:t>Flow </a:t>
+              <a:t>FlowDiagram</a:t>
+            </a:r>
+            <a:r>
+              <a:rPr lang="en-US" b="1" kern="1200" dirty="0">
+                <a:solidFill>
+                  <a:schemeClr val="bg1"/>
+                </a:solidFill>
+                <a:latin typeface="+mj-lt"/>
+                <a:ea typeface="+mj-ea"/>
+                <a:cs typeface="+mj-cs"/>
+              </a:rPr>
+              <a:t> – </a:t>
+            </a:r>
+            <a:r>
+              <a:rPr lang="en-US" b="1" kern="1200" dirty="0" err="1">
+                <a:solidFill>
+                  <a:schemeClr val="bg1"/>
+                </a:solidFill>
+                <a:latin typeface="+mj-lt"/>
+                <a:ea typeface="+mj-ea"/>
+                <a:cs typeface="+mj-cs"/>
+              </a:rPr>
+              <a:t>add_src_nodes</a:t>
+            </a:r>
+            <a:r>
+              <a:rPr lang="en-US" b="1" kern="1200" dirty="0">
+                <a:solidFill>
+                  <a:schemeClr val="bg1"/>
+                </a:solidFill>
+                <a:latin typeface="+mj-lt"/>
+                <a:ea typeface="+mj-ea"/>
+                <a:cs typeface="+mj-cs"/>
+              </a:rPr>
+              <a:t>()</a:t>
             </a:r>
           </a:p>
         </p:txBody>
@@ -11076,7 +9085,7 @@
           <a:lstStyle/>
           <a:p>
             <a:r>
-              <a:rPr lang="en-US" b="1" kern="1200" dirty="0">
+              <a:rPr lang="en-US" b="1" kern="1200" dirty="0" err="1">
                 <a:solidFill>
                   <a:schemeClr val="bg1"/>
                 </a:solidFill>
@@ -11084,7 +9093,40 @@
                 <a:ea typeface="+mj-ea"/>
                 <a:cs typeface="+mj-cs"/>
               </a:rPr>
-              <a:t>Flow </a:t>
+              <a:t>FlowDiagram</a:t>
+            </a:r>
+            <a:r>
+              <a:rPr lang="en-US" b="1" kern="1200" dirty="0">
+                <a:solidFill>
+                  <a:schemeClr val="bg1"/>
+                </a:solidFill>
+                <a:latin typeface="+mj-lt"/>
+                <a:ea typeface="+mj-ea"/>
+                <a:cs typeface="+mj-cs"/>
+              </a:rPr>
+              <a:t> – </a:t>
+            </a:r>
+            <a:r>
+              <a:rPr lang="en-US" b="1" kern="1200" dirty="0" err="1">
+                <a:solidFill>
+                  <a:schemeClr val="bg1"/>
+                </a:solidFill>
+                <a:latin typeface="+mj-lt"/>
+                <a:ea typeface="+mj-ea"/>
+                <a:cs typeface="+mj-cs"/>
+              </a:rPr>
+              <a:t>add_dst_nodes</a:t>
+            </a:r>
+            <a:r>
+              <a:rPr lang="en-US" b="1" kern="1200" dirty="0">
+                <a:solidFill>
+                  <a:schemeClr val="bg1"/>
+                </a:solidFill>
+                <a:latin typeface="+mj-lt"/>
+                <a:ea typeface="+mj-ea"/>
+                <a:cs typeface="+mj-cs"/>
+              </a:rPr>
+              <a:t>()</a:t>
             </a:r>
           </a:p>
         </p:txBody>
@@ -12697,7 +10739,7 @@
           <a:lstStyle/>
           <a:p>
             <a:r>
-              <a:rPr lang="en-US" b="1" kern="1200" dirty="0">
+              <a:rPr lang="en-US" b="1" kern="1200" dirty="0" err="1">
                 <a:solidFill>
                   <a:schemeClr val="bg1"/>
                 </a:solidFill>
@@ -12705,10 +10747,10 @@
                 <a:ea typeface="+mj-ea"/>
                 <a:cs typeface="+mj-cs"/>
               </a:rPr>
-              <a:t>Flow – Construct Rule Object and </a:t>
-            </a:r>
-            <a:r>
-              <a:rPr lang="en-US" b="1" kern="1200" dirty="0" err="1">
+              <a:t>FlowDiagram</a:t>
+            </a:r>
+            <a:r>
+              <a:rPr lang="en-US" b="1" kern="1200" dirty="0">
                 <a:solidFill>
                   <a:schemeClr val="bg1"/>
                 </a:solidFill>
@@ -12716,18 +10758,7 @@
                 <a:ea typeface="+mj-ea"/>
                 <a:cs typeface="+mj-cs"/>
               </a:rPr>
-              <a:t>all_rule</a:t>
-            </a:r>
-            <a:r>
-              <a:rPr lang="en-US" b="1" kern="1200" dirty="0">
-                <a:solidFill>
-                  <a:schemeClr val="bg1"/>
-                </a:solidFill>
-                <a:latin typeface="+mj-lt"/>
-                <a:ea typeface="+mj-ea"/>
-                <a:cs typeface="+mj-cs"/>
-              </a:rPr>
-              <a:t> List</a:t>
+              <a:t> – Packet Read</a:t>
             </a:r>
           </a:p>
         </p:txBody>
@@ -13832,6 +11863,4215 @@
 </file>
 
 <file path=ppt/slides/slide15.xml><?xml version="1.0" encoding="utf-8"?>
+<p:sld xmlns:a="http://schemas.openxmlformats.org/drawingml/2006/main" xmlns:r="http://schemas.openxmlformats.org/officeDocument/2006/relationships" xmlns:p="http://schemas.openxmlformats.org/presentationml/2006/main" showMasterSp="0">
+  <p:cSld>
+    <p:bg>
+      <p:bgPr>
+        <a:solidFill>
+          <a:schemeClr val="tx1">
+            <a:alpha val="90000"/>
+          </a:schemeClr>
+        </a:solidFill>
+        <a:effectLst/>
+      </p:bgPr>
+    </p:bg>
+    <p:spTree>
+      <p:nvGrpSpPr>
+        <p:cNvPr id="1" name=""/>
+        <p:cNvGrpSpPr/>
+        <p:nvPr/>
+      </p:nvGrpSpPr>
+      <p:grpSpPr>
+        <a:xfrm>
+          <a:off x="0" y="0"/>
+          <a:ext cx="0" cy="0"/>
+          <a:chOff x="0" y="0"/>
+          <a:chExt cx="0" cy="0"/>
+        </a:xfrm>
+      </p:grpSpPr>
+      <p:sp>
+        <p:nvSpPr>
+          <p:cNvPr id="2" name="Title 1">
+            <a:extLst>
+              <a:ext uri="{FF2B5EF4-FFF2-40B4-BE49-F238E27FC236}">
+                <a16:creationId xmlns:a16="http://schemas.microsoft.com/office/drawing/2014/main" id="{B0D7EBDB-8A0F-4DA8-8090-D4619D885EED}"/>
+              </a:ext>
+            </a:extLst>
+          </p:cNvPr>
+          <p:cNvSpPr>
+            <a:spLocks noGrp="1"/>
+          </p:cNvSpPr>
+          <p:nvPr>
+            <p:ph type="title"/>
+          </p:nvPr>
+        </p:nvSpPr>
+        <p:spPr>
+          <a:xfrm>
+            <a:off x="604434" y="448628"/>
+            <a:ext cx="10983132" cy="747763"/>
+          </a:xfrm>
+          <a:noFill/>
+          <a:ln>
+            <a:noFill/>
+          </a:ln>
+        </p:spPr>
+        <p:txBody>
+          <a:bodyPr vert="horz" lIns="91440" tIns="45720" rIns="91440" bIns="45720" rtlCol="0" anchor="ctr" anchorCtr="0">
+            <a:normAutofit/>
+          </a:bodyPr>
+          <a:lstStyle/>
+          <a:p>
+            <a:r>
+              <a:rPr lang="en-US" b="1" kern="1200" dirty="0" err="1">
+                <a:solidFill>
+                  <a:schemeClr val="bg1"/>
+                </a:solidFill>
+                <a:latin typeface="+mj-lt"/>
+                <a:ea typeface="+mj-ea"/>
+                <a:cs typeface="+mj-cs"/>
+              </a:rPr>
+              <a:t>FlowDiagram</a:t>
+            </a:r>
+            <a:r>
+              <a:rPr lang="en-US" b="1" kern="1200" dirty="0">
+                <a:solidFill>
+                  <a:schemeClr val="bg1"/>
+                </a:solidFill>
+                <a:latin typeface="+mj-lt"/>
+                <a:ea typeface="+mj-ea"/>
+                <a:cs typeface="+mj-cs"/>
+              </a:rPr>
+              <a:t> – </a:t>
+            </a:r>
+            <a:r>
+              <a:rPr lang="en-US" b="1" kern="1200" dirty="0" err="1">
+                <a:solidFill>
+                  <a:schemeClr val="bg1"/>
+                </a:solidFill>
+                <a:latin typeface="+mj-lt"/>
+                <a:ea typeface="+mj-ea"/>
+                <a:cs typeface="+mj-cs"/>
+              </a:rPr>
+              <a:t>match_src</a:t>
+            </a:r>
+            <a:r>
+              <a:rPr lang="en-US" b="1" kern="1200" dirty="0">
+                <a:solidFill>
+                  <a:schemeClr val="bg1"/>
+                </a:solidFill>
+                <a:latin typeface="+mj-lt"/>
+                <a:ea typeface="+mj-ea"/>
+                <a:cs typeface="+mj-cs"/>
+              </a:rPr>
+              <a:t>()</a:t>
+            </a:r>
+          </a:p>
+        </p:txBody>
+      </p:sp>
+      <p:sp>
+        <p:nvSpPr>
+          <p:cNvPr id="9" name="TextBox 8">
+            <a:extLst>
+              <a:ext uri="{FF2B5EF4-FFF2-40B4-BE49-F238E27FC236}">
+                <a16:creationId xmlns:a16="http://schemas.microsoft.com/office/drawing/2014/main" id="{D45D2C60-652D-47D6-A1D1-5C8F73093E71}"/>
+              </a:ext>
+            </a:extLst>
+          </p:cNvPr>
+          <p:cNvSpPr txBox="1"/>
+          <p:nvPr/>
+        </p:nvSpPr>
+        <p:spPr>
+          <a:xfrm>
+            <a:off x="604434" y="1196391"/>
+            <a:ext cx="8405342" cy="2462213"/>
+          </a:xfrm>
+          <a:prstGeom prst="rect">
+            <a:avLst/>
+          </a:prstGeom>
+          <a:noFill/>
+        </p:spPr>
+        <p:txBody>
+          <a:bodyPr wrap="square">
+            <a:spAutoFit/>
+          </a:bodyPr>
+          <a:lstStyle/>
+          <a:p>
+            <a:r>
+              <a:rPr lang="en-US" sz="1100" b="0" dirty="0">
+                <a:solidFill>
+                  <a:srgbClr val="569CD6"/>
+                </a:solidFill>
+                <a:effectLst/>
+                <a:latin typeface="Consolas" panose="020B0609020204030204" pitchFamily="49" charset="0"/>
+              </a:rPr>
+              <a:t>def</a:t>
+            </a:r>
+            <a:r>
+              <a:rPr lang="en-US" sz="1100" b="0" dirty="0">
+                <a:solidFill>
+                  <a:srgbClr val="D4D4D4"/>
+                </a:solidFill>
+                <a:effectLst/>
+                <a:latin typeface="Consolas" panose="020B0609020204030204" pitchFamily="49" charset="0"/>
+              </a:rPr>
+              <a:t> </a:t>
+            </a:r>
+            <a:r>
+              <a:rPr lang="en-US" sz="1100" b="0" dirty="0" err="1">
+                <a:solidFill>
+                  <a:srgbClr val="DCDCAA"/>
+                </a:solidFill>
+                <a:effectLst/>
+                <a:latin typeface="Consolas" panose="020B0609020204030204" pitchFamily="49" charset="0"/>
+              </a:rPr>
+              <a:t>match_src</a:t>
+            </a:r>
+            <a:r>
+              <a:rPr lang="en-US" sz="1100" b="0" dirty="0">
+                <a:solidFill>
+                  <a:srgbClr val="D4D4D4"/>
+                </a:solidFill>
+                <a:effectLst/>
+                <a:latin typeface="Consolas" panose="020B0609020204030204" pitchFamily="49" charset="0"/>
+              </a:rPr>
+              <a:t>(</a:t>
+            </a:r>
+            <a:r>
+              <a:rPr lang="en-US" sz="1100" b="0" dirty="0">
+                <a:solidFill>
+                  <a:srgbClr val="9CDCFE"/>
+                </a:solidFill>
+                <a:effectLst/>
+                <a:latin typeface="Consolas" panose="020B0609020204030204" pitchFamily="49" charset="0"/>
+              </a:rPr>
+              <a:t>node</a:t>
+            </a:r>
+            <a:r>
+              <a:rPr lang="en-US" sz="1100" b="0" dirty="0">
+                <a:solidFill>
+                  <a:srgbClr val="D4D4D4"/>
+                </a:solidFill>
+                <a:effectLst/>
+                <a:latin typeface="Consolas" panose="020B0609020204030204" pitchFamily="49" charset="0"/>
+              </a:rPr>
+              <a:t>, </a:t>
+            </a:r>
+            <a:r>
+              <a:rPr lang="en-US" sz="1100" b="0" dirty="0" err="1">
+                <a:solidFill>
+                  <a:srgbClr val="9CDCFE"/>
+                </a:solidFill>
+                <a:effectLst/>
+                <a:latin typeface="Consolas" panose="020B0609020204030204" pitchFamily="49" charset="0"/>
+              </a:rPr>
+              <a:t>src_bin</a:t>
+            </a:r>
+            <a:r>
+              <a:rPr lang="en-US" sz="1100" b="0" dirty="0">
+                <a:solidFill>
+                  <a:srgbClr val="D4D4D4"/>
+                </a:solidFill>
+                <a:effectLst/>
+                <a:latin typeface="Consolas" panose="020B0609020204030204" pitchFamily="49" charset="0"/>
+              </a:rPr>
+              <a:t>, </a:t>
+            </a:r>
+            <a:r>
+              <a:rPr lang="en-US" sz="1100" b="0" dirty="0" err="1">
+                <a:solidFill>
+                  <a:srgbClr val="9CDCFE"/>
+                </a:solidFill>
+                <a:effectLst/>
+                <a:latin typeface="Consolas" panose="020B0609020204030204" pitchFamily="49" charset="0"/>
+              </a:rPr>
+              <a:t>src_index</a:t>
+            </a:r>
+            <a:r>
+              <a:rPr lang="en-US" sz="1100" b="0" dirty="0">
+                <a:solidFill>
+                  <a:srgbClr val="D4D4D4"/>
+                </a:solidFill>
+                <a:effectLst/>
+                <a:latin typeface="Consolas" panose="020B0609020204030204" pitchFamily="49" charset="0"/>
+              </a:rPr>
+              <a:t>, </a:t>
+            </a:r>
+            <a:r>
+              <a:rPr lang="en-US" sz="1100" b="0" dirty="0" err="1">
+                <a:solidFill>
+                  <a:srgbClr val="9CDCFE"/>
+                </a:solidFill>
+                <a:effectLst/>
+                <a:latin typeface="Consolas" panose="020B0609020204030204" pitchFamily="49" charset="0"/>
+              </a:rPr>
+              <a:t>dst_bin</a:t>
+            </a:r>
+            <a:r>
+              <a:rPr lang="en-US" sz="1100" b="0" dirty="0">
+                <a:solidFill>
+                  <a:srgbClr val="D4D4D4"/>
+                </a:solidFill>
+                <a:effectLst/>
+                <a:latin typeface="Consolas" panose="020B0609020204030204" pitchFamily="49" charset="0"/>
+              </a:rPr>
+              <a:t>, </a:t>
+            </a:r>
+            <a:r>
+              <a:rPr lang="en-US" sz="1100" b="0" dirty="0" err="1">
+                <a:solidFill>
+                  <a:srgbClr val="9CDCFE"/>
+                </a:solidFill>
+                <a:effectLst/>
+                <a:latin typeface="Consolas" panose="020B0609020204030204" pitchFamily="49" charset="0"/>
+              </a:rPr>
+              <a:t>dst_index</a:t>
+            </a:r>
+            <a:r>
+              <a:rPr lang="en-US" sz="1100" b="0" dirty="0">
+                <a:solidFill>
+                  <a:srgbClr val="D4D4D4"/>
+                </a:solidFill>
+                <a:effectLst/>
+                <a:latin typeface="Consolas" panose="020B0609020204030204" pitchFamily="49" charset="0"/>
+              </a:rPr>
+              <a:t>, </a:t>
+            </a:r>
+            <a:r>
+              <a:rPr lang="en-US" sz="1100" b="0" dirty="0" err="1">
+                <a:solidFill>
+                  <a:srgbClr val="9CDCFE"/>
+                </a:solidFill>
+                <a:effectLst/>
+                <a:latin typeface="Consolas" panose="020B0609020204030204" pitchFamily="49" charset="0"/>
+              </a:rPr>
+              <a:t>candidate_actions</a:t>
+            </a:r>
+            <a:r>
+              <a:rPr lang="en-US" sz="1100" b="0" dirty="0">
+                <a:solidFill>
+                  <a:srgbClr val="D4D4D4"/>
+                </a:solidFill>
+                <a:effectLst/>
+                <a:latin typeface="Consolas" panose="020B0609020204030204" pitchFamily="49" charset="0"/>
+              </a:rPr>
+              <a:t>):</a:t>
+            </a:r>
+          </a:p>
+          <a:p>
+            <a:br>
+              <a:rPr lang="en-US" sz="1100" b="0" dirty="0">
+                <a:solidFill>
+                  <a:srgbClr val="D4D4D4"/>
+                </a:solidFill>
+                <a:effectLst/>
+                <a:latin typeface="Consolas" panose="020B0609020204030204" pitchFamily="49" charset="0"/>
+              </a:rPr>
+            </a:br>
+            <a:r>
+              <a:rPr lang="en-US" sz="1100" b="0" dirty="0">
+                <a:solidFill>
+                  <a:srgbClr val="D4D4D4"/>
+                </a:solidFill>
+                <a:effectLst/>
+                <a:latin typeface="Consolas" panose="020B0609020204030204" pitchFamily="49" charset="0"/>
+              </a:rPr>
+              <a:t>    </a:t>
+            </a:r>
+            <a:r>
+              <a:rPr lang="en-US" sz="1100" b="0" dirty="0">
+                <a:solidFill>
+                  <a:srgbClr val="C586C0"/>
+                </a:solidFill>
+                <a:effectLst/>
+                <a:latin typeface="Consolas" panose="020B0609020204030204" pitchFamily="49" charset="0"/>
+              </a:rPr>
+              <a:t>if</a:t>
+            </a:r>
+            <a:r>
+              <a:rPr lang="en-US" sz="1100" b="0" dirty="0">
+                <a:solidFill>
+                  <a:srgbClr val="D4D4D4"/>
+                </a:solidFill>
+                <a:effectLst/>
+                <a:latin typeface="Consolas" panose="020B0609020204030204" pitchFamily="49" charset="0"/>
+              </a:rPr>
+              <a:t> </a:t>
+            </a:r>
+            <a:r>
+              <a:rPr lang="en-US" sz="1100" b="0" dirty="0" err="1">
+                <a:solidFill>
+                  <a:srgbClr val="D4D4D4"/>
+                </a:solidFill>
+                <a:effectLst/>
+                <a:latin typeface="Consolas" panose="020B0609020204030204" pitchFamily="49" charset="0"/>
+              </a:rPr>
+              <a:t>node.end</a:t>
+            </a:r>
+            <a:r>
+              <a:rPr lang="en-US" sz="1100" b="0" dirty="0">
+                <a:solidFill>
+                  <a:srgbClr val="D4D4D4"/>
+                </a:solidFill>
+                <a:effectLst/>
+                <a:latin typeface="Consolas" panose="020B0609020204030204" pitchFamily="49" charset="0"/>
+              </a:rPr>
+              <a:t> :</a:t>
+            </a:r>
+          </a:p>
+          <a:p>
+            <a:r>
+              <a:rPr lang="en-US" sz="1100" b="0" dirty="0">
+                <a:solidFill>
+                  <a:srgbClr val="D4D4D4"/>
+                </a:solidFill>
+                <a:effectLst/>
+                <a:latin typeface="Consolas" panose="020B0609020204030204" pitchFamily="49" charset="0"/>
+              </a:rPr>
+              <a:t>        </a:t>
+            </a:r>
+            <a:r>
+              <a:rPr lang="en-US" sz="1100" b="0" dirty="0" err="1">
+                <a:solidFill>
+                  <a:srgbClr val="D4D4D4"/>
+                </a:solidFill>
+                <a:effectLst/>
+                <a:latin typeface="Consolas" panose="020B0609020204030204" pitchFamily="49" charset="0"/>
+              </a:rPr>
+              <a:t>candidate_actions.extend</a:t>
+            </a:r>
+            <a:r>
+              <a:rPr lang="en-US" sz="1100" b="0" dirty="0">
+                <a:solidFill>
+                  <a:srgbClr val="D4D4D4"/>
+                </a:solidFill>
+                <a:effectLst/>
+                <a:latin typeface="Consolas" panose="020B0609020204030204" pitchFamily="49" charset="0"/>
+              </a:rPr>
+              <a:t>(</a:t>
+            </a:r>
+            <a:r>
+              <a:rPr lang="en-US" sz="1100" b="0" dirty="0" err="1">
+                <a:solidFill>
+                  <a:srgbClr val="D4D4D4"/>
+                </a:solidFill>
+                <a:effectLst/>
+                <a:latin typeface="Consolas" panose="020B0609020204030204" pitchFamily="49" charset="0"/>
+              </a:rPr>
+              <a:t>node.node_rules</a:t>
+            </a:r>
+            <a:r>
+              <a:rPr lang="en-US" sz="1100" b="0" dirty="0">
+                <a:solidFill>
+                  <a:srgbClr val="D4D4D4"/>
+                </a:solidFill>
+                <a:effectLst/>
+                <a:latin typeface="Consolas" panose="020B0609020204030204" pitchFamily="49" charset="0"/>
+              </a:rPr>
+              <a:t>)</a:t>
+            </a:r>
+          </a:p>
+          <a:p>
+            <a:br>
+              <a:rPr lang="en-US" sz="1100" b="0" dirty="0">
+                <a:solidFill>
+                  <a:srgbClr val="D4D4D4"/>
+                </a:solidFill>
+                <a:effectLst/>
+                <a:latin typeface="Consolas" panose="020B0609020204030204" pitchFamily="49" charset="0"/>
+              </a:rPr>
+            </a:br>
+            <a:r>
+              <a:rPr lang="en-US" sz="1100" b="0" dirty="0">
+                <a:solidFill>
+                  <a:srgbClr val="D4D4D4"/>
+                </a:solidFill>
+                <a:effectLst/>
+                <a:latin typeface="Consolas" panose="020B0609020204030204" pitchFamily="49" charset="0"/>
+              </a:rPr>
+              <a:t>    </a:t>
+            </a:r>
+            <a:r>
+              <a:rPr lang="en-US" sz="1100" b="0" dirty="0">
+                <a:solidFill>
+                  <a:srgbClr val="C586C0"/>
+                </a:solidFill>
+                <a:effectLst/>
+                <a:latin typeface="Consolas" panose="020B0609020204030204" pitchFamily="49" charset="0"/>
+              </a:rPr>
+              <a:t>if</a:t>
+            </a:r>
+            <a:r>
+              <a:rPr lang="en-US" sz="1100" b="0" dirty="0">
+                <a:solidFill>
+                  <a:srgbClr val="D4D4D4"/>
+                </a:solidFill>
+                <a:effectLst/>
+                <a:latin typeface="Consolas" panose="020B0609020204030204" pitchFamily="49" charset="0"/>
+              </a:rPr>
+              <a:t> </a:t>
+            </a:r>
+            <a:r>
+              <a:rPr lang="en-US" sz="1100" b="0" dirty="0" err="1">
+                <a:solidFill>
+                  <a:srgbClr val="D4D4D4"/>
+                </a:solidFill>
+                <a:effectLst/>
+                <a:latin typeface="Consolas" panose="020B0609020204030204" pitchFamily="49" charset="0"/>
+              </a:rPr>
+              <a:t>node.dst_root</a:t>
+            </a:r>
+            <a:r>
+              <a:rPr lang="en-US" sz="1100" b="0" dirty="0">
+                <a:solidFill>
+                  <a:srgbClr val="D4D4D4"/>
+                </a:solidFill>
+                <a:effectLst/>
+                <a:latin typeface="Consolas" panose="020B0609020204030204" pitchFamily="49" charset="0"/>
+              </a:rPr>
+              <a:t> </a:t>
+            </a:r>
+            <a:r>
+              <a:rPr lang="en-US" sz="1100" b="0" dirty="0">
+                <a:solidFill>
+                  <a:srgbClr val="569CD6"/>
+                </a:solidFill>
+                <a:effectLst/>
+                <a:latin typeface="Consolas" panose="020B0609020204030204" pitchFamily="49" charset="0"/>
+              </a:rPr>
+              <a:t>is</a:t>
+            </a:r>
+            <a:r>
+              <a:rPr lang="en-US" sz="1100" b="0" dirty="0">
+                <a:solidFill>
+                  <a:srgbClr val="D4D4D4"/>
+                </a:solidFill>
+                <a:effectLst/>
+                <a:latin typeface="Consolas" panose="020B0609020204030204" pitchFamily="49" charset="0"/>
+              </a:rPr>
+              <a:t> </a:t>
+            </a:r>
+            <a:r>
+              <a:rPr lang="en-US" sz="1100" b="0" dirty="0">
+                <a:solidFill>
+                  <a:srgbClr val="569CD6"/>
+                </a:solidFill>
+                <a:effectLst/>
+                <a:latin typeface="Consolas" panose="020B0609020204030204" pitchFamily="49" charset="0"/>
+              </a:rPr>
+              <a:t>not</a:t>
+            </a:r>
+            <a:r>
+              <a:rPr lang="en-US" sz="1100" b="0" dirty="0">
+                <a:solidFill>
+                  <a:srgbClr val="D4D4D4"/>
+                </a:solidFill>
+                <a:effectLst/>
+                <a:latin typeface="Consolas" panose="020B0609020204030204" pitchFamily="49" charset="0"/>
+              </a:rPr>
+              <a:t> </a:t>
+            </a:r>
+            <a:r>
+              <a:rPr lang="en-US" sz="1100" b="0" dirty="0">
+                <a:solidFill>
+                  <a:srgbClr val="569CD6"/>
+                </a:solidFill>
+                <a:effectLst/>
+                <a:latin typeface="Consolas" panose="020B0609020204030204" pitchFamily="49" charset="0"/>
+              </a:rPr>
+              <a:t>None</a:t>
+            </a:r>
+            <a:r>
+              <a:rPr lang="en-US" sz="1100" b="0" dirty="0">
+                <a:solidFill>
+                  <a:srgbClr val="D4D4D4"/>
+                </a:solidFill>
+                <a:effectLst/>
+                <a:latin typeface="Consolas" panose="020B0609020204030204" pitchFamily="49" charset="0"/>
+              </a:rPr>
+              <a:t>:</a:t>
+            </a:r>
+          </a:p>
+          <a:p>
+            <a:r>
+              <a:rPr lang="en-US" sz="1100" b="0" dirty="0">
+                <a:solidFill>
+                  <a:srgbClr val="D4D4D4"/>
+                </a:solidFill>
+                <a:effectLst/>
+                <a:latin typeface="Consolas" panose="020B0609020204030204" pitchFamily="49" charset="0"/>
+              </a:rPr>
+              <a:t>        </a:t>
+            </a:r>
+            <a:r>
+              <a:rPr lang="en-US" sz="1100" b="0" dirty="0" err="1">
+                <a:solidFill>
+                  <a:srgbClr val="D4D4D4"/>
+                </a:solidFill>
+                <a:effectLst/>
+                <a:latin typeface="Consolas" panose="020B0609020204030204" pitchFamily="49" charset="0"/>
+              </a:rPr>
+              <a:t>match_dst</a:t>
+            </a:r>
+            <a:r>
+              <a:rPr lang="en-US" sz="1100" b="0" dirty="0">
+                <a:solidFill>
+                  <a:srgbClr val="D4D4D4"/>
+                </a:solidFill>
+                <a:effectLst/>
+                <a:latin typeface="Consolas" panose="020B0609020204030204" pitchFamily="49" charset="0"/>
+              </a:rPr>
+              <a:t>(</a:t>
+            </a:r>
+            <a:r>
+              <a:rPr lang="en-US" sz="1100" b="0" dirty="0" err="1">
+                <a:solidFill>
+                  <a:srgbClr val="D4D4D4"/>
+                </a:solidFill>
+                <a:effectLst/>
+                <a:latin typeface="Consolas" panose="020B0609020204030204" pitchFamily="49" charset="0"/>
+              </a:rPr>
+              <a:t>node.dst_root</a:t>
+            </a:r>
+            <a:r>
+              <a:rPr lang="en-US" sz="1100" b="0" dirty="0">
+                <a:solidFill>
+                  <a:srgbClr val="D4D4D4"/>
+                </a:solidFill>
+                <a:effectLst/>
+                <a:latin typeface="Consolas" panose="020B0609020204030204" pitchFamily="49" charset="0"/>
+              </a:rPr>
+              <a:t>, </a:t>
+            </a:r>
+            <a:r>
+              <a:rPr lang="en-US" sz="1100" b="0" dirty="0" err="1">
+                <a:solidFill>
+                  <a:srgbClr val="D4D4D4"/>
+                </a:solidFill>
+                <a:effectLst/>
+                <a:latin typeface="Consolas" panose="020B0609020204030204" pitchFamily="49" charset="0"/>
+              </a:rPr>
+              <a:t>dst_bin</a:t>
+            </a:r>
+            <a:r>
+              <a:rPr lang="en-US" sz="1100" b="0" dirty="0">
+                <a:solidFill>
+                  <a:srgbClr val="D4D4D4"/>
+                </a:solidFill>
+                <a:effectLst/>
+                <a:latin typeface="Consolas" panose="020B0609020204030204" pitchFamily="49" charset="0"/>
+              </a:rPr>
+              <a:t>, </a:t>
+            </a:r>
+            <a:r>
+              <a:rPr lang="en-US" sz="1100" b="0" dirty="0" err="1">
+                <a:solidFill>
+                  <a:srgbClr val="D4D4D4"/>
+                </a:solidFill>
+                <a:effectLst/>
+                <a:latin typeface="Consolas" panose="020B0609020204030204" pitchFamily="49" charset="0"/>
+              </a:rPr>
+              <a:t>dst_index</a:t>
+            </a:r>
+            <a:r>
+              <a:rPr lang="en-US" sz="1100" b="0" dirty="0">
+                <a:solidFill>
+                  <a:srgbClr val="D4D4D4"/>
+                </a:solidFill>
+                <a:effectLst/>
+                <a:latin typeface="Consolas" panose="020B0609020204030204" pitchFamily="49" charset="0"/>
+              </a:rPr>
+              <a:t>, </a:t>
+            </a:r>
+            <a:r>
+              <a:rPr lang="en-US" sz="1100" b="0" dirty="0" err="1">
+                <a:solidFill>
+                  <a:srgbClr val="D4D4D4"/>
+                </a:solidFill>
+                <a:effectLst/>
+                <a:latin typeface="Consolas" panose="020B0609020204030204" pitchFamily="49" charset="0"/>
+              </a:rPr>
+              <a:t>candidate_actions</a:t>
+            </a:r>
+            <a:r>
+              <a:rPr lang="en-US" sz="1100" b="0" dirty="0">
+                <a:solidFill>
+                  <a:srgbClr val="D4D4D4"/>
+                </a:solidFill>
+                <a:effectLst/>
+                <a:latin typeface="Consolas" panose="020B0609020204030204" pitchFamily="49" charset="0"/>
+              </a:rPr>
+              <a:t>)</a:t>
+            </a:r>
+          </a:p>
+          <a:p>
+            <a:br>
+              <a:rPr lang="en-US" sz="1100" b="0" dirty="0">
+                <a:solidFill>
+                  <a:srgbClr val="D4D4D4"/>
+                </a:solidFill>
+                <a:effectLst/>
+                <a:latin typeface="Consolas" panose="020B0609020204030204" pitchFamily="49" charset="0"/>
+              </a:rPr>
+            </a:br>
+            <a:r>
+              <a:rPr lang="en-US" sz="1100" b="0" dirty="0">
+                <a:solidFill>
+                  <a:srgbClr val="D4D4D4"/>
+                </a:solidFill>
+                <a:effectLst/>
+                <a:latin typeface="Consolas" panose="020B0609020204030204" pitchFamily="49" charset="0"/>
+              </a:rPr>
+              <a:t>    </a:t>
+            </a:r>
+            <a:r>
+              <a:rPr lang="en-US" sz="1100" b="0" dirty="0">
+                <a:solidFill>
+                  <a:srgbClr val="C586C0"/>
+                </a:solidFill>
+                <a:effectLst/>
+                <a:latin typeface="Consolas" panose="020B0609020204030204" pitchFamily="49" charset="0"/>
+              </a:rPr>
+              <a:t>if</a:t>
+            </a:r>
+            <a:r>
+              <a:rPr lang="en-US" sz="1100" b="0" dirty="0">
+                <a:solidFill>
+                  <a:srgbClr val="D4D4D4"/>
+                </a:solidFill>
+                <a:effectLst/>
+                <a:latin typeface="Consolas" panose="020B0609020204030204" pitchFamily="49" charset="0"/>
+              </a:rPr>
+              <a:t> </a:t>
+            </a:r>
+            <a:r>
+              <a:rPr lang="en-US" sz="1100" b="0" dirty="0" err="1">
+                <a:solidFill>
+                  <a:srgbClr val="D4D4D4"/>
+                </a:solidFill>
+                <a:effectLst/>
+                <a:latin typeface="Consolas" panose="020B0609020204030204" pitchFamily="49" charset="0"/>
+              </a:rPr>
+              <a:t>node.zero</a:t>
+            </a:r>
+            <a:r>
+              <a:rPr lang="en-US" sz="1100" b="0" dirty="0">
+                <a:solidFill>
+                  <a:srgbClr val="D4D4D4"/>
+                </a:solidFill>
+                <a:effectLst/>
+                <a:latin typeface="Consolas" panose="020B0609020204030204" pitchFamily="49" charset="0"/>
+              </a:rPr>
+              <a:t> </a:t>
+            </a:r>
+            <a:r>
+              <a:rPr lang="en-US" sz="1100" b="0" dirty="0">
+                <a:solidFill>
+                  <a:srgbClr val="569CD6"/>
+                </a:solidFill>
+                <a:effectLst/>
+                <a:latin typeface="Consolas" panose="020B0609020204030204" pitchFamily="49" charset="0"/>
+              </a:rPr>
+              <a:t>is</a:t>
+            </a:r>
+            <a:r>
+              <a:rPr lang="en-US" sz="1100" b="0" dirty="0">
+                <a:solidFill>
+                  <a:srgbClr val="D4D4D4"/>
+                </a:solidFill>
+                <a:effectLst/>
+                <a:latin typeface="Consolas" panose="020B0609020204030204" pitchFamily="49" charset="0"/>
+              </a:rPr>
+              <a:t> </a:t>
+            </a:r>
+            <a:r>
+              <a:rPr lang="en-US" sz="1100" b="0" dirty="0">
+                <a:solidFill>
+                  <a:srgbClr val="569CD6"/>
+                </a:solidFill>
+                <a:effectLst/>
+                <a:latin typeface="Consolas" panose="020B0609020204030204" pitchFamily="49" charset="0"/>
+              </a:rPr>
+              <a:t>not</a:t>
+            </a:r>
+            <a:r>
+              <a:rPr lang="en-US" sz="1100" b="0" dirty="0">
+                <a:solidFill>
+                  <a:srgbClr val="D4D4D4"/>
+                </a:solidFill>
+                <a:effectLst/>
+                <a:latin typeface="Consolas" panose="020B0609020204030204" pitchFamily="49" charset="0"/>
+              </a:rPr>
+              <a:t> </a:t>
+            </a:r>
+            <a:r>
+              <a:rPr lang="en-US" sz="1100" b="0" dirty="0">
+                <a:solidFill>
+                  <a:srgbClr val="569CD6"/>
+                </a:solidFill>
+                <a:effectLst/>
+                <a:latin typeface="Consolas" panose="020B0609020204030204" pitchFamily="49" charset="0"/>
+              </a:rPr>
+              <a:t>None</a:t>
+            </a:r>
+            <a:r>
+              <a:rPr lang="en-US" sz="1100" b="0" dirty="0">
+                <a:solidFill>
+                  <a:srgbClr val="D4D4D4"/>
+                </a:solidFill>
+                <a:effectLst/>
+                <a:latin typeface="Consolas" panose="020B0609020204030204" pitchFamily="49" charset="0"/>
+              </a:rPr>
+              <a:t> </a:t>
+            </a:r>
+            <a:r>
+              <a:rPr lang="en-US" sz="1100" b="0" dirty="0">
+                <a:solidFill>
+                  <a:srgbClr val="569CD6"/>
+                </a:solidFill>
+                <a:effectLst/>
+                <a:latin typeface="Consolas" panose="020B0609020204030204" pitchFamily="49" charset="0"/>
+              </a:rPr>
+              <a:t>and</a:t>
+            </a:r>
+            <a:r>
+              <a:rPr lang="en-US" sz="1100" b="0" dirty="0">
+                <a:solidFill>
+                  <a:srgbClr val="D4D4D4"/>
+                </a:solidFill>
+                <a:effectLst/>
+                <a:latin typeface="Consolas" panose="020B0609020204030204" pitchFamily="49" charset="0"/>
+              </a:rPr>
+              <a:t> (</a:t>
+            </a:r>
+            <a:r>
+              <a:rPr lang="en-US" sz="1100" b="0" dirty="0" err="1">
+                <a:solidFill>
+                  <a:srgbClr val="D4D4D4"/>
+                </a:solidFill>
+                <a:effectLst/>
+                <a:latin typeface="Consolas" panose="020B0609020204030204" pitchFamily="49" charset="0"/>
+              </a:rPr>
+              <a:t>src_bin</a:t>
+            </a:r>
+            <a:r>
+              <a:rPr lang="en-US" sz="1100" b="0" dirty="0">
+                <a:solidFill>
+                  <a:srgbClr val="D4D4D4"/>
+                </a:solidFill>
+                <a:effectLst/>
+                <a:latin typeface="Consolas" panose="020B0609020204030204" pitchFamily="49" charset="0"/>
+              </a:rPr>
+              <a:t>[</a:t>
+            </a:r>
+            <a:r>
+              <a:rPr lang="en-US" sz="1100" b="0" dirty="0" err="1">
+                <a:solidFill>
+                  <a:srgbClr val="D4D4D4"/>
+                </a:solidFill>
+                <a:effectLst/>
+                <a:latin typeface="Consolas" panose="020B0609020204030204" pitchFamily="49" charset="0"/>
+              </a:rPr>
+              <a:t>src_index</a:t>
+            </a:r>
+            <a:r>
+              <a:rPr lang="en-US" sz="1100" b="0" dirty="0">
+                <a:solidFill>
+                  <a:srgbClr val="D4D4D4"/>
+                </a:solidFill>
+                <a:effectLst/>
+                <a:latin typeface="Consolas" panose="020B0609020204030204" pitchFamily="49" charset="0"/>
+              </a:rPr>
+              <a:t>] == </a:t>
+            </a:r>
+            <a:r>
+              <a:rPr lang="en-US" sz="1100" b="0" dirty="0">
+                <a:solidFill>
+                  <a:srgbClr val="CE9178"/>
+                </a:solidFill>
+                <a:effectLst/>
+                <a:latin typeface="Consolas" panose="020B0609020204030204" pitchFamily="49" charset="0"/>
+              </a:rPr>
+              <a:t>"0"</a:t>
+            </a:r>
+            <a:r>
+              <a:rPr lang="en-US" sz="1100" b="0" dirty="0">
+                <a:solidFill>
+                  <a:srgbClr val="D4D4D4"/>
+                </a:solidFill>
+                <a:effectLst/>
+                <a:latin typeface="Consolas" panose="020B0609020204030204" pitchFamily="49" charset="0"/>
+              </a:rPr>
+              <a:t> </a:t>
+            </a:r>
+            <a:r>
+              <a:rPr lang="en-US" sz="1100" b="0" dirty="0">
+                <a:solidFill>
+                  <a:srgbClr val="569CD6"/>
+                </a:solidFill>
+                <a:effectLst/>
+                <a:latin typeface="Consolas" panose="020B0609020204030204" pitchFamily="49" charset="0"/>
+              </a:rPr>
+              <a:t>or</a:t>
+            </a:r>
+            <a:r>
+              <a:rPr lang="en-US" sz="1100" b="0" dirty="0">
+                <a:solidFill>
+                  <a:srgbClr val="D4D4D4"/>
+                </a:solidFill>
+                <a:effectLst/>
+                <a:latin typeface="Consolas" panose="020B0609020204030204" pitchFamily="49" charset="0"/>
+              </a:rPr>
+              <a:t> </a:t>
+            </a:r>
+            <a:r>
+              <a:rPr lang="en-US" sz="1100" b="0" dirty="0" err="1">
+                <a:solidFill>
+                  <a:srgbClr val="D4D4D4"/>
+                </a:solidFill>
+                <a:effectLst/>
+                <a:latin typeface="Consolas" panose="020B0609020204030204" pitchFamily="49" charset="0"/>
+              </a:rPr>
+              <a:t>node.zero.value</a:t>
+            </a:r>
+            <a:r>
+              <a:rPr lang="en-US" sz="1100" b="0" dirty="0">
+                <a:solidFill>
+                  <a:srgbClr val="D4D4D4"/>
+                </a:solidFill>
+                <a:effectLst/>
+                <a:latin typeface="Consolas" panose="020B0609020204030204" pitchFamily="49" charset="0"/>
+              </a:rPr>
+              <a:t> == </a:t>
+            </a:r>
+            <a:r>
+              <a:rPr lang="en-US" sz="1100" b="0" dirty="0">
+                <a:solidFill>
+                  <a:srgbClr val="CE9178"/>
+                </a:solidFill>
+                <a:effectLst/>
+                <a:latin typeface="Consolas" panose="020B0609020204030204" pitchFamily="49" charset="0"/>
+              </a:rPr>
+              <a:t>"$"</a:t>
+            </a:r>
+            <a:r>
+              <a:rPr lang="en-US" sz="1100" b="0" dirty="0">
+                <a:solidFill>
+                  <a:srgbClr val="D4D4D4"/>
+                </a:solidFill>
+                <a:effectLst/>
+                <a:latin typeface="Consolas" panose="020B0609020204030204" pitchFamily="49" charset="0"/>
+              </a:rPr>
+              <a:t> ):</a:t>
+            </a:r>
+          </a:p>
+          <a:p>
+            <a:r>
+              <a:rPr lang="en-US" sz="1100" b="0" dirty="0">
+                <a:solidFill>
+                  <a:srgbClr val="D4D4D4"/>
+                </a:solidFill>
+                <a:effectLst/>
+                <a:latin typeface="Consolas" panose="020B0609020204030204" pitchFamily="49" charset="0"/>
+              </a:rPr>
+              <a:t>        </a:t>
+            </a:r>
+            <a:r>
+              <a:rPr lang="en-US" sz="1100" b="0" dirty="0" err="1">
+                <a:solidFill>
+                  <a:srgbClr val="D4D4D4"/>
+                </a:solidFill>
+                <a:effectLst/>
+                <a:latin typeface="Consolas" panose="020B0609020204030204" pitchFamily="49" charset="0"/>
+              </a:rPr>
+              <a:t>match_src</a:t>
+            </a:r>
+            <a:r>
+              <a:rPr lang="en-US" sz="1100" b="0" dirty="0">
+                <a:solidFill>
+                  <a:srgbClr val="D4D4D4"/>
+                </a:solidFill>
+                <a:effectLst/>
+                <a:latin typeface="Consolas" panose="020B0609020204030204" pitchFamily="49" charset="0"/>
+              </a:rPr>
+              <a:t>(</a:t>
+            </a:r>
+            <a:r>
+              <a:rPr lang="en-US" sz="1100" b="0" dirty="0" err="1">
+                <a:solidFill>
+                  <a:srgbClr val="D4D4D4"/>
+                </a:solidFill>
+                <a:effectLst/>
+                <a:latin typeface="Consolas" panose="020B0609020204030204" pitchFamily="49" charset="0"/>
+              </a:rPr>
+              <a:t>node.zero</a:t>
+            </a:r>
+            <a:r>
+              <a:rPr lang="en-US" sz="1100" b="0" dirty="0">
+                <a:solidFill>
+                  <a:srgbClr val="D4D4D4"/>
+                </a:solidFill>
+                <a:effectLst/>
+                <a:latin typeface="Consolas" panose="020B0609020204030204" pitchFamily="49" charset="0"/>
+              </a:rPr>
+              <a:t>, </a:t>
+            </a:r>
+            <a:r>
+              <a:rPr lang="en-US" sz="1100" b="0" dirty="0" err="1">
+                <a:solidFill>
+                  <a:srgbClr val="D4D4D4"/>
+                </a:solidFill>
+                <a:effectLst/>
+                <a:latin typeface="Consolas" panose="020B0609020204030204" pitchFamily="49" charset="0"/>
+              </a:rPr>
+              <a:t>src_bin</a:t>
+            </a:r>
+            <a:r>
+              <a:rPr lang="en-US" sz="1100" b="0" dirty="0">
+                <a:solidFill>
+                  <a:srgbClr val="D4D4D4"/>
+                </a:solidFill>
+                <a:effectLst/>
+                <a:latin typeface="Consolas" panose="020B0609020204030204" pitchFamily="49" charset="0"/>
+              </a:rPr>
+              <a:t>, src_index+</a:t>
+            </a:r>
+            <a:r>
+              <a:rPr lang="en-US" sz="1100" b="0" dirty="0">
+                <a:solidFill>
+                  <a:srgbClr val="B5CEA8"/>
+                </a:solidFill>
+                <a:effectLst/>
+                <a:latin typeface="Consolas" panose="020B0609020204030204" pitchFamily="49" charset="0"/>
+              </a:rPr>
+              <a:t>1</a:t>
+            </a:r>
+            <a:r>
+              <a:rPr lang="en-US" sz="1100" b="0" dirty="0">
+                <a:solidFill>
+                  <a:srgbClr val="D4D4D4"/>
+                </a:solidFill>
+                <a:effectLst/>
+                <a:latin typeface="Consolas" panose="020B0609020204030204" pitchFamily="49" charset="0"/>
+              </a:rPr>
+              <a:t>, </a:t>
+            </a:r>
+            <a:r>
+              <a:rPr lang="en-US" sz="1100" b="0" dirty="0" err="1">
+                <a:solidFill>
+                  <a:srgbClr val="D4D4D4"/>
+                </a:solidFill>
+                <a:effectLst/>
+                <a:latin typeface="Consolas" panose="020B0609020204030204" pitchFamily="49" charset="0"/>
+              </a:rPr>
+              <a:t>dst_bin</a:t>
+            </a:r>
+            <a:r>
+              <a:rPr lang="en-US" sz="1100" b="0" dirty="0">
+                <a:solidFill>
+                  <a:srgbClr val="D4D4D4"/>
+                </a:solidFill>
+                <a:effectLst/>
+                <a:latin typeface="Consolas" panose="020B0609020204030204" pitchFamily="49" charset="0"/>
+              </a:rPr>
+              <a:t>, </a:t>
+            </a:r>
+            <a:r>
+              <a:rPr lang="en-US" sz="1100" b="0" dirty="0" err="1">
+                <a:solidFill>
+                  <a:srgbClr val="D4D4D4"/>
+                </a:solidFill>
+                <a:effectLst/>
+                <a:latin typeface="Consolas" panose="020B0609020204030204" pitchFamily="49" charset="0"/>
+              </a:rPr>
+              <a:t>dst_index</a:t>
+            </a:r>
+            <a:r>
+              <a:rPr lang="en-US" sz="1100" b="0" dirty="0">
+                <a:solidFill>
+                  <a:srgbClr val="D4D4D4"/>
+                </a:solidFill>
+                <a:effectLst/>
+                <a:latin typeface="Consolas" panose="020B0609020204030204" pitchFamily="49" charset="0"/>
+              </a:rPr>
+              <a:t>, </a:t>
+            </a:r>
+            <a:r>
+              <a:rPr lang="en-US" sz="1100" b="0" dirty="0" err="1">
+                <a:solidFill>
+                  <a:srgbClr val="D4D4D4"/>
+                </a:solidFill>
+                <a:effectLst/>
+                <a:latin typeface="Consolas" panose="020B0609020204030204" pitchFamily="49" charset="0"/>
+              </a:rPr>
+              <a:t>candidate_actions</a:t>
+            </a:r>
+            <a:r>
+              <a:rPr lang="en-US" sz="1100" b="0" dirty="0">
+                <a:solidFill>
+                  <a:srgbClr val="D4D4D4"/>
+                </a:solidFill>
+                <a:effectLst/>
+                <a:latin typeface="Consolas" panose="020B0609020204030204" pitchFamily="49" charset="0"/>
+              </a:rPr>
+              <a:t>)</a:t>
+            </a:r>
+          </a:p>
+          <a:p>
+            <a:br>
+              <a:rPr lang="en-US" sz="1100" b="0" dirty="0">
+                <a:solidFill>
+                  <a:srgbClr val="D4D4D4"/>
+                </a:solidFill>
+                <a:effectLst/>
+                <a:latin typeface="Consolas" panose="020B0609020204030204" pitchFamily="49" charset="0"/>
+              </a:rPr>
+            </a:br>
+            <a:r>
+              <a:rPr lang="en-US" sz="1100" b="0" dirty="0">
+                <a:solidFill>
+                  <a:srgbClr val="D4D4D4"/>
+                </a:solidFill>
+                <a:effectLst/>
+                <a:latin typeface="Consolas" panose="020B0609020204030204" pitchFamily="49" charset="0"/>
+              </a:rPr>
+              <a:t>    </a:t>
+            </a:r>
+            <a:r>
+              <a:rPr lang="en-US" sz="1100" b="0" dirty="0">
+                <a:solidFill>
+                  <a:srgbClr val="C586C0"/>
+                </a:solidFill>
+                <a:effectLst/>
+                <a:latin typeface="Consolas" panose="020B0609020204030204" pitchFamily="49" charset="0"/>
+              </a:rPr>
+              <a:t>if</a:t>
+            </a:r>
+            <a:r>
+              <a:rPr lang="en-US" sz="1100" b="0" dirty="0">
+                <a:solidFill>
+                  <a:srgbClr val="D4D4D4"/>
+                </a:solidFill>
+                <a:effectLst/>
+                <a:latin typeface="Consolas" panose="020B0609020204030204" pitchFamily="49" charset="0"/>
+              </a:rPr>
+              <a:t> node.one </a:t>
+            </a:r>
+            <a:r>
+              <a:rPr lang="en-US" sz="1100" b="0" dirty="0">
+                <a:solidFill>
+                  <a:srgbClr val="569CD6"/>
+                </a:solidFill>
+                <a:effectLst/>
+                <a:latin typeface="Consolas" panose="020B0609020204030204" pitchFamily="49" charset="0"/>
+              </a:rPr>
+              <a:t>is</a:t>
+            </a:r>
+            <a:r>
+              <a:rPr lang="en-US" sz="1100" b="0" dirty="0">
+                <a:solidFill>
+                  <a:srgbClr val="D4D4D4"/>
+                </a:solidFill>
+                <a:effectLst/>
+                <a:latin typeface="Consolas" panose="020B0609020204030204" pitchFamily="49" charset="0"/>
+              </a:rPr>
+              <a:t> </a:t>
+            </a:r>
+            <a:r>
+              <a:rPr lang="en-US" sz="1100" b="0" dirty="0">
+                <a:solidFill>
+                  <a:srgbClr val="569CD6"/>
+                </a:solidFill>
+                <a:effectLst/>
+                <a:latin typeface="Consolas" panose="020B0609020204030204" pitchFamily="49" charset="0"/>
+              </a:rPr>
+              <a:t>not</a:t>
+            </a:r>
+            <a:r>
+              <a:rPr lang="en-US" sz="1100" b="0" dirty="0">
+                <a:solidFill>
+                  <a:srgbClr val="D4D4D4"/>
+                </a:solidFill>
+                <a:effectLst/>
+                <a:latin typeface="Consolas" panose="020B0609020204030204" pitchFamily="49" charset="0"/>
+              </a:rPr>
+              <a:t> </a:t>
+            </a:r>
+            <a:r>
+              <a:rPr lang="en-US" sz="1100" b="0" dirty="0">
+                <a:solidFill>
+                  <a:srgbClr val="569CD6"/>
+                </a:solidFill>
+                <a:effectLst/>
+                <a:latin typeface="Consolas" panose="020B0609020204030204" pitchFamily="49" charset="0"/>
+              </a:rPr>
+              <a:t>None</a:t>
+            </a:r>
+            <a:r>
+              <a:rPr lang="en-US" sz="1100" b="0" dirty="0">
+                <a:solidFill>
+                  <a:srgbClr val="D4D4D4"/>
+                </a:solidFill>
+                <a:effectLst/>
+                <a:latin typeface="Consolas" panose="020B0609020204030204" pitchFamily="49" charset="0"/>
+              </a:rPr>
+              <a:t> </a:t>
+            </a:r>
+            <a:r>
+              <a:rPr lang="en-US" sz="1100" b="0" dirty="0">
+                <a:solidFill>
+                  <a:srgbClr val="569CD6"/>
+                </a:solidFill>
+                <a:effectLst/>
+                <a:latin typeface="Consolas" panose="020B0609020204030204" pitchFamily="49" charset="0"/>
+              </a:rPr>
+              <a:t>and</a:t>
+            </a:r>
+            <a:r>
+              <a:rPr lang="en-US" sz="1100" b="0" dirty="0">
+                <a:solidFill>
+                  <a:srgbClr val="D4D4D4"/>
+                </a:solidFill>
+                <a:effectLst/>
+                <a:latin typeface="Consolas" panose="020B0609020204030204" pitchFamily="49" charset="0"/>
+              </a:rPr>
+              <a:t> </a:t>
+            </a:r>
+            <a:r>
+              <a:rPr lang="en-US" sz="1100" b="0" dirty="0" err="1">
+                <a:solidFill>
+                  <a:srgbClr val="D4D4D4"/>
+                </a:solidFill>
+                <a:effectLst/>
+                <a:latin typeface="Consolas" panose="020B0609020204030204" pitchFamily="49" charset="0"/>
+              </a:rPr>
+              <a:t>src_bin</a:t>
+            </a:r>
+            <a:r>
+              <a:rPr lang="en-US" sz="1100" b="0" dirty="0">
+                <a:solidFill>
+                  <a:srgbClr val="D4D4D4"/>
+                </a:solidFill>
+                <a:effectLst/>
+                <a:latin typeface="Consolas" panose="020B0609020204030204" pitchFamily="49" charset="0"/>
+              </a:rPr>
+              <a:t>[</a:t>
+            </a:r>
+            <a:r>
+              <a:rPr lang="en-US" sz="1100" b="0" dirty="0" err="1">
+                <a:solidFill>
+                  <a:srgbClr val="D4D4D4"/>
+                </a:solidFill>
+                <a:effectLst/>
+                <a:latin typeface="Consolas" panose="020B0609020204030204" pitchFamily="49" charset="0"/>
+              </a:rPr>
+              <a:t>src_index</a:t>
+            </a:r>
+            <a:r>
+              <a:rPr lang="en-US" sz="1100" b="0" dirty="0">
+                <a:solidFill>
+                  <a:srgbClr val="D4D4D4"/>
+                </a:solidFill>
+                <a:effectLst/>
+                <a:latin typeface="Consolas" panose="020B0609020204030204" pitchFamily="49" charset="0"/>
+              </a:rPr>
+              <a:t>] == </a:t>
+            </a:r>
+            <a:r>
+              <a:rPr lang="en-US" sz="1100" b="0" dirty="0">
+                <a:solidFill>
+                  <a:srgbClr val="CE9178"/>
+                </a:solidFill>
+                <a:effectLst/>
+                <a:latin typeface="Consolas" panose="020B0609020204030204" pitchFamily="49" charset="0"/>
+              </a:rPr>
+              <a:t>"1"</a:t>
+            </a:r>
+            <a:r>
+              <a:rPr lang="en-US" sz="1100" b="0" dirty="0">
+                <a:solidFill>
+                  <a:srgbClr val="D4D4D4"/>
+                </a:solidFill>
+                <a:effectLst/>
+                <a:latin typeface="Consolas" panose="020B0609020204030204" pitchFamily="49" charset="0"/>
+              </a:rPr>
+              <a:t>:</a:t>
+            </a:r>
+          </a:p>
+          <a:p>
+            <a:r>
+              <a:rPr lang="en-US" sz="1100" b="0" dirty="0">
+                <a:solidFill>
+                  <a:srgbClr val="D4D4D4"/>
+                </a:solidFill>
+                <a:effectLst/>
+                <a:latin typeface="Consolas" panose="020B0609020204030204" pitchFamily="49" charset="0"/>
+              </a:rPr>
+              <a:t>        </a:t>
+            </a:r>
+            <a:r>
+              <a:rPr lang="en-US" sz="1100" b="0" dirty="0" err="1">
+                <a:solidFill>
+                  <a:srgbClr val="D4D4D4"/>
+                </a:solidFill>
+                <a:effectLst/>
+                <a:latin typeface="Consolas" panose="020B0609020204030204" pitchFamily="49" charset="0"/>
+              </a:rPr>
+              <a:t>match_src</a:t>
+            </a:r>
+            <a:r>
+              <a:rPr lang="en-US" sz="1100" b="0" dirty="0">
+                <a:solidFill>
+                  <a:srgbClr val="D4D4D4"/>
+                </a:solidFill>
+                <a:effectLst/>
+                <a:latin typeface="Consolas" panose="020B0609020204030204" pitchFamily="49" charset="0"/>
+              </a:rPr>
+              <a:t>(node.one, </a:t>
+            </a:r>
+            <a:r>
+              <a:rPr lang="en-US" sz="1100" b="0" dirty="0" err="1">
+                <a:solidFill>
+                  <a:srgbClr val="D4D4D4"/>
+                </a:solidFill>
+                <a:effectLst/>
+                <a:latin typeface="Consolas" panose="020B0609020204030204" pitchFamily="49" charset="0"/>
+              </a:rPr>
+              <a:t>src_bin</a:t>
+            </a:r>
+            <a:r>
+              <a:rPr lang="en-US" sz="1100" b="0" dirty="0">
+                <a:solidFill>
+                  <a:srgbClr val="D4D4D4"/>
+                </a:solidFill>
+                <a:effectLst/>
+                <a:latin typeface="Consolas" panose="020B0609020204030204" pitchFamily="49" charset="0"/>
+              </a:rPr>
+              <a:t>, src_index+</a:t>
+            </a:r>
+            <a:r>
+              <a:rPr lang="en-US" sz="1100" b="0" dirty="0">
+                <a:solidFill>
+                  <a:srgbClr val="B5CEA8"/>
+                </a:solidFill>
+                <a:effectLst/>
+                <a:latin typeface="Consolas" panose="020B0609020204030204" pitchFamily="49" charset="0"/>
+              </a:rPr>
+              <a:t>1</a:t>
+            </a:r>
+            <a:r>
+              <a:rPr lang="en-US" sz="1100" b="0" dirty="0">
+                <a:solidFill>
+                  <a:srgbClr val="D4D4D4"/>
+                </a:solidFill>
+                <a:effectLst/>
+                <a:latin typeface="Consolas" panose="020B0609020204030204" pitchFamily="49" charset="0"/>
+              </a:rPr>
+              <a:t>, </a:t>
+            </a:r>
+            <a:r>
+              <a:rPr lang="en-US" sz="1100" b="0" dirty="0" err="1">
+                <a:solidFill>
+                  <a:srgbClr val="D4D4D4"/>
+                </a:solidFill>
+                <a:effectLst/>
+                <a:latin typeface="Consolas" panose="020B0609020204030204" pitchFamily="49" charset="0"/>
+              </a:rPr>
+              <a:t>dst_bin</a:t>
+            </a:r>
+            <a:r>
+              <a:rPr lang="en-US" sz="1100" b="0" dirty="0">
+                <a:solidFill>
+                  <a:srgbClr val="D4D4D4"/>
+                </a:solidFill>
+                <a:effectLst/>
+                <a:latin typeface="Consolas" panose="020B0609020204030204" pitchFamily="49" charset="0"/>
+              </a:rPr>
+              <a:t>, </a:t>
+            </a:r>
+            <a:r>
+              <a:rPr lang="en-US" sz="1100" b="0" dirty="0" err="1">
+                <a:solidFill>
+                  <a:srgbClr val="D4D4D4"/>
+                </a:solidFill>
+                <a:effectLst/>
+                <a:latin typeface="Consolas" panose="020B0609020204030204" pitchFamily="49" charset="0"/>
+              </a:rPr>
+              <a:t>dst_index</a:t>
+            </a:r>
+            <a:r>
+              <a:rPr lang="en-US" sz="1100" b="0" dirty="0">
+                <a:solidFill>
+                  <a:srgbClr val="D4D4D4"/>
+                </a:solidFill>
+                <a:effectLst/>
+                <a:latin typeface="Consolas" panose="020B0609020204030204" pitchFamily="49" charset="0"/>
+              </a:rPr>
+              <a:t>, </a:t>
+            </a:r>
+            <a:r>
+              <a:rPr lang="en-US" sz="1100" b="0" dirty="0" err="1">
+                <a:solidFill>
+                  <a:srgbClr val="D4D4D4"/>
+                </a:solidFill>
+                <a:effectLst/>
+                <a:latin typeface="Consolas" panose="020B0609020204030204" pitchFamily="49" charset="0"/>
+              </a:rPr>
+              <a:t>candidate_actions</a:t>
+            </a:r>
+            <a:r>
+              <a:rPr lang="en-US" sz="1100" b="0" dirty="0">
+                <a:solidFill>
+                  <a:srgbClr val="D4D4D4"/>
+                </a:solidFill>
+                <a:effectLst/>
+                <a:latin typeface="Consolas" panose="020B0609020204030204" pitchFamily="49" charset="0"/>
+              </a:rPr>
+              <a:t>)</a:t>
+            </a:r>
+          </a:p>
+          <a:p>
+            <a:r>
+              <a:rPr lang="en-US" sz="1100" b="0" dirty="0">
+                <a:solidFill>
+                  <a:srgbClr val="D4D4D4"/>
+                </a:solidFill>
+                <a:effectLst/>
+                <a:latin typeface="Consolas" panose="020B0609020204030204" pitchFamily="49" charset="0"/>
+              </a:rPr>
+              <a:t>    </a:t>
+            </a:r>
+            <a:r>
+              <a:rPr lang="en-US" sz="1100" b="0" dirty="0">
+                <a:solidFill>
+                  <a:srgbClr val="C586C0"/>
+                </a:solidFill>
+                <a:effectLst/>
+                <a:latin typeface="Consolas" panose="020B0609020204030204" pitchFamily="49" charset="0"/>
+              </a:rPr>
+              <a:t>return</a:t>
+            </a:r>
+            <a:endParaRPr lang="en-US" sz="1100" b="0" dirty="0">
+              <a:solidFill>
+                <a:srgbClr val="D4D4D4"/>
+              </a:solidFill>
+              <a:effectLst/>
+              <a:latin typeface="Consolas" panose="020B0609020204030204" pitchFamily="49" charset="0"/>
+            </a:endParaRPr>
+          </a:p>
+        </p:txBody>
+      </p:sp>
+      <p:pic>
+        <p:nvPicPr>
+          <p:cNvPr id="8" name="Picture 7" descr="A picture containing clock&#10;&#10;Description automatically generated">
+            <a:extLst>
+              <a:ext uri="{FF2B5EF4-FFF2-40B4-BE49-F238E27FC236}">
+                <a16:creationId xmlns:a16="http://schemas.microsoft.com/office/drawing/2014/main" id="{3F948276-4DB3-4F44-94A5-51A9FF144C80}"/>
+              </a:ext>
+            </a:extLst>
+          </p:cNvPr>
+          <p:cNvPicPr>
+            <a:picLocks noChangeAspect="1"/>
+          </p:cNvPicPr>
+          <p:nvPr/>
+        </p:nvPicPr>
+        <p:blipFill>
+          <a:blip r:embed="rId2">
+            <a:extLst>
+              <a:ext uri="{28A0092B-C50C-407E-A947-70E740481C1C}">
+                <a14:useLocalDpi xmlns:a14="http://schemas.microsoft.com/office/drawing/2010/main" val="0"/>
+              </a:ext>
+            </a:extLst>
+          </a:blip>
+          <a:stretch>
+            <a:fillRect/>
+          </a:stretch>
+        </p:blipFill>
+        <p:spPr>
+          <a:xfrm>
+            <a:off x="2373977" y="3865860"/>
+            <a:ext cx="7444045" cy="2085664"/>
+          </a:xfrm>
+          <a:prstGeom prst="rect">
+            <a:avLst/>
+          </a:prstGeom>
+        </p:spPr>
+      </p:pic>
+    </p:spTree>
+    <p:extLst>
+      <p:ext uri="{BB962C8B-B14F-4D97-AF65-F5344CB8AC3E}">
+        <p14:creationId xmlns:p14="http://schemas.microsoft.com/office/powerpoint/2010/main" val="118528572"/>
+      </p:ext>
+    </p:extLst>
+  </p:cSld>
+  <p:clrMapOvr>
+    <a:masterClrMapping/>
+  </p:clrMapOvr>
+</p:sld>
+</file>
+
+<file path=ppt/slides/slide16.xml><?xml version="1.0" encoding="utf-8"?>
+<p:sld xmlns:a="http://schemas.openxmlformats.org/drawingml/2006/main" xmlns:r="http://schemas.openxmlformats.org/officeDocument/2006/relationships" xmlns:p="http://schemas.openxmlformats.org/presentationml/2006/main" showMasterSp="0">
+  <p:cSld>
+    <p:bg>
+      <p:bgPr>
+        <a:solidFill>
+          <a:schemeClr val="tx1">
+            <a:alpha val="90000"/>
+          </a:schemeClr>
+        </a:solidFill>
+        <a:effectLst/>
+      </p:bgPr>
+    </p:bg>
+    <p:spTree>
+      <p:nvGrpSpPr>
+        <p:cNvPr id="1" name=""/>
+        <p:cNvGrpSpPr/>
+        <p:nvPr/>
+      </p:nvGrpSpPr>
+      <p:grpSpPr>
+        <a:xfrm>
+          <a:off x="0" y="0"/>
+          <a:ext cx="0" cy="0"/>
+          <a:chOff x="0" y="0"/>
+          <a:chExt cx="0" cy="0"/>
+        </a:xfrm>
+      </p:grpSpPr>
+      <p:sp>
+        <p:nvSpPr>
+          <p:cNvPr id="2" name="Title 1">
+            <a:extLst>
+              <a:ext uri="{FF2B5EF4-FFF2-40B4-BE49-F238E27FC236}">
+                <a16:creationId xmlns:a16="http://schemas.microsoft.com/office/drawing/2014/main" id="{B0D7EBDB-8A0F-4DA8-8090-D4619D885EED}"/>
+              </a:ext>
+            </a:extLst>
+          </p:cNvPr>
+          <p:cNvSpPr>
+            <a:spLocks noGrp="1"/>
+          </p:cNvSpPr>
+          <p:nvPr>
+            <p:ph type="title"/>
+          </p:nvPr>
+        </p:nvSpPr>
+        <p:spPr>
+          <a:xfrm>
+            <a:off x="604434" y="448628"/>
+            <a:ext cx="10983132" cy="747763"/>
+          </a:xfrm>
+          <a:noFill/>
+          <a:ln>
+            <a:noFill/>
+          </a:ln>
+        </p:spPr>
+        <p:txBody>
+          <a:bodyPr vert="horz" lIns="91440" tIns="45720" rIns="91440" bIns="45720" rtlCol="0" anchor="ctr" anchorCtr="0">
+            <a:normAutofit/>
+          </a:bodyPr>
+          <a:lstStyle/>
+          <a:p>
+            <a:r>
+              <a:rPr lang="en-US" b="1" kern="1200" dirty="0" err="1">
+                <a:solidFill>
+                  <a:schemeClr val="bg1"/>
+                </a:solidFill>
+                <a:latin typeface="+mj-lt"/>
+                <a:ea typeface="+mj-ea"/>
+                <a:cs typeface="+mj-cs"/>
+              </a:rPr>
+              <a:t>FlowDiagram</a:t>
+            </a:r>
+            <a:r>
+              <a:rPr lang="en-US" b="1" kern="1200" dirty="0">
+                <a:solidFill>
+                  <a:schemeClr val="bg1"/>
+                </a:solidFill>
+                <a:latin typeface="+mj-lt"/>
+                <a:ea typeface="+mj-ea"/>
+                <a:cs typeface="+mj-cs"/>
+              </a:rPr>
+              <a:t> – </a:t>
+            </a:r>
+            <a:r>
+              <a:rPr lang="en-US" b="1" kern="1200" dirty="0" err="1">
+                <a:solidFill>
+                  <a:schemeClr val="bg1"/>
+                </a:solidFill>
+                <a:latin typeface="+mj-lt"/>
+                <a:ea typeface="+mj-ea"/>
+                <a:cs typeface="+mj-cs"/>
+              </a:rPr>
+              <a:t>match_</a:t>
+            </a:r>
+            <a:r>
+              <a:rPr lang="en-US" b="1" dirty="0" err="1">
+                <a:solidFill>
+                  <a:schemeClr val="bg1"/>
+                </a:solidFill>
+              </a:rPr>
+              <a:t>dst</a:t>
+            </a:r>
+            <a:r>
+              <a:rPr lang="en-US" b="1" kern="1200" dirty="0">
+                <a:solidFill>
+                  <a:schemeClr val="bg1"/>
+                </a:solidFill>
+                <a:latin typeface="+mj-lt"/>
+                <a:ea typeface="+mj-ea"/>
+                <a:cs typeface="+mj-cs"/>
+              </a:rPr>
+              <a:t>()</a:t>
+            </a:r>
+          </a:p>
+        </p:txBody>
+      </p:sp>
+      <p:sp>
+        <p:nvSpPr>
+          <p:cNvPr id="9" name="TextBox 8">
+            <a:extLst>
+              <a:ext uri="{FF2B5EF4-FFF2-40B4-BE49-F238E27FC236}">
+                <a16:creationId xmlns:a16="http://schemas.microsoft.com/office/drawing/2014/main" id="{D45D2C60-652D-47D6-A1D1-5C8F73093E71}"/>
+              </a:ext>
+            </a:extLst>
+          </p:cNvPr>
+          <p:cNvSpPr txBox="1"/>
+          <p:nvPr/>
+        </p:nvSpPr>
+        <p:spPr>
+          <a:xfrm>
+            <a:off x="604434" y="1196391"/>
+            <a:ext cx="8405342" cy="2800767"/>
+          </a:xfrm>
+          <a:prstGeom prst="rect">
+            <a:avLst/>
+          </a:prstGeom>
+          <a:noFill/>
+        </p:spPr>
+        <p:txBody>
+          <a:bodyPr wrap="square">
+            <a:spAutoFit/>
+          </a:bodyPr>
+          <a:lstStyle/>
+          <a:p>
+            <a:r>
+              <a:rPr lang="en-US" sz="1100" b="0" dirty="0">
+                <a:solidFill>
+                  <a:srgbClr val="569CD6"/>
+                </a:solidFill>
+                <a:effectLst/>
+                <a:latin typeface="Consolas" panose="020B0609020204030204" pitchFamily="49" charset="0"/>
+              </a:rPr>
+              <a:t>def</a:t>
+            </a:r>
+            <a:r>
+              <a:rPr lang="en-US" sz="1100" b="0" dirty="0">
+                <a:solidFill>
+                  <a:srgbClr val="D4D4D4"/>
+                </a:solidFill>
+                <a:effectLst/>
+                <a:latin typeface="Consolas" panose="020B0609020204030204" pitchFamily="49" charset="0"/>
+              </a:rPr>
+              <a:t> </a:t>
+            </a:r>
+            <a:r>
+              <a:rPr lang="en-US" sz="1100" b="0" dirty="0" err="1">
+                <a:solidFill>
+                  <a:srgbClr val="DCDCAA"/>
+                </a:solidFill>
+                <a:effectLst/>
+                <a:latin typeface="Consolas" panose="020B0609020204030204" pitchFamily="49" charset="0"/>
+              </a:rPr>
+              <a:t>match_dst</a:t>
+            </a:r>
+            <a:r>
+              <a:rPr lang="en-US" sz="1100" b="0" dirty="0">
+                <a:solidFill>
+                  <a:srgbClr val="D4D4D4"/>
+                </a:solidFill>
+                <a:effectLst/>
+                <a:latin typeface="Consolas" panose="020B0609020204030204" pitchFamily="49" charset="0"/>
+              </a:rPr>
+              <a:t>(</a:t>
+            </a:r>
+            <a:r>
+              <a:rPr lang="en-US" sz="1100" b="0" dirty="0">
+                <a:solidFill>
+                  <a:srgbClr val="9CDCFE"/>
+                </a:solidFill>
+                <a:effectLst/>
+                <a:latin typeface="Consolas" panose="020B0609020204030204" pitchFamily="49" charset="0"/>
+              </a:rPr>
+              <a:t>node</a:t>
+            </a:r>
+            <a:r>
+              <a:rPr lang="en-US" sz="1100" b="0" dirty="0">
+                <a:solidFill>
+                  <a:srgbClr val="D4D4D4"/>
+                </a:solidFill>
+                <a:effectLst/>
+                <a:latin typeface="Consolas" panose="020B0609020204030204" pitchFamily="49" charset="0"/>
+              </a:rPr>
+              <a:t>, </a:t>
+            </a:r>
+            <a:r>
+              <a:rPr lang="en-US" sz="1100" b="0" dirty="0" err="1">
+                <a:solidFill>
+                  <a:srgbClr val="9CDCFE"/>
+                </a:solidFill>
+                <a:effectLst/>
+                <a:latin typeface="Consolas" panose="020B0609020204030204" pitchFamily="49" charset="0"/>
+              </a:rPr>
+              <a:t>dst_bin</a:t>
+            </a:r>
+            <a:r>
+              <a:rPr lang="en-US" sz="1100" b="0" dirty="0">
+                <a:solidFill>
+                  <a:srgbClr val="D4D4D4"/>
+                </a:solidFill>
+                <a:effectLst/>
+                <a:latin typeface="Consolas" panose="020B0609020204030204" pitchFamily="49" charset="0"/>
+              </a:rPr>
+              <a:t>, </a:t>
+            </a:r>
+            <a:r>
+              <a:rPr lang="en-US" sz="1100" b="0" dirty="0" err="1">
+                <a:solidFill>
+                  <a:srgbClr val="9CDCFE"/>
+                </a:solidFill>
+                <a:effectLst/>
+                <a:latin typeface="Consolas" panose="020B0609020204030204" pitchFamily="49" charset="0"/>
+              </a:rPr>
+              <a:t>dst_index</a:t>
+            </a:r>
+            <a:r>
+              <a:rPr lang="en-US" sz="1100" b="0" dirty="0">
+                <a:solidFill>
+                  <a:srgbClr val="D4D4D4"/>
+                </a:solidFill>
+                <a:effectLst/>
+                <a:latin typeface="Consolas" panose="020B0609020204030204" pitchFamily="49" charset="0"/>
+              </a:rPr>
+              <a:t>, </a:t>
+            </a:r>
+            <a:r>
+              <a:rPr lang="en-US" sz="1100" b="0" dirty="0" err="1">
+                <a:solidFill>
+                  <a:srgbClr val="9CDCFE"/>
+                </a:solidFill>
+                <a:effectLst/>
+                <a:latin typeface="Consolas" panose="020B0609020204030204" pitchFamily="49" charset="0"/>
+              </a:rPr>
+              <a:t>candidate_actions</a:t>
+            </a:r>
+            <a:r>
+              <a:rPr lang="en-US" sz="1100" b="0" dirty="0">
+                <a:solidFill>
+                  <a:srgbClr val="D4D4D4"/>
+                </a:solidFill>
+                <a:effectLst/>
+                <a:latin typeface="Consolas" panose="020B0609020204030204" pitchFamily="49" charset="0"/>
+              </a:rPr>
+              <a:t>):</a:t>
+            </a:r>
+          </a:p>
+          <a:p>
+            <a:br>
+              <a:rPr lang="en-US" sz="1100" b="0" dirty="0">
+                <a:solidFill>
+                  <a:srgbClr val="D4D4D4"/>
+                </a:solidFill>
+                <a:effectLst/>
+                <a:latin typeface="Consolas" panose="020B0609020204030204" pitchFamily="49" charset="0"/>
+              </a:rPr>
+            </a:br>
+            <a:r>
+              <a:rPr lang="en-US" sz="1100" b="0" dirty="0">
+                <a:solidFill>
+                  <a:srgbClr val="D4D4D4"/>
+                </a:solidFill>
+                <a:effectLst/>
+                <a:latin typeface="Consolas" panose="020B0609020204030204" pitchFamily="49" charset="0"/>
+              </a:rPr>
+              <a:t>    </a:t>
+            </a:r>
+            <a:r>
+              <a:rPr lang="en-US" sz="1100" b="0" dirty="0">
+                <a:solidFill>
+                  <a:srgbClr val="C586C0"/>
+                </a:solidFill>
+                <a:effectLst/>
+                <a:latin typeface="Consolas" panose="020B0609020204030204" pitchFamily="49" charset="0"/>
+              </a:rPr>
+              <a:t>if</a:t>
+            </a:r>
+            <a:r>
+              <a:rPr lang="en-US" sz="1100" b="0" dirty="0">
+                <a:solidFill>
+                  <a:srgbClr val="D4D4D4"/>
+                </a:solidFill>
+                <a:effectLst/>
+                <a:latin typeface="Consolas" panose="020B0609020204030204" pitchFamily="49" charset="0"/>
+              </a:rPr>
+              <a:t> </a:t>
+            </a:r>
+            <a:r>
+              <a:rPr lang="en-US" sz="1100" b="0" dirty="0" err="1">
+                <a:solidFill>
+                  <a:srgbClr val="D4D4D4"/>
+                </a:solidFill>
+                <a:effectLst/>
+                <a:latin typeface="Consolas" panose="020B0609020204030204" pitchFamily="49" charset="0"/>
+              </a:rPr>
+              <a:t>node.end</a:t>
+            </a:r>
+            <a:r>
+              <a:rPr lang="en-US" sz="1100" b="0" dirty="0">
+                <a:solidFill>
+                  <a:srgbClr val="D4D4D4"/>
+                </a:solidFill>
+                <a:effectLst/>
+                <a:latin typeface="Consolas" panose="020B0609020204030204" pitchFamily="49" charset="0"/>
+              </a:rPr>
+              <a:t> :</a:t>
+            </a:r>
+          </a:p>
+          <a:p>
+            <a:r>
+              <a:rPr lang="en-US" sz="1100" b="0" dirty="0">
+                <a:solidFill>
+                  <a:srgbClr val="D4D4D4"/>
+                </a:solidFill>
+                <a:effectLst/>
+                <a:latin typeface="Consolas" panose="020B0609020204030204" pitchFamily="49" charset="0"/>
+              </a:rPr>
+              <a:t>        </a:t>
+            </a:r>
+            <a:r>
+              <a:rPr lang="en-US" sz="1100" b="0" dirty="0" err="1">
+                <a:solidFill>
+                  <a:srgbClr val="D4D4D4"/>
+                </a:solidFill>
+                <a:effectLst/>
+                <a:latin typeface="Consolas" panose="020B0609020204030204" pitchFamily="49" charset="0"/>
+              </a:rPr>
+              <a:t>candidate_actions.extend</a:t>
+            </a:r>
+            <a:r>
+              <a:rPr lang="en-US" sz="1100" b="0" dirty="0">
+                <a:solidFill>
+                  <a:srgbClr val="D4D4D4"/>
+                </a:solidFill>
+                <a:effectLst/>
+                <a:latin typeface="Consolas" panose="020B0609020204030204" pitchFamily="49" charset="0"/>
+              </a:rPr>
+              <a:t>(</a:t>
+            </a:r>
+            <a:r>
+              <a:rPr lang="en-US" sz="1100" b="0" dirty="0" err="1">
+                <a:solidFill>
+                  <a:srgbClr val="D4D4D4"/>
+                </a:solidFill>
+                <a:effectLst/>
+                <a:latin typeface="Consolas" panose="020B0609020204030204" pitchFamily="49" charset="0"/>
+              </a:rPr>
+              <a:t>node.node_rules</a:t>
+            </a:r>
+            <a:r>
+              <a:rPr lang="en-US" sz="1100" b="0" dirty="0">
+                <a:solidFill>
+                  <a:srgbClr val="D4D4D4"/>
+                </a:solidFill>
+                <a:effectLst/>
+                <a:latin typeface="Consolas" panose="020B0609020204030204" pitchFamily="49" charset="0"/>
+              </a:rPr>
+              <a:t>)</a:t>
+            </a:r>
+          </a:p>
+          <a:p>
+            <a:br>
+              <a:rPr lang="en-US" sz="1100" b="0" dirty="0">
+                <a:solidFill>
+                  <a:srgbClr val="D4D4D4"/>
+                </a:solidFill>
+                <a:effectLst/>
+                <a:latin typeface="Consolas" panose="020B0609020204030204" pitchFamily="49" charset="0"/>
+              </a:rPr>
+            </a:br>
+            <a:r>
+              <a:rPr lang="en-US" sz="1100" b="0" dirty="0">
+                <a:solidFill>
+                  <a:srgbClr val="D4D4D4"/>
+                </a:solidFill>
+                <a:effectLst/>
+                <a:latin typeface="Consolas" panose="020B0609020204030204" pitchFamily="49" charset="0"/>
+              </a:rPr>
+              <a:t>    </a:t>
+            </a:r>
+            <a:r>
+              <a:rPr lang="en-US" sz="1100" b="0" dirty="0">
+                <a:solidFill>
+                  <a:srgbClr val="C586C0"/>
+                </a:solidFill>
+                <a:effectLst/>
+                <a:latin typeface="Consolas" panose="020B0609020204030204" pitchFamily="49" charset="0"/>
+              </a:rPr>
+              <a:t>if</a:t>
+            </a:r>
+            <a:r>
+              <a:rPr lang="en-US" sz="1100" b="0" dirty="0">
+                <a:solidFill>
+                  <a:srgbClr val="D4D4D4"/>
+                </a:solidFill>
+                <a:effectLst/>
+                <a:latin typeface="Consolas" panose="020B0609020204030204" pitchFamily="49" charset="0"/>
+              </a:rPr>
+              <a:t> </a:t>
+            </a:r>
+            <a:r>
+              <a:rPr lang="en-US" sz="1100" b="0" dirty="0" err="1">
+                <a:solidFill>
+                  <a:srgbClr val="D4D4D4"/>
+                </a:solidFill>
+                <a:effectLst/>
+                <a:latin typeface="Consolas" panose="020B0609020204030204" pitchFamily="49" charset="0"/>
+              </a:rPr>
+              <a:t>dst_index</a:t>
+            </a:r>
+            <a:r>
+              <a:rPr lang="en-US" sz="1100" b="0" dirty="0">
+                <a:solidFill>
+                  <a:srgbClr val="D4D4D4"/>
+                </a:solidFill>
+                <a:effectLst/>
+                <a:latin typeface="Consolas" panose="020B0609020204030204" pitchFamily="49" charset="0"/>
+              </a:rPr>
+              <a:t> &gt; </a:t>
+            </a:r>
+            <a:r>
+              <a:rPr lang="en-US" sz="1100" b="0" dirty="0">
+                <a:solidFill>
+                  <a:srgbClr val="B5CEA8"/>
+                </a:solidFill>
+                <a:effectLst/>
+                <a:latin typeface="Consolas" panose="020B0609020204030204" pitchFamily="49" charset="0"/>
+              </a:rPr>
+              <a:t>32</a:t>
+            </a:r>
+            <a:r>
+              <a:rPr lang="en-US" sz="1100" b="0" dirty="0">
+                <a:solidFill>
+                  <a:srgbClr val="D4D4D4"/>
+                </a:solidFill>
+                <a:effectLst/>
+                <a:latin typeface="Consolas" panose="020B0609020204030204" pitchFamily="49" charset="0"/>
+              </a:rPr>
+              <a:t>:</a:t>
+            </a:r>
+          </a:p>
+          <a:p>
+            <a:r>
+              <a:rPr lang="en-US" sz="1100" b="0" dirty="0">
+                <a:solidFill>
+                  <a:srgbClr val="D4D4D4"/>
+                </a:solidFill>
+                <a:effectLst/>
+                <a:latin typeface="Consolas" panose="020B0609020204030204" pitchFamily="49" charset="0"/>
+              </a:rPr>
+              <a:t>        </a:t>
+            </a:r>
+            <a:r>
+              <a:rPr lang="en-US" sz="1100" b="0" dirty="0">
+                <a:solidFill>
+                  <a:srgbClr val="C586C0"/>
+                </a:solidFill>
+                <a:effectLst/>
+                <a:latin typeface="Consolas" panose="020B0609020204030204" pitchFamily="49" charset="0"/>
+              </a:rPr>
+              <a:t>if</a:t>
+            </a:r>
+            <a:r>
+              <a:rPr lang="en-US" sz="1100" b="0" dirty="0">
+                <a:solidFill>
+                  <a:srgbClr val="D4D4D4"/>
+                </a:solidFill>
+                <a:effectLst/>
+                <a:latin typeface="Consolas" panose="020B0609020204030204" pitchFamily="49" charset="0"/>
+              </a:rPr>
+              <a:t> </a:t>
+            </a:r>
+            <a:r>
+              <a:rPr lang="en-US" sz="1100" b="0" dirty="0" err="1">
+                <a:solidFill>
+                  <a:srgbClr val="D4D4D4"/>
+                </a:solidFill>
+                <a:effectLst/>
+                <a:latin typeface="Consolas" panose="020B0609020204030204" pitchFamily="49" charset="0"/>
+              </a:rPr>
+              <a:t>node.zero.value</a:t>
+            </a:r>
+            <a:r>
+              <a:rPr lang="en-US" sz="1100" b="0" dirty="0">
+                <a:solidFill>
+                  <a:srgbClr val="D4D4D4"/>
+                </a:solidFill>
+                <a:effectLst/>
+                <a:latin typeface="Consolas" panose="020B0609020204030204" pitchFamily="49" charset="0"/>
+              </a:rPr>
+              <a:t> == </a:t>
+            </a:r>
+            <a:r>
+              <a:rPr lang="en-US" sz="1100" b="0" dirty="0">
+                <a:solidFill>
+                  <a:srgbClr val="CE9178"/>
+                </a:solidFill>
+                <a:effectLst/>
+                <a:latin typeface="Consolas" panose="020B0609020204030204" pitchFamily="49" charset="0"/>
+              </a:rPr>
+              <a:t>"$"</a:t>
+            </a:r>
+            <a:r>
+              <a:rPr lang="en-US" sz="1100" b="0" dirty="0">
+                <a:solidFill>
+                  <a:srgbClr val="D4D4D4"/>
+                </a:solidFill>
+                <a:effectLst/>
+                <a:latin typeface="Consolas" panose="020B0609020204030204" pitchFamily="49" charset="0"/>
+              </a:rPr>
+              <a:t>:</a:t>
+            </a:r>
+          </a:p>
+          <a:p>
+            <a:r>
+              <a:rPr lang="en-US" sz="1100" b="0" dirty="0">
+                <a:solidFill>
+                  <a:srgbClr val="D4D4D4"/>
+                </a:solidFill>
+                <a:effectLst/>
+                <a:latin typeface="Consolas" panose="020B0609020204030204" pitchFamily="49" charset="0"/>
+              </a:rPr>
+              <a:t>            </a:t>
+            </a:r>
+            <a:r>
+              <a:rPr lang="en-US" sz="1100" b="0" dirty="0" err="1">
+                <a:solidFill>
+                  <a:srgbClr val="D4D4D4"/>
+                </a:solidFill>
+                <a:effectLst/>
+                <a:latin typeface="Consolas" panose="020B0609020204030204" pitchFamily="49" charset="0"/>
+              </a:rPr>
+              <a:t>candidate_actions.extend</a:t>
+            </a:r>
+            <a:r>
+              <a:rPr lang="en-US" sz="1100" b="0" dirty="0">
+                <a:solidFill>
+                  <a:srgbClr val="D4D4D4"/>
+                </a:solidFill>
+                <a:effectLst/>
+                <a:latin typeface="Consolas" panose="020B0609020204030204" pitchFamily="49" charset="0"/>
+              </a:rPr>
+              <a:t>(</a:t>
+            </a:r>
+            <a:r>
+              <a:rPr lang="en-US" sz="1100" b="0" dirty="0" err="1">
+                <a:solidFill>
+                  <a:srgbClr val="D4D4D4"/>
+                </a:solidFill>
+                <a:effectLst/>
+                <a:latin typeface="Consolas" panose="020B0609020204030204" pitchFamily="49" charset="0"/>
+              </a:rPr>
+              <a:t>node.zero.node_rules</a:t>
+            </a:r>
+            <a:r>
+              <a:rPr lang="en-US" sz="1100" b="0" dirty="0">
+                <a:solidFill>
+                  <a:srgbClr val="D4D4D4"/>
+                </a:solidFill>
+                <a:effectLst/>
+                <a:latin typeface="Consolas" panose="020B0609020204030204" pitchFamily="49" charset="0"/>
+              </a:rPr>
+              <a:t>)</a:t>
+            </a:r>
+          </a:p>
+          <a:p>
+            <a:r>
+              <a:rPr lang="en-US" sz="1100" b="0" dirty="0">
+                <a:solidFill>
+                  <a:srgbClr val="D4D4D4"/>
+                </a:solidFill>
+                <a:effectLst/>
+                <a:latin typeface="Consolas" panose="020B0609020204030204" pitchFamily="49" charset="0"/>
+              </a:rPr>
+              <a:t>        </a:t>
+            </a:r>
+            <a:r>
+              <a:rPr lang="en-US" sz="1100" b="0" dirty="0">
+                <a:solidFill>
+                  <a:srgbClr val="C586C0"/>
+                </a:solidFill>
+                <a:effectLst/>
+                <a:latin typeface="Consolas" panose="020B0609020204030204" pitchFamily="49" charset="0"/>
+              </a:rPr>
+              <a:t>return</a:t>
+            </a:r>
+            <a:endParaRPr lang="en-US" sz="1100" b="0" dirty="0">
+              <a:solidFill>
+                <a:srgbClr val="D4D4D4"/>
+              </a:solidFill>
+              <a:effectLst/>
+              <a:latin typeface="Consolas" panose="020B0609020204030204" pitchFamily="49" charset="0"/>
+            </a:endParaRPr>
+          </a:p>
+          <a:p>
+            <a:br>
+              <a:rPr lang="en-US" sz="1100" b="0" dirty="0">
+                <a:solidFill>
+                  <a:srgbClr val="D4D4D4"/>
+                </a:solidFill>
+                <a:effectLst/>
+                <a:latin typeface="Consolas" panose="020B0609020204030204" pitchFamily="49" charset="0"/>
+              </a:rPr>
+            </a:br>
+            <a:r>
+              <a:rPr lang="en-US" sz="1100" b="0" dirty="0">
+                <a:solidFill>
+                  <a:srgbClr val="D4D4D4"/>
+                </a:solidFill>
+                <a:effectLst/>
+                <a:latin typeface="Consolas" panose="020B0609020204030204" pitchFamily="49" charset="0"/>
+              </a:rPr>
+              <a:t>    </a:t>
+            </a:r>
+            <a:r>
+              <a:rPr lang="en-US" sz="1100" b="0" dirty="0">
+                <a:solidFill>
+                  <a:srgbClr val="C586C0"/>
+                </a:solidFill>
+                <a:effectLst/>
+                <a:latin typeface="Consolas" panose="020B0609020204030204" pitchFamily="49" charset="0"/>
+              </a:rPr>
+              <a:t>if</a:t>
+            </a:r>
+            <a:r>
+              <a:rPr lang="en-US" sz="1100" b="0" dirty="0">
+                <a:solidFill>
+                  <a:srgbClr val="D4D4D4"/>
+                </a:solidFill>
+                <a:effectLst/>
+                <a:latin typeface="Consolas" panose="020B0609020204030204" pitchFamily="49" charset="0"/>
+              </a:rPr>
+              <a:t> </a:t>
+            </a:r>
+            <a:r>
+              <a:rPr lang="en-US" sz="1100" b="0" dirty="0" err="1">
+                <a:solidFill>
+                  <a:srgbClr val="D4D4D4"/>
+                </a:solidFill>
+                <a:effectLst/>
+                <a:latin typeface="Consolas" panose="020B0609020204030204" pitchFamily="49" charset="0"/>
+              </a:rPr>
+              <a:t>node.zero</a:t>
+            </a:r>
+            <a:r>
+              <a:rPr lang="en-US" sz="1100" b="0" dirty="0">
+                <a:solidFill>
+                  <a:srgbClr val="D4D4D4"/>
+                </a:solidFill>
+                <a:effectLst/>
+                <a:latin typeface="Consolas" panose="020B0609020204030204" pitchFamily="49" charset="0"/>
+              </a:rPr>
+              <a:t> </a:t>
+            </a:r>
+            <a:r>
+              <a:rPr lang="en-US" sz="1100" b="0" dirty="0">
+                <a:solidFill>
+                  <a:srgbClr val="569CD6"/>
+                </a:solidFill>
+                <a:effectLst/>
+                <a:latin typeface="Consolas" panose="020B0609020204030204" pitchFamily="49" charset="0"/>
+              </a:rPr>
+              <a:t>is</a:t>
+            </a:r>
+            <a:r>
+              <a:rPr lang="en-US" sz="1100" b="0" dirty="0">
+                <a:solidFill>
+                  <a:srgbClr val="D4D4D4"/>
+                </a:solidFill>
+                <a:effectLst/>
+                <a:latin typeface="Consolas" panose="020B0609020204030204" pitchFamily="49" charset="0"/>
+              </a:rPr>
+              <a:t> </a:t>
+            </a:r>
+            <a:r>
+              <a:rPr lang="en-US" sz="1100" b="0" dirty="0">
+                <a:solidFill>
+                  <a:srgbClr val="569CD6"/>
+                </a:solidFill>
+                <a:effectLst/>
+                <a:latin typeface="Consolas" panose="020B0609020204030204" pitchFamily="49" charset="0"/>
+              </a:rPr>
+              <a:t>not</a:t>
+            </a:r>
+            <a:r>
+              <a:rPr lang="en-US" sz="1100" b="0" dirty="0">
+                <a:solidFill>
+                  <a:srgbClr val="D4D4D4"/>
+                </a:solidFill>
+                <a:effectLst/>
+                <a:latin typeface="Consolas" panose="020B0609020204030204" pitchFamily="49" charset="0"/>
+              </a:rPr>
+              <a:t> </a:t>
+            </a:r>
+            <a:r>
+              <a:rPr lang="en-US" sz="1100" b="0" dirty="0">
+                <a:solidFill>
+                  <a:srgbClr val="569CD6"/>
+                </a:solidFill>
+                <a:effectLst/>
+                <a:latin typeface="Consolas" panose="020B0609020204030204" pitchFamily="49" charset="0"/>
+              </a:rPr>
+              <a:t>None</a:t>
+            </a:r>
+            <a:r>
+              <a:rPr lang="en-US" sz="1100" b="0" dirty="0">
+                <a:solidFill>
+                  <a:srgbClr val="D4D4D4"/>
+                </a:solidFill>
+                <a:effectLst/>
+                <a:latin typeface="Consolas" panose="020B0609020204030204" pitchFamily="49" charset="0"/>
+              </a:rPr>
+              <a:t> </a:t>
+            </a:r>
+            <a:r>
+              <a:rPr lang="en-US" sz="1100" b="0" dirty="0">
+                <a:solidFill>
+                  <a:srgbClr val="569CD6"/>
+                </a:solidFill>
+                <a:effectLst/>
+                <a:latin typeface="Consolas" panose="020B0609020204030204" pitchFamily="49" charset="0"/>
+              </a:rPr>
+              <a:t>and</a:t>
+            </a:r>
+            <a:r>
+              <a:rPr lang="en-US" sz="1100" b="0" dirty="0">
+                <a:solidFill>
+                  <a:srgbClr val="D4D4D4"/>
+                </a:solidFill>
+                <a:effectLst/>
+                <a:latin typeface="Consolas" panose="020B0609020204030204" pitchFamily="49" charset="0"/>
+              </a:rPr>
+              <a:t> (</a:t>
+            </a:r>
+            <a:r>
+              <a:rPr lang="en-US" sz="1100" b="0" dirty="0" err="1">
+                <a:solidFill>
+                  <a:srgbClr val="D4D4D4"/>
+                </a:solidFill>
+                <a:effectLst/>
+                <a:latin typeface="Consolas" panose="020B0609020204030204" pitchFamily="49" charset="0"/>
+              </a:rPr>
+              <a:t>dst_bin</a:t>
+            </a:r>
+            <a:r>
+              <a:rPr lang="en-US" sz="1100" b="0" dirty="0">
+                <a:solidFill>
+                  <a:srgbClr val="D4D4D4"/>
+                </a:solidFill>
+                <a:effectLst/>
+                <a:latin typeface="Consolas" panose="020B0609020204030204" pitchFamily="49" charset="0"/>
+              </a:rPr>
+              <a:t>[</a:t>
+            </a:r>
+            <a:r>
+              <a:rPr lang="en-US" sz="1100" b="0" dirty="0" err="1">
+                <a:solidFill>
+                  <a:srgbClr val="D4D4D4"/>
+                </a:solidFill>
+                <a:effectLst/>
+                <a:latin typeface="Consolas" panose="020B0609020204030204" pitchFamily="49" charset="0"/>
+              </a:rPr>
+              <a:t>dst_index</a:t>
+            </a:r>
+            <a:r>
+              <a:rPr lang="en-US" sz="1100" b="0" dirty="0">
+                <a:solidFill>
+                  <a:srgbClr val="D4D4D4"/>
+                </a:solidFill>
+                <a:effectLst/>
+                <a:latin typeface="Consolas" panose="020B0609020204030204" pitchFamily="49" charset="0"/>
+              </a:rPr>
+              <a:t>] == </a:t>
+            </a:r>
+            <a:r>
+              <a:rPr lang="en-US" sz="1100" b="0" dirty="0">
+                <a:solidFill>
+                  <a:srgbClr val="CE9178"/>
+                </a:solidFill>
+                <a:effectLst/>
+                <a:latin typeface="Consolas" panose="020B0609020204030204" pitchFamily="49" charset="0"/>
+              </a:rPr>
+              <a:t>"0"</a:t>
+            </a:r>
+            <a:r>
+              <a:rPr lang="en-US" sz="1100" b="0" dirty="0">
+                <a:solidFill>
+                  <a:srgbClr val="D4D4D4"/>
+                </a:solidFill>
+                <a:effectLst/>
+                <a:latin typeface="Consolas" panose="020B0609020204030204" pitchFamily="49" charset="0"/>
+              </a:rPr>
+              <a:t> </a:t>
+            </a:r>
+            <a:r>
+              <a:rPr lang="en-US" sz="1100" b="0" dirty="0">
+                <a:solidFill>
+                  <a:srgbClr val="569CD6"/>
+                </a:solidFill>
+                <a:effectLst/>
+                <a:latin typeface="Consolas" panose="020B0609020204030204" pitchFamily="49" charset="0"/>
+              </a:rPr>
+              <a:t>or</a:t>
+            </a:r>
+            <a:r>
+              <a:rPr lang="en-US" sz="1100" b="0" dirty="0">
+                <a:solidFill>
+                  <a:srgbClr val="D4D4D4"/>
+                </a:solidFill>
+                <a:effectLst/>
+                <a:latin typeface="Consolas" panose="020B0609020204030204" pitchFamily="49" charset="0"/>
+              </a:rPr>
+              <a:t> </a:t>
+            </a:r>
+            <a:r>
+              <a:rPr lang="en-US" sz="1100" b="0" dirty="0" err="1">
+                <a:solidFill>
+                  <a:srgbClr val="D4D4D4"/>
+                </a:solidFill>
+                <a:effectLst/>
+                <a:latin typeface="Consolas" panose="020B0609020204030204" pitchFamily="49" charset="0"/>
+              </a:rPr>
+              <a:t>node.zero.value</a:t>
+            </a:r>
+            <a:r>
+              <a:rPr lang="en-US" sz="1100" b="0" dirty="0">
+                <a:solidFill>
+                  <a:srgbClr val="D4D4D4"/>
+                </a:solidFill>
+                <a:effectLst/>
+                <a:latin typeface="Consolas" panose="020B0609020204030204" pitchFamily="49" charset="0"/>
+              </a:rPr>
+              <a:t> == </a:t>
+            </a:r>
+            <a:r>
+              <a:rPr lang="en-US" sz="1100" b="0" dirty="0">
+                <a:solidFill>
+                  <a:srgbClr val="CE9178"/>
+                </a:solidFill>
+                <a:effectLst/>
+                <a:latin typeface="Consolas" panose="020B0609020204030204" pitchFamily="49" charset="0"/>
+              </a:rPr>
+              <a:t>"$"</a:t>
+            </a:r>
+            <a:r>
+              <a:rPr lang="en-US" sz="1100" b="0" dirty="0">
+                <a:solidFill>
+                  <a:srgbClr val="D4D4D4"/>
+                </a:solidFill>
+                <a:effectLst/>
+                <a:latin typeface="Consolas" panose="020B0609020204030204" pitchFamily="49" charset="0"/>
+              </a:rPr>
+              <a:t>):</a:t>
+            </a:r>
+          </a:p>
+          <a:p>
+            <a:r>
+              <a:rPr lang="en-US" sz="1100" b="0" dirty="0">
+                <a:solidFill>
+                  <a:srgbClr val="D4D4D4"/>
+                </a:solidFill>
+                <a:effectLst/>
+                <a:latin typeface="Consolas" panose="020B0609020204030204" pitchFamily="49" charset="0"/>
+              </a:rPr>
+              <a:t>        </a:t>
+            </a:r>
+            <a:r>
+              <a:rPr lang="en-US" sz="1100" b="0" dirty="0" err="1">
+                <a:solidFill>
+                  <a:srgbClr val="D4D4D4"/>
+                </a:solidFill>
+                <a:effectLst/>
+                <a:latin typeface="Consolas" panose="020B0609020204030204" pitchFamily="49" charset="0"/>
+              </a:rPr>
+              <a:t>match_dst</a:t>
+            </a:r>
+            <a:r>
+              <a:rPr lang="en-US" sz="1100" b="0" dirty="0">
+                <a:solidFill>
+                  <a:srgbClr val="D4D4D4"/>
+                </a:solidFill>
+                <a:effectLst/>
+                <a:latin typeface="Consolas" panose="020B0609020204030204" pitchFamily="49" charset="0"/>
+              </a:rPr>
+              <a:t>(</a:t>
+            </a:r>
+            <a:r>
+              <a:rPr lang="en-US" sz="1100" b="0" dirty="0" err="1">
+                <a:solidFill>
+                  <a:srgbClr val="D4D4D4"/>
+                </a:solidFill>
+                <a:effectLst/>
+                <a:latin typeface="Consolas" panose="020B0609020204030204" pitchFamily="49" charset="0"/>
+              </a:rPr>
+              <a:t>node.zero</a:t>
+            </a:r>
+            <a:r>
+              <a:rPr lang="en-US" sz="1100" b="0" dirty="0">
+                <a:solidFill>
+                  <a:srgbClr val="D4D4D4"/>
+                </a:solidFill>
+                <a:effectLst/>
+                <a:latin typeface="Consolas" panose="020B0609020204030204" pitchFamily="49" charset="0"/>
+              </a:rPr>
+              <a:t>, </a:t>
+            </a:r>
+            <a:r>
+              <a:rPr lang="en-US" sz="1100" b="0" dirty="0" err="1">
+                <a:solidFill>
+                  <a:srgbClr val="D4D4D4"/>
+                </a:solidFill>
+                <a:effectLst/>
+                <a:latin typeface="Consolas" panose="020B0609020204030204" pitchFamily="49" charset="0"/>
+              </a:rPr>
+              <a:t>dst_bin</a:t>
+            </a:r>
+            <a:r>
+              <a:rPr lang="en-US" sz="1100" b="0" dirty="0">
+                <a:solidFill>
+                  <a:srgbClr val="D4D4D4"/>
+                </a:solidFill>
+                <a:effectLst/>
+                <a:latin typeface="Consolas" panose="020B0609020204030204" pitchFamily="49" charset="0"/>
+              </a:rPr>
+              <a:t>, dst_index+</a:t>
+            </a:r>
+            <a:r>
+              <a:rPr lang="en-US" sz="1100" b="0" dirty="0">
+                <a:solidFill>
+                  <a:srgbClr val="B5CEA8"/>
+                </a:solidFill>
+                <a:effectLst/>
+                <a:latin typeface="Consolas" panose="020B0609020204030204" pitchFamily="49" charset="0"/>
+              </a:rPr>
+              <a:t>1</a:t>
+            </a:r>
+            <a:r>
+              <a:rPr lang="en-US" sz="1100" b="0" dirty="0">
+                <a:solidFill>
+                  <a:srgbClr val="D4D4D4"/>
+                </a:solidFill>
+                <a:effectLst/>
+                <a:latin typeface="Consolas" panose="020B0609020204030204" pitchFamily="49" charset="0"/>
+              </a:rPr>
+              <a:t>, </a:t>
+            </a:r>
+            <a:r>
+              <a:rPr lang="en-US" sz="1100" b="0" dirty="0" err="1">
+                <a:solidFill>
+                  <a:srgbClr val="D4D4D4"/>
+                </a:solidFill>
+                <a:effectLst/>
+                <a:latin typeface="Consolas" panose="020B0609020204030204" pitchFamily="49" charset="0"/>
+              </a:rPr>
+              <a:t>candidate_actions</a:t>
+            </a:r>
+            <a:r>
+              <a:rPr lang="en-US" sz="1100" b="0" dirty="0">
+                <a:solidFill>
+                  <a:srgbClr val="D4D4D4"/>
+                </a:solidFill>
+                <a:effectLst/>
+                <a:latin typeface="Consolas" panose="020B0609020204030204" pitchFamily="49" charset="0"/>
+              </a:rPr>
+              <a:t>)</a:t>
+            </a:r>
+          </a:p>
+          <a:p>
+            <a:br>
+              <a:rPr lang="en-US" sz="1100" b="0" dirty="0">
+                <a:solidFill>
+                  <a:srgbClr val="D4D4D4"/>
+                </a:solidFill>
+                <a:effectLst/>
+                <a:latin typeface="Consolas" panose="020B0609020204030204" pitchFamily="49" charset="0"/>
+              </a:rPr>
+            </a:br>
+            <a:r>
+              <a:rPr lang="en-US" sz="1100" b="0" dirty="0">
+                <a:solidFill>
+                  <a:srgbClr val="D4D4D4"/>
+                </a:solidFill>
+                <a:effectLst/>
+                <a:latin typeface="Consolas" panose="020B0609020204030204" pitchFamily="49" charset="0"/>
+              </a:rPr>
+              <a:t>    </a:t>
+            </a:r>
+            <a:r>
+              <a:rPr lang="en-US" sz="1100" b="0" dirty="0">
+                <a:solidFill>
+                  <a:srgbClr val="C586C0"/>
+                </a:solidFill>
+                <a:effectLst/>
+                <a:latin typeface="Consolas" panose="020B0609020204030204" pitchFamily="49" charset="0"/>
+              </a:rPr>
+              <a:t>if</a:t>
+            </a:r>
+            <a:r>
+              <a:rPr lang="en-US" sz="1100" b="0" dirty="0">
+                <a:solidFill>
+                  <a:srgbClr val="D4D4D4"/>
+                </a:solidFill>
+                <a:effectLst/>
+                <a:latin typeface="Consolas" panose="020B0609020204030204" pitchFamily="49" charset="0"/>
+              </a:rPr>
+              <a:t> node.one </a:t>
+            </a:r>
+            <a:r>
+              <a:rPr lang="en-US" sz="1100" b="0" dirty="0">
+                <a:solidFill>
+                  <a:srgbClr val="569CD6"/>
+                </a:solidFill>
+                <a:effectLst/>
+                <a:latin typeface="Consolas" panose="020B0609020204030204" pitchFamily="49" charset="0"/>
+              </a:rPr>
+              <a:t>is</a:t>
+            </a:r>
+            <a:r>
+              <a:rPr lang="en-US" sz="1100" b="0" dirty="0">
+                <a:solidFill>
+                  <a:srgbClr val="D4D4D4"/>
+                </a:solidFill>
+                <a:effectLst/>
+                <a:latin typeface="Consolas" panose="020B0609020204030204" pitchFamily="49" charset="0"/>
+              </a:rPr>
+              <a:t> </a:t>
+            </a:r>
+            <a:r>
+              <a:rPr lang="en-US" sz="1100" b="0" dirty="0">
+                <a:solidFill>
+                  <a:srgbClr val="569CD6"/>
+                </a:solidFill>
+                <a:effectLst/>
+                <a:latin typeface="Consolas" panose="020B0609020204030204" pitchFamily="49" charset="0"/>
+              </a:rPr>
+              <a:t>not</a:t>
+            </a:r>
+            <a:r>
+              <a:rPr lang="en-US" sz="1100" b="0" dirty="0">
+                <a:solidFill>
+                  <a:srgbClr val="D4D4D4"/>
+                </a:solidFill>
+                <a:effectLst/>
+                <a:latin typeface="Consolas" panose="020B0609020204030204" pitchFamily="49" charset="0"/>
+              </a:rPr>
+              <a:t> </a:t>
+            </a:r>
+            <a:r>
+              <a:rPr lang="en-US" sz="1100" b="0" dirty="0">
+                <a:solidFill>
+                  <a:srgbClr val="569CD6"/>
+                </a:solidFill>
+                <a:effectLst/>
+                <a:latin typeface="Consolas" panose="020B0609020204030204" pitchFamily="49" charset="0"/>
+              </a:rPr>
+              <a:t>None</a:t>
+            </a:r>
+            <a:r>
+              <a:rPr lang="en-US" sz="1100" b="0" dirty="0">
+                <a:solidFill>
+                  <a:srgbClr val="D4D4D4"/>
+                </a:solidFill>
+                <a:effectLst/>
+                <a:latin typeface="Consolas" panose="020B0609020204030204" pitchFamily="49" charset="0"/>
+              </a:rPr>
+              <a:t> </a:t>
+            </a:r>
+            <a:r>
+              <a:rPr lang="en-US" sz="1100" b="0" dirty="0">
+                <a:solidFill>
+                  <a:srgbClr val="569CD6"/>
+                </a:solidFill>
+                <a:effectLst/>
+                <a:latin typeface="Consolas" panose="020B0609020204030204" pitchFamily="49" charset="0"/>
+              </a:rPr>
+              <a:t>and</a:t>
+            </a:r>
+            <a:r>
+              <a:rPr lang="en-US" sz="1100" b="0" dirty="0">
+                <a:solidFill>
+                  <a:srgbClr val="D4D4D4"/>
+                </a:solidFill>
+                <a:effectLst/>
+                <a:latin typeface="Consolas" panose="020B0609020204030204" pitchFamily="49" charset="0"/>
+              </a:rPr>
+              <a:t> </a:t>
+            </a:r>
+            <a:r>
+              <a:rPr lang="en-US" sz="1100" b="0" dirty="0" err="1">
+                <a:solidFill>
+                  <a:srgbClr val="D4D4D4"/>
+                </a:solidFill>
+                <a:effectLst/>
+                <a:latin typeface="Consolas" panose="020B0609020204030204" pitchFamily="49" charset="0"/>
+              </a:rPr>
+              <a:t>dst_bin</a:t>
+            </a:r>
+            <a:r>
+              <a:rPr lang="en-US" sz="1100" b="0" dirty="0">
+                <a:solidFill>
+                  <a:srgbClr val="D4D4D4"/>
+                </a:solidFill>
+                <a:effectLst/>
+                <a:latin typeface="Consolas" panose="020B0609020204030204" pitchFamily="49" charset="0"/>
+              </a:rPr>
+              <a:t>[</a:t>
+            </a:r>
+            <a:r>
+              <a:rPr lang="en-US" sz="1100" b="0" dirty="0" err="1">
+                <a:solidFill>
+                  <a:srgbClr val="D4D4D4"/>
+                </a:solidFill>
+                <a:effectLst/>
+                <a:latin typeface="Consolas" panose="020B0609020204030204" pitchFamily="49" charset="0"/>
+              </a:rPr>
+              <a:t>dst_index</a:t>
+            </a:r>
+            <a:r>
+              <a:rPr lang="en-US" sz="1100" b="0" dirty="0">
+                <a:solidFill>
+                  <a:srgbClr val="D4D4D4"/>
+                </a:solidFill>
+                <a:effectLst/>
+                <a:latin typeface="Consolas" panose="020B0609020204030204" pitchFamily="49" charset="0"/>
+              </a:rPr>
+              <a:t>] == </a:t>
+            </a:r>
+            <a:r>
+              <a:rPr lang="en-US" sz="1100" b="0" dirty="0">
+                <a:solidFill>
+                  <a:srgbClr val="CE9178"/>
+                </a:solidFill>
+                <a:effectLst/>
+                <a:latin typeface="Consolas" panose="020B0609020204030204" pitchFamily="49" charset="0"/>
+              </a:rPr>
+              <a:t>"1"</a:t>
+            </a:r>
+            <a:r>
+              <a:rPr lang="en-US" sz="1100" b="0" dirty="0">
+                <a:solidFill>
+                  <a:srgbClr val="D4D4D4"/>
+                </a:solidFill>
+                <a:effectLst/>
+                <a:latin typeface="Consolas" panose="020B0609020204030204" pitchFamily="49" charset="0"/>
+              </a:rPr>
+              <a:t>:</a:t>
+            </a:r>
+          </a:p>
+          <a:p>
+            <a:r>
+              <a:rPr lang="en-US" sz="1100" b="0" dirty="0">
+                <a:solidFill>
+                  <a:srgbClr val="D4D4D4"/>
+                </a:solidFill>
+                <a:effectLst/>
+                <a:latin typeface="Consolas" panose="020B0609020204030204" pitchFamily="49" charset="0"/>
+              </a:rPr>
+              <a:t>        </a:t>
+            </a:r>
+            <a:r>
+              <a:rPr lang="en-US" sz="1100" b="0" dirty="0" err="1">
+                <a:solidFill>
+                  <a:srgbClr val="D4D4D4"/>
+                </a:solidFill>
+                <a:effectLst/>
+                <a:latin typeface="Consolas" panose="020B0609020204030204" pitchFamily="49" charset="0"/>
+              </a:rPr>
+              <a:t>match_dst</a:t>
+            </a:r>
+            <a:r>
+              <a:rPr lang="en-US" sz="1100" b="0" dirty="0">
+                <a:solidFill>
+                  <a:srgbClr val="D4D4D4"/>
+                </a:solidFill>
+                <a:effectLst/>
+                <a:latin typeface="Consolas" panose="020B0609020204030204" pitchFamily="49" charset="0"/>
+              </a:rPr>
+              <a:t>(node.one, </a:t>
+            </a:r>
+            <a:r>
+              <a:rPr lang="en-US" sz="1100" b="0" dirty="0" err="1">
+                <a:solidFill>
+                  <a:srgbClr val="D4D4D4"/>
+                </a:solidFill>
+                <a:effectLst/>
+                <a:latin typeface="Consolas" panose="020B0609020204030204" pitchFamily="49" charset="0"/>
+              </a:rPr>
+              <a:t>dst_bin</a:t>
+            </a:r>
+            <a:r>
+              <a:rPr lang="en-US" sz="1100" b="0" dirty="0">
+                <a:solidFill>
+                  <a:srgbClr val="D4D4D4"/>
+                </a:solidFill>
+                <a:effectLst/>
+                <a:latin typeface="Consolas" panose="020B0609020204030204" pitchFamily="49" charset="0"/>
+              </a:rPr>
+              <a:t>, dst_index+</a:t>
+            </a:r>
+            <a:r>
+              <a:rPr lang="en-US" sz="1100" b="0" dirty="0">
+                <a:solidFill>
+                  <a:srgbClr val="B5CEA8"/>
+                </a:solidFill>
+                <a:effectLst/>
+                <a:latin typeface="Consolas" panose="020B0609020204030204" pitchFamily="49" charset="0"/>
+              </a:rPr>
+              <a:t>1</a:t>
+            </a:r>
+            <a:r>
+              <a:rPr lang="en-US" sz="1100" b="0" dirty="0">
+                <a:solidFill>
+                  <a:srgbClr val="D4D4D4"/>
+                </a:solidFill>
+                <a:effectLst/>
+                <a:latin typeface="Consolas" panose="020B0609020204030204" pitchFamily="49" charset="0"/>
+              </a:rPr>
+              <a:t>, </a:t>
+            </a:r>
+            <a:r>
+              <a:rPr lang="en-US" sz="1100" b="0" dirty="0" err="1">
+                <a:solidFill>
+                  <a:srgbClr val="D4D4D4"/>
+                </a:solidFill>
+                <a:effectLst/>
+                <a:latin typeface="Consolas" panose="020B0609020204030204" pitchFamily="49" charset="0"/>
+              </a:rPr>
+              <a:t>candidate_actions</a:t>
+            </a:r>
+            <a:r>
+              <a:rPr lang="en-US" sz="1100" b="0" dirty="0">
+                <a:solidFill>
+                  <a:srgbClr val="D4D4D4"/>
+                </a:solidFill>
+                <a:effectLst/>
+                <a:latin typeface="Consolas" panose="020B0609020204030204" pitchFamily="49" charset="0"/>
+              </a:rPr>
+              <a:t>)</a:t>
+            </a:r>
+          </a:p>
+          <a:p>
+            <a:r>
+              <a:rPr lang="en-US" sz="1100" b="0" dirty="0">
+                <a:solidFill>
+                  <a:srgbClr val="D4D4D4"/>
+                </a:solidFill>
+                <a:effectLst/>
+                <a:latin typeface="Consolas" panose="020B0609020204030204" pitchFamily="49" charset="0"/>
+              </a:rPr>
+              <a:t>    </a:t>
+            </a:r>
+            <a:r>
+              <a:rPr lang="en-US" sz="1100" b="0" dirty="0">
+                <a:solidFill>
+                  <a:srgbClr val="C586C0"/>
+                </a:solidFill>
+                <a:effectLst/>
+                <a:latin typeface="Consolas" panose="020B0609020204030204" pitchFamily="49" charset="0"/>
+              </a:rPr>
+              <a:t>return</a:t>
+            </a:r>
+            <a:endParaRPr lang="en-US" sz="1100" b="0" dirty="0">
+              <a:solidFill>
+                <a:srgbClr val="D4D4D4"/>
+              </a:solidFill>
+              <a:effectLst/>
+              <a:latin typeface="Consolas" panose="020B0609020204030204" pitchFamily="49" charset="0"/>
+            </a:endParaRPr>
+          </a:p>
+        </p:txBody>
+      </p:sp>
+      <p:pic>
+        <p:nvPicPr>
+          <p:cNvPr id="4" name="Picture 3" descr="A screenshot of a video game&#10;&#10;Description automatically generated">
+            <a:extLst>
+              <a:ext uri="{FF2B5EF4-FFF2-40B4-BE49-F238E27FC236}">
+                <a16:creationId xmlns:a16="http://schemas.microsoft.com/office/drawing/2014/main" id="{E6E3C438-68A2-4A9E-B140-D9BC04624F31}"/>
+              </a:ext>
+            </a:extLst>
+          </p:cNvPr>
+          <p:cNvPicPr>
+            <a:picLocks noChangeAspect="1"/>
+          </p:cNvPicPr>
+          <p:nvPr/>
+        </p:nvPicPr>
+        <p:blipFill>
+          <a:blip r:embed="rId2">
+            <a:extLst>
+              <a:ext uri="{28A0092B-C50C-407E-A947-70E740481C1C}">
+                <a14:useLocalDpi xmlns:a14="http://schemas.microsoft.com/office/drawing/2010/main" val="0"/>
+              </a:ext>
+            </a:extLst>
+          </a:blip>
+          <a:stretch>
+            <a:fillRect/>
+          </a:stretch>
+        </p:blipFill>
+        <p:spPr>
+          <a:xfrm>
+            <a:off x="2493208" y="3997158"/>
+            <a:ext cx="7205584" cy="2412214"/>
+          </a:xfrm>
+          <a:prstGeom prst="rect">
+            <a:avLst/>
+          </a:prstGeom>
+        </p:spPr>
+      </p:pic>
+    </p:spTree>
+    <p:extLst>
+      <p:ext uri="{BB962C8B-B14F-4D97-AF65-F5344CB8AC3E}">
+        <p14:creationId xmlns:p14="http://schemas.microsoft.com/office/powerpoint/2010/main" val="4222865545"/>
+      </p:ext>
+    </p:extLst>
+  </p:cSld>
+  <p:clrMapOvr>
+    <a:masterClrMapping/>
+  </p:clrMapOvr>
+</p:sld>
+</file>
+
+<file path=ppt/slides/slide17.xml><?xml version="1.0" encoding="utf-8"?>
+<p:sld xmlns:a="http://schemas.openxmlformats.org/drawingml/2006/main" xmlns:r="http://schemas.openxmlformats.org/officeDocument/2006/relationships" xmlns:p="http://schemas.openxmlformats.org/presentationml/2006/main" showMasterSp="0">
+  <p:cSld>
+    <p:bg>
+      <p:bgPr>
+        <a:solidFill>
+          <a:schemeClr val="tx1">
+            <a:alpha val="90000"/>
+          </a:schemeClr>
+        </a:solidFill>
+        <a:effectLst/>
+      </p:bgPr>
+    </p:bg>
+    <p:spTree>
+      <p:nvGrpSpPr>
+        <p:cNvPr id="1" name=""/>
+        <p:cNvGrpSpPr/>
+        <p:nvPr/>
+      </p:nvGrpSpPr>
+      <p:grpSpPr>
+        <a:xfrm>
+          <a:off x="0" y="0"/>
+          <a:ext cx="0" cy="0"/>
+          <a:chOff x="0" y="0"/>
+          <a:chExt cx="0" cy="0"/>
+        </a:xfrm>
+      </p:grpSpPr>
+      <p:sp>
+        <p:nvSpPr>
+          <p:cNvPr id="2" name="Title 1">
+            <a:extLst>
+              <a:ext uri="{FF2B5EF4-FFF2-40B4-BE49-F238E27FC236}">
+                <a16:creationId xmlns:a16="http://schemas.microsoft.com/office/drawing/2014/main" id="{B0D7EBDB-8A0F-4DA8-8090-D4619D885EED}"/>
+              </a:ext>
+            </a:extLst>
+          </p:cNvPr>
+          <p:cNvSpPr>
+            <a:spLocks noGrp="1"/>
+          </p:cNvSpPr>
+          <p:nvPr>
+            <p:ph type="title"/>
+          </p:nvPr>
+        </p:nvSpPr>
+        <p:spPr>
+          <a:xfrm>
+            <a:off x="604434" y="448628"/>
+            <a:ext cx="10983132" cy="747763"/>
+          </a:xfrm>
+          <a:noFill/>
+          <a:ln>
+            <a:noFill/>
+          </a:ln>
+        </p:spPr>
+        <p:txBody>
+          <a:bodyPr vert="horz" lIns="91440" tIns="45720" rIns="91440" bIns="45720" rtlCol="0" anchor="ctr" anchorCtr="0">
+            <a:normAutofit/>
+          </a:bodyPr>
+          <a:lstStyle/>
+          <a:p>
+            <a:r>
+              <a:rPr lang="en-US" b="1" kern="1200" dirty="0" err="1">
+                <a:solidFill>
+                  <a:schemeClr val="bg1"/>
+                </a:solidFill>
+                <a:latin typeface="+mj-lt"/>
+                <a:ea typeface="+mj-ea"/>
+                <a:cs typeface="+mj-cs"/>
+              </a:rPr>
+              <a:t>FlowDiagram</a:t>
+            </a:r>
+            <a:r>
+              <a:rPr lang="en-US" b="1" kern="1200" dirty="0">
+                <a:solidFill>
+                  <a:schemeClr val="bg1"/>
+                </a:solidFill>
+                <a:latin typeface="+mj-lt"/>
+                <a:ea typeface="+mj-ea"/>
+                <a:cs typeface="+mj-cs"/>
+              </a:rPr>
+              <a:t> – </a:t>
+            </a:r>
+            <a:r>
+              <a:rPr lang="en-US" b="1" kern="1200" dirty="0" err="1">
+                <a:solidFill>
+                  <a:schemeClr val="bg1"/>
+                </a:solidFill>
+                <a:latin typeface="+mj-lt"/>
+                <a:ea typeface="+mj-ea"/>
+                <a:cs typeface="+mj-cs"/>
+              </a:rPr>
+              <a:t>get_packets_actions</a:t>
+            </a:r>
+            <a:endParaRPr lang="en-US" b="1" kern="1200" dirty="0">
+              <a:solidFill>
+                <a:schemeClr val="bg1"/>
+              </a:solidFill>
+              <a:latin typeface="+mj-lt"/>
+              <a:ea typeface="+mj-ea"/>
+              <a:cs typeface="+mj-cs"/>
+            </a:endParaRPr>
+          </a:p>
+        </p:txBody>
+      </p:sp>
+      <p:sp>
+        <p:nvSpPr>
+          <p:cNvPr id="9" name="TextBox 8">
+            <a:extLst>
+              <a:ext uri="{FF2B5EF4-FFF2-40B4-BE49-F238E27FC236}">
+                <a16:creationId xmlns:a16="http://schemas.microsoft.com/office/drawing/2014/main" id="{D45D2C60-652D-47D6-A1D1-5C8F73093E71}"/>
+              </a:ext>
+            </a:extLst>
+          </p:cNvPr>
+          <p:cNvSpPr txBox="1"/>
+          <p:nvPr/>
+        </p:nvSpPr>
+        <p:spPr>
+          <a:xfrm>
+            <a:off x="604434" y="1196391"/>
+            <a:ext cx="7004381" cy="2970044"/>
+          </a:xfrm>
+          <a:prstGeom prst="rect">
+            <a:avLst/>
+          </a:prstGeom>
+          <a:noFill/>
+        </p:spPr>
+        <p:txBody>
+          <a:bodyPr wrap="square">
+            <a:spAutoFit/>
+          </a:bodyPr>
+          <a:lstStyle/>
+          <a:p>
+            <a:r>
+              <a:rPr lang="en-US" sz="1100" b="0" dirty="0">
+                <a:solidFill>
+                  <a:srgbClr val="569CD6"/>
+                </a:solidFill>
+                <a:effectLst/>
+                <a:latin typeface="Consolas" panose="020B0609020204030204" pitchFamily="49" charset="0"/>
+              </a:rPr>
+              <a:t>def</a:t>
+            </a:r>
+            <a:r>
+              <a:rPr lang="en-US" sz="1100" b="0" dirty="0">
+                <a:solidFill>
+                  <a:srgbClr val="D4D4D4"/>
+                </a:solidFill>
+                <a:effectLst/>
+                <a:latin typeface="Consolas" panose="020B0609020204030204" pitchFamily="49" charset="0"/>
+              </a:rPr>
+              <a:t> </a:t>
+            </a:r>
+            <a:r>
+              <a:rPr lang="en-US" sz="1100" b="0" dirty="0" err="1">
+                <a:solidFill>
+                  <a:srgbClr val="DCDCAA"/>
+                </a:solidFill>
+                <a:effectLst/>
+                <a:latin typeface="Consolas" panose="020B0609020204030204" pitchFamily="49" charset="0"/>
+              </a:rPr>
+              <a:t>get_packets_actions</a:t>
+            </a:r>
+            <a:r>
+              <a:rPr lang="en-US" sz="1100" b="0" dirty="0">
+                <a:solidFill>
+                  <a:srgbClr val="D4D4D4"/>
+                </a:solidFill>
+                <a:effectLst/>
+                <a:latin typeface="Consolas" panose="020B0609020204030204" pitchFamily="49" charset="0"/>
+              </a:rPr>
+              <a:t>(</a:t>
+            </a:r>
+            <a:r>
+              <a:rPr lang="en-US" sz="1100" b="0" dirty="0">
+                <a:solidFill>
+                  <a:srgbClr val="9CDCFE"/>
+                </a:solidFill>
+                <a:effectLst/>
+                <a:latin typeface="Consolas" panose="020B0609020204030204" pitchFamily="49" charset="0"/>
+              </a:rPr>
+              <a:t>root</a:t>
+            </a:r>
+            <a:r>
+              <a:rPr lang="en-US" sz="1100" b="0" dirty="0">
+                <a:solidFill>
+                  <a:srgbClr val="D4D4D4"/>
+                </a:solidFill>
+                <a:effectLst/>
+                <a:latin typeface="Consolas" panose="020B0609020204030204" pitchFamily="49" charset="0"/>
+              </a:rPr>
+              <a:t>, </a:t>
+            </a:r>
+            <a:r>
+              <a:rPr lang="en-US" sz="1100" b="0" dirty="0">
+                <a:solidFill>
+                  <a:srgbClr val="9CDCFE"/>
+                </a:solidFill>
+                <a:effectLst/>
+                <a:latin typeface="Consolas" panose="020B0609020204030204" pitchFamily="49" charset="0"/>
+              </a:rPr>
+              <a:t>packets</a:t>
+            </a:r>
+            <a:r>
+              <a:rPr lang="en-US" sz="1100" b="0" dirty="0">
+                <a:solidFill>
+                  <a:srgbClr val="D4D4D4"/>
+                </a:solidFill>
+                <a:effectLst/>
+                <a:latin typeface="Consolas" panose="020B0609020204030204" pitchFamily="49" charset="0"/>
+              </a:rPr>
+              <a:t>, </a:t>
+            </a:r>
+            <a:r>
+              <a:rPr lang="en-US" sz="1100" b="0" dirty="0" err="1">
+                <a:solidFill>
+                  <a:srgbClr val="9CDCFE"/>
+                </a:solidFill>
+                <a:effectLst/>
+                <a:latin typeface="Consolas" panose="020B0609020204030204" pitchFamily="49" charset="0"/>
+              </a:rPr>
+              <a:t>all_rules</a:t>
+            </a:r>
+            <a:r>
+              <a:rPr lang="en-US" sz="1100" b="0" dirty="0">
+                <a:solidFill>
+                  <a:srgbClr val="D4D4D4"/>
+                </a:solidFill>
+                <a:effectLst/>
+                <a:latin typeface="Consolas" panose="020B0609020204030204" pitchFamily="49" charset="0"/>
+              </a:rPr>
+              <a:t>, </a:t>
+            </a:r>
+            <a:r>
+              <a:rPr lang="en-US" sz="1100" b="0" dirty="0">
+                <a:solidFill>
+                  <a:srgbClr val="9CDCFE"/>
+                </a:solidFill>
+                <a:effectLst/>
+                <a:latin typeface="Consolas" panose="020B0609020204030204" pitchFamily="49" charset="0"/>
+              </a:rPr>
+              <a:t>debug</a:t>
+            </a:r>
+            <a:r>
+              <a:rPr lang="en-US" sz="1100" b="0" dirty="0">
+                <a:solidFill>
+                  <a:srgbClr val="D4D4D4"/>
+                </a:solidFill>
+                <a:effectLst/>
+                <a:latin typeface="Consolas" panose="020B0609020204030204" pitchFamily="49" charset="0"/>
+              </a:rPr>
+              <a:t>):</a:t>
+            </a:r>
+          </a:p>
+          <a:p>
+            <a:r>
+              <a:rPr lang="en-US" sz="1100" b="0" dirty="0">
+                <a:solidFill>
+                  <a:srgbClr val="D4D4D4"/>
+                </a:solidFill>
+                <a:effectLst/>
+                <a:latin typeface="Consolas" panose="020B0609020204030204" pitchFamily="49" charset="0"/>
+              </a:rPr>
+              <a:t>    actions=[]</a:t>
+            </a:r>
+          </a:p>
+          <a:p>
+            <a:r>
+              <a:rPr lang="en-US" sz="1100" b="0" dirty="0">
+                <a:solidFill>
+                  <a:srgbClr val="D4D4D4"/>
+                </a:solidFill>
+                <a:effectLst/>
+                <a:latin typeface="Consolas" panose="020B0609020204030204" pitchFamily="49" charset="0"/>
+              </a:rPr>
+              <a:t>    </a:t>
+            </a:r>
+            <a:r>
+              <a:rPr lang="en-US" sz="1100" b="0" dirty="0">
+                <a:solidFill>
+                  <a:srgbClr val="C586C0"/>
+                </a:solidFill>
+                <a:effectLst/>
+                <a:latin typeface="Consolas" panose="020B0609020204030204" pitchFamily="49" charset="0"/>
+              </a:rPr>
+              <a:t>for</a:t>
+            </a:r>
+            <a:r>
+              <a:rPr lang="en-US" sz="1100" b="0" dirty="0">
+                <a:solidFill>
+                  <a:srgbClr val="D4D4D4"/>
+                </a:solidFill>
+                <a:effectLst/>
+                <a:latin typeface="Consolas" panose="020B0609020204030204" pitchFamily="49" charset="0"/>
+              </a:rPr>
+              <a:t> packet </a:t>
+            </a:r>
+            <a:r>
+              <a:rPr lang="en-US" sz="1100" b="0" dirty="0">
+                <a:solidFill>
+                  <a:srgbClr val="C586C0"/>
+                </a:solidFill>
+                <a:effectLst/>
+                <a:latin typeface="Consolas" panose="020B0609020204030204" pitchFamily="49" charset="0"/>
+              </a:rPr>
+              <a:t>in</a:t>
+            </a:r>
+            <a:r>
+              <a:rPr lang="en-US" sz="1100" b="0" dirty="0">
+                <a:solidFill>
+                  <a:srgbClr val="D4D4D4"/>
+                </a:solidFill>
+                <a:effectLst/>
+                <a:latin typeface="Consolas" panose="020B0609020204030204" pitchFamily="49" charset="0"/>
+              </a:rPr>
+              <a:t> packets:</a:t>
+            </a:r>
+          </a:p>
+          <a:p>
+            <a:r>
+              <a:rPr lang="en-US" sz="1100" b="0" dirty="0">
+                <a:solidFill>
+                  <a:srgbClr val="D4D4D4"/>
+                </a:solidFill>
+                <a:effectLst/>
+                <a:latin typeface="Consolas" panose="020B0609020204030204" pitchFamily="49" charset="0"/>
+              </a:rPr>
+              <a:t>        </a:t>
+            </a:r>
+            <a:r>
+              <a:rPr lang="en-US" sz="1100" b="0" dirty="0" err="1">
+                <a:solidFill>
+                  <a:srgbClr val="D4D4D4"/>
+                </a:solidFill>
+                <a:effectLst/>
+                <a:latin typeface="Consolas" panose="020B0609020204030204" pitchFamily="49" charset="0"/>
+              </a:rPr>
+              <a:t>candidate_actions</a:t>
+            </a:r>
+            <a:r>
+              <a:rPr lang="en-US" sz="1100" b="0" dirty="0">
+                <a:solidFill>
+                  <a:srgbClr val="D4D4D4"/>
+                </a:solidFill>
+                <a:effectLst/>
+                <a:latin typeface="Consolas" panose="020B0609020204030204" pitchFamily="49" charset="0"/>
+              </a:rPr>
+              <a:t> = []</a:t>
+            </a:r>
+          </a:p>
+          <a:p>
+            <a:r>
+              <a:rPr lang="en-US" sz="1100" b="0" dirty="0">
+                <a:solidFill>
+                  <a:srgbClr val="D4D4D4"/>
+                </a:solidFill>
+                <a:effectLst/>
+                <a:latin typeface="Consolas" panose="020B0609020204030204" pitchFamily="49" charset="0"/>
+              </a:rPr>
+              <a:t>        </a:t>
+            </a:r>
+            <a:r>
+              <a:rPr lang="en-US" sz="1100" b="0" dirty="0" err="1">
+                <a:solidFill>
+                  <a:srgbClr val="D4D4D4"/>
+                </a:solidFill>
+                <a:effectLst/>
+                <a:latin typeface="Consolas" panose="020B0609020204030204" pitchFamily="49" charset="0"/>
+              </a:rPr>
+              <a:t>match_src</a:t>
+            </a:r>
+            <a:r>
+              <a:rPr lang="en-US" sz="1100" b="0" dirty="0">
+                <a:solidFill>
+                  <a:srgbClr val="D4D4D4"/>
+                </a:solidFill>
+                <a:effectLst/>
+                <a:latin typeface="Consolas" panose="020B0609020204030204" pitchFamily="49" charset="0"/>
+              </a:rPr>
+              <a:t>(root, </a:t>
+            </a:r>
+            <a:r>
+              <a:rPr lang="en-US" sz="1100" b="0" dirty="0" err="1">
+                <a:solidFill>
+                  <a:srgbClr val="D4D4D4"/>
+                </a:solidFill>
+                <a:effectLst/>
+                <a:latin typeface="Consolas" panose="020B0609020204030204" pitchFamily="49" charset="0"/>
+              </a:rPr>
+              <a:t>packet.src_binary</a:t>
+            </a:r>
+            <a:r>
+              <a:rPr lang="en-US" sz="1100" b="0" dirty="0">
+                <a:solidFill>
+                  <a:srgbClr val="D4D4D4"/>
+                </a:solidFill>
+                <a:effectLst/>
+                <a:latin typeface="Consolas" panose="020B0609020204030204" pitchFamily="49" charset="0"/>
+              </a:rPr>
+              <a:t>, </a:t>
+            </a:r>
+            <a:r>
+              <a:rPr lang="en-US" sz="1100" b="0" dirty="0">
+                <a:solidFill>
+                  <a:srgbClr val="B5CEA8"/>
+                </a:solidFill>
+                <a:effectLst/>
+                <a:latin typeface="Consolas" panose="020B0609020204030204" pitchFamily="49" charset="0"/>
+              </a:rPr>
+              <a:t>0</a:t>
+            </a:r>
+            <a:r>
+              <a:rPr lang="en-US" sz="1100" b="0" dirty="0">
+                <a:solidFill>
+                  <a:srgbClr val="D4D4D4"/>
+                </a:solidFill>
+                <a:effectLst/>
+                <a:latin typeface="Consolas" panose="020B0609020204030204" pitchFamily="49" charset="0"/>
+              </a:rPr>
+              <a:t>, </a:t>
+            </a:r>
+            <a:r>
+              <a:rPr lang="en-US" sz="1100" b="0" dirty="0" err="1">
+                <a:solidFill>
+                  <a:srgbClr val="D4D4D4"/>
+                </a:solidFill>
+                <a:effectLst/>
+                <a:latin typeface="Consolas" panose="020B0609020204030204" pitchFamily="49" charset="0"/>
+              </a:rPr>
+              <a:t>packet.dst_binary</a:t>
+            </a:r>
+            <a:r>
+              <a:rPr lang="en-US" sz="1100" b="0" dirty="0">
+                <a:solidFill>
+                  <a:srgbClr val="D4D4D4"/>
+                </a:solidFill>
+                <a:effectLst/>
+                <a:latin typeface="Consolas" panose="020B0609020204030204" pitchFamily="49" charset="0"/>
+              </a:rPr>
+              <a:t>, </a:t>
+            </a:r>
+            <a:r>
+              <a:rPr lang="en-US" sz="1100" b="0" dirty="0">
+                <a:solidFill>
+                  <a:srgbClr val="B5CEA8"/>
+                </a:solidFill>
+                <a:effectLst/>
+                <a:latin typeface="Consolas" panose="020B0609020204030204" pitchFamily="49" charset="0"/>
+              </a:rPr>
+              <a:t>0</a:t>
+            </a:r>
+            <a:r>
+              <a:rPr lang="en-US" sz="1100" b="0" dirty="0">
+                <a:solidFill>
+                  <a:srgbClr val="D4D4D4"/>
+                </a:solidFill>
+                <a:effectLst/>
+                <a:latin typeface="Consolas" panose="020B0609020204030204" pitchFamily="49" charset="0"/>
+              </a:rPr>
+              <a:t>, </a:t>
+            </a:r>
+            <a:r>
+              <a:rPr lang="en-US" sz="1100" b="0" dirty="0" err="1">
+                <a:solidFill>
+                  <a:srgbClr val="D4D4D4"/>
+                </a:solidFill>
+                <a:effectLst/>
+                <a:latin typeface="Consolas" panose="020B0609020204030204" pitchFamily="49" charset="0"/>
+              </a:rPr>
+              <a:t>candidate_actions</a:t>
+            </a:r>
+            <a:r>
+              <a:rPr lang="en-US" sz="1100" b="0" dirty="0">
+                <a:solidFill>
+                  <a:srgbClr val="D4D4D4"/>
+                </a:solidFill>
+                <a:effectLst/>
+                <a:latin typeface="Consolas" panose="020B0609020204030204" pitchFamily="49" charset="0"/>
+              </a:rPr>
+              <a:t>)</a:t>
+            </a:r>
+          </a:p>
+          <a:p>
+            <a:r>
+              <a:rPr lang="en-US" sz="1100" b="0" dirty="0">
+                <a:solidFill>
+                  <a:srgbClr val="D4D4D4"/>
+                </a:solidFill>
+                <a:effectLst/>
+                <a:latin typeface="Consolas" panose="020B0609020204030204" pitchFamily="49" charset="0"/>
+              </a:rPr>
+              <a:t>        </a:t>
+            </a:r>
+            <a:r>
+              <a:rPr lang="en-US" sz="1100" b="0" dirty="0" err="1">
+                <a:solidFill>
+                  <a:srgbClr val="D4D4D4"/>
+                </a:solidFill>
+                <a:effectLst/>
+                <a:latin typeface="Consolas" panose="020B0609020204030204" pitchFamily="49" charset="0"/>
+              </a:rPr>
+              <a:t>final_actions</a:t>
+            </a:r>
+            <a:r>
+              <a:rPr lang="en-US" sz="1100" b="0" dirty="0">
+                <a:solidFill>
+                  <a:srgbClr val="D4D4D4"/>
+                </a:solidFill>
+                <a:effectLst/>
+                <a:latin typeface="Consolas" panose="020B0609020204030204" pitchFamily="49" charset="0"/>
+              </a:rPr>
+              <a:t> = []</a:t>
+            </a:r>
+          </a:p>
+          <a:p>
+            <a:r>
+              <a:rPr lang="en-US" sz="1100" b="0" dirty="0">
+                <a:solidFill>
+                  <a:srgbClr val="D4D4D4"/>
+                </a:solidFill>
+                <a:effectLst/>
+                <a:latin typeface="Consolas" panose="020B0609020204030204" pitchFamily="49" charset="0"/>
+              </a:rPr>
+              <a:t>        </a:t>
+            </a:r>
+          </a:p>
+          <a:p>
+            <a:r>
+              <a:rPr lang="en-US" sz="1100" b="0" dirty="0">
+                <a:solidFill>
+                  <a:srgbClr val="D4D4D4"/>
+                </a:solidFill>
+                <a:effectLst/>
+                <a:latin typeface="Consolas" panose="020B0609020204030204" pitchFamily="49" charset="0"/>
+              </a:rPr>
+              <a:t>        </a:t>
+            </a:r>
+            <a:r>
+              <a:rPr lang="en-US" sz="1100" b="0" dirty="0">
+                <a:solidFill>
+                  <a:srgbClr val="C586C0"/>
+                </a:solidFill>
+                <a:effectLst/>
+                <a:latin typeface="Consolas" panose="020B0609020204030204" pitchFamily="49" charset="0"/>
+              </a:rPr>
+              <a:t>for</a:t>
+            </a:r>
+            <a:r>
+              <a:rPr lang="en-US" sz="1100" b="0" dirty="0">
+                <a:solidFill>
+                  <a:srgbClr val="D4D4D4"/>
+                </a:solidFill>
+                <a:effectLst/>
+                <a:latin typeface="Consolas" panose="020B0609020204030204" pitchFamily="49" charset="0"/>
+              </a:rPr>
+              <a:t> </a:t>
+            </a:r>
+            <a:r>
+              <a:rPr lang="en-US" sz="1100" b="0" dirty="0" err="1">
+                <a:solidFill>
+                  <a:srgbClr val="D4D4D4"/>
+                </a:solidFill>
+                <a:effectLst/>
+                <a:latin typeface="Consolas" panose="020B0609020204030204" pitchFamily="49" charset="0"/>
+              </a:rPr>
+              <a:t>i</a:t>
+            </a:r>
+            <a:r>
+              <a:rPr lang="en-US" sz="1100" b="0" dirty="0">
+                <a:solidFill>
+                  <a:srgbClr val="D4D4D4"/>
+                </a:solidFill>
+                <a:effectLst/>
+                <a:latin typeface="Consolas" panose="020B0609020204030204" pitchFamily="49" charset="0"/>
+              </a:rPr>
+              <a:t> </a:t>
+            </a:r>
+            <a:r>
+              <a:rPr lang="en-US" sz="1100" b="0" dirty="0">
+                <a:solidFill>
+                  <a:srgbClr val="C586C0"/>
+                </a:solidFill>
+                <a:effectLst/>
+                <a:latin typeface="Consolas" panose="020B0609020204030204" pitchFamily="49" charset="0"/>
+              </a:rPr>
+              <a:t>in</a:t>
+            </a:r>
+            <a:r>
+              <a:rPr lang="en-US" sz="1100" b="0" dirty="0">
+                <a:solidFill>
+                  <a:srgbClr val="D4D4D4"/>
+                </a:solidFill>
+                <a:effectLst/>
+                <a:latin typeface="Consolas" panose="020B0609020204030204" pitchFamily="49" charset="0"/>
+              </a:rPr>
+              <a:t> </a:t>
+            </a:r>
+            <a:r>
+              <a:rPr lang="en-US" sz="1100" b="0" dirty="0" err="1">
+                <a:solidFill>
+                  <a:srgbClr val="D4D4D4"/>
+                </a:solidFill>
+                <a:effectLst/>
+                <a:latin typeface="Consolas" panose="020B0609020204030204" pitchFamily="49" charset="0"/>
+              </a:rPr>
+              <a:t>candidate_actions</a:t>
+            </a:r>
+            <a:r>
+              <a:rPr lang="en-US" sz="1100" b="0" dirty="0">
+                <a:solidFill>
+                  <a:srgbClr val="D4D4D4"/>
+                </a:solidFill>
+                <a:effectLst/>
+                <a:latin typeface="Consolas" panose="020B0609020204030204" pitchFamily="49" charset="0"/>
+              </a:rPr>
+              <a:t>:</a:t>
+            </a:r>
+          </a:p>
+          <a:p>
+            <a:r>
+              <a:rPr lang="en-US" sz="1100" b="0" dirty="0">
+                <a:solidFill>
+                  <a:srgbClr val="D4D4D4"/>
+                </a:solidFill>
+                <a:effectLst/>
+                <a:latin typeface="Consolas" panose="020B0609020204030204" pitchFamily="49" charset="0"/>
+              </a:rPr>
+              <a:t>            </a:t>
+            </a:r>
+            <a:r>
+              <a:rPr lang="en-US" sz="1100" b="0" dirty="0">
+                <a:solidFill>
+                  <a:srgbClr val="C586C0"/>
+                </a:solidFill>
+                <a:effectLst/>
+                <a:latin typeface="Consolas" panose="020B0609020204030204" pitchFamily="49" charset="0"/>
+              </a:rPr>
+              <a:t>if</a:t>
+            </a:r>
+            <a:r>
+              <a:rPr lang="en-US" sz="1100" b="0" dirty="0">
+                <a:solidFill>
+                  <a:srgbClr val="D4D4D4"/>
+                </a:solidFill>
+                <a:effectLst/>
+                <a:latin typeface="Consolas" panose="020B0609020204030204" pitchFamily="49" charset="0"/>
+              </a:rPr>
+              <a:t> </a:t>
+            </a:r>
+            <a:r>
+              <a:rPr lang="en-US" sz="1100" b="0" dirty="0" err="1">
+                <a:solidFill>
+                  <a:srgbClr val="D4D4D4"/>
+                </a:solidFill>
+                <a:effectLst/>
+                <a:latin typeface="Consolas" panose="020B0609020204030204" pitchFamily="49" charset="0"/>
+              </a:rPr>
+              <a:t>all_rules</a:t>
+            </a:r>
+            <a:r>
+              <a:rPr lang="en-US" sz="1100" b="0" dirty="0">
+                <a:solidFill>
+                  <a:srgbClr val="D4D4D4"/>
+                </a:solidFill>
+                <a:effectLst/>
+                <a:latin typeface="Consolas" panose="020B0609020204030204" pitchFamily="49" charset="0"/>
+              </a:rPr>
+              <a:t>[</a:t>
+            </a:r>
+            <a:r>
+              <a:rPr lang="en-US" sz="1100" b="0" dirty="0" err="1">
+                <a:solidFill>
+                  <a:srgbClr val="D4D4D4"/>
+                </a:solidFill>
+                <a:effectLst/>
+                <a:latin typeface="Consolas" panose="020B0609020204030204" pitchFamily="49" charset="0"/>
+              </a:rPr>
+              <a:t>i</a:t>
+            </a:r>
+            <a:r>
+              <a:rPr lang="en-US" sz="1100" b="0" dirty="0">
+                <a:solidFill>
+                  <a:srgbClr val="D4D4D4"/>
+                </a:solidFill>
+                <a:effectLst/>
+                <a:latin typeface="Consolas" panose="020B0609020204030204" pitchFamily="49" charset="0"/>
+              </a:rPr>
+              <a:t>].protocol != </a:t>
+            </a:r>
+            <a:r>
+              <a:rPr lang="en-US" sz="1100" b="0" dirty="0">
+                <a:solidFill>
+                  <a:srgbClr val="CE9178"/>
+                </a:solidFill>
+                <a:effectLst/>
+                <a:latin typeface="Consolas" panose="020B0609020204030204" pitchFamily="49" charset="0"/>
+              </a:rPr>
+              <a:t>'*'</a:t>
+            </a:r>
+            <a:r>
+              <a:rPr lang="en-US" sz="1100" b="0" dirty="0">
+                <a:solidFill>
+                  <a:srgbClr val="D4D4D4"/>
+                </a:solidFill>
+                <a:effectLst/>
+                <a:latin typeface="Consolas" panose="020B0609020204030204" pitchFamily="49" charset="0"/>
+              </a:rPr>
+              <a:t> </a:t>
+            </a:r>
+            <a:r>
+              <a:rPr lang="en-US" sz="1100" b="0" dirty="0">
+                <a:solidFill>
+                  <a:srgbClr val="569CD6"/>
+                </a:solidFill>
+                <a:effectLst/>
+                <a:latin typeface="Consolas" panose="020B0609020204030204" pitchFamily="49" charset="0"/>
+              </a:rPr>
+              <a:t>and</a:t>
+            </a:r>
+            <a:r>
+              <a:rPr lang="en-US" sz="1100" b="0" dirty="0">
+                <a:solidFill>
+                  <a:srgbClr val="D4D4D4"/>
+                </a:solidFill>
+                <a:effectLst/>
+                <a:latin typeface="Consolas" panose="020B0609020204030204" pitchFamily="49" charset="0"/>
+              </a:rPr>
+              <a:t> </a:t>
+            </a:r>
+            <a:r>
+              <a:rPr lang="en-US" sz="1100" b="0" dirty="0" err="1">
+                <a:solidFill>
+                  <a:srgbClr val="D4D4D4"/>
+                </a:solidFill>
+                <a:effectLst/>
+                <a:latin typeface="Consolas" panose="020B0609020204030204" pitchFamily="49" charset="0"/>
+              </a:rPr>
+              <a:t>all_rules</a:t>
+            </a:r>
+            <a:r>
+              <a:rPr lang="en-US" sz="1100" b="0" dirty="0">
+                <a:solidFill>
+                  <a:srgbClr val="D4D4D4"/>
+                </a:solidFill>
+                <a:effectLst/>
+                <a:latin typeface="Consolas" panose="020B0609020204030204" pitchFamily="49" charset="0"/>
+              </a:rPr>
+              <a:t>[</a:t>
+            </a:r>
+            <a:r>
+              <a:rPr lang="en-US" sz="1100" b="0" dirty="0" err="1">
+                <a:solidFill>
+                  <a:srgbClr val="D4D4D4"/>
+                </a:solidFill>
+                <a:effectLst/>
+                <a:latin typeface="Consolas" panose="020B0609020204030204" pitchFamily="49" charset="0"/>
+              </a:rPr>
+              <a:t>i</a:t>
+            </a:r>
+            <a:r>
+              <a:rPr lang="en-US" sz="1100" b="0" dirty="0">
+                <a:solidFill>
+                  <a:srgbClr val="D4D4D4"/>
+                </a:solidFill>
+                <a:effectLst/>
+                <a:latin typeface="Consolas" panose="020B0609020204030204" pitchFamily="49" charset="0"/>
+              </a:rPr>
+              <a:t>].protocol != </a:t>
+            </a:r>
+            <a:r>
+              <a:rPr lang="en-US" sz="1100" b="0" dirty="0" err="1">
+                <a:solidFill>
+                  <a:srgbClr val="D4D4D4"/>
+                </a:solidFill>
+                <a:effectLst/>
+                <a:latin typeface="Consolas" panose="020B0609020204030204" pitchFamily="49" charset="0"/>
+              </a:rPr>
+              <a:t>packet.protocol</a:t>
+            </a:r>
+            <a:r>
+              <a:rPr lang="en-US" sz="1100" b="0" dirty="0">
+                <a:solidFill>
+                  <a:srgbClr val="D4D4D4"/>
+                </a:solidFill>
+                <a:effectLst/>
+                <a:latin typeface="Consolas" panose="020B0609020204030204" pitchFamily="49" charset="0"/>
+              </a:rPr>
+              <a:t>:</a:t>
+            </a:r>
+          </a:p>
+          <a:p>
+            <a:r>
+              <a:rPr lang="en-US" sz="1100" b="0" dirty="0">
+                <a:solidFill>
+                  <a:srgbClr val="D4D4D4"/>
+                </a:solidFill>
+                <a:effectLst/>
+                <a:latin typeface="Consolas" panose="020B0609020204030204" pitchFamily="49" charset="0"/>
+              </a:rPr>
+              <a:t>                </a:t>
+            </a:r>
+            <a:r>
+              <a:rPr lang="en-US" sz="1100" b="0" dirty="0">
+                <a:solidFill>
+                  <a:srgbClr val="C586C0"/>
+                </a:solidFill>
+                <a:effectLst/>
+                <a:latin typeface="Consolas" panose="020B0609020204030204" pitchFamily="49" charset="0"/>
+              </a:rPr>
+              <a:t>continue</a:t>
+            </a:r>
+            <a:endParaRPr lang="en-US" sz="1100" b="0" dirty="0">
+              <a:solidFill>
+                <a:srgbClr val="D4D4D4"/>
+              </a:solidFill>
+              <a:effectLst/>
+              <a:latin typeface="Consolas" panose="020B0609020204030204" pitchFamily="49" charset="0"/>
+            </a:endParaRPr>
+          </a:p>
+          <a:p>
+            <a:r>
+              <a:rPr lang="en-US" sz="1100" b="0" dirty="0">
+                <a:solidFill>
+                  <a:srgbClr val="D4D4D4"/>
+                </a:solidFill>
+                <a:effectLst/>
+                <a:latin typeface="Consolas" panose="020B0609020204030204" pitchFamily="49" charset="0"/>
+              </a:rPr>
+              <a:t>            </a:t>
+            </a:r>
+            <a:r>
+              <a:rPr lang="en-US" sz="1100" b="0" dirty="0">
+                <a:solidFill>
+                  <a:srgbClr val="C586C0"/>
+                </a:solidFill>
+                <a:effectLst/>
+                <a:latin typeface="Consolas" panose="020B0609020204030204" pitchFamily="49" charset="0"/>
+              </a:rPr>
+              <a:t>if</a:t>
+            </a:r>
+            <a:r>
+              <a:rPr lang="en-US" sz="1100" b="0" dirty="0">
+                <a:solidFill>
+                  <a:srgbClr val="D4D4D4"/>
+                </a:solidFill>
+                <a:effectLst/>
+                <a:latin typeface="Consolas" panose="020B0609020204030204" pitchFamily="49" charset="0"/>
+              </a:rPr>
+              <a:t> </a:t>
+            </a:r>
+            <a:r>
+              <a:rPr lang="en-US" sz="1100" b="0" dirty="0">
+                <a:solidFill>
+                  <a:srgbClr val="569CD6"/>
+                </a:solidFill>
+                <a:effectLst/>
+                <a:latin typeface="Consolas" panose="020B0609020204030204" pitchFamily="49" charset="0"/>
+              </a:rPr>
+              <a:t>not</a:t>
+            </a:r>
+            <a:r>
+              <a:rPr lang="en-US" sz="1100" b="0" dirty="0">
+                <a:solidFill>
+                  <a:srgbClr val="D4D4D4"/>
+                </a:solidFill>
+                <a:effectLst/>
+                <a:latin typeface="Consolas" panose="020B0609020204030204" pitchFamily="49" charset="0"/>
+              </a:rPr>
+              <a:t> </a:t>
+            </a:r>
+            <a:r>
+              <a:rPr lang="en-US" sz="1100" b="0" dirty="0" err="1">
+                <a:solidFill>
+                  <a:srgbClr val="D4D4D4"/>
+                </a:solidFill>
+                <a:effectLst/>
+                <a:latin typeface="Consolas" panose="020B0609020204030204" pitchFamily="49" charset="0"/>
+              </a:rPr>
+              <a:t>nu.is_in_port_range</a:t>
+            </a:r>
+            <a:r>
+              <a:rPr lang="en-US" sz="1100" b="0" dirty="0">
+                <a:solidFill>
+                  <a:srgbClr val="D4D4D4"/>
+                </a:solidFill>
+                <a:effectLst/>
+                <a:latin typeface="Consolas" panose="020B0609020204030204" pitchFamily="49" charset="0"/>
+              </a:rPr>
+              <a:t>(</a:t>
+            </a:r>
+            <a:r>
+              <a:rPr lang="en-US" sz="1100" b="0" dirty="0" err="1">
+                <a:solidFill>
+                  <a:srgbClr val="D4D4D4"/>
+                </a:solidFill>
+                <a:effectLst/>
+                <a:latin typeface="Consolas" panose="020B0609020204030204" pitchFamily="49" charset="0"/>
+              </a:rPr>
+              <a:t>all_rules</a:t>
+            </a:r>
+            <a:r>
+              <a:rPr lang="en-US" sz="1100" b="0" dirty="0">
+                <a:solidFill>
+                  <a:srgbClr val="D4D4D4"/>
+                </a:solidFill>
+                <a:effectLst/>
+                <a:latin typeface="Consolas" panose="020B0609020204030204" pitchFamily="49" charset="0"/>
+              </a:rPr>
+              <a:t>[</a:t>
+            </a:r>
+            <a:r>
+              <a:rPr lang="en-US" sz="1100" b="0" dirty="0" err="1">
+                <a:solidFill>
+                  <a:srgbClr val="D4D4D4"/>
+                </a:solidFill>
+                <a:effectLst/>
+                <a:latin typeface="Consolas" panose="020B0609020204030204" pitchFamily="49" charset="0"/>
+              </a:rPr>
+              <a:t>i</a:t>
+            </a:r>
+            <a:r>
+              <a:rPr lang="en-US" sz="1100" b="0" dirty="0">
+                <a:solidFill>
+                  <a:srgbClr val="D4D4D4"/>
+                </a:solidFill>
+                <a:effectLst/>
+                <a:latin typeface="Consolas" panose="020B0609020204030204" pitchFamily="49" charset="0"/>
+              </a:rPr>
+              <a:t>].</a:t>
+            </a:r>
+            <a:r>
+              <a:rPr lang="en-US" sz="1100" b="0" dirty="0" err="1">
+                <a:solidFill>
+                  <a:srgbClr val="D4D4D4"/>
+                </a:solidFill>
+                <a:effectLst/>
+                <a:latin typeface="Consolas" panose="020B0609020204030204" pitchFamily="49" charset="0"/>
+              </a:rPr>
+              <a:t>src_port</a:t>
+            </a:r>
+            <a:r>
+              <a:rPr lang="en-US" sz="1100" b="0" dirty="0">
+                <a:solidFill>
+                  <a:srgbClr val="D4D4D4"/>
+                </a:solidFill>
+                <a:effectLst/>
+                <a:latin typeface="Consolas" panose="020B0609020204030204" pitchFamily="49" charset="0"/>
+              </a:rPr>
+              <a:t>, </a:t>
+            </a:r>
+            <a:r>
+              <a:rPr lang="en-US" sz="1100" b="0" dirty="0" err="1">
+                <a:solidFill>
+                  <a:srgbClr val="D4D4D4"/>
+                </a:solidFill>
+                <a:effectLst/>
+                <a:latin typeface="Consolas" panose="020B0609020204030204" pitchFamily="49" charset="0"/>
+              </a:rPr>
+              <a:t>packet.src_port</a:t>
+            </a:r>
+            <a:r>
+              <a:rPr lang="en-US" sz="1100" b="0" dirty="0">
+                <a:solidFill>
+                  <a:srgbClr val="D4D4D4"/>
+                </a:solidFill>
+                <a:effectLst/>
+                <a:latin typeface="Consolas" panose="020B0609020204030204" pitchFamily="49" charset="0"/>
+              </a:rPr>
+              <a:t>):</a:t>
+            </a:r>
+          </a:p>
+          <a:p>
+            <a:r>
+              <a:rPr lang="en-US" sz="1100" b="0" dirty="0">
+                <a:solidFill>
+                  <a:srgbClr val="D4D4D4"/>
+                </a:solidFill>
+                <a:effectLst/>
+                <a:latin typeface="Consolas" panose="020B0609020204030204" pitchFamily="49" charset="0"/>
+              </a:rPr>
+              <a:t>                </a:t>
+            </a:r>
+            <a:r>
+              <a:rPr lang="en-US" sz="1100" b="0" dirty="0">
+                <a:solidFill>
+                  <a:srgbClr val="C586C0"/>
+                </a:solidFill>
+                <a:effectLst/>
+                <a:latin typeface="Consolas" panose="020B0609020204030204" pitchFamily="49" charset="0"/>
+              </a:rPr>
+              <a:t>continue</a:t>
+            </a:r>
+            <a:endParaRPr lang="en-US" sz="1100" b="0" dirty="0">
+              <a:solidFill>
+                <a:srgbClr val="D4D4D4"/>
+              </a:solidFill>
+              <a:effectLst/>
+              <a:latin typeface="Consolas" panose="020B0609020204030204" pitchFamily="49" charset="0"/>
+            </a:endParaRPr>
+          </a:p>
+          <a:p>
+            <a:r>
+              <a:rPr lang="en-US" sz="1100" b="0" dirty="0">
+                <a:solidFill>
+                  <a:srgbClr val="D4D4D4"/>
+                </a:solidFill>
+                <a:effectLst/>
+                <a:latin typeface="Consolas" panose="020B0609020204030204" pitchFamily="49" charset="0"/>
+              </a:rPr>
+              <a:t>            </a:t>
+            </a:r>
+            <a:r>
+              <a:rPr lang="en-US" sz="1100" b="0" dirty="0">
+                <a:solidFill>
+                  <a:srgbClr val="C586C0"/>
+                </a:solidFill>
+                <a:effectLst/>
+                <a:latin typeface="Consolas" panose="020B0609020204030204" pitchFamily="49" charset="0"/>
+              </a:rPr>
+              <a:t>if</a:t>
+            </a:r>
+            <a:r>
+              <a:rPr lang="en-US" sz="1100" b="0" dirty="0">
+                <a:solidFill>
+                  <a:srgbClr val="D4D4D4"/>
+                </a:solidFill>
+                <a:effectLst/>
+                <a:latin typeface="Consolas" panose="020B0609020204030204" pitchFamily="49" charset="0"/>
+              </a:rPr>
+              <a:t> </a:t>
+            </a:r>
+            <a:r>
+              <a:rPr lang="en-US" sz="1100" b="0" dirty="0">
+                <a:solidFill>
+                  <a:srgbClr val="569CD6"/>
+                </a:solidFill>
+                <a:effectLst/>
+                <a:latin typeface="Consolas" panose="020B0609020204030204" pitchFamily="49" charset="0"/>
+              </a:rPr>
+              <a:t>not</a:t>
+            </a:r>
+            <a:r>
+              <a:rPr lang="en-US" sz="1100" b="0" dirty="0">
+                <a:solidFill>
+                  <a:srgbClr val="D4D4D4"/>
+                </a:solidFill>
+                <a:effectLst/>
+                <a:latin typeface="Consolas" panose="020B0609020204030204" pitchFamily="49" charset="0"/>
+              </a:rPr>
+              <a:t> </a:t>
+            </a:r>
+            <a:r>
+              <a:rPr lang="en-US" sz="1100" b="0" dirty="0" err="1">
+                <a:solidFill>
+                  <a:srgbClr val="D4D4D4"/>
+                </a:solidFill>
+                <a:effectLst/>
+                <a:latin typeface="Consolas" panose="020B0609020204030204" pitchFamily="49" charset="0"/>
+              </a:rPr>
+              <a:t>nu.is_in_port_range</a:t>
+            </a:r>
+            <a:r>
+              <a:rPr lang="en-US" sz="1100" b="0" dirty="0">
+                <a:solidFill>
+                  <a:srgbClr val="D4D4D4"/>
+                </a:solidFill>
+                <a:effectLst/>
+                <a:latin typeface="Consolas" panose="020B0609020204030204" pitchFamily="49" charset="0"/>
+              </a:rPr>
+              <a:t>(</a:t>
+            </a:r>
+            <a:r>
+              <a:rPr lang="en-US" sz="1100" b="0" dirty="0" err="1">
+                <a:solidFill>
+                  <a:srgbClr val="D4D4D4"/>
+                </a:solidFill>
+                <a:effectLst/>
+                <a:latin typeface="Consolas" panose="020B0609020204030204" pitchFamily="49" charset="0"/>
+              </a:rPr>
+              <a:t>all_rules</a:t>
+            </a:r>
+            <a:r>
+              <a:rPr lang="en-US" sz="1100" b="0" dirty="0">
+                <a:solidFill>
+                  <a:srgbClr val="D4D4D4"/>
+                </a:solidFill>
+                <a:effectLst/>
+                <a:latin typeface="Consolas" panose="020B0609020204030204" pitchFamily="49" charset="0"/>
+              </a:rPr>
+              <a:t>[</a:t>
+            </a:r>
+            <a:r>
+              <a:rPr lang="en-US" sz="1100" b="0" dirty="0" err="1">
+                <a:solidFill>
+                  <a:srgbClr val="D4D4D4"/>
+                </a:solidFill>
+                <a:effectLst/>
+                <a:latin typeface="Consolas" panose="020B0609020204030204" pitchFamily="49" charset="0"/>
+              </a:rPr>
+              <a:t>i</a:t>
+            </a:r>
+            <a:r>
+              <a:rPr lang="en-US" sz="1100" b="0" dirty="0">
+                <a:solidFill>
+                  <a:srgbClr val="D4D4D4"/>
+                </a:solidFill>
+                <a:effectLst/>
+                <a:latin typeface="Consolas" panose="020B0609020204030204" pitchFamily="49" charset="0"/>
+              </a:rPr>
+              <a:t>].</a:t>
+            </a:r>
+            <a:r>
+              <a:rPr lang="en-US" sz="1100" b="0" dirty="0" err="1">
+                <a:solidFill>
+                  <a:srgbClr val="D4D4D4"/>
+                </a:solidFill>
+                <a:effectLst/>
+                <a:latin typeface="Consolas" panose="020B0609020204030204" pitchFamily="49" charset="0"/>
+              </a:rPr>
+              <a:t>dst_port</a:t>
+            </a:r>
+            <a:r>
+              <a:rPr lang="en-US" sz="1100" b="0" dirty="0">
+                <a:solidFill>
+                  <a:srgbClr val="D4D4D4"/>
+                </a:solidFill>
+                <a:effectLst/>
+                <a:latin typeface="Consolas" panose="020B0609020204030204" pitchFamily="49" charset="0"/>
+              </a:rPr>
+              <a:t>, </a:t>
+            </a:r>
+            <a:r>
+              <a:rPr lang="en-US" sz="1100" b="0" dirty="0" err="1">
+                <a:solidFill>
+                  <a:srgbClr val="D4D4D4"/>
+                </a:solidFill>
+                <a:effectLst/>
+                <a:latin typeface="Consolas" panose="020B0609020204030204" pitchFamily="49" charset="0"/>
+              </a:rPr>
+              <a:t>packet.dst_port</a:t>
+            </a:r>
+            <a:r>
+              <a:rPr lang="en-US" sz="1100" b="0" dirty="0">
+                <a:solidFill>
+                  <a:srgbClr val="D4D4D4"/>
+                </a:solidFill>
+                <a:effectLst/>
+                <a:latin typeface="Consolas" panose="020B0609020204030204" pitchFamily="49" charset="0"/>
+              </a:rPr>
+              <a:t>):</a:t>
+            </a:r>
+          </a:p>
+          <a:p>
+            <a:r>
+              <a:rPr lang="en-US" sz="1100" b="0" dirty="0">
+                <a:solidFill>
+                  <a:srgbClr val="D4D4D4"/>
+                </a:solidFill>
+                <a:effectLst/>
+                <a:latin typeface="Consolas" panose="020B0609020204030204" pitchFamily="49" charset="0"/>
+              </a:rPr>
+              <a:t>                </a:t>
+            </a:r>
+            <a:r>
+              <a:rPr lang="en-US" sz="1100" b="0" dirty="0">
+                <a:solidFill>
+                  <a:srgbClr val="C586C0"/>
+                </a:solidFill>
+                <a:effectLst/>
+                <a:latin typeface="Consolas" panose="020B0609020204030204" pitchFamily="49" charset="0"/>
+              </a:rPr>
+              <a:t>continue</a:t>
+            </a:r>
+            <a:endParaRPr lang="en-US" sz="1100" b="0" dirty="0">
+              <a:solidFill>
+                <a:srgbClr val="D4D4D4"/>
+              </a:solidFill>
+              <a:effectLst/>
+              <a:latin typeface="Consolas" panose="020B0609020204030204" pitchFamily="49" charset="0"/>
+            </a:endParaRPr>
+          </a:p>
+          <a:p>
+            <a:r>
+              <a:rPr lang="en-US" sz="1100" b="0" dirty="0">
+                <a:solidFill>
+                  <a:srgbClr val="D4D4D4"/>
+                </a:solidFill>
+                <a:effectLst/>
+                <a:latin typeface="Consolas" panose="020B0609020204030204" pitchFamily="49" charset="0"/>
+              </a:rPr>
+              <a:t>            </a:t>
+            </a:r>
+            <a:r>
+              <a:rPr lang="en-US" sz="1100" b="0" dirty="0" err="1">
+                <a:solidFill>
+                  <a:srgbClr val="D4D4D4"/>
+                </a:solidFill>
+                <a:effectLst/>
+                <a:latin typeface="Consolas" panose="020B0609020204030204" pitchFamily="49" charset="0"/>
+              </a:rPr>
+              <a:t>final_actions.append</a:t>
+            </a:r>
+            <a:r>
+              <a:rPr lang="en-US" sz="1100" b="0" dirty="0">
+                <a:solidFill>
+                  <a:srgbClr val="D4D4D4"/>
+                </a:solidFill>
+                <a:effectLst/>
+                <a:latin typeface="Consolas" panose="020B0609020204030204" pitchFamily="49" charset="0"/>
+              </a:rPr>
+              <a:t>(</a:t>
+            </a:r>
+            <a:r>
+              <a:rPr lang="en-US" sz="1100" b="0" dirty="0" err="1">
+                <a:solidFill>
+                  <a:srgbClr val="D4D4D4"/>
+                </a:solidFill>
+                <a:effectLst/>
+                <a:latin typeface="Consolas" panose="020B0609020204030204" pitchFamily="49" charset="0"/>
+              </a:rPr>
+              <a:t>i</a:t>
+            </a:r>
+            <a:r>
+              <a:rPr lang="en-US" sz="1100" b="0" dirty="0">
+                <a:solidFill>
+                  <a:srgbClr val="D4D4D4"/>
+                </a:solidFill>
+                <a:effectLst/>
+                <a:latin typeface="Consolas" panose="020B0609020204030204" pitchFamily="49" charset="0"/>
+              </a:rPr>
+              <a:t>)</a:t>
+            </a:r>
+          </a:p>
+          <a:p>
+            <a:r>
+              <a:rPr lang="en-US" sz="1100" b="0" dirty="0">
+                <a:solidFill>
+                  <a:srgbClr val="D4D4D4"/>
+                </a:solidFill>
+                <a:effectLst/>
+                <a:latin typeface="Consolas" panose="020B0609020204030204" pitchFamily="49" charset="0"/>
+              </a:rPr>
+              <a:t>            </a:t>
+            </a:r>
+            <a:r>
+              <a:rPr lang="en-US" sz="1100" b="0" dirty="0" err="1">
+                <a:solidFill>
+                  <a:srgbClr val="D4D4D4"/>
+                </a:solidFill>
+                <a:effectLst/>
+                <a:latin typeface="Consolas" panose="020B0609020204030204" pitchFamily="49" charset="0"/>
+              </a:rPr>
+              <a:t>actions.append</a:t>
+            </a:r>
+            <a:r>
+              <a:rPr lang="en-US" sz="1100" b="0" dirty="0">
+                <a:solidFill>
+                  <a:srgbClr val="D4D4D4"/>
+                </a:solidFill>
+                <a:effectLst/>
+                <a:latin typeface="Consolas" panose="020B0609020204030204" pitchFamily="49" charset="0"/>
+              </a:rPr>
+              <a:t>(</a:t>
+            </a:r>
+            <a:r>
+              <a:rPr lang="en-US" sz="1100" b="0" dirty="0" err="1">
+                <a:solidFill>
+                  <a:srgbClr val="D4D4D4"/>
+                </a:solidFill>
+                <a:effectLst/>
+                <a:latin typeface="Consolas" panose="020B0609020204030204" pitchFamily="49" charset="0"/>
+              </a:rPr>
+              <a:t>all_rules</a:t>
+            </a:r>
+            <a:r>
+              <a:rPr lang="en-US" sz="1100" b="0" dirty="0">
+                <a:solidFill>
+                  <a:srgbClr val="D4D4D4"/>
+                </a:solidFill>
+                <a:effectLst/>
+                <a:latin typeface="Consolas" panose="020B0609020204030204" pitchFamily="49" charset="0"/>
+              </a:rPr>
+              <a:t>[</a:t>
+            </a:r>
+            <a:r>
+              <a:rPr lang="en-US" sz="1100" b="0" dirty="0">
+                <a:solidFill>
+                  <a:srgbClr val="DCDCAA"/>
+                </a:solidFill>
+                <a:effectLst/>
+                <a:latin typeface="Consolas" panose="020B0609020204030204" pitchFamily="49" charset="0"/>
+              </a:rPr>
+              <a:t>sorted</a:t>
+            </a:r>
+            <a:r>
+              <a:rPr lang="en-US" sz="1100" b="0" dirty="0">
+                <a:solidFill>
+                  <a:srgbClr val="D4D4D4"/>
+                </a:solidFill>
+                <a:effectLst/>
+                <a:latin typeface="Consolas" panose="020B0609020204030204" pitchFamily="49" charset="0"/>
+              </a:rPr>
+              <a:t>(</a:t>
+            </a:r>
+            <a:r>
+              <a:rPr lang="en-US" sz="1100" b="0" dirty="0" err="1">
+                <a:solidFill>
+                  <a:srgbClr val="D4D4D4"/>
+                </a:solidFill>
+                <a:effectLst/>
+                <a:latin typeface="Consolas" panose="020B0609020204030204" pitchFamily="49" charset="0"/>
+              </a:rPr>
+              <a:t>final_actions</a:t>
+            </a:r>
+            <a:r>
+              <a:rPr lang="en-US" sz="1100" b="0" dirty="0">
+                <a:solidFill>
+                  <a:srgbClr val="D4D4D4"/>
+                </a:solidFill>
+                <a:effectLst/>
+                <a:latin typeface="Consolas" panose="020B0609020204030204" pitchFamily="49" charset="0"/>
+              </a:rPr>
+              <a:t>)[</a:t>
+            </a:r>
+            <a:r>
+              <a:rPr lang="en-US" sz="1100" b="0" dirty="0">
+                <a:solidFill>
+                  <a:srgbClr val="B5CEA8"/>
+                </a:solidFill>
+                <a:effectLst/>
+                <a:latin typeface="Consolas" panose="020B0609020204030204" pitchFamily="49" charset="0"/>
+              </a:rPr>
+              <a:t>0</a:t>
+            </a:r>
+            <a:r>
+              <a:rPr lang="en-US" sz="1100" b="0" dirty="0">
+                <a:solidFill>
+                  <a:srgbClr val="D4D4D4"/>
+                </a:solidFill>
+                <a:effectLst/>
+                <a:latin typeface="Consolas" panose="020B0609020204030204" pitchFamily="49" charset="0"/>
+              </a:rPr>
+              <a:t>]].action)</a:t>
+            </a:r>
+          </a:p>
+          <a:p>
+            <a:r>
+              <a:rPr lang="en-US" sz="1100" b="0" dirty="0">
+                <a:solidFill>
+                  <a:srgbClr val="D4D4D4"/>
+                </a:solidFill>
+                <a:effectLst/>
+                <a:latin typeface="Consolas" panose="020B0609020204030204" pitchFamily="49" charset="0"/>
+              </a:rPr>
+              <a:t>    </a:t>
+            </a:r>
+            <a:r>
+              <a:rPr lang="en-US" sz="1100" b="0" dirty="0">
+                <a:solidFill>
+                  <a:srgbClr val="C586C0"/>
+                </a:solidFill>
+                <a:effectLst/>
+                <a:latin typeface="Consolas" panose="020B0609020204030204" pitchFamily="49" charset="0"/>
+              </a:rPr>
+              <a:t>return</a:t>
+            </a:r>
+            <a:r>
+              <a:rPr lang="en-US" sz="1100" b="0" dirty="0">
+                <a:solidFill>
+                  <a:srgbClr val="D4D4D4"/>
+                </a:solidFill>
+                <a:effectLst/>
+                <a:latin typeface="Consolas" panose="020B0609020204030204" pitchFamily="49" charset="0"/>
+              </a:rPr>
+              <a:t> actions</a:t>
+            </a:r>
+          </a:p>
+        </p:txBody>
+      </p:sp>
+      <p:pic>
+        <p:nvPicPr>
+          <p:cNvPr id="5" name="Picture 4" descr="A screenshot of a video game&#10;&#10;Description automatically generated">
+            <a:extLst>
+              <a:ext uri="{FF2B5EF4-FFF2-40B4-BE49-F238E27FC236}">
+                <a16:creationId xmlns:a16="http://schemas.microsoft.com/office/drawing/2014/main" id="{6F2A8A9D-6417-48F3-9E98-07CF4869F756}"/>
+              </a:ext>
+            </a:extLst>
+          </p:cNvPr>
+          <p:cNvPicPr>
+            <a:picLocks noChangeAspect="1"/>
+          </p:cNvPicPr>
+          <p:nvPr/>
+        </p:nvPicPr>
+        <p:blipFill>
+          <a:blip r:embed="rId2">
+            <a:extLst>
+              <a:ext uri="{28A0092B-C50C-407E-A947-70E740481C1C}">
+                <a14:useLocalDpi xmlns:a14="http://schemas.microsoft.com/office/drawing/2010/main" val="0"/>
+              </a:ext>
+            </a:extLst>
+          </a:blip>
+          <a:stretch>
+            <a:fillRect/>
+          </a:stretch>
+        </p:blipFill>
+        <p:spPr>
+          <a:xfrm>
+            <a:off x="6096000" y="3504500"/>
+            <a:ext cx="5683400" cy="3175233"/>
+          </a:xfrm>
+          <a:prstGeom prst="rect">
+            <a:avLst/>
+          </a:prstGeom>
+        </p:spPr>
+      </p:pic>
+    </p:spTree>
+    <p:extLst>
+      <p:ext uri="{BB962C8B-B14F-4D97-AF65-F5344CB8AC3E}">
+        <p14:creationId xmlns:p14="http://schemas.microsoft.com/office/powerpoint/2010/main" val="2179362756"/>
+      </p:ext>
+    </p:extLst>
+  </p:cSld>
+  <p:clrMapOvr>
+    <a:masterClrMapping/>
+  </p:clrMapOvr>
+</p:sld>
+</file>
+
+<file path=ppt/slides/slide18.xml><?xml version="1.0" encoding="utf-8"?>
 <p:sld xmlns:a="http://schemas.openxmlformats.org/drawingml/2006/main" xmlns:r="http://schemas.openxmlformats.org/officeDocument/2006/relationships" xmlns:p="http://schemas.openxmlformats.org/presentationml/2006/main">
   <p:cSld>
     <p:spTree>
@@ -13874,7 +16114,10 @@
           <a:bodyPr/>
           <a:lstStyle/>
           <a:p>
-            <a:endParaRPr lang="en-US" dirty="0"/>
+            <a:r>
+              <a:rPr lang="en-US" dirty="0"/>
+              <a:t>Test Results</a:t>
+            </a:r>
           </a:p>
         </p:txBody>
       </p:sp>
@@ -14069,7 +16312,7 @@
 </p:sld>
 </file>
 
-<file path=ppt/slides/slide16.xml><?xml version="1.0" encoding="utf-8"?>
+<file path=ppt/slides/slide19.xml><?xml version="1.0" encoding="utf-8"?>
 <p:sld xmlns:a="http://schemas.openxmlformats.org/drawingml/2006/main" xmlns:r="http://schemas.openxmlformats.org/officeDocument/2006/relationships" xmlns:p="http://schemas.openxmlformats.org/presentationml/2006/main">
   <p:cSld>
     <p:spTree>
@@ -14116,36 +16359,6 @@
           </a:p>
         </p:txBody>
       </p:sp>
-      <p:graphicFrame>
-        <p:nvGraphicFramePr>
-          <p:cNvPr id="6" name="Chart 5">
-            <a:extLst>
-              <a:ext uri="{FF2B5EF4-FFF2-40B4-BE49-F238E27FC236}">
-                <a16:creationId xmlns:a16="http://schemas.microsoft.com/office/drawing/2014/main" id="{6962B784-A1E4-4442-AE54-366BCEBB30AE}"/>
-              </a:ext>
-            </a:extLst>
-          </p:cNvPr>
-          <p:cNvGraphicFramePr>
-            <a:graphicFrameLocks/>
-          </p:cNvGraphicFramePr>
-          <p:nvPr>
-            <p:extLst>
-              <p:ext uri="{D42A27DB-BD31-4B8C-83A1-F6EECF244321}">
-                <p14:modId xmlns:p14="http://schemas.microsoft.com/office/powerpoint/2010/main" val="2646801903"/>
-              </p:ext>
-            </p:extLst>
-          </p:nvPr>
-        </p:nvGraphicFramePr>
-        <p:xfrm>
-          <a:off x="509752" y="1311165"/>
-          <a:ext cx="4572000" cy="2743200"/>
-        </p:xfrm>
-        <a:graphic>
-          <a:graphicData uri="http://schemas.openxmlformats.org/drawingml/2006/chart">
-            <c:chart xmlns:c="http://schemas.openxmlformats.org/drawingml/2006/chart" xmlns:r="http://schemas.openxmlformats.org/officeDocument/2006/relationships" r:id="rId3"/>
-          </a:graphicData>
-        </a:graphic>
-      </p:graphicFrame>
       <p:sp>
         <p:nvSpPr>
           <p:cNvPr id="5" name="TextBox 4">
@@ -14160,8 +16373,8 @@
         </p:nvSpPr>
         <p:spPr>
           <a:xfrm>
-            <a:off x="4987070" y="1311164"/>
-            <a:ext cx="6600496" cy="5268311"/>
+            <a:off x="604434" y="1224966"/>
+            <a:ext cx="10983132" cy="5268311"/>
           </a:xfrm>
           <a:prstGeom prst="rect">
             <a:avLst/>
@@ -14633,36 +16846,6 @@
           </a:p>
         </p:txBody>
       </p:sp>
-      <p:graphicFrame>
-        <p:nvGraphicFramePr>
-          <p:cNvPr id="9" name="Chart 8">
-            <a:extLst>
-              <a:ext uri="{FF2B5EF4-FFF2-40B4-BE49-F238E27FC236}">
-                <a16:creationId xmlns:a16="http://schemas.microsoft.com/office/drawing/2014/main" id="{F92247AD-67C2-404D-BB8D-FEA750DC1960}"/>
-              </a:ext>
-            </a:extLst>
-          </p:cNvPr>
-          <p:cNvGraphicFramePr>
-            <a:graphicFrameLocks/>
-          </p:cNvGraphicFramePr>
-          <p:nvPr>
-            <p:extLst>
-              <p:ext uri="{D42A27DB-BD31-4B8C-83A1-F6EECF244321}">
-                <p14:modId xmlns:p14="http://schemas.microsoft.com/office/powerpoint/2010/main" val="3888556801"/>
-              </p:ext>
-            </p:extLst>
-          </p:nvPr>
-        </p:nvGraphicFramePr>
-        <p:xfrm>
-          <a:off x="436179" y="3936124"/>
-          <a:ext cx="4572000" cy="2743200"/>
-        </p:xfrm>
-        <a:graphic>
-          <a:graphicData uri="http://schemas.openxmlformats.org/drawingml/2006/chart">
-            <c:chart xmlns:c="http://schemas.openxmlformats.org/drawingml/2006/chart" xmlns:r="http://schemas.openxmlformats.org/officeDocument/2006/relationships" r:id="rId4"/>
-          </a:graphicData>
-        </a:graphic>
-      </p:graphicFrame>
     </p:spTree>
     <p:extLst>
       <p:ext uri="{BB962C8B-B14F-4D97-AF65-F5344CB8AC3E}">
@@ -14673,127 +16856,6 @@
   <p:clrMapOvr>
     <a:masterClrMapping/>
   </p:clrMapOvr>
-</p:sld>
-</file>
-
-<file path=ppt/slides/slide17.xml><?xml version="1.0" encoding="utf-8"?>
-<p:sld xmlns:a="http://schemas.openxmlformats.org/drawingml/2006/main" xmlns:r="http://schemas.openxmlformats.org/officeDocument/2006/relationships" xmlns:p="http://schemas.openxmlformats.org/presentationml/2006/main">
-  <p:cSld>
-    <p:spTree>
-      <p:nvGrpSpPr>
-        <p:cNvPr id="1" name=""/>
-        <p:cNvGrpSpPr/>
-        <p:nvPr/>
-      </p:nvGrpSpPr>
-      <p:grpSpPr>
-        <a:xfrm>
-          <a:off x="0" y="0"/>
-          <a:ext cx="0" cy="0"/>
-          <a:chOff x="0" y="0"/>
-          <a:chExt cx="0" cy="0"/>
-        </a:xfrm>
-      </p:grpSpPr>
-      <p:sp>
-        <p:nvSpPr>
-          <p:cNvPr id="10" name="Title 9"/>
-          <p:cNvSpPr>
-            <a:spLocks noGrp="1"/>
-          </p:cNvSpPr>
-          <p:nvPr>
-            <p:ph type="title"/>
-          </p:nvPr>
-        </p:nvSpPr>
-        <p:spPr/>
-        <p:txBody>
-          <a:bodyPr>
-            <a:normAutofit/>
-          </a:bodyPr>
-          <a:lstStyle/>
-          <a:p>
-            <a:r>
-              <a:rPr lang="en-US" dirty="0">
-                <a:latin typeface="Segoe UI Light" panose="020B0502040204020203" pitchFamily="34" charset="0"/>
-                <a:cs typeface="Segoe UI Light" panose="020B0502040204020203" pitchFamily="34" charset="0"/>
-              </a:rPr>
-              <a:t>End</a:t>
-            </a:r>
-          </a:p>
-        </p:txBody>
-      </p:sp>
-      <p:sp>
-        <p:nvSpPr>
-          <p:cNvPr id="2" name="TextBox 1">
-            <a:extLst>
-              <a:ext uri="{FF2B5EF4-FFF2-40B4-BE49-F238E27FC236}">
-                <a16:creationId xmlns:a16="http://schemas.microsoft.com/office/drawing/2014/main" id="{296BDEEF-CA06-4C56-B0F8-3102D4E953E4}"/>
-              </a:ext>
-            </a:extLst>
-          </p:cNvPr>
-          <p:cNvSpPr txBox="1"/>
-          <p:nvPr/>
-        </p:nvSpPr>
-        <p:spPr>
-          <a:xfrm>
-            <a:off x="542229" y="3019096"/>
-            <a:ext cx="3573517" cy="819807"/>
-          </a:xfrm>
-          <a:prstGeom prst="rect">
-            <a:avLst/>
-          </a:prstGeom>
-        </p:spPr>
-        <p:txBody>
-          <a:bodyPr vert="horz" wrap="none" lIns="91440" tIns="45720" rIns="91440" bIns="45720" rtlCol="0">
-            <a:noAutofit/>
-          </a:bodyPr>
-          <a:lstStyle/>
-          <a:p>
-            <a:pPr marL="0" indent="0" algn="l">
-              <a:lnSpc>
-                <a:spcPts val="1800"/>
-              </a:lnSpc>
-              <a:spcAft>
-                <a:spcPts val="600"/>
-              </a:spcAft>
-              <a:buNone/>
-            </a:pPr>
-            <a:r>
-              <a:rPr lang="en-US" sz="3200" b="1" dirty="0">
-                <a:solidFill>
-                  <a:prstClr val="black">
-                    <a:lumMod val="75000"/>
-                    <a:lumOff val="25000"/>
-                  </a:prstClr>
-                </a:solidFill>
-                <a:latin typeface="Segoe UI" panose="020B0502040204020203" pitchFamily="34" charset="0"/>
-                <a:cs typeface="Segoe UI" panose="020B0502040204020203" pitchFamily="34" charset="0"/>
-              </a:rPr>
-              <a:t>Questions?</a:t>
-            </a:r>
-          </a:p>
-        </p:txBody>
-      </p:sp>
-    </p:spTree>
-    <p:extLst>
-      <p:ext uri="{BB962C8B-B14F-4D97-AF65-F5344CB8AC3E}">
-        <p14:creationId xmlns:p14="http://schemas.microsoft.com/office/powerpoint/2010/main" val="893025881"/>
-      </p:ext>
-    </p:extLst>
-  </p:cSld>
-  <p:clrMapOvr>
-    <a:masterClrMapping/>
-  </p:clrMapOvr>
-  <mc:AlternateContent xmlns:mc="http://schemas.openxmlformats.org/markup-compatibility/2006" xmlns:p15="http://schemas.microsoft.com/office/powerpoint/2012/main">
-    <mc:Choice Requires="p15">
-      <p:transition xmlns:p14="http://schemas.microsoft.com/office/powerpoint/2010/main" spd="slow" p14:dur="2000">
-        <p15:prstTrans prst="drape"/>
-      </p:transition>
-    </mc:Choice>
-    <mc:Fallback xmlns="">
-      <p:transition xmlns:p14="http://schemas.microsoft.com/office/powerpoint/2010/main" spd="slow">
-        <p:fade/>
-      </p:transition>
-    </mc:Fallback>
-  </mc:AlternateContent>
 </p:sld>
 </file>
 
@@ -15678,6 +17740,127 @@
 </p:sld>
 </file>
 
+<file path=ppt/slides/slide20.xml><?xml version="1.0" encoding="utf-8"?>
+<p:sld xmlns:a="http://schemas.openxmlformats.org/drawingml/2006/main" xmlns:r="http://schemas.openxmlformats.org/officeDocument/2006/relationships" xmlns:p="http://schemas.openxmlformats.org/presentationml/2006/main">
+  <p:cSld>
+    <p:spTree>
+      <p:nvGrpSpPr>
+        <p:cNvPr id="1" name=""/>
+        <p:cNvGrpSpPr/>
+        <p:nvPr/>
+      </p:nvGrpSpPr>
+      <p:grpSpPr>
+        <a:xfrm>
+          <a:off x="0" y="0"/>
+          <a:ext cx="0" cy="0"/>
+          <a:chOff x="0" y="0"/>
+          <a:chExt cx="0" cy="0"/>
+        </a:xfrm>
+      </p:grpSpPr>
+      <p:sp>
+        <p:nvSpPr>
+          <p:cNvPr id="10" name="Title 9"/>
+          <p:cNvSpPr>
+            <a:spLocks noGrp="1"/>
+          </p:cNvSpPr>
+          <p:nvPr>
+            <p:ph type="title"/>
+          </p:nvPr>
+        </p:nvSpPr>
+        <p:spPr/>
+        <p:txBody>
+          <a:bodyPr>
+            <a:normAutofit/>
+          </a:bodyPr>
+          <a:lstStyle/>
+          <a:p>
+            <a:r>
+              <a:rPr lang="en-US" dirty="0">
+                <a:latin typeface="Segoe UI Light" panose="020B0502040204020203" pitchFamily="34" charset="0"/>
+                <a:cs typeface="Segoe UI Light" panose="020B0502040204020203" pitchFamily="34" charset="0"/>
+              </a:rPr>
+              <a:t>End</a:t>
+            </a:r>
+          </a:p>
+        </p:txBody>
+      </p:sp>
+      <p:sp>
+        <p:nvSpPr>
+          <p:cNvPr id="2" name="TextBox 1">
+            <a:extLst>
+              <a:ext uri="{FF2B5EF4-FFF2-40B4-BE49-F238E27FC236}">
+                <a16:creationId xmlns:a16="http://schemas.microsoft.com/office/drawing/2014/main" id="{296BDEEF-CA06-4C56-B0F8-3102D4E953E4}"/>
+              </a:ext>
+            </a:extLst>
+          </p:cNvPr>
+          <p:cNvSpPr txBox="1"/>
+          <p:nvPr/>
+        </p:nvSpPr>
+        <p:spPr>
+          <a:xfrm>
+            <a:off x="542229" y="3019096"/>
+            <a:ext cx="3573517" cy="819807"/>
+          </a:xfrm>
+          <a:prstGeom prst="rect">
+            <a:avLst/>
+          </a:prstGeom>
+        </p:spPr>
+        <p:txBody>
+          <a:bodyPr vert="horz" wrap="none" lIns="91440" tIns="45720" rIns="91440" bIns="45720" rtlCol="0">
+            <a:noAutofit/>
+          </a:bodyPr>
+          <a:lstStyle/>
+          <a:p>
+            <a:pPr marL="0" indent="0" algn="l">
+              <a:lnSpc>
+                <a:spcPts val="1800"/>
+              </a:lnSpc>
+              <a:spcAft>
+                <a:spcPts val="600"/>
+              </a:spcAft>
+              <a:buNone/>
+            </a:pPr>
+            <a:r>
+              <a:rPr lang="en-US" sz="3200" b="1" dirty="0">
+                <a:solidFill>
+                  <a:prstClr val="black">
+                    <a:lumMod val="75000"/>
+                    <a:lumOff val="25000"/>
+                  </a:prstClr>
+                </a:solidFill>
+                <a:latin typeface="Segoe UI" panose="020B0502040204020203" pitchFamily="34" charset="0"/>
+                <a:cs typeface="Segoe UI" panose="020B0502040204020203" pitchFamily="34" charset="0"/>
+              </a:rPr>
+              <a:t>Questions?</a:t>
+            </a:r>
+          </a:p>
+        </p:txBody>
+      </p:sp>
+    </p:spTree>
+    <p:extLst>
+      <p:ext uri="{BB962C8B-B14F-4D97-AF65-F5344CB8AC3E}">
+        <p14:creationId xmlns:p14="http://schemas.microsoft.com/office/powerpoint/2010/main" val="893025881"/>
+      </p:ext>
+    </p:extLst>
+  </p:cSld>
+  <p:clrMapOvr>
+    <a:masterClrMapping/>
+  </p:clrMapOvr>
+  <mc:AlternateContent xmlns:mc="http://schemas.openxmlformats.org/markup-compatibility/2006" xmlns:p15="http://schemas.microsoft.com/office/powerpoint/2012/main">
+    <mc:Choice Requires="p15">
+      <p:transition xmlns:p14="http://schemas.microsoft.com/office/powerpoint/2010/main" spd="slow" p14:dur="2000">
+        <p15:prstTrans prst="drape"/>
+      </p:transition>
+    </mc:Choice>
+    <mc:Fallback xmlns="">
+      <p:transition xmlns:p14="http://schemas.microsoft.com/office/powerpoint/2010/main" spd="slow">
+        <p:fade/>
+      </p:transition>
+    </mc:Fallback>
+  </mc:AlternateContent>
+</p:sld>
+</file>
+
 <file path=ppt/slides/slide3.xml><?xml version="1.0" encoding="utf-8"?>
 <p:sld xmlns:a="http://schemas.openxmlformats.org/drawingml/2006/main" xmlns:r="http://schemas.openxmlformats.org/officeDocument/2006/relationships" xmlns:p="http://schemas.openxmlformats.org/presentationml/2006/main">
   <p:cSld>
@@ -16970,7 +19153,7 @@
           <a:lstStyle/>
           <a:p>
             <a:r>
-              <a:rPr lang="en-US" b="1" kern="1200" dirty="0">
+              <a:rPr lang="en-US" b="1" kern="1200" dirty="0" err="1">
                 <a:solidFill>
                   <a:schemeClr val="bg1"/>
                 </a:solidFill>
@@ -16978,10 +19161,10 @@
                 <a:ea typeface="+mj-ea"/>
                 <a:cs typeface="+mj-cs"/>
               </a:rPr>
-              <a:t>Flow – Construct Rule Object and </a:t>
-            </a:r>
-            <a:r>
-              <a:rPr lang="en-US" b="1" kern="1200" dirty="0" err="1">
+              <a:t>FlowDiagram</a:t>
+            </a:r>
+            <a:r>
+              <a:rPr lang="en-US" b="1" kern="1200" dirty="0">
                 <a:solidFill>
                   <a:schemeClr val="bg1"/>
                 </a:solidFill>
@@ -16989,18 +19172,7 @@
                 <a:ea typeface="+mj-ea"/>
                 <a:cs typeface="+mj-cs"/>
               </a:rPr>
-              <a:t>all_rule</a:t>
-            </a:r>
-            <a:r>
-              <a:rPr lang="en-US" b="1" kern="1200" dirty="0">
-                <a:solidFill>
-                  <a:schemeClr val="bg1"/>
-                </a:solidFill>
-                <a:latin typeface="+mj-lt"/>
-                <a:ea typeface="+mj-ea"/>
-                <a:cs typeface="+mj-cs"/>
-              </a:rPr>
-              <a:t> List</a:t>
+              <a:t> – Rule</a:t>
             </a:r>
           </a:p>
         </p:txBody>
@@ -17940,7 +20112,7 @@
           <a:lstStyle/>
           <a:p>
             <a:r>
-              <a:rPr lang="en-US" b="1" kern="1200" dirty="0">
+              <a:rPr lang="en-US" b="1" kern="1200" dirty="0" err="1">
                 <a:solidFill>
                   <a:schemeClr val="bg1"/>
                 </a:solidFill>
@@ -17948,7 +20120,18 @@
                 <a:ea typeface="+mj-ea"/>
                 <a:cs typeface="+mj-cs"/>
               </a:rPr>
-              <a:t>Flow </a:t>
+              <a:t>FlowDiagram</a:t>
+            </a:r>
+            <a:r>
+              <a:rPr lang="en-US" b="1" kern="1200" dirty="0">
+                <a:solidFill>
+                  <a:schemeClr val="bg1"/>
+                </a:solidFill>
+                <a:latin typeface="+mj-lt"/>
+                <a:ea typeface="+mj-ea"/>
+                <a:cs typeface="+mj-cs"/>
+              </a:rPr>
+              <a:t> – Rule</a:t>
             </a:r>
           </a:p>
         </p:txBody>
@@ -19054,10 +21237,10 @@
       </p:sp>
       <p:pic>
         <p:nvPicPr>
-          <p:cNvPr id="9" name="Picture 8" descr="A picture containing clock&#10;&#10;Description automatically generated">
+          <p:cNvPr id="5" name="Picture 4" descr="A picture containing clock&#10;&#10;Description automatically generated">
             <a:extLst>
               <a:ext uri="{FF2B5EF4-FFF2-40B4-BE49-F238E27FC236}">
-                <a16:creationId xmlns:a16="http://schemas.microsoft.com/office/drawing/2014/main" id="{2CDEBE33-D7BA-4AAC-A681-6B951B7155E5}"/>
+                <a16:creationId xmlns:a16="http://schemas.microsoft.com/office/drawing/2014/main" id="{18524FAC-7C56-490C-8825-21A37E15379B}"/>
               </a:ext>
             </a:extLst>
           </p:cNvPr>
@@ -19080,8 +21263,8 @@
         </p:blipFill>
         <p:spPr>
           <a:xfrm>
-            <a:off x="7266039" y="1266825"/>
-            <a:ext cx="4321527" cy="2199007"/>
+            <a:off x="7266038" y="1266825"/>
+            <a:ext cx="4321528" cy="2199007"/>
           </a:xfrm>
           <a:prstGeom prst="rect">
             <a:avLst/>

--- a/presentation/Packet classification.pptx
+++ b/presentation/Packet classification.pptx
@@ -15,12 +15,12 @@
     <p:sldId id="258" r:id="rId6"/>
     <p:sldId id="260" r:id="rId7"/>
     <p:sldId id="284" r:id="rId8"/>
-    <p:sldId id="290" r:id="rId9"/>
-    <p:sldId id="293" r:id="rId10"/>
-    <p:sldId id="294" r:id="rId11"/>
-    <p:sldId id="295" r:id="rId12"/>
-    <p:sldId id="296" r:id="rId13"/>
-    <p:sldId id="303" r:id="rId14"/>
+    <p:sldId id="303" r:id="rId9"/>
+    <p:sldId id="290" r:id="rId10"/>
+    <p:sldId id="293" r:id="rId11"/>
+    <p:sldId id="294" r:id="rId12"/>
+    <p:sldId id="295" r:id="rId13"/>
+    <p:sldId id="296" r:id="rId14"/>
     <p:sldId id="297" r:id="rId15"/>
     <p:sldId id="299" r:id="rId16"/>
     <p:sldId id="300" r:id="rId17"/>
@@ -2640,7 +2640,7 @@
           <a:p>
             <a:fld id="{E4C3FCC2-4E7A-4671-AA79-177CB194E449}" type="datetimeFigureOut">
               <a:rPr lang="en-US" smtClean="0"/>
-              <a:t>2020-09-18</a:t>
+              <a:t>2020-09-23</a:t>
             </a:fld>
             <a:endParaRPr lang="en-US"/>
           </a:p>
@@ -5056,7 +5056,7 @@
           <a:p>
             <a:fld id="{4744E560-77BF-4D1A-B6E7-CD55CE12B1B8}" type="datetimeFigureOut">
               <a:rPr lang="en-US" smtClean="0"/>
-              <a:t>2020-09-18</a:t>
+              <a:t>2020-09-23</a:t>
             </a:fld>
             <a:endParaRPr lang="en-US"/>
           </a:p>
@@ -6035,6 +6035,1481 @@
         </p:nvSpPr>
         <p:spPr>
           <a:xfrm>
+            <a:off x="604433" y="1266825"/>
+            <a:ext cx="6463117" cy="1954381"/>
+          </a:xfrm>
+          <a:prstGeom prst="rect">
+            <a:avLst/>
+          </a:prstGeom>
+        </p:spPr>
+        <p:txBody>
+          <a:bodyPr vert="horz" lIns="91440" tIns="45720" rIns="91440" bIns="45720" rtlCol="0">
+            <a:normAutofit/>
+          </a:bodyPr>
+          <a:lstStyle/>
+          <a:p>
+            <a:pPr algn="justLow">
+              <a:lnSpc>
+                <a:spcPct val="150000"/>
+              </a:lnSpc>
+            </a:pPr>
+            <a:r>
+              <a:rPr lang="en-US" sz="1200" dirty="0">
+                <a:solidFill>
+                  <a:schemeClr val="bg1"/>
+                </a:solidFill>
+              </a:rPr>
+              <a:t>First, we read the rule list using </a:t>
+            </a:r>
+            <a:r>
+              <a:rPr lang="en-US" sz="1200" dirty="0" err="1">
+                <a:solidFill>
+                  <a:schemeClr val="accent4"/>
+                </a:solidFill>
+              </a:rPr>
+              <a:t>read_rules</a:t>
+            </a:r>
+            <a:r>
+              <a:rPr lang="en-US" sz="1200" dirty="0">
+                <a:solidFill>
+                  <a:schemeClr val="accent4"/>
+                </a:solidFill>
+              </a:rPr>
+              <a:t>() </a:t>
+            </a:r>
+            <a:r>
+              <a:rPr lang="en-US" sz="1200" dirty="0">
+                <a:solidFill>
+                  <a:schemeClr val="bg1"/>
+                </a:solidFill>
+              </a:rPr>
+              <a:t>function. Inside this function we go over each line of our text file (</a:t>
+            </a:r>
+            <a:r>
+              <a:rPr lang="en-US" sz="1200" dirty="0">
+                <a:solidFill>
+                  <a:schemeClr val="accent2">
+                    <a:lumMod val="75000"/>
+                  </a:schemeClr>
+                </a:solidFill>
+              </a:rPr>
+              <a:t>rule_list.txt</a:t>
+            </a:r>
+            <a:r>
+              <a:rPr lang="en-US" sz="1200" dirty="0">
+                <a:solidFill>
+                  <a:schemeClr val="bg1"/>
+                </a:solidFill>
+              </a:rPr>
+              <a:t>)</a:t>
+            </a:r>
+            <a:r>
+              <a:rPr lang="en-US" sz="1200" dirty="0">
+                <a:solidFill>
+                  <a:schemeClr val="accent2">
+                    <a:lumMod val="75000"/>
+                  </a:schemeClr>
+                </a:solidFill>
+              </a:rPr>
+              <a:t> </a:t>
+            </a:r>
+            <a:r>
+              <a:rPr lang="en-US" sz="1200" dirty="0">
+                <a:solidFill>
+                  <a:schemeClr val="bg1"/>
+                </a:solidFill>
+              </a:rPr>
+              <a:t>and create an object </a:t>
+            </a:r>
+            <a:r>
+              <a:rPr lang="en-US" sz="1200" dirty="0">
+                <a:solidFill>
+                  <a:srgbClr val="92D050"/>
+                </a:solidFill>
+              </a:rPr>
+              <a:t>Rule</a:t>
+            </a:r>
+            <a:r>
+              <a:rPr lang="en-US" sz="1200" dirty="0">
+                <a:solidFill>
+                  <a:schemeClr val="bg1"/>
+                </a:solidFill>
+              </a:rPr>
+              <a:t>. In Rule object we have all the information that we need in separate attributes. The binary format of the prefixes will be calculated using </a:t>
+            </a:r>
+            <a:r>
+              <a:rPr lang="en-US" sz="1200" dirty="0" err="1">
+                <a:solidFill>
+                  <a:schemeClr val="accent4"/>
+                </a:solidFill>
+              </a:rPr>
+              <a:t>extract_info</a:t>
+            </a:r>
+            <a:r>
+              <a:rPr lang="en-US" sz="1200" dirty="0">
+                <a:solidFill>
+                  <a:schemeClr val="accent4"/>
+                </a:solidFill>
+              </a:rPr>
+              <a:t>()</a:t>
+            </a:r>
+            <a:r>
+              <a:rPr lang="en-US" sz="1200" dirty="0">
+                <a:solidFill>
+                  <a:schemeClr val="bg1"/>
+                </a:solidFill>
+              </a:rPr>
+              <a:t> function. If the NetID in the rule list has a * (star) value, the </a:t>
+            </a:r>
+            <a:r>
+              <a:rPr lang="en-US" sz="1200" dirty="0" err="1">
+                <a:solidFill>
+                  <a:schemeClr val="bg1">
+                    <a:lumMod val="50000"/>
+                  </a:schemeClr>
+                </a:solidFill>
+              </a:rPr>
+              <a:t>src_sub_binary</a:t>
+            </a:r>
+            <a:r>
+              <a:rPr lang="en-US" sz="1200" dirty="0">
+                <a:solidFill>
+                  <a:schemeClr val="bg1">
+                    <a:lumMod val="50000"/>
+                  </a:schemeClr>
+                </a:solidFill>
+              </a:rPr>
+              <a:t> </a:t>
+            </a:r>
+            <a:r>
+              <a:rPr lang="en-US" sz="1200" dirty="0">
+                <a:solidFill>
+                  <a:schemeClr val="bg1"/>
+                </a:solidFill>
+              </a:rPr>
+              <a:t>or </a:t>
+            </a:r>
+            <a:r>
+              <a:rPr lang="en-US" sz="1200" dirty="0" err="1">
+                <a:solidFill>
+                  <a:schemeClr val="bg1">
+                    <a:lumMod val="50000"/>
+                  </a:schemeClr>
+                </a:solidFill>
+              </a:rPr>
+              <a:t>dst_sub_binary</a:t>
+            </a:r>
+            <a:r>
+              <a:rPr lang="en-US" sz="1200" dirty="0">
+                <a:solidFill>
+                  <a:schemeClr val="bg1">
+                    <a:lumMod val="50000"/>
+                  </a:schemeClr>
+                </a:solidFill>
+              </a:rPr>
+              <a:t> </a:t>
+            </a:r>
+            <a:r>
+              <a:rPr lang="en-US" sz="1200" dirty="0">
+                <a:solidFill>
+                  <a:schemeClr val="bg1"/>
+                </a:solidFill>
+              </a:rPr>
+              <a:t>attribute will remain as </a:t>
+            </a:r>
+            <a:r>
+              <a:rPr lang="en-US" sz="1200" dirty="0">
+                <a:solidFill>
+                  <a:srgbClr val="0070C0"/>
+                </a:solidFill>
+              </a:rPr>
+              <a:t>None</a:t>
+            </a:r>
+            <a:r>
+              <a:rPr lang="en-US" sz="1200" dirty="0">
+                <a:solidFill>
+                  <a:schemeClr val="bg1"/>
+                </a:solidFill>
+              </a:rPr>
+              <a:t>. All the object rules will be added to a list called </a:t>
+            </a:r>
+            <a:r>
+              <a:rPr lang="en-US" sz="1200" dirty="0" err="1">
+                <a:solidFill>
+                  <a:srgbClr val="FFFF00"/>
+                </a:solidFill>
+              </a:rPr>
+              <a:t>all_rules</a:t>
+            </a:r>
+            <a:r>
+              <a:rPr lang="en-US" sz="1200" dirty="0">
+                <a:solidFill>
+                  <a:schemeClr val="bg1"/>
+                </a:solidFill>
+              </a:rPr>
+              <a:t>.</a:t>
+            </a:r>
+          </a:p>
+          <a:p>
+            <a:pPr algn="justLow">
+              <a:lnSpc>
+                <a:spcPct val="150000"/>
+              </a:lnSpc>
+            </a:pPr>
+            <a:endParaRPr lang="en-US" sz="1200" dirty="0">
+              <a:solidFill>
+                <a:schemeClr val="bg1"/>
+              </a:solidFill>
+            </a:endParaRPr>
+          </a:p>
+        </p:txBody>
+      </p:sp>
+      <p:sp>
+        <p:nvSpPr>
+          <p:cNvPr id="2" name="Title 1">
+            <a:extLst>
+              <a:ext uri="{FF2B5EF4-FFF2-40B4-BE49-F238E27FC236}">
+                <a16:creationId xmlns:a16="http://schemas.microsoft.com/office/drawing/2014/main" id="{B0D7EBDB-8A0F-4DA8-8090-D4619D885EED}"/>
+              </a:ext>
+            </a:extLst>
+          </p:cNvPr>
+          <p:cNvSpPr>
+            <a:spLocks noGrp="1"/>
+          </p:cNvSpPr>
+          <p:nvPr>
+            <p:ph type="title"/>
+          </p:nvPr>
+        </p:nvSpPr>
+        <p:spPr>
+          <a:xfrm>
+            <a:off x="604434" y="448628"/>
+            <a:ext cx="10983132" cy="747763"/>
+          </a:xfrm>
+          <a:noFill/>
+          <a:ln>
+            <a:noFill/>
+          </a:ln>
+        </p:spPr>
+        <p:txBody>
+          <a:bodyPr vert="horz" lIns="91440" tIns="45720" rIns="91440" bIns="45720" rtlCol="0" anchor="ctr" anchorCtr="0">
+            <a:normAutofit/>
+          </a:bodyPr>
+          <a:lstStyle/>
+          <a:p>
+            <a:r>
+              <a:rPr lang="en-US" b="1" kern="1200" dirty="0" err="1">
+                <a:solidFill>
+                  <a:schemeClr val="bg1"/>
+                </a:solidFill>
+                <a:latin typeface="+mj-lt"/>
+                <a:ea typeface="+mj-ea"/>
+                <a:cs typeface="+mj-cs"/>
+              </a:rPr>
+              <a:t>FlowDiagram</a:t>
+            </a:r>
+            <a:r>
+              <a:rPr lang="en-US" b="1" kern="1200" dirty="0">
+                <a:solidFill>
+                  <a:schemeClr val="bg1"/>
+                </a:solidFill>
+                <a:latin typeface="+mj-lt"/>
+                <a:ea typeface="+mj-ea"/>
+                <a:cs typeface="+mj-cs"/>
+              </a:rPr>
+              <a:t> – Rule</a:t>
+            </a:r>
+          </a:p>
+        </p:txBody>
+      </p:sp>
+      <p:sp>
+        <p:nvSpPr>
+          <p:cNvPr id="10" name="Claa Rule __init__">
+            <a:extLst>
+              <a:ext uri="{FF2B5EF4-FFF2-40B4-BE49-F238E27FC236}">
+                <a16:creationId xmlns:a16="http://schemas.microsoft.com/office/drawing/2014/main" id="{3673112C-3AAC-4715-9159-9FE50C548E39}"/>
+              </a:ext>
+            </a:extLst>
+          </p:cNvPr>
+          <p:cNvSpPr txBox="1"/>
+          <p:nvPr/>
+        </p:nvSpPr>
+        <p:spPr>
+          <a:xfrm>
+            <a:off x="604433" y="3291640"/>
+            <a:ext cx="7329488" cy="1954381"/>
+          </a:xfrm>
+          <a:prstGeom prst="rect">
+            <a:avLst/>
+          </a:prstGeom>
+          <a:noFill/>
+        </p:spPr>
+        <p:txBody>
+          <a:bodyPr wrap="square">
+            <a:spAutoFit/>
+          </a:bodyPr>
+          <a:lstStyle/>
+          <a:p>
+            <a:r>
+              <a:rPr lang="en-US" sz="1100" b="0" dirty="0">
+                <a:solidFill>
+                  <a:srgbClr val="569CD6"/>
+                </a:solidFill>
+                <a:effectLst/>
+                <a:latin typeface="Consolas" panose="020B0609020204030204" pitchFamily="49" charset="0"/>
+              </a:rPr>
+              <a:t>def</a:t>
+            </a:r>
+            <a:r>
+              <a:rPr lang="en-US" sz="1100" b="0" dirty="0">
+                <a:solidFill>
+                  <a:srgbClr val="D4D4D4"/>
+                </a:solidFill>
+                <a:effectLst/>
+                <a:latin typeface="Consolas" panose="020B0609020204030204" pitchFamily="49" charset="0"/>
+              </a:rPr>
+              <a:t> </a:t>
+            </a:r>
+            <a:r>
+              <a:rPr lang="en-US" sz="1100" b="0" dirty="0">
+                <a:solidFill>
+                  <a:srgbClr val="DCDCAA"/>
+                </a:solidFill>
+                <a:effectLst/>
+                <a:latin typeface="Consolas" panose="020B0609020204030204" pitchFamily="49" charset="0"/>
+              </a:rPr>
+              <a:t>__</a:t>
+            </a:r>
+            <a:r>
+              <a:rPr lang="en-US" sz="1100" b="0" dirty="0" err="1">
+                <a:solidFill>
+                  <a:srgbClr val="DCDCAA"/>
+                </a:solidFill>
+                <a:effectLst/>
+                <a:latin typeface="Consolas" panose="020B0609020204030204" pitchFamily="49" charset="0"/>
+              </a:rPr>
+              <a:t>init</a:t>
+            </a:r>
+            <a:r>
+              <a:rPr lang="en-US" sz="1100" b="0" dirty="0">
+                <a:solidFill>
+                  <a:srgbClr val="DCDCAA"/>
+                </a:solidFill>
+                <a:effectLst/>
+                <a:latin typeface="Consolas" panose="020B0609020204030204" pitchFamily="49" charset="0"/>
+              </a:rPr>
+              <a:t>__</a:t>
+            </a:r>
+            <a:r>
+              <a:rPr lang="en-US" sz="1100" b="0" dirty="0">
+                <a:solidFill>
+                  <a:srgbClr val="D4D4D4"/>
+                </a:solidFill>
+                <a:effectLst/>
+                <a:latin typeface="Consolas" panose="020B0609020204030204" pitchFamily="49" charset="0"/>
+              </a:rPr>
+              <a:t>(</a:t>
+            </a:r>
+            <a:r>
+              <a:rPr lang="en-US" sz="1100" b="0" dirty="0">
+                <a:solidFill>
+                  <a:srgbClr val="9CDCFE"/>
+                </a:solidFill>
+                <a:effectLst/>
+                <a:latin typeface="Consolas" panose="020B0609020204030204" pitchFamily="49" charset="0"/>
+              </a:rPr>
+              <a:t>self</a:t>
+            </a:r>
+            <a:r>
+              <a:rPr lang="en-US" sz="1100" b="0" dirty="0">
+                <a:solidFill>
+                  <a:srgbClr val="D4D4D4"/>
+                </a:solidFill>
+                <a:effectLst/>
+                <a:latin typeface="Consolas" panose="020B0609020204030204" pitchFamily="49" charset="0"/>
+              </a:rPr>
+              <a:t>, </a:t>
+            </a:r>
+            <a:r>
+              <a:rPr lang="en-US" sz="1100" b="0" dirty="0" err="1">
+                <a:solidFill>
+                  <a:srgbClr val="9CDCFE"/>
+                </a:solidFill>
+                <a:effectLst/>
+                <a:latin typeface="Consolas" panose="020B0609020204030204" pitchFamily="49" charset="0"/>
+              </a:rPr>
+              <a:t>src_sub</a:t>
+            </a:r>
+            <a:r>
+              <a:rPr lang="en-US" sz="1100" b="0" dirty="0">
+                <a:solidFill>
+                  <a:srgbClr val="D4D4D4"/>
+                </a:solidFill>
+                <a:effectLst/>
+                <a:latin typeface="Consolas" panose="020B0609020204030204" pitchFamily="49" charset="0"/>
+              </a:rPr>
+              <a:t>, </a:t>
+            </a:r>
+            <a:r>
+              <a:rPr lang="en-US" sz="1100" b="0" dirty="0" err="1">
+                <a:solidFill>
+                  <a:srgbClr val="9CDCFE"/>
+                </a:solidFill>
+                <a:effectLst/>
+                <a:latin typeface="Consolas" panose="020B0609020204030204" pitchFamily="49" charset="0"/>
+              </a:rPr>
+              <a:t>dst_sub</a:t>
+            </a:r>
+            <a:r>
+              <a:rPr lang="en-US" sz="1100" b="0" dirty="0">
+                <a:solidFill>
+                  <a:srgbClr val="D4D4D4"/>
+                </a:solidFill>
+                <a:effectLst/>
+                <a:latin typeface="Consolas" panose="020B0609020204030204" pitchFamily="49" charset="0"/>
+              </a:rPr>
+              <a:t>, </a:t>
+            </a:r>
+            <a:r>
+              <a:rPr lang="en-US" sz="1100" b="0" dirty="0">
+                <a:solidFill>
+                  <a:srgbClr val="9CDCFE"/>
+                </a:solidFill>
+                <a:effectLst/>
+                <a:latin typeface="Consolas" panose="020B0609020204030204" pitchFamily="49" charset="0"/>
+              </a:rPr>
+              <a:t>protocol</a:t>
+            </a:r>
+            <a:r>
+              <a:rPr lang="en-US" sz="1100" b="0" dirty="0">
+                <a:solidFill>
+                  <a:srgbClr val="D4D4D4"/>
+                </a:solidFill>
+                <a:effectLst/>
+                <a:latin typeface="Consolas" panose="020B0609020204030204" pitchFamily="49" charset="0"/>
+              </a:rPr>
+              <a:t>, </a:t>
+            </a:r>
+            <a:r>
+              <a:rPr lang="en-US" sz="1100" b="0" dirty="0" err="1">
+                <a:solidFill>
+                  <a:srgbClr val="9CDCFE"/>
+                </a:solidFill>
+                <a:effectLst/>
+                <a:latin typeface="Consolas" panose="020B0609020204030204" pitchFamily="49" charset="0"/>
+              </a:rPr>
+              <a:t>src_port</a:t>
+            </a:r>
+            <a:r>
+              <a:rPr lang="en-US" sz="1100" b="0" dirty="0">
+                <a:solidFill>
+                  <a:srgbClr val="D4D4D4"/>
+                </a:solidFill>
+                <a:effectLst/>
+                <a:latin typeface="Consolas" panose="020B0609020204030204" pitchFamily="49" charset="0"/>
+              </a:rPr>
+              <a:t>, </a:t>
+            </a:r>
+            <a:r>
+              <a:rPr lang="en-US" sz="1100" b="0" dirty="0" err="1">
+                <a:solidFill>
+                  <a:srgbClr val="9CDCFE"/>
+                </a:solidFill>
+                <a:effectLst/>
+                <a:latin typeface="Consolas" panose="020B0609020204030204" pitchFamily="49" charset="0"/>
+              </a:rPr>
+              <a:t>dst_port</a:t>
+            </a:r>
+            <a:r>
+              <a:rPr lang="en-US" sz="1100" b="0" dirty="0">
+                <a:solidFill>
+                  <a:srgbClr val="D4D4D4"/>
+                </a:solidFill>
+                <a:effectLst/>
+                <a:latin typeface="Consolas" panose="020B0609020204030204" pitchFamily="49" charset="0"/>
+              </a:rPr>
+              <a:t>, </a:t>
+            </a:r>
+            <a:r>
+              <a:rPr lang="en-US" sz="1100" b="0" dirty="0">
+                <a:solidFill>
+                  <a:srgbClr val="9CDCFE"/>
+                </a:solidFill>
+                <a:effectLst/>
+                <a:latin typeface="Consolas" panose="020B0609020204030204" pitchFamily="49" charset="0"/>
+              </a:rPr>
+              <a:t>action</a:t>
+            </a:r>
+            <a:r>
+              <a:rPr lang="en-US" sz="1100" b="0" dirty="0">
+                <a:solidFill>
+                  <a:srgbClr val="D4D4D4"/>
+                </a:solidFill>
+                <a:effectLst/>
+                <a:latin typeface="Consolas" panose="020B0609020204030204" pitchFamily="49" charset="0"/>
+              </a:rPr>
+              <a:t>):</a:t>
+            </a:r>
+          </a:p>
+          <a:p>
+            <a:r>
+              <a:rPr lang="en-US" sz="1100" b="0" dirty="0">
+                <a:solidFill>
+                  <a:srgbClr val="D4D4D4"/>
+                </a:solidFill>
+                <a:effectLst/>
+                <a:latin typeface="Consolas" panose="020B0609020204030204" pitchFamily="49" charset="0"/>
+              </a:rPr>
+              <a:t>        </a:t>
+            </a:r>
+            <a:r>
+              <a:rPr lang="en-US" sz="1100" b="0" dirty="0" err="1">
+                <a:solidFill>
+                  <a:srgbClr val="569CD6"/>
+                </a:solidFill>
+                <a:effectLst/>
+                <a:latin typeface="Consolas" panose="020B0609020204030204" pitchFamily="49" charset="0"/>
+              </a:rPr>
+              <a:t>self</a:t>
+            </a:r>
+            <a:r>
+              <a:rPr lang="en-US" sz="1100" b="0" dirty="0" err="1">
+                <a:solidFill>
+                  <a:srgbClr val="D4D4D4"/>
+                </a:solidFill>
+                <a:effectLst/>
+                <a:latin typeface="Consolas" panose="020B0609020204030204" pitchFamily="49" charset="0"/>
+              </a:rPr>
+              <a:t>.src_sub</a:t>
+            </a:r>
+            <a:r>
+              <a:rPr lang="en-US" sz="1100" b="0" dirty="0">
+                <a:solidFill>
+                  <a:srgbClr val="D4D4D4"/>
+                </a:solidFill>
+                <a:effectLst/>
+                <a:latin typeface="Consolas" panose="020B0609020204030204" pitchFamily="49" charset="0"/>
+              </a:rPr>
+              <a:t> = </a:t>
+            </a:r>
+            <a:r>
+              <a:rPr lang="en-US" sz="1100" b="0" dirty="0" err="1">
+                <a:solidFill>
+                  <a:srgbClr val="D4D4D4"/>
+                </a:solidFill>
+                <a:effectLst/>
+                <a:latin typeface="Consolas" panose="020B0609020204030204" pitchFamily="49" charset="0"/>
+              </a:rPr>
+              <a:t>src_sub</a:t>
+            </a:r>
+            <a:endParaRPr lang="en-US" sz="1100" b="0" dirty="0">
+              <a:solidFill>
+                <a:srgbClr val="D4D4D4"/>
+              </a:solidFill>
+              <a:effectLst/>
+              <a:latin typeface="Consolas" panose="020B0609020204030204" pitchFamily="49" charset="0"/>
+            </a:endParaRPr>
+          </a:p>
+          <a:p>
+            <a:r>
+              <a:rPr lang="en-US" sz="1100" b="0" dirty="0">
+                <a:solidFill>
+                  <a:srgbClr val="D4D4D4"/>
+                </a:solidFill>
+                <a:effectLst/>
+                <a:latin typeface="Consolas" panose="020B0609020204030204" pitchFamily="49" charset="0"/>
+              </a:rPr>
+              <a:t>        </a:t>
+            </a:r>
+            <a:r>
+              <a:rPr lang="en-US" sz="1100" b="0" dirty="0" err="1">
+                <a:solidFill>
+                  <a:srgbClr val="569CD6"/>
+                </a:solidFill>
+                <a:effectLst/>
+                <a:latin typeface="Consolas" panose="020B0609020204030204" pitchFamily="49" charset="0"/>
+              </a:rPr>
+              <a:t>self</a:t>
+            </a:r>
+            <a:r>
+              <a:rPr lang="en-US" sz="1100" b="0" dirty="0" err="1">
+                <a:solidFill>
+                  <a:srgbClr val="D4D4D4"/>
+                </a:solidFill>
+                <a:effectLst/>
+                <a:latin typeface="Consolas" panose="020B0609020204030204" pitchFamily="49" charset="0"/>
+              </a:rPr>
+              <a:t>.dst_sub</a:t>
+            </a:r>
+            <a:r>
+              <a:rPr lang="en-US" sz="1100" b="0" dirty="0">
+                <a:solidFill>
+                  <a:srgbClr val="D4D4D4"/>
+                </a:solidFill>
+                <a:effectLst/>
+                <a:latin typeface="Consolas" panose="020B0609020204030204" pitchFamily="49" charset="0"/>
+              </a:rPr>
+              <a:t> = </a:t>
+            </a:r>
+            <a:r>
+              <a:rPr lang="en-US" sz="1100" b="0" dirty="0" err="1">
+                <a:solidFill>
+                  <a:srgbClr val="D4D4D4"/>
+                </a:solidFill>
+                <a:effectLst/>
+                <a:latin typeface="Consolas" panose="020B0609020204030204" pitchFamily="49" charset="0"/>
+              </a:rPr>
+              <a:t>dst_sub</a:t>
+            </a:r>
+            <a:endParaRPr lang="en-US" sz="1100" b="0" dirty="0">
+              <a:solidFill>
+                <a:srgbClr val="D4D4D4"/>
+              </a:solidFill>
+              <a:effectLst/>
+              <a:latin typeface="Consolas" panose="020B0609020204030204" pitchFamily="49" charset="0"/>
+            </a:endParaRPr>
+          </a:p>
+          <a:p>
+            <a:r>
+              <a:rPr lang="en-US" sz="1100" b="0" dirty="0">
+                <a:solidFill>
+                  <a:srgbClr val="D4D4D4"/>
+                </a:solidFill>
+                <a:effectLst/>
+                <a:latin typeface="Consolas" panose="020B0609020204030204" pitchFamily="49" charset="0"/>
+              </a:rPr>
+              <a:t>        </a:t>
+            </a:r>
+            <a:r>
+              <a:rPr lang="en-US" sz="1100" b="0" dirty="0" err="1">
+                <a:solidFill>
+                  <a:srgbClr val="569CD6"/>
+                </a:solidFill>
+                <a:effectLst/>
+                <a:latin typeface="Consolas" panose="020B0609020204030204" pitchFamily="49" charset="0"/>
+              </a:rPr>
+              <a:t>self</a:t>
+            </a:r>
+            <a:r>
+              <a:rPr lang="en-US" sz="1100" b="0" dirty="0" err="1">
+                <a:solidFill>
+                  <a:srgbClr val="D4D4D4"/>
+                </a:solidFill>
+                <a:effectLst/>
+                <a:latin typeface="Consolas" panose="020B0609020204030204" pitchFamily="49" charset="0"/>
+              </a:rPr>
+              <a:t>.protocol</a:t>
+            </a:r>
+            <a:r>
+              <a:rPr lang="en-US" sz="1100" b="0" dirty="0">
+                <a:solidFill>
+                  <a:srgbClr val="D4D4D4"/>
+                </a:solidFill>
+                <a:effectLst/>
+                <a:latin typeface="Consolas" panose="020B0609020204030204" pitchFamily="49" charset="0"/>
+              </a:rPr>
+              <a:t> = protocol</a:t>
+            </a:r>
+          </a:p>
+          <a:p>
+            <a:r>
+              <a:rPr lang="en-US" sz="1100" b="0" dirty="0">
+                <a:solidFill>
+                  <a:srgbClr val="D4D4D4"/>
+                </a:solidFill>
+                <a:effectLst/>
+                <a:latin typeface="Consolas" panose="020B0609020204030204" pitchFamily="49" charset="0"/>
+              </a:rPr>
+              <a:t>        </a:t>
+            </a:r>
+            <a:r>
+              <a:rPr lang="en-US" sz="1100" b="0" dirty="0" err="1">
+                <a:solidFill>
+                  <a:srgbClr val="569CD6"/>
+                </a:solidFill>
+                <a:effectLst/>
+                <a:latin typeface="Consolas" panose="020B0609020204030204" pitchFamily="49" charset="0"/>
+              </a:rPr>
+              <a:t>self</a:t>
+            </a:r>
+            <a:r>
+              <a:rPr lang="en-US" sz="1100" b="0" dirty="0" err="1">
+                <a:solidFill>
+                  <a:srgbClr val="D4D4D4"/>
+                </a:solidFill>
+                <a:effectLst/>
+                <a:latin typeface="Consolas" panose="020B0609020204030204" pitchFamily="49" charset="0"/>
+              </a:rPr>
+              <a:t>.src_port</a:t>
+            </a:r>
+            <a:r>
+              <a:rPr lang="en-US" sz="1100" b="0" dirty="0">
+                <a:solidFill>
+                  <a:srgbClr val="D4D4D4"/>
+                </a:solidFill>
+                <a:effectLst/>
+                <a:latin typeface="Consolas" panose="020B0609020204030204" pitchFamily="49" charset="0"/>
+              </a:rPr>
+              <a:t> = </a:t>
+            </a:r>
+            <a:r>
+              <a:rPr lang="en-US" sz="1100" b="0" dirty="0" err="1">
+                <a:solidFill>
+                  <a:srgbClr val="D4D4D4"/>
+                </a:solidFill>
+                <a:effectLst/>
+                <a:latin typeface="Consolas" panose="020B0609020204030204" pitchFamily="49" charset="0"/>
+              </a:rPr>
+              <a:t>src_port</a:t>
+            </a:r>
+            <a:endParaRPr lang="en-US" sz="1100" b="0" dirty="0">
+              <a:solidFill>
+                <a:srgbClr val="D4D4D4"/>
+              </a:solidFill>
+              <a:effectLst/>
+              <a:latin typeface="Consolas" panose="020B0609020204030204" pitchFamily="49" charset="0"/>
+            </a:endParaRPr>
+          </a:p>
+          <a:p>
+            <a:r>
+              <a:rPr lang="en-US" sz="1100" b="0" dirty="0">
+                <a:solidFill>
+                  <a:srgbClr val="D4D4D4"/>
+                </a:solidFill>
+                <a:effectLst/>
+                <a:latin typeface="Consolas" panose="020B0609020204030204" pitchFamily="49" charset="0"/>
+              </a:rPr>
+              <a:t>        </a:t>
+            </a:r>
+            <a:r>
+              <a:rPr lang="en-US" sz="1100" b="0" dirty="0" err="1">
+                <a:solidFill>
+                  <a:srgbClr val="569CD6"/>
+                </a:solidFill>
+                <a:effectLst/>
+                <a:latin typeface="Consolas" panose="020B0609020204030204" pitchFamily="49" charset="0"/>
+              </a:rPr>
+              <a:t>self</a:t>
+            </a:r>
+            <a:r>
+              <a:rPr lang="en-US" sz="1100" b="0" dirty="0" err="1">
+                <a:solidFill>
+                  <a:srgbClr val="D4D4D4"/>
+                </a:solidFill>
+                <a:effectLst/>
+                <a:latin typeface="Consolas" panose="020B0609020204030204" pitchFamily="49" charset="0"/>
+              </a:rPr>
+              <a:t>.dst_port</a:t>
+            </a:r>
+            <a:r>
+              <a:rPr lang="en-US" sz="1100" b="0" dirty="0">
+                <a:solidFill>
+                  <a:srgbClr val="D4D4D4"/>
+                </a:solidFill>
+                <a:effectLst/>
+                <a:latin typeface="Consolas" panose="020B0609020204030204" pitchFamily="49" charset="0"/>
+              </a:rPr>
+              <a:t> = </a:t>
+            </a:r>
+            <a:r>
+              <a:rPr lang="en-US" sz="1100" b="0" dirty="0" err="1">
+                <a:solidFill>
+                  <a:srgbClr val="D4D4D4"/>
+                </a:solidFill>
+                <a:effectLst/>
+                <a:latin typeface="Consolas" panose="020B0609020204030204" pitchFamily="49" charset="0"/>
+              </a:rPr>
+              <a:t>dst_port</a:t>
+            </a:r>
+            <a:endParaRPr lang="en-US" sz="1100" b="0" dirty="0">
+              <a:solidFill>
+                <a:srgbClr val="D4D4D4"/>
+              </a:solidFill>
+              <a:effectLst/>
+              <a:latin typeface="Consolas" panose="020B0609020204030204" pitchFamily="49" charset="0"/>
+            </a:endParaRPr>
+          </a:p>
+          <a:p>
+            <a:r>
+              <a:rPr lang="en-US" sz="1100" b="0" dirty="0">
+                <a:solidFill>
+                  <a:srgbClr val="D4D4D4"/>
+                </a:solidFill>
+                <a:effectLst/>
+                <a:latin typeface="Consolas" panose="020B0609020204030204" pitchFamily="49" charset="0"/>
+              </a:rPr>
+              <a:t>        </a:t>
+            </a:r>
+            <a:r>
+              <a:rPr lang="en-US" sz="1100" b="0" dirty="0" err="1">
+                <a:solidFill>
+                  <a:srgbClr val="569CD6"/>
+                </a:solidFill>
+                <a:effectLst/>
+                <a:latin typeface="Consolas" panose="020B0609020204030204" pitchFamily="49" charset="0"/>
+              </a:rPr>
+              <a:t>self</a:t>
+            </a:r>
+            <a:r>
+              <a:rPr lang="en-US" sz="1100" b="0" dirty="0" err="1">
+                <a:solidFill>
+                  <a:srgbClr val="D4D4D4"/>
+                </a:solidFill>
+                <a:effectLst/>
+                <a:latin typeface="Consolas" panose="020B0609020204030204" pitchFamily="49" charset="0"/>
+              </a:rPr>
+              <a:t>.action</a:t>
+            </a:r>
+            <a:r>
+              <a:rPr lang="en-US" sz="1100" b="0" dirty="0">
+                <a:solidFill>
+                  <a:srgbClr val="D4D4D4"/>
+                </a:solidFill>
+                <a:effectLst/>
+                <a:latin typeface="Consolas" panose="020B0609020204030204" pitchFamily="49" charset="0"/>
+              </a:rPr>
+              <a:t> = action</a:t>
+            </a:r>
+          </a:p>
+          <a:p>
+            <a:r>
+              <a:rPr lang="en-US" sz="1100" b="0" dirty="0">
+                <a:solidFill>
+                  <a:srgbClr val="D4D4D4"/>
+                </a:solidFill>
+                <a:effectLst/>
+                <a:latin typeface="Consolas" panose="020B0609020204030204" pitchFamily="49" charset="0"/>
+              </a:rPr>
+              <a:t>        </a:t>
+            </a:r>
+            <a:r>
+              <a:rPr lang="en-US" sz="1100" b="0" dirty="0">
+                <a:solidFill>
+                  <a:srgbClr val="C586C0"/>
+                </a:solidFill>
+                <a:effectLst/>
+                <a:latin typeface="Consolas" panose="020B0609020204030204" pitchFamily="49" charset="0"/>
+              </a:rPr>
+              <a:t>if</a:t>
+            </a:r>
+            <a:r>
+              <a:rPr lang="en-US" sz="1100" b="0" dirty="0">
+                <a:solidFill>
+                  <a:srgbClr val="D4D4D4"/>
+                </a:solidFill>
+                <a:effectLst/>
+                <a:latin typeface="Consolas" panose="020B0609020204030204" pitchFamily="49" charset="0"/>
+              </a:rPr>
+              <a:t> </a:t>
+            </a:r>
+            <a:r>
+              <a:rPr lang="en-US" sz="1100" b="0" dirty="0" err="1">
+                <a:solidFill>
+                  <a:srgbClr val="569CD6"/>
+                </a:solidFill>
+                <a:effectLst/>
+                <a:latin typeface="Consolas" panose="020B0609020204030204" pitchFamily="49" charset="0"/>
+              </a:rPr>
+              <a:t>self</a:t>
+            </a:r>
+            <a:r>
+              <a:rPr lang="en-US" sz="1100" b="0" dirty="0" err="1">
+                <a:solidFill>
+                  <a:srgbClr val="D4D4D4"/>
+                </a:solidFill>
+                <a:effectLst/>
+                <a:latin typeface="Consolas" panose="020B0609020204030204" pitchFamily="49" charset="0"/>
+              </a:rPr>
+              <a:t>.src_sub</a:t>
+            </a:r>
+            <a:r>
+              <a:rPr lang="en-US" sz="1100" b="0" dirty="0">
+                <a:solidFill>
+                  <a:srgbClr val="D4D4D4"/>
+                </a:solidFill>
+                <a:effectLst/>
+                <a:latin typeface="Consolas" panose="020B0609020204030204" pitchFamily="49" charset="0"/>
+              </a:rPr>
+              <a:t> </a:t>
+            </a:r>
+            <a:r>
+              <a:rPr lang="en-US" sz="1100" b="0" dirty="0">
+                <a:solidFill>
+                  <a:srgbClr val="569CD6"/>
+                </a:solidFill>
+                <a:effectLst/>
+                <a:latin typeface="Consolas" panose="020B0609020204030204" pitchFamily="49" charset="0"/>
+              </a:rPr>
+              <a:t>is</a:t>
+            </a:r>
+            <a:r>
+              <a:rPr lang="en-US" sz="1100" b="0" dirty="0">
+                <a:solidFill>
+                  <a:srgbClr val="D4D4D4"/>
+                </a:solidFill>
+                <a:effectLst/>
+                <a:latin typeface="Consolas" panose="020B0609020204030204" pitchFamily="49" charset="0"/>
+              </a:rPr>
+              <a:t> </a:t>
+            </a:r>
+            <a:r>
+              <a:rPr lang="en-US" sz="1100" b="0" dirty="0">
+                <a:solidFill>
+                  <a:srgbClr val="569CD6"/>
+                </a:solidFill>
+                <a:effectLst/>
+                <a:latin typeface="Consolas" panose="020B0609020204030204" pitchFamily="49" charset="0"/>
+              </a:rPr>
+              <a:t>not</a:t>
+            </a:r>
+            <a:r>
+              <a:rPr lang="en-US" sz="1100" b="0" dirty="0">
+                <a:solidFill>
+                  <a:srgbClr val="D4D4D4"/>
+                </a:solidFill>
+                <a:effectLst/>
+                <a:latin typeface="Consolas" panose="020B0609020204030204" pitchFamily="49" charset="0"/>
+              </a:rPr>
+              <a:t> </a:t>
+            </a:r>
+            <a:r>
+              <a:rPr lang="en-US" sz="1100" b="0" dirty="0">
+                <a:solidFill>
+                  <a:srgbClr val="CE9178"/>
+                </a:solidFill>
+                <a:effectLst/>
+                <a:latin typeface="Consolas" panose="020B0609020204030204" pitchFamily="49" charset="0"/>
+              </a:rPr>
+              <a:t>'*'</a:t>
+            </a:r>
+            <a:r>
+              <a:rPr lang="en-US" sz="1100" b="0" dirty="0">
+                <a:solidFill>
+                  <a:srgbClr val="D4D4D4"/>
+                </a:solidFill>
+                <a:effectLst/>
+                <a:latin typeface="Consolas" panose="020B0609020204030204" pitchFamily="49" charset="0"/>
+              </a:rPr>
+              <a:t>:</a:t>
+            </a:r>
+          </a:p>
+          <a:p>
+            <a:r>
+              <a:rPr lang="en-US" sz="1100" b="0" dirty="0">
+                <a:solidFill>
+                  <a:srgbClr val="D4D4D4"/>
+                </a:solidFill>
+                <a:effectLst/>
+                <a:latin typeface="Consolas" panose="020B0609020204030204" pitchFamily="49" charset="0"/>
+              </a:rPr>
+              <a:t>            </a:t>
+            </a:r>
+            <a:r>
+              <a:rPr lang="en-US" sz="1100" b="0" dirty="0" err="1">
+                <a:solidFill>
+                  <a:srgbClr val="569CD6"/>
+                </a:solidFill>
+                <a:effectLst/>
+                <a:latin typeface="Consolas" panose="020B0609020204030204" pitchFamily="49" charset="0"/>
+              </a:rPr>
+              <a:t>self</a:t>
+            </a:r>
+            <a:r>
+              <a:rPr lang="en-US" sz="1100" b="0" dirty="0" err="1">
+                <a:solidFill>
+                  <a:srgbClr val="D4D4D4"/>
+                </a:solidFill>
+                <a:effectLst/>
+                <a:latin typeface="Consolas" panose="020B0609020204030204" pitchFamily="49" charset="0"/>
+              </a:rPr>
+              <a:t>.src_ip</a:t>
+            </a:r>
+            <a:r>
+              <a:rPr lang="en-US" sz="1100" b="0" dirty="0">
+                <a:solidFill>
+                  <a:srgbClr val="D4D4D4"/>
+                </a:solidFill>
+                <a:effectLst/>
+                <a:latin typeface="Consolas" panose="020B0609020204030204" pitchFamily="49" charset="0"/>
+              </a:rPr>
+              <a:t>, </a:t>
+            </a:r>
+            <a:r>
+              <a:rPr lang="en-US" sz="1100" b="0" dirty="0" err="1">
+                <a:solidFill>
+                  <a:srgbClr val="569CD6"/>
+                </a:solidFill>
+                <a:effectLst/>
+                <a:latin typeface="Consolas" panose="020B0609020204030204" pitchFamily="49" charset="0"/>
+              </a:rPr>
+              <a:t>self</a:t>
+            </a:r>
+            <a:r>
+              <a:rPr lang="en-US" sz="1100" b="0" dirty="0" err="1">
+                <a:solidFill>
+                  <a:srgbClr val="D4D4D4"/>
+                </a:solidFill>
+                <a:effectLst/>
+                <a:latin typeface="Consolas" panose="020B0609020204030204" pitchFamily="49" charset="0"/>
+              </a:rPr>
+              <a:t>.src_netmask</a:t>
+            </a:r>
+            <a:r>
+              <a:rPr lang="en-US" sz="1100" b="0" dirty="0">
+                <a:solidFill>
+                  <a:srgbClr val="D4D4D4"/>
+                </a:solidFill>
+                <a:effectLst/>
+                <a:latin typeface="Consolas" panose="020B0609020204030204" pitchFamily="49" charset="0"/>
+              </a:rPr>
+              <a:t>, </a:t>
+            </a:r>
+            <a:r>
+              <a:rPr lang="en-US" sz="1100" b="0" dirty="0" err="1">
+                <a:solidFill>
+                  <a:srgbClr val="569CD6"/>
+                </a:solidFill>
+                <a:effectLst/>
+                <a:latin typeface="Consolas" panose="020B0609020204030204" pitchFamily="49" charset="0"/>
+              </a:rPr>
+              <a:t>self</a:t>
+            </a:r>
+            <a:r>
+              <a:rPr lang="en-US" sz="1100" b="0" dirty="0" err="1">
+                <a:solidFill>
+                  <a:srgbClr val="D4D4D4"/>
+                </a:solidFill>
+                <a:effectLst/>
+                <a:latin typeface="Consolas" panose="020B0609020204030204" pitchFamily="49" charset="0"/>
+              </a:rPr>
+              <a:t>.src_sub_binary</a:t>
+            </a:r>
+            <a:r>
+              <a:rPr lang="en-US" sz="1100" b="0" dirty="0">
+                <a:solidFill>
+                  <a:srgbClr val="D4D4D4"/>
+                </a:solidFill>
+                <a:effectLst/>
+                <a:latin typeface="Consolas" panose="020B0609020204030204" pitchFamily="49" charset="0"/>
+              </a:rPr>
+              <a:t> = </a:t>
+            </a:r>
+            <a:r>
+              <a:rPr lang="en-US" sz="1100" b="0" dirty="0" err="1">
+                <a:solidFill>
+                  <a:srgbClr val="D4D4D4"/>
+                </a:solidFill>
+                <a:effectLst/>
+                <a:latin typeface="Consolas" panose="020B0609020204030204" pitchFamily="49" charset="0"/>
+              </a:rPr>
+              <a:t>extract_info</a:t>
+            </a:r>
+            <a:r>
+              <a:rPr lang="en-US" sz="1100" b="0" dirty="0">
+                <a:solidFill>
+                  <a:srgbClr val="D4D4D4"/>
+                </a:solidFill>
+                <a:effectLst/>
+                <a:latin typeface="Consolas" panose="020B0609020204030204" pitchFamily="49" charset="0"/>
+              </a:rPr>
+              <a:t>(</a:t>
+            </a:r>
+            <a:r>
+              <a:rPr lang="en-US" sz="1100" b="0" dirty="0" err="1">
+                <a:solidFill>
+                  <a:srgbClr val="569CD6"/>
+                </a:solidFill>
+                <a:effectLst/>
+                <a:latin typeface="Consolas" panose="020B0609020204030204" pitchFamily="49" charset="0"/>
+              </a:rPr>
+              <a:t>self</a:t>
+            </a:r>
+            <a:r>
+              <a:rPr lang="en-US" sz="1100" b="0" dirty="0" err="1">
+                <a:solidFill>
+                  <a:srgbClr val="D4D4D4"/>
+                </a:solidFill>
+                <a:effectLst/>
+                <a:latin typeface="Consolas" panose="020B0609020204030204" pitchFamily="49" charset="0"/>
+              </a:rPr>
+              <a:t>.src_sub</a:t>
+            </a:r>
+            <a:r>
+              <a:rPr lang="en-US" sz="1100" b="0" dirty="0">
+                <a:solidFill>
+                  <a:srgbClr val="D4D4D4"/>
+                </a:solidFill>
+                <a:effectLst/>
+                <a:latin typeface="Consolas" panose="020B0609020204030204" pitchFamily="49" charset="0"/>
+              </a:rPr>
+              <a:t>)</a:t>
+            </a:r>
+          </a:p>
+          <a:p>
+            <a:r>
+              <a:rPr lang="en-US" sz="1100" b="0" dirty="0">
+                <a:solidFill>
+                  <a:srgbClr val="D4D4D4"/>
+                </a:solidFill>
+                <a:effectLst/>
+                <a:latin typeface="Consolas" panose="020B0609020204030204" pitchFamily="49" charset="0"/>
+              </a:rPr>
+              <a:t>        </a:t>
+            </a:r>
+            <a:r>
+              <a:rPr lang="en-US" sz="1100" b="0" dirty="0">
+                <a:solidFill>
+                  <a:srgbClr val="C586C0"/>
+                </a:solidFill>
+                <a:effectLst/>
+                <a:latin typeface="Consolas" panose="020B0609020204030204" pitchFamily="49" charset="0"/>
+              </a:rPr>
+              <a:t>if</a:t>
+            </a:r>
+            <a:r>
+              <a:rPr lang="en-US" sz="1100" b="0" dirty="0">
+                <a:solidFill>
+                  <a:srgbClr val="D4D4D4"/>
+                </a:solidFill>
+                <a:effectLst/>
+                <a:latin typeface="Consolas" panose="020B0609020204030204" pitchFamily="49" charset="0"/>
+              </a:rPr>
+              <a:t> </a:t>
+            </a:r>
+            <a:r>
+              <a:rPr lang="en-US" sz="1100" b="0" dirty="0" err="1">
+                <a:solidFill>
+                  <a:srgbClr val="569CD6"/>
+                </a:solidFill>
+                <a:effectLst/>
+                <a:latin typeface="Consolas" panose="020B0609020204030204" pitchFamily="49" charset="0"/>
+              </a:rPr>
+              <a:t>self</a:t>
+            </a:r>
+            <a:r>
+              <a:rPr lang="en-US" sz="1100" b="0" dirty="0" err="1">
+                <a:solidFill>
+                  <a:srgbClr val="D4D4D4"/>
+                </a:solidFill>
+                <a:effectLst/>
+                <a:latin typeface="Consolas" panose="020B0609020204030204" pitchFamily="49" charset="0"/>
+              </a:rPr>
+              <a:t>.dst_sub</a:t>
+            </a:r>
+            <a:r>
+              <a:rPr lang="en-US" sz="1100" b="0" dirty="0">
+                <a:solidFill>
+                  <a:srgbClr val="D4D4D4"/>
+                </a:solidFill>
+                <a:effectLst/>
+                <a:latin typeface="Consolas" panose="020B0609020204030204" pitchFamily="49" charset="0"/>
+              </a:rPr>
+              <a:t> </a:t>
+            </a:r>
+            <a:r>
+              <a:rPr lang="en-US" sz="1100" b="0" dirty="0">
+                <a:solidFill>
+                  <a:srgbClr val="569CD6"/>
+                </a:solidFill>
+                <a:effectLst/>
+                <a:latin typeface="Consolas" panose="020B0609020204030204" pitchFamily="49" charset="0"/>
+              </a:rPr>
+              <a:t>is</a:t>
+            </a:r>
+            <a:r>
+              <a:rPr lang="en-US" sz="1100" b="0" dirty="0">
+                <a:solidFill>
+                  <a:srgbClr val="D4D4D4"/>
+                </a:solidFill>
+                <a:effectLst/>
+                <a:latin typeface="Consolas" panose="020B0609020204030204" pitchFamily="49" charset="0"/>
+              </a:rPr>
+              <a:t> </a:t>
+            </a:r>
+            <a:r>
+              <a:rPr lang="en-US" sz="1100" b="0" dirty="0">
+                <a:solidFill>
+                  <a:srgbClr val="569CD6"/>
+                </a:solidFill>
+                <a:effectLst/>
+                <a:latin typeface="Consolas" panose="020B0609020204030204" pitchFamily="49" charset="0"/>
+              </a:rPr>
+              <a:t>not</a:t>
+            </a:r>
+            <a:r>
+              <a:rPr lang="en-US" sz="1100" b="0" dirty="0">
+                <a:solidFill>
+                  <a:srgbClr val="D4D4D4"/>
+                </a:solidFill>
+                <a:effectLst/>
+                <a:latin typeface="Consolas" panose="020B0609020204030204" pitchFamily="49" charset="0"/>
+              </a:rPr>
+              <a:t> </a:t>
+            </a:r>
+            <a:r>
+              <a:rPr lang="en-US" sz="1100" b="0" dirty="0">
+                <a:solidFill>
+                  <a:srgbClr val="CE9178"/>
+                </a:solidFill>
+                <a:effectLst/>
+                <a:latin typeface="Consolas" panose="020B0609020204030204" pitchFamily="49" charset="0"/>
+              </a:rPr>
+              <a:t>'*'</a:t>
+            </a:r>
+            <a:r>
+              <a:rPr lang="en-US" sz="1100" b="0" dirty="0">
+                <a:solidFill>
+                  <a:srgbClr val="D4D4D4"/>
+                </a:solidFill>
+                <a:effectLst/>
+                <a:latin typeface="Consolas" panose="020B0609020204030204" pitchFamily="49" charset="0"/>
+              </a:rPr>
+              <a:t>:</a:t>
+            </a:r>
+          </a:p>
+          <a:p>
+            <a:r>
+              <a:rPr lang="en-US" sz="1100" b="0" dirty="0">
+                <a:solidFill>
+                  <a:srgbClr val="D4D4D4"/>
+                </a:solidFill>
+                <a:effectLst/>
+                <a:latin typeface="Consolas" panose="020B0609020204030204" pitchFamily="49" charset="0"/>
+              </a:rPr>
+              <a:t>            </a:t>
+            </a:r>
+            <a:r>
+              <a:rPr lang="en-US" sz="1100" b="0" dirty="0" err="1">
+                <a:solidFill>
+                  <a:srgbClr val="569CD6"/>
+                </a:solidFill>
+                <a:effectLst/>
+                <a:latin typeface="Consolas" panose="020B0609020204030204" pitchFamily="49" charset="0"/>
+              </a:rPr>
+              <a:t>self</a:t>
+            </a:r>
+            <a:r>
+              <a:rPr lang="en-US" sz="1100" b="0" dirty="0" err="1">
+                <a:solidFill>
+                  <a:srgbClr val="D4D4D4"/>
+                </a:solidFill>
+                <a:effectLst/>
+                <a:latin typeface="Consolas" panose="020B0609020204030204" pitchFamily="49" charset="0"/>
+              </a:rPr>
+              <a:t>.dst_ip</a:t>
+            </a:r>
+            <a:r>
+              <a:rPr lang="en-US" sz="1100" b="0" dirty="0">
+                <a:solidFill>
+                  <a:srgbClr val="D4D4D4"/>
+                </a:solidFill>
+                <a:effectLst/>
+                <a:latin typeface="Consolas" panose="020B0609020204030204" pitchFamily="49" charset="0"/>
+              </a:rPr>
+              <a:t>, </a:t>
+            </a:r>
+            <a:r>
+              <a:rPr lang="en-US" sz="1100" b="0" dirty="0" err="1">
+                <a:solidFill>
+                  <a:srgbClr val="569CD6"/>
+                </a:solidFill>
+                <a:effectLst/>
+                <a:latin typeface="Consolas" panose="020B0609020204030204" pitchFamily="49" charset="0"/>
+              </a:rPr>
+              <a:t>self</a:t>
+            </a:r>
+            <a:r>
+              <a:rPr lang="en-US" sz="1100" b="0" dirty="0" err="1">
+                <a:solidFill>
+                  <a:srgbClr val="D4D4D4"/>
+                </a:solidFill>
+                <a:effectLst/>
+                <a:latin typeface="Consolas" panose="020B0609020204030204" pitchFamily="49" charset="0"/>
+              </a:rPr>
+              <a:t>.dst_netmask</a:t>
+            </a:r>
+            <a:r>
+              <a:rPr lang="en-US" sz="1100" b="0" dirty="0">
+                <a:solidFill>
+                  <a:srgbClr val="D4D4D4"/>
+                </a:solidFill>
+                <a:effectLst/>
+                <a:latin typeface="Consolas" panose="020B0609020204030204" pitchFamily="49" charset="0"/>
+              </a:rPr>
+              <a:t>, </a:t>
+            </a:r>
+            <a:r>
+              <a:rPr lang="en-US" sz="1100" b="0" dirty="0" err="1">
+                <a:solidFill>
+                  <a:srgbClr val="569CD6"/>
+                </a:solidFill>
+                <a:effectLst/>
+                <a:latin typeface="Consolas" panose="020B0609020204030204" pitchFamily="49" charset="0"/>
+              </a:rPr>
+              <a:t>self</a:t>
+            </a:r>
+            <a:r>
+              <a:rPr lang="en-US" sz="1100" b="0" dirty="0" err="1">
+                <a:solidFill>
+                  <a:srgbClr val="D4D4D4"/>
+                </a:solidFill>
+                <a:effectLst/>
+                <a:latin typeface="Consolas" panose="020B0609020204030204" pitchFamily="49" charset="0"/>
+              </a:rPr>
+              <a:t>.dst_sub_binary</a:t>
+            </a:r>
+            <a:r>
+              <a:rPr lang="en-US" sz="1100" b="0" dirty="0">
+                <a:solidFill>
+                  <a:srgbClr val="D4D4D4"/>
+                </a:solidFill>
+                <a:effectLst/>
+                <a:latin typeface="Consolas" panose="020B0609020204030204" pitchFamily="49" charset="0"/>
+              </a:rPr>
+              <a:t> = </a:t>
+            </a:r>
+            <a:r>
+              <a:rPr lang="en-US" sz="1100" b="0" dirty="0" err="1">
+                <a:solidFill>
+                  <a:srgbClr val="D4D4D4"/>
+                </a:solidFill>
+                <a:effectLst/>
+                <a:latin typeface="Consolas" panose="020B0609020204030204" pitchFamily="49" charset="0"/>
+              </a:rPr>
+              <a:t>extract_info</a:t>
+            </a:r>
+            <a:r>
+              <a:rPr lang="en-US" sz="1100" b="0" dirty="0">
+                <a:solidFill>
+                  <a:srgbClr val="D4D4D4"/>
+                </a:solidFill>
+                <a:effectLst/>
+                <a:latin typeface="Consolas" panose="020B0609020204030204" pitchFamily="49" charset="0"/>
+              </a:rPr>
+              <a:t>(</a:t>
+            </a:r>
+            <a:r>
+              <a:rPr lang="en-US" sz="1100" b="0" dirty="0" err="1">
+                <a:solidFill>
+                  <a:srgbClr val="569CD6"/>
+                </a:solidFill>
+                <a:effectLst/>
+                <a:latin typeface="Consolas" panose="020B0609020204030204" pitchFamily="49" charset="0"/>
+              </a:rPr>
+              <a:t>self</a:t>
+            </a:r>
+            <a:r>
+              <a:rPr lang="en-US" sz="1100" b="0" dirty="0" err="1">
+                <a:solidFill>
+                  <a:srgbClr val="D4D4D4"/>
+                </a:solidFill>
+                <a:effectLst/>
+                <a:latin typeface="Consolas" panose="020B0609020204030204" pitchFamily="49" charset="0"/>
+              </a:rPr>
+              <a:t>.dst_sub</a:t>
+            </a:r>
+            <a:r>
+              <a:rPr lang="en-US" sz="1100" b="0" dirty="0">
+                <a:solidFill>
+                  <a:srgbClr val="D4D4D4"/>
+                </a:solidFill>
+                <a:effectLst/>
+                <a:latin typeface="Consolas" panose="020B0609020204030204" pitchFamily="49" charset="0"/>
+              </a:rPr>
+              <a:t>)</a:t>
+            </a:r>
+          </a:p>
+        </p:txBody>
+      </p:sp>
+      <p:pic>
+        <p:nvPicPr>
+          <p:cNvPr id="5" name="Picture 4" descr="A picture containing clock&#10;&#10;Description automatically generated">
+            <a:extLst>
+              <a:ext uri="{FF2B5EF4-FFF2-40B4-BE49-F238E27FC236}">
+                <a16:creationId xmlns:a16="http://schemas.microsoft.com/office/drawing/2014/main" id="{18524FAC-7C56-490C-8825-21A37E15379B}"/>
+              </a:ext>
+            </a:extLst>
+          </p:cNvPr>
+          <p:cNvPicPr>
+            <a:picLocks noChangeAspect="1"/>
+          </p:cNvPicPr>
+          <p:nvPr/>
+        </p:nvPicPr>
+        <p:blipFill>
+          <a:blip r:embed="rId2">
+            <a:extLst>
+              <a:ext uri="{28A0092B-C50C-407E-A947-70E740481C1C}">
+                <a14:useLocalDpi xmlns:a14="http://schemas.microsoft.com/office/drawing/2010/main" val="0"/>
+              </a:ext>
+            </a:extLst>
+          </a:blip>
+          <a:stretch>
+            <a:fillRect/>
+          </a:stretch>
+        </p:blipFill>
+        <p:spPr>
+          <a:xfrm>
+            <a:off x="7266038" y="1266825"/>
+            <a:ext cx="4321528" cy="2199007"/>
+          </a:xfrm>
+          <a:prstGeom prst="rect">
+            <a:avLst/>
+          </a:prstGeom>
+        </p:spPr>
+      </p:pic>
+    </p:spTree>
+    <p:extLst>
+      <p:ext uri="{BB962C8B-B14F-4D97-AF65-F5344CB8AC3E}">
+        <p14:creationId xmlns:p14="http://schemas.microsoft.com/office/powerpoint/2010/main" val="1641183876"/>
+      </p:ext>
+    </p:extLst>
+  </p:cSld>
+  <p:clrMapOvr>
+    <a:masterClrMapping/>
+  </p:clrMapOvr>
+</p:sld>
+</file>
+
+<file path=ppt/slides/slide11.xml><?xml version="1.0" encoding="utf-8"?>
+<p:sld xmlns:a="http://schemas.openxmlformats.org/drawingml/2006/main" xmlns:r="http://schemas.openxmlformats.org/officeDocument/2006/relationships" xmlns:p="http://schemas.openxmlformats.org/presentationml/2006/main" showMasterSp="0">
+  <p:cSld>
+    <p:bg>
+      <p:bgPr>
+        <a:solidFill>
+          <a:schemeClr val="tx1">
+            <a:alpha val="90000"/>
+          </a:schemeClr>
+        </a:solidFill>
+        <a:effectLst/>
+      </p:bgPr>
+    </p:bg>
+    <p:spTree>
+      <p:nvGrpSpPr>
+        <p:cNvPr id="1" name=""/>
+        <p:cNvGrpSpPr/>
+        <p:nvPr/>
+      </p:nvGrpSpPr>
+      <p:grpSpPr>
+        <a:xfrm>
+          <a:off x="0" y="0"/>
+          <a:ext cx="0" cy="0"/>
+          <a:chOff x="0" y="0"/>
+          <a:chExt cx="0" cy="0"/>
+        </a:xfrm>
+      </p:grpSpPr>
+      <p:sp>
+        <p:nvSpPr>
+          <p:cNvPr id="3" name="TextBox 2">
+            <a:extLst>
+              <a:ext uri="{FF2B5EF4-FFF2-40B4-BE49-F238E27FC236}">
+                <a16:creationId xmlns:a16="http://schemas.microsoft.com/office/drawing/2014/main" id="{F9299BA4-CDE1-4FEA-A90C-612CC68CFF95}"/>
+              </a:ext>
+            </a:extLst>
+          </p:cNvPr>
+          <p:cNvSpPr txBox="1"/>
+          <p:nvPr/>
+        </p:nvSpPr>
+        <p:spPr>
+          <a:xfrm>
             <a:off x="604433" y="1266827"/>
             <a:ext cx="6463117" cy="1800224"/>
           </a:xfrm>
@@ -7489,7 +8964,7 @@
 </p:sld>
 </file>
 
-<file path=ppt/slides/slide11.xml><?xml version="1.0" encoding="utf-8"?>
+<file path=ppt/slides/slide12.xml><?xml version="1.0" encoding="utf-8"?>
 <p:sld xmlns:a="http://schemas.openxmlformats.org/drawingml/2006/main" xmlns:r="http://schemas.openxmlformats.org/officeDocument/2006/relationships" xmlns:p="http://schemas.openxmlformats.org/presentationml/2006/main" showMasterSp="0">
   <p:cSld>
     <p:bg>
@@ -8389,1904 +9864,6 @@
     <p:extLst>
       <p:ext uri="{BB962C8B-B14F-4D97-AF65-F5344CB8AC3E}">
         <p14:creationId xmlns:p14="http://schemas.microsoft.com/office/powerpoint/2010/main" val="1512096359"/>
-      </p:ext>
-    </p:extLst>
-  </p:cSld>
-  <p:clrMapOvr>
-    <a:masterClrMapping/>
-  </p:clrMapOvr>
-</p:sld>
-</file>
-
-<file path=ppt/slides/slide12.xml><?xml version="1.0" encoding="utf-8"?>
-<p:sld xmlns:a="http://schemas.openxmlformats.org/drawingml/2006/main" xmlns:r="http://schemas.openxmlformats.org/officeDocument/2006/relationships" xmlns:p="http://schemas.openxmlformats.org/presentationml/2006/main" showMasterSp="0">
-  <p:cSld>
-    <p:bg>
-      <p:bgPr>
-        <a:solidFill>
-          <a:schemeClr val="tx1">
-            <a:alpha val="90000"/>
-          </a:schemeClr>
-        </a:solidFill>
-        <a:effectLst/>
-      </p:bgPr>
-    </p:bg>
-    <p:spTree>
-      <p:nvGrpSpPr>
-        <p:cNvPr id="1" name=""/>
-        <p:cNvGrpSpPr/>
-        <p:nvPr/>
-      </p:nvGrpSpPr>
-      <p:grpSpPr>
-        <a:xfrm>
-          <a:off x="0" y="0"/>
-          <a:ext cx="0" cy="0"/>
-          <a:chOff x="0" y="0"/>
-          <a:chExt cx="0" cy="0"/>
-        </a:xfrm>
-      </p:grpSpPr>
-      <p:sp>
-        <p:nvSpPr>
-          <p:cNvPr id="2" name="Title 1">
-            <a:extLst>
-              <a:ext uri="{FF2B5EF4-FFF2-40B4-BE49-F238E27FC236}">
-                <a16:creationId xmlns:a16="http://schemas.microsoft.com/office/drawing/2014/main" id="{B0D7EBDB-8A0F-4DA8-8090-D4619D885EED}"/>
-              </a:ext>
-            </a:extLst>
-          </p:cNvPr>
-          <p:cNvSpPr>
-            <a:spLocks noGrp="1"/>
-          </p:cNvSpPr>
-          <p:nvPr>
-            <p:ph type="title"/>
-          </p:nvPr>
-        </p:nvSpPr>
-        <p:spPr>
-          <a:xfrm>
-            <a:off x="604434" y="448628"/>
-            <a:ext cx="10983132" cy="747763"/>
-          </a:xfrm>
-          <a:noFill/>
-          <a:ln>
-            <a:noFill/>
-          </a:ln>
-        </p:spPr>
-        <p:txBody>
-          <a:bodyPr vert="horz" lIns="91440" tIns="45720" rIns="91440" bIns="45720" rtlCol="0" anchor="ctr" anchorCtr="0">
-            <a:normAutofit/>
-          </a:bodyPr>
-          <a:lstStyle/>
-          <a:p>
-            <a:r>
-              <a:rPr lang="en-US" b="1" kern="1200" dirty="0" err="1">
-                <a:solidFill>
-                  <a:schemeClr val="bg1"/>
-                </a:solidFill>
-                <a:latin typeface="+mj-lt"/>
-                <a:ea typeface="+mj-ea"/>
-                <a:cs typeface="+mj-cs"/>
-              </a:rPr>
-              <a:t>FlowDiagram</a:t>
-            </a:r>
-            <a:r>
-              <a:rPr lang="en-US" b="1" kern="1200" dirty="0">
-                <a:solidFill>
-                  <a:schemeClr val="bg1"/>
-                </a:solidFill>
-                <a:latin typeface="+mj-lt"/>
-                <a:ea typeface="+mj-ea"/>
-                <a:cs typeface="+mj-cs"/>
-              </a:rPr>
-              <a:t> – </a:t>
-            </a:r>
-            <a:r>
-              <a:rPr lang="en-US" b="1" kern="1200" dirty="0" err="1">
-                <a:solidFill>
-                  <a:schemeClr val="bg1"/>
-                </a:solidFill>
-                <a:latin typeface="+mj-lt"/>
-                <a:ea typeface="+mj-ea"/>
-                <a:cs typeface="+mj-cs"/>
-              </a:rPr>
-              <a:t>add_src_nodes</a:t>
-            </a:r>
-            <a:r>
-              <a:rPr lang="en-US" b="1" kern="1200" dirty="0">
-                <a:solidFill>
-                  <a:schemeClr val="bg1"/>
-                </a:solidFill>
-                <a:latin typeface="+mj-lt"/>
-                <a:ea typeface="+mj-ea"/>
-                <a:cs typeface="+mj-cs"/>
-              </a:rPr>
-              <a:t>()</a:t>
-            </a:r>
-          </a:p>
-        </p:txBody>
-      </p:sp>
-      <p:sp>
-        <p:nvSpPr>
-          <p:cNvPr id="9" name="TextBox 8">
-            <a:extLst>
-              <a:ext uri="{FF2B5EF4-FFF2-40B4-BE49-F238E27FC236}">
-                <a16:creationId xmlns:a16="http://schemas.microsoft.com/office/drawing/2014/main" id="{D45D2C60-652D-47D6-A1D1-5C8F73093E71}"/>
-              </a:ext>
-            </a:extLst>
-          </p:cNvPr>
-          <p:cNvSpPr txBox="1"/>
-          <p:nvPr/>
-        </p:nvSpPr>
-        <p:spPr>
-          <a:xfrm>
-            <a:off x="604434" y="1196391"/>
-            <a:ext cx="6096000" cy="2292935"/>
-          </a:xfrm>
-          <a:prstGeom prst="rect">
-            <a:avLst/>
-          </a:prstGeom>
-          <a:noFill/>
-        </p:spPr>
-        <p:txBody>
-          <a:bodyPr wrap="square">
-            <a:spAutoFit/>
-          </a:bodyPr>
-          <a:lstStyle/>
-          <a:p>
-            <a:r>
-              <a:rPr lang="en-US" sz="1100" b="0" dirty="0">
-                <a:solidFill>
-                  <a:srgbClr val="569CD6"/>
-                </a:solidFill>
-                <a:effectLst/>
-                <a:latin typeface="Consolas" panose="020B0609020204030204" pitchFamily="49" charset="0"/>
-              </a:rPr>
-              <a:t>def</a:t>
-            </a:r>
-            <a:r>
-              <a:rPr lang="en-US" sz="1100" b="0" dirty="0">
-                <a:solidFill>
-                  <a:srgbClr val="D4D4D4"/>
-                </a:solidFill>
-                <a:effectLst/>
-                <a:latin typeface="Consolas" panose="020B0609020204030204" pitchFamily="49" charset="0"/>
-              </a:rPr>
-              <a:t> </a:t>
-            </a:r>
-            <a:r>
-              <a:rPr lang="en-US" sz="1100" b="0" dirty="0" err="1">
-                <a:solidFill>
-                  <a:srgbClr val="DCDCAA"/>
-                </a:solidFill>
-                <a:effectLst/>
-                <a:latin typeface="Consolas" panose="020B0609020204030204" pitchFamily="49" charset="0"/>
-              </a:rPr>
-              <a:t>add_src_nodes</a:t>
-            </a:r>
-            <a:r>
-              <a:rPr lang="en-US" sz="1100" b="0" dirty="0">
-                <a:solidFill>
-                  <a:srgbClr val="D4D4D4"/>
-                </a:solidFill>
-                <a:effectLst/>
-                <a:latin typeface="Consolas" panose="020B0609020204030204" pitchFamily="49" charset="0"/>
-              </a:rPr>
-              <a:t>(</a:t>
-            </a:r>
-            <a:r>
-              <a:rPr lang="en-US" sz="1100" b="0" dirty="0">
-                <a:solidFill>
-                  <a:srgbClr val="9CDCFE"/>
-                </a:solidFill>
-                <a:effectLst/>
-                <a:latin typeface="Consolas" panose="020B0609020204030204" pitchFamily="49" charset="0"/>
-              </a:rPr>
-              <a:t>node</a:t>
-            </a:r>
-            <a:r>
-              <a:rPr lang="en-US" sz="1100" b="0" dirty="0">
-                <a:solidFill>
-                  <a:srgbClr val="D4D4D4"/>
-                </a:solidFill>
-                <a:effectLst/>
-                <a:latin typeface="Consolas" panose="020B0609020204030204" pitchFamily="49" charset="0"/>
-              </a:rPr>
-              <a:t>, </a:t>
-            </a:r>
-            <a:r>
-              <a:rPr lang="en-US" sz="1100" b="0" dirty="0" err="1">
-                <a:solidFill>
-                  <a:srgbClr val="9CDCFE"/>
-                </a:solidFill>
-                <a:effectLst/>
-                <a:latin typeface="Consolas" panose="020B0609020204030204" pitchFamily="49" charset="0"/>
-              </a:rPr>
-              <a:t>src_rule</a:t>
-            </a:r>
-            <a:r>
-              <a:rPr lang="en-US" sz="1100" b="0" dirty="0">
-                <a:solidFill>
-                  <a:srgbClr val="D4D4D4"/>
-                </a:solidFill>
-                <a:effectLst/>
-                <a:latin typeface="Consolas" panose="020B0609020204030204" pitchFamily="49" charset="0"/>
-              </a:rPr>
-              <a:t>, </a:t>
-            </a:r>
-            <a:r>
-              <a:rPr lang="en-US" sz="1100" b="0" dirty="0">
-                <a:solidFill>
-                  <a:srgbClr val="9CDCFE"/>
-                </a:solidFill>
-                <a:effectLst/>
-                <a:latin typeface="Consolas" panose="020B0609020204030204" pitchFamily="49" charset="0"/>
-              </a:rPr>
-              <a:t>index</a:t>
-            </a:r>
-            <a:r>
-              <a:rPr lang="en-US" sz="1100" b="0" dirty="0">
-                <a:solidFill>
-                  <a:srgbClr val="D4D4D4"/>
-                </a:solidFill>
-                <a:effectLst/>
-                <a:latin typeface="Consolas" panose="020B0609020204030204" pitchFamily="49" charset="0"/>
-              </a:rPr>
-              <a:t>, </a:t>
-            </a:r>
-            <a:r>
-              <a:rPr lang="en-US" sz="1100" b="0" dirty="0" err="1">
-                <a:solidFill>
-                  <a:srgbClr val="9CDCFE"/>
-                </a:solidFill>
-                <a:effectLst/>
-                <a:latin typeface="Consolas" panose="020B0609020204030204" pitchFamily="49" charset="0"/>
-              </a:rPr>
-              <a:t>dst_rule</a:t>
-            </a:r>
-            <a:r>
-              <a:rPr lang="en-US" sz="1100" b="0" dirty="0">
-                <a:solidFill>
-                  <a:srgbClr val="D4D4D4"/>
-                </a:solidFill>
-                <a:effectLst/>
-                <a:latin typeface="Consolas" panose="020B0609020204030204" pitchFamily="49" charset="0"/>
-              </a:rPr>
-              <a:t>, </a:t>
-            </a:r>
-            <a:r>
-              <a:rPr lang="en-US" sz="1100" b="0" dirty="0" err="1">
-                <a:solidFill>
-                  <a:srgbClr val="9CDCFE"/>
-                </a:solidFill>
-                <a:effectLst/>
-                <a:latin typeface="Consolas" panose="020B0609020204030204" pitchFamily="49" charset="0"/>
-              </a:rPr>
-              <a:t>rule_index</a:t>
-            </a:r>
-            <a:r>
-              <a:rPr lang="en-US" sz="1100" b="0" dirty="0">
-                <a:solidFill>
-                  <a:srgbClr val="D4D4D4"/>
-                </a:solidFill>
-                <a:effectLst/>
-                <a:latin typeface="Consolas" panose="020B0609020204030204" pitchFamily="49" charset="0"/>
-              </a:rPr>
-              <a:t>):</a:t>
-            </a:r>
-          </a:p>
-          <a:p>
-            <a:r>
-              <a:rPr lang="en-US" sz="1100" b="0" dirty="0">
-                <a:solidFill>
-                  <a:srgbClr val="D4D4D4"/>
-                </a:solidFill>
-                <a:effectLst/>
-                <a:latin typeface="Consolas" panose="020B0609020204030204" pitchFamily="49" charset="0"/>
-              </a:rPr>
-              <a:t>    </a:t>
-            </a:r>
-          </a:p>
-          <a:p>
-            <a:r>
-              <a:rPr lang="en-US" sz="1100" b="0" dirty="0">
-                <a:solidFill>
-                  <a:srgbClr val="D4D4D4"/>
-                </a:solidFill>
-                <a:effectLst/>
-                <a:latin typeface="Consolas" panose="020B0609020204030204" pitchFamily="49" charset="0"/>
-              </a:rPr>
-              <a:t>    </a:t>
-            </a:r>
-            <a:r>
-              <a:rPr lang="en-US" sz="1100" b="0" dirty="0">
-                <a:solidFill>
-                  <a:srgbClr val="C586C0"/>
-                </a:solidFill>
-                <a:effectLst/>
-                <a:latin typeface="Consolas" panose="020B0609020204030204" pitchFamily="49" charset="0"/>
-              </a:rPr>
-              <a:t>if</a:t>
-            </a:r>
-            <a:r>
-              <a:rPr lang="en-US" sz="1100" b="0" dirty="0">
-                <a:solidFill>
-                  <a:srgbClr val="D4D4D4"/>
-                </a:solidFill>
-                <a:effectLst/>
-                <a:latin typeface="Consolas" panose="020B0609020204030204" pitchFamily="49" charset="0"/>
-              </a:rPr>
-              <a:t> </a:t>
-            </a:r>
-            <a:r>
-              <a:rPr lang="en-US" sz="1100" b="0" dirty="0" err="1">
-                <a:solidFill>
-                  <a:srgbClr val="D4D4D4"/>
-                </a:solidFill>
-                <a:effectLst/>
-                <a:latin typeface="Consolas" panose="020B0609020204030204" pitchFamily="49" charset="0"/>
-              </a:rPr>
-              <a:t>src_rule</a:t>
-            </a:r>
-            <a:r>
-              <a:rPr lang="en-US" sz="1100" b="0" dirty="0">
-                <a:solidFill>
-                  <a:srgbClr val="D4D4D4"/>
-                </a:solidFill>
-                <a:effectLst/>
-                <a:latin typeface="Consolas" panose="020B0609020204030204" pitchFamily="49" charset="0"/>
-              </a:rPr>
-              <a:t> </a:t>
-            </a:r>
-            <a:r>
-              <a:rPr lang="en-US" sz="1100" b="0" dirty="0">
-                <a:solidFill>
-                  <a:srgbClr val="569CD6"/>
-                </a:solidFill>
-                <a:effectLst/>
-                <a:latin typeface="Consolas" panose="020B0609020204030204" pitchFamily="49" charset="0"/>
-              </a:rPr>
-              <a:t>is</a:t>
-            </a:r>
-            <a:r>
-              <a:rPr lang="en-US" sz="1100" b="0" dirty="0">
-                <a:solidFill>
-                  <a:srgbClr val="D4D4D4"/>
-                </a:solidFill>
-                <a:effectLst/>
-                <a:latin typeface="Consolas" panose="020B0609020204030204" pitchFamily="49" charset="0"/>
-              </a:rPr>
-              <a:t> </a:t>
-            </a:r>
-            <a:r>
-              <a:rPr lang="en-US" sz="1100" b="0" dirty="0">
-                <a:solidFill>
-                  <a:srgbClr val="569CD6"/>
-                </a:solidFill>
-                <a:effectLst/>
-                <a:latin typeface="Consolas" panose="020B0609020204030204" pitchFamily="49" charset="0"/>
-              </a:rPr>
-              <a:t>None</a:t>
-            </a:r>
-            <a:r>
-              <a:rPr lang="en-US" sz="1100" b="0" dirty="0">
-                <a:solidFill>
-                  <a:srgbClr val="D4D4D4"/>
-                </a:solidFill>
-                <a:effectLst/>
-                <a:latin typeface="Consolas" panose="020B0609020204030204" pitchFamily="49" charset="0"/>
-              </a:rPr>
-              <a:t>:</a:t>
-            </a:r>
-          </a:p>
-          <a:p>
-            <a:r>
-              <a:rPr lang="en-US" sz="1100" b="0" dirty="0">
-                <a:solidFill>
-                  <a:srgbClr val="D4D4D4"/>
-                </a:solidFill>
-                <a:effectLst/>
-                <a:latin typeface="Consolas" panose="020B0609020204030204" pitchFamily="49" charset="0"/>
-              </a:rPr>
-              <a:t>        </a:t>
-            </a:r>
-            <a:r>
-              <a:rPr lang="en-US" sz="1100" b="0" dirty="0" err="1">
-                <a:solidFill>
-                  <a:srgbClr val="D4D4D4"/>
-                </a:solidFill>
-                <a:effectLst/>
-                <a:latin typeface="Consolas" panose="020B0609020204030204" pitchFamily="49" charset="0"/>
-              </a:rPr>
-              <a:t>src_rule</a:t>
-            </a:r>
-            <a:r>
-              <a:rPr lang="en-US" sz="1100" b="0" dirty="0">
-                <a:solidFill>
-                  <a:srgbClr val="D4D4D4"/>
-                </a:solidFill>
-                <a:effectLst/>
-                <a:latin typeface="Consolas" panose="020B0609020204030204" pitchFamily="49" charset="0"/>
-              </a:rPr>
-              <a:t>=[]</a:t>
-            </a:r>
-          </a:p>
-          <a:p>
-            <a:r>
-              <a:rPr lang="en-US" sz="1100" b="0" dirty="0">
-                <a:solidFill>
-                  <a:srgbClr val="D4D4D4"/>
-                </a:solidFill>
-                <a:effectLst/>
-                <a:latin typeface="Consolas" panose="020B0609020204030204" pitchFamily="49" charset="0"/>
-              </a:rPr>
-              <a:t>    </a:t>
-            </a:r>
-          </a:p>
-          <a:p>
-            <a:r>
-              <a:rPr lang="en-US" sz="1100" b="0" dirty="0">
-                <a:solidFill>
-                  <a:srgbClr val="D4D4D4"/>
-                </a:solidFill>
-                <a:effectLst/>
-                <a:latin typeface="Consolas" panose="020B0609020204030204" pitchFamily="49" charset="0"/>
-              </a:rPr>
-              <a:t>    </a:t>
-            </a:r>
-            <a:r>
-              <a:rPr lang="en-US" sz="1100" b="0" dirty="0">
-                <a:solidFill>
-                  <a:srgbClr val="C586C0"/>
-                </a:solidFill>
-                <a:effectLst/>
-                <a:latin typeface="Consolas" panose="020B0609020204030204" pitchFamily="49" charset="0"/>
-              </a:rPr>
-              <a:t>if</a:t>
-            </a:r>
-            <a:r>
-              <a:rPr lang="en-US" sz="1100" b="0" dirty="0">
-                <a:solidFill>
-                  <a:srgbClr val="D4D4D4"/>
-                </a:solidFill>
-                <a:effectLst/>
-                <a:latin typeface="Consolas" panose="020B0609020204030204" pitchFamily="49" charset="0"/>
-              </a:rPr>
-              <a:t> </a:t>
-            </a:r>
-            <a:r>
-              <a:rPr lang="en-US" sz="1100" b="0" dirty="0" err="1">
-                <a:solidFill>
-                  <a:srgbClr val="DCDCAA"/>
-                </a:solidFill>
-                <a:effectLst/>
-                <a:latin typeface="Consolas" panose="020B0609020204030204" pitchFamily="49" charset="0"/>
-              </a:rPr>
-              <a:t>len</a:t>
-            </a:r>
-            <a:r>
-              <a:rPr lang="en-US" sz="1100" b="0" dirty="0">
-                <a:solidFill>
-                  <a:srgbClr val="D4D4D4"/>
-                </a:solidFill>
-                <a:effectLst/>
-                <a:latin typeface="Consolas" panose="020B0609020204030204" pitchFamily="49" charset="0"/>
-              </a:rPr>
-              <a:t>(</a:t>
-            </a:r>
-            <a:r>
-              <a:rPr lang="en-US" sz="1100" b="0" dirty="0" err="1">
-                <a:solidFill>
-                  <a:srgbClr val="D4D4D4"/>
-                </a:solidFill>
-                <a:effectLst/>
-                <a:latin typeface="Consolas" panose="020B0609020204030204" pitchFamily="49" charset="0"/>
-              </a:rPr>
-              <a:t>src_rule</a:t>
-            </a:r>
-            <a:r>
-              <a:rPr lang="en-US" sz="1100" b="0" dirty="0">
-                <a:solidFill>
-                  <a:srgbClr val="D4D4D4"/>
-                </a:solidFill>
-                <a:effectLst/>
-                <a:latin typeface="Consolas" panose="020B0609020204030204" pitchFamily="49" charset="0"/>
-              </a:rPr>
-              <a:t>) &lt;= index :</a:t>
-            </a:r>
-          </a:p>
-          <a:p>
-            <a:r>
-              <a:rPr lang="en-US" sz="1100" b="0" dirty="0">
-                <a:solidFill>
-                  <a:srgbClr val="D4D4D4"/>
-                </a:solidFill>
-                <a:effectLst/>
-                <a:latin typeface="Consolas" panose="020B0609020204030204" pitchFamily="49" charset="0"/>
-              </a:rPr>
-              <a:t>        </a:t>
-            </a:r>
-          </a:p>
-          <a:p>
-            <a:r>
-              <a:rPr lang="en-US" sz="1100" b="0" dirty="0">
-                <a:solidFill>
-                  <a:srgbClr val="D4D4D4"/>
-                </a:solidFill>
-                <a:effectLst/>
-                <a:latin typeface="Consolas" panose="020B0609020204030204" pitchFamily="49" charset="0"/>
-              </a:rPr>
-              <a:t>        </a:t>
-            </a:r>
-            <a:r>
-              <a:rPr lang="en-US" sz="1100" b="0" dirty="0">
-                <a:solidFill>
-                  <a:srgbClr val="C586C0"/>
-                </a:solidFill>
-                <a:effectLst/>
-                <a:latin typeface="Consolas" panose="020B0609020204030204" pitchFamily="49" charset="0"/>
-              </a:rPr>
-              <a:t>if</a:t>
-            </a:r>
-            <a:r>
-              <a:rPr lang="en-US" sz="1100" b="0" dirty="0">
-                <a:solidFill>
-                  <a:srgbClr val="D4D4D4"/>
-                </a:solidFill>
-                <a:effectLst/>
-                <a:latin typeface="Consolas" panose="020B0609020204030204" pitchFamily="49" charset="0"/>
-              </a:rPr>
-              <a:t> </a:t>
-            </a:r>
-            <a:r>
-              <a:rPr lang="en-US" sz="1100" b="0" dirty="0" err="1">
-                <a:solidFill>
-                  <a:srgbClr val="D4D4D4"/>
-                </a:solidFill>
-                <a:effectLst/>
-                <a:latin typeface="Consolas" panose="020B0609020204030204" pitchFamily="49" charset="0"/>
-              </a:rPr>
-              <a:t>dst_rule</a:t>
-            </a:r>
-            <a:r>
-              <a:rPr lang="en-US" sz="1100" b="0" dirty="0">
-                <a:solidFill>
-                  <a:srgbClr val="D4D4D4"/>
-                </a:solidFill>
-                <a:effectLst/>
-                <a:latin typeface="Consolas" panose="020B0609020204030204" pitchFamily="49" charset="0"/>
-              </a:rPr>
-              <a:t> </a:t>
-            </a:r>
-            <a:r>
-              <a:rPr lang="en-US" sz="1100" b="0" dirty="0">
-                <a:solidFill>
-                  <a:srgbClr val="569CD6"/>
-                </a:solidFill>
-                <a:effectLst/>
-                <a:latin typeface="Consolas" panose="020B0609020204030204" pitchFamily="49" charset="0"/>
-              </a:rPr>
-              <a:t>is</a:t>
-            </a:r>
-            <a:r>
-              <a:rPr lang="en-US" sz="1100" b="0" dirty="0">
-                <a:solidFill>
-                  <a:srgbClr val="D4D4D4"/>
-                </a:solidFill>
-                <a:effectLst/>
-                <a:latin typeface="Consolas" panose="020B0609020204030204" pitchFamily="49" charset="0"/>
-              </a:rPr>
-              <a:t> </a:t>
-            </a:r>
-            <a:r>
-              <a:rPr lang="en-US" sz="1100" b="0" dirty="0">
-                <a:solidFill>
-                  <a:srgbClr val="569CD6"/>
-                </a:solidFill>
-                <a:effectLst/>
-                <a:latin typeface="Consolas" panose="020B0609020204030204" pitchFamily="49" charset="0"/>
-              </a:rPr>
-              <a:t>None</a:t>
-            </a:r>
-            <a:r>
-              <a:rPr lang="en-US" sz="1100" b="0" dirty="0">
-                <a:solidFill>
-                  <a:srgbClr val="D4D4D4"/>
-                </a:solidFill>
-                <a:effectLst/>
-                <a:latin typeface="Consolas" panose="020B0609020204030204" pitchFamily="49" charset="0"/>
-              </a:rPr>
-              <a:t>:</a:t>
-            </a:r>
-          </a:p>
-          <a:p>
-            <a:r>
-              <a:rPr lang="en-US" sz="1100" b="0" dirty="0">
-                <a:solidFill>
-                  <a:srgbClr val="D4D4D4"/>
-                </a:solidFill>
-                <a:effectLst/>
-                <a:latin typeface="Consolas" panose="020B0609020204030204" pitchFamily="49" charset="0"/>
-              </a:rPr>
-              <a:t>            </a:t>
-            </a:r>
-            <a:r>
-              <a:rPr lang="en-US" sz="1100" b="0" dirty="0">
-                <a:solidFill>
-                  <a:srgbClr val="C586C0"/>
-                </a:solidFill>
-                <a:effectLst/>
-                <a:latin typeface="Consolas" panose="020B0609020204030204" pitchFamily="49" charset="0"/>
-              </a:rPr>
-              <a:t>if</a:t>
-            </a:r>
-            <a:r>
-              <a:rPr lang="en-US" sz="1100" b="0" dirty="0">
-                <a:solidFill>
-                  <a:srgbClr val="D4D4D4"/>
-                </a:solidFill>
-                <a:effectLst/>
-                <a:latin typeface="Consolas" panose="020B0609020204030204" pitchFamily="49" charset="0"/>
-              </a:rPr>
-              <a:t> </a:t>
-            </a:r>
-            <a:r>
-              <a:rPr lang="en-US" sz="1100" b="0" dirty="0">
-                <a:solidFill>
-                  <a:srgbClr val="569CD6"/>
-                </a:solidFill>
-                <a:effectLst/>
-                <a:latin typeface="Consolas" panose="020B0609020204030204" pitchFamily="49" charset="0"/>
-              </a:rPr>
-              <a:t>not</a:t>
-            </a:r>
-            <a:r>
-              <a:rPr lang="en-US" sz="1100" b="0" dirty="0">
-                <a:solidFill>
-                  <a:srgbClr val="D4D4D4"/>
-                </a:solidFill>
-                <a:effectLst/>
-                <a:latin typeface="Consolas" panose="020B0609020204030204" pitchFamily="49" charset="0"/>
-              </a:rPr>
-              <a:t> </a:t>
-            </a:r>
-            <a:r>
-              <a:rPr lang="en-US" sz="1100" b="0" dirty="0" err="1">
-                <a:solidFill>
-                  <a:srgbClr val="D4D4D4"/>
-                </a:solidFill>
-                <a:effectLst/>
-                <a:latin typeface="Consolas" panose="020B0609020204030204" pitchFamily="49" charset="0"/>
-              </a:rPr>
-              <a:t>node.end</a:t>
-            </a:r>
-            <a:r>
-              <a:rPr lang="en-US" sz="1100" b="0" dirty="0">
-                <a:solidFill>
-                  <a:srgbClr val="D4D4D4"/>
-                </a:solidFill>
-                <a:effectLst/>
-                <a:latin typeface="Consolas" panose="020B0609020204030204" pitchFamily="49" charset="0"/>
-              </a:rPr>
-              <a:t>:</a:t>
-            </a:r>
-          </a:p>
-          <a:p>
-            <a:r>
-              <a:rPr lang="en-US" sz="1100" b="0" dirty="0">
-                <a:solidFill>
-                  <a:srgbClr val="D4D4D4"/>
-                </a:solidFill>
-                <a:effectLst/>
-                <a:latin typeface="Consolas" panose="020B0609020204030204" pitchFamily="49" charset="0"/>
-              </a:rPr>
-              <a:t>                </a:t>
-            </a:r>
-            <a:r>
-              <a:rPr lang="en-US" sz="1100" b="0" dirty="0" err="1">
-                <a:solidFill>
-                  <a:srgbClr val="D4D4D4"/>
-                </a:solidFill>
-                <a:effectLst/>
-                <a:latin typeface="Consolas" panose="020B0609020204030204" pitchFamily="49" charset="0"/>
-              </a:rPr>
-              <a:t>node.node_rules</a:t>
-            </a:r>
-            <a:r>
-              <a:rPr lang="en-US" sz="1100" b="0" dirty="0">
-                <a:solidFill>
-                  <a:srgbClr val="D4D4D4"/>
-                </a:solidFill>
-                <a:effectLst/>
-                <a:latin typeface="Consolas" panose="020B0609020204030204" pitchFamily="49" charset="0"/>
-              </a:rPr>
-              <a:t> = []</a:t>
-            </a:r>
-          </a:p>
-          <a:p>
-            <a:r>
-              <a:rPr lang="en-US" sz="1100" b="0" dirty="0">
-                <a:solidFill>
-                  <a:srgbClr val="D4D4D4"/>
-                </a:solidFill>
-                <a:effectLst/>
-                <a:latin typeface="Consolas" panose="020B0609020204030204" pitchFamily="49" charset="0"/>
-              </a:rPr>
-              <a:t>            </a:t>
-            </a:r>
-            <a:r>
-              <a:rPr lang="en-US" sz="1100" b="0" dirty="0" err="1">
-                <a:solidFill>
-                  <a:srgbClr val="D4D4D4"/>
-                </a:solidFill>
-                <a:effectLst/>
-                <a:latin typeface="Consolas" panose="020B0609020204030204" pitchFamily="49" charset="0"/>
-              </a:rPr>
-              <a:t>node.end</a:t>
-            </a:r>
-            <a:r>
-              <a:rPr lang="en-US" sz="1100" b="0" dirty="0">
-                <a:solidFill>
-                  <a:srgbClr val="D4D4D4"/>
-                </a:solidFill>
-                <a:effectLst/>
-                <a:latin typeface="Consolas" panose="020B0609020204030204" pitchFamily="49" charset="0"/>
-              </a:rPr>
-              <a:t> = </a:t>
-            </a:r>
-            <a:r>
-              <a:rPr lang="en-US" sz="1100" b="0" dirty="0">
-                <a:solidFill>
-                  <a:srgbClr val="569CD6"/>
-                </a:solidFill>
-                <a:effectLst/>
-                <a:latin typeface="Consolas" panose="020B0609020204030204" pitchFamily="49" charset="0"/>
-              </a:rPr>
-              <a:t>True</a:t>
-            </a:r>
-            <a:endParaRPr lang="en-US" sz="1100" b="0" dirty="0">
-              <a:solidFill>
-                <a:srgbClr val="D4D4D4"/>
-              </a:solidFill>
-              <a:effectLst/>
-              <a:latin typeface="Consolas" panose="020B0609020204030204" pitchFamily="49" charset="0"/>
-            </a:endParaRPr>
-          </a:p>
-          <a:p>
-            <a:r>
-              <a:rPr lang="en-US" sz="1100" b="0" dirty="0">
-                <a:solidFill>
-                  <a:srgbClr val="D4D4D4"/>
-                </a:solidFill>
-                <a:effectLst/>
-                <a:latin typeface="Consolas" panose="020B0609020204030204" pitchFamily="49" charset="0"/>
-              </a:rPr>
-              <a:t>            </a:t>
-            </a:r>
-            <a:r>
-              <a:rPr lang="en-US" sz="1100" b="0" dirty="0" err="1">
-                <a:solidFill>
-                  <a:srgbClr val="D4D4D4"/>
-                </a:solidFill>
-                <a:effectLst/>
-                <a:latin typeface="Consolas" panose="020B0609020204030204" pitchFamily="49" charset="0"/>
-              </a:rPr>
-              <a:t>node.node_rules.append</a:t>
-            </a:r>
-            <a:r>
-              <a:rPr lang="en-US" sz="1100" b="0" dirty="0">
-                <a:solidFill>
-                  <a:srgbClr val="D4D4D4"/>
-                </a:solidFill>
-                <a:effectLst/>
-                <a:latin typeface="Consolas" panose="020B0609020204030204" pitchFamily="49" charset="0"/>
-              </a:rPr>
-              <a:t>(</a:t>
-            </a:r>
-            <a:r>
-              <a:rPr lang="en-US" sz="1100" b="0" dirty="0" err="1">
-                <a:solidFill>
-                  <a:srgbClr val="D4D4D4"/>
-                </a:solidFill>
-                <a:effectLst/>
-                <a:latin typeface="Consolas" panose="020B0609020204030204" pitchFamily="49" charset="0"/>
-              </a:rPr>
-              <a:t>rule_index</a:t>
-            </a:r>
-            <a:r>
-              <a:rPr lang="en-US" sz="1100" b="0" dirty="0">
-                <a:solidFill>
-                  <a:srgbClr val="D4D4D4"/>
-                </a:solidFill>
-                <a:effectLst/>
-                <a:latin typeface="Consolas" panose="020B0609020204030204" pitchFamily="49" charset="0"/>
-              </a:rPr>
-              <a:t>)</a:t>
-            </a:r>
-          </a:p>
-          <a:p>
-            <a:r>
-              <a:rPr lang="en-US" sz="1100" b="0" dirty="0">
-                <a:solidFill>
-                  <a:srgbClr val="D4D4D4"/>
-                </a:solidFill>
-                <a:effectLst/>
-                <a:latin typeface="Consolas" panose="020B0609020204030204" pitchFamily="49" charset="0"/>
-              </a:rPr>
-              <a:t>            </a:t>
-            </a:r>
-            <a:r>
-              <a:rPr lang="en-US" sz="1100" b="0" dirty="0">
-                <a:solidFill>
-                  <a:srgbClr val="C586C0"/>
-                </a:solidFill>
-                <a:effectLst/>
-                <a:latin typeface="Consolas" panose="020B0609020204030204" pitchFamily="49" charset="0"/>
-              </a:rPr>
-              <a:t>return</a:t>
-            </a:r>
-            <a:endParaRPr lang="en-US" sz="1100" b="0" dirty="0">
-              <a:solidFill>
-                <a:srgbClr val="D4D4D4"/>
-              </a:solidFill>
-              <a:effectLst/>
-              <a:latin typeface="Consolas" panose="020B0609020204030204" pitchFamily="49" charset="0"/>
-            </a:endParaRPr>
-          </a:p>
-        </p:txBody>
-      </p:sp>
-      <p:sp>
-        <p:nvSpPr>
-          <p:cNvPr id="12" name="TextBox 11">
-            <a:extLst>
-              <a:ext uri="{FF2B5EF4-FFF2-40B4-BE49-F238E27FC236}">
-                <a16:creationId xmlns:a16="http://schemas.microsoft.com/office/drawing/2014/main" id="{C33366EA-2EF0-408B-A11D-DD8F0FF4F3E3}"/>
-              </a:ext>
-            </a:extLst>
-          </p:cNvPr>
-          <p:cNvSpPr txBox="1"/>
-          <p:nvPr/>
-        </p:nvSpPr>
-        <p:spPr>
-          <a:xfrm>
-            <a:off x="6096000" y="1196391"/>
-            <a:ext cx="5727541" cy="2462213"/>
-          </a:xfrm>
-          <a:prstGeom prst="rect">
-            <a:avLst/>
-          </a:prstGeom>
-          <a:noFill/>
-        </p:spPr>
-        <p:txBody>
-          <a:bodyPr wrap="square">
-            <a:spAutoFit/>
-          </a:bodyPr>
-          <a:lstStyle/>
-          <a:p>
-            <a:r>
-              <a:rPr lang="en-US" sz="1100" b="0" dirty="0">
-                <a:solidFill>
-                  <a:srgbClr val="D4D4D4"/>
-                </a:solidFill>
-                <a:effectLst/>
-                <a:latin typeface="Consolas" panose="020B0609020204030204" pitchFamily="49" charset="0"/>
-              </a:rPr>
-              <a:t>        </a:t>
-            </a:r>
-            <a:r>
-              <a:rPr lang="en-US" sz="1100" b="0" dirty="0">
-                <a:solidFill>
-                  <a:srgbClr val="C586C0"/>
-                </a:solidFill>
-                <a:effectLst/>
-                <a:latin typeface="Consolas" panose="020B0609020204030204" pitchFamily="49" charset="0"/>
-              </a:rPr>
-              <a:t>if</a:t>
-            </a:r>
-            <a:r>
-              <a:rPr lang="en-US" sz="1100" b="0" dirty="0">
-                <a:solidFill>
-                  <a:srgbClr val="D4D4D4"/>
-                </a:solidFill>
-                <a:effectLst/>
-                <a:latin typeface="Consolas" panose="020B0609020204030204" pitchFamily="49" charset="0"/>
-              </a:rPr>
-              <a:t> </a:t>
-            </a:r>
-            <a:r>
-              <a:rPr lang="en-US" sz="1100" b="0" dirty="0" err="1">
-                <a:solidFill>
-                  <a:srgbClr val="D4D4D4"/>
-                </a:solidFill>
-                <a:effectLst/>
-                <a:latin typeface="Consolas" panose="020B0609020204030204" pitchFamily="49" charset="0"/>
-              </a:rPr>
-              <a:t>node.dst_root</a:t>
-            </a:r>
-            <a:r>
-              <a:rPr lang="en-US" sz="1100" b="0" dirty="0">
-                <a:solidFill>
-                  <a:srgbClr val="D4D4D4"/>
-                </a:solidFill>
-                <a:effectLst/>
-                <a:latin typeface="Consolas" panose="020B0609020204030204" pitchFamily="49" charset="0"/>
-              </a:rPr>
-              <a:t> </a:t>
-            </a:r>
-            <a:r>
-              <a:rPr lang="en-US" sz="1100" b="0" dirty="0">
-                <a:solidFill>
-                  <a:srgbClr val="569CD6"/>
-                </a:solidFill>
-                <a:effectLst/>
-                <a:latin typeface="Consolas" panose="020B0609020204030204" pitchFamily="49" charset="0"/>
-              </a:rPr>
-              <a:t>is</a:t>
-            </a:r>
-            <a:r>
-              <a:rPr lang="en-US" sz="1100" b="0" dirty="0">
-                <a:solidFill>
-                  <a:srgbClr val="D4D4D4"/>
-                </a:solidFill>
-                <a:effectLst/>
-                <a:latin typeface="Consolas" panose="020B0609020204030204" pitchFamily="49" charset="0"/>
-              </a:rPr>
-              <a:t> </a:t>
-            </a:r>
-            <a:r>
-              <a:rPr lang="en-US" sz="1100" b="0" dirty="0">
-                <a:solidFill>
-                  <a:srgbClr val="569CD6"/>
-                </a:solidFill>
-                <a:effectLst/>
-                <a:latin typeface="Consolas" panose="020B0609020204030204" pitchFamily="49" charset="0"/>
-              </a:rPr>
-              <a:t>None</a:t>
-            </a:r>
-            <a:r>
-              <a:rPr lang="en-US" sz="1100" b="0" dirty="0">
-                <a:solidFill>
-                  <a:srgbClr val="D4D4D4"/>
-                </a:solidFill>
-                <a:effectLst/>
-                <a:latin typeface="Consolas" panose="020B0609020204030204" pitchFamily="49" charset="0"/>
-              </a:rPr>
-              <a:t>:</a:t>
-            </a:r>
-          </a:p>
-          <a:p>
-            <a:r>
-              <a:rPr lang="en-US" sz="1100" b="0" dirty="0">
-                <a:solidFill>
-                  <a:srgbClr val="D4D4D4"/>
-                </a:solidFill>
-                <a:effectLst/>
-                <a:latin typeface="Consolas" panose="020B0609020204030204" pitchFamily="49" charset="0"/>
-              </a:rPr>
-              <a:t>            </a:t>
-            </a:r>
-            <a:r>
-              <a:rPr lang="en-US" sz="1100" b="0" dirty="0" err="1">
-                <a:solidFill>
-                  <a:srgbClr val="D4D4D4"/>
-                </a:solidFill>
-                <a:effectLst/>
-                <a:latin typeface="Consolas" panose="020B0609020204030204" pitchFamily="49" charset="0"/>
-              </a:rPr>
-              <a:t>node.dst_root</a:t>
-            </a:r>
-            <a:r>
-              <a:rPr lang="en-US" sz="1100" b="0" dirty="0">
-                <a:solidFill>
-                  <a:srgbClr val="D4D4D4"/>
-                </a:solidFill>
-                <a:effectLst/>
-                <a:latin typeface="Consolas" panose="020B0609020204030204" pitchFamily="49" charset="0"/>
-              </a:rPr>
-              <a:t> = Node(</a:t>
-            </a:r>
-            <a:r>
-              <a:rPr lang="en-US" sz="1100" b="0" dirty="0">
-                <a:solidFill>
-                  <a:srgbClr val="9CDCFE"/>
-                </a:solidFill>
-                <a:effectLst/>
-                <a:latin typeface="Consolas" panose="020B0609020204030204" pitchFamily="49" charset="0"/>
-              </a:rPr>
-              <a:t>value</a:t>
-            </a:r>
-            <a:r>
-              <a:rPr lang="en-US" sz="1100" b="0" dirty="0">
-                <a:solidFill>
-                  <a:srgbClr val="D4D4D4"/>
-                </a:solidFill>
-                <a:effectLst/>
-                <a:latin typeface="Consolas" panose="020B0609020204030204" pitchFamily="49" charset="0"/>
-              </a:rPr>
-              <a:t>=</a:t>
-            </a:r>
-            <a:r>
-              <a:rPr lang="en-US" sz="1100" b="0" dirty="0">
-                <a:solidFill>
-                  <a:srgbClr val="CE9178"/>
-                </a:solidFill>
-                <a:effectLst/>
-                <a:latin typeface="Consolas" panose="020B0609020204030204" pitchFamily="49" charset="0"/>
-              </a:rPr>
-              <a:t>"#"</a:t>
-            </a:r>
-            <a:r>
-              <a:rPr lang="en-US" sz="1100" b="0" dirty="0">
-                <a:solidFill>
-                  <a:srgbClr val="D4D4D4"/>
-                </a:solidFill>
-                <a:effectLst/>
-                <a:latin typeface="Consolas" panose="020B0609020204030204" pitchFamily="49" charset="0"/>
-              </a:rPr>
-              <a:t>)</a:t>
-            </a:r>
-          </a:p>
-          <a:p>
-            <a:r>
-              <a:rPr lang="en-US" sz="1100" b="0" dirty="0">
-                <a:solidFill>
-                  <a:srgbClr val="D4D4D4"/>
-                </a:solidFill>
-                <a:effectLst/>
-                <a:latin typeface="Consolas" panose="020B0609020204030204" pitchFamily="49" charset="0"/>
-              </a:rPr>
-              <a:t>        </a:t>
-            </a:r>
-            <a:r>
-              <a:rPr lang="en-US" sz="1100" b="0" dirty="0" err="1">
-                <a:solidFill>
-                  <a:srgbClr val="D4D4D4"/>
-                </a:solidFill>
-                <a:effectLst/>
-                <a:latin typeface="Consolas" panose="020B0609020204030204" pitchFamily="49" charset="0"/>
-              </a:rPr>
-              <a:t>add_dst_nodes</a:t>
-            </a:r>
-            <a:r>
-              <a:rPr lang="en-US" sz="1100" b="0" dirty="0">
-                <a:solidFill>
-                  <a:srgbClr val="D4D4D4"/>
-                </a:solidFill>
-                <a:effectLst/>
-                <a:latin typeface="Consolas" panose="020B0609020204030204" pitchFamily="49" charset="0"/>
-              </a:rPr>
-              <a:t>(</a:t>
-            </a:r>
-            <a:r>
-              <a:rPr lang="en-US" sz="1100" b="0" dirty="0" err="1">
-                <a:solidFill>
-                  <a:srgbClr val="D4D4D4"/>
-                </a:solidFill>
-                <a:effectLst/>
-                <a:latin typeface="Consolas" panose="020B0609020204030204" pitchFamily="49" charset="0"/>
-              </a:rPr>
-              <a:t>node.dst_root</a:t>
-            </a:r>
-            <a:r>
-              <a:rPr lang="en-US" sz="1100" b="0" dirty="0">
-                <a:solidFill>
-                  <a:srgbClr val="D4D4D4"/>
-                </a:solidFill>
-                <a:effectLst/>
-                <a:latin typeface="Consolas" panose="020B0609020204030204" pitchFamily="49" charset="0"/>
-              </a:rPr>
-              <a:t>, </a:t>
-            </a:r>
-            <a:r>
-              <a:rPr lang="en-US" sz="1100" b="0" dirty="0" err="1">
-                <a:solidFill>
-                  <a:srgbClr val="D4D4D4"/>
-                </a:solidFill>
-                <a:effectLst/>
-                <a:latin typeface="Consolas" panose="020B0609020204030204" pitchFamily="49" charset="0"/>
-              </a:rPr>
-              <a:t>dst_rule</a:t>
-            </a:r>
-            <a:r>
-              <a:rPr lang="en-US" sz="1100" b="0" dirty="0">
-                <a:solidFill>
-                  <a:srgbClr val="D4D4D4"/>
-                </a:solidFill>
-                <a:effectLst/>
-                <a:latin typeface="Consolas" panose="020B0609020204030204" pitchFamily="49" charset="0"/>
-              </a:rPr>
-              <a:t>, </a:t>
-            </a:r>
-            <a:r>
-              <a:rPr lang="en-US" sz="1100" b="0" dirty="0">
-                <a:solidFill>
-                  <a:srgbClr val="B5CEA8"/>
-                </a:solidFill>
-                <a:effectLst/>
-                <a:latin typeface="Consolas" panose="020B0609020204030204" pitchFamily="49" charset="0"/>
-              </a:rPr>
-              <a:t>0</a:t>
-            </a:r>
-            <a:r>
-              <a:rPr lang="en-US" sz="1100" b="0" dirty="0">
-                <a:solidFill>
-                  <a:srgbClr val="D4D4D4"/>
-                </a:solidFill>
-                <a:effectLst/>
-                <a:latin typeface="Consolas" panose="020B0609020204030204" pitchFamily="49" charset="0"/>
-              </a:rPr>
-              <a:t>, </a:t>
-            </a:r>
-            <a:r>
-              <a:rPr lang="en-US" sz="1100" b="0" dirty="0" err="1">
-                <a:solidFill>
-                  <a:srgbClr val="D4D4D4"/>
-                </a:solidFill>
-                <a:effectLst/>
-                <a:latin typeface="Consolas" panose="020B0609020204030204" pitchFamily="49" charset="0"/>
-              </a:rPr>
-              <a:t>rule_index</a:t>
-            </a:r>
-            <a:r>
-              <a:rPr lang="en-US" sz="1100" b="0" dirty="0">
-                <a:solidFill>
-                  <a:srgbClr val="D4D4D4"/>
-                </a:solidFill>
-                <a:effectLst/>
-                <a:latin typeface="Consolas" panose="020B0609020204030204" pitchFamily="49" charset="0"/>
-              </a:rPr>
-              <a:t>)</a:t>
-            </a:r>
-          </a:p>
-          <a:p>
-            <a:r>
-              <a:rPr lang="en-US" sz="1100" b="0" dirty="0">
-                <a:solidFill>
-                  <a:srgbClr val="D4D4D4"/>
-                </a:solidFill>
-                <a:effectLst/>
-                <a:latin typeface="Consolas" panose="020B0609020204030204" pitchFamily="49" charset="0"/>
-              </a:rPr>
-              <a:t>        </a:t>
-            </a:r>
-            <a:r>
-              <a:rPr lang="en-US" sz="1100" b="0" dirty="0">
-                <a:solidFill>
-                  <a:srgbClr val="C586C0"/>
-                </a:solidFill>
-                <a:effectLst/>
-                <a:latin typeface="Consolas" panose="020B0609020204030204" pitchFamily="49" charset="0"/>
-              </a:rPr>
-              <a:t>return</a:t>
-            </a:r>
-            <a:endParaRPr lang="en-US" sz="1100" b="0" dirty="0">
-              <a:solidFill>
-                <a:srgbClr val="D4D4D4"/>
-              </a:solidFill>
-              <a:effectLst/>
-              <a:latin typeface="Consolas" panose="020B0609020204030204" pitchFamily="49" charset="0"/>
-            </a:endParaRPr>
-          </a:p>
-          <a:p>
-            <a:r>
-              <a:rPr lang="en-US" sz="1100" b="0" dirty="0">
-                <a:solidFill>
-                  <a:srgbClr val="D4D4D4"/>
-                </a:solidFill>
-                <a:effectLst/>
-                <a:latin typeface="Consolas" panose="020B0609020204030204" pitchFamily="49" charset="0"/>
-              </a:rPr>
-              <a:t>    </a:t>
-            </a:r>
-          </a:p>
-          <a:p>
-            <a:r>
-              <a:rPr lang="en-US" sz="1100" b="0" dirty="0">
-                <a:solidFill>
-                  <a:srgbClr val="D4D4D4"/>
-                </a:solidFill>
-                <a:effectLst/>
-                <a:latin typeface="Consolas" panose="020B0609020204030204" pitchFamily="49" charset="0"/>
-              </a:rPr>
-              <a:t>    </a:t>
-            </a:r>
-            <a:r>
-              <a:rPr lang="en-US" sz="1100" b="0" dirty="0">
-                <a:solidFill>
-                  <a:srgbClr val="C586C0"/>
-                </a:solidFill>
-                <a:effectLst/>
-                <a:latin typeface="Consolas" panose="020B0609020204030204" pitchFamily="49" charset="0"/>
-              </a:rPr>
-              <a:t>if</a:t>
-            </a:r>
-            <a:r>
-              <a:rPr lang="en-US" sz="1100" b="0" dirty="0">
-                <a:solidFill>
-                  <a:srgbClr val="D4D4D4"/>
-                </a:solidFill>
-                <a:effectLst/>
-                <a:latin typeface="Consolas" panose="020B0609020204030204" pitchFamily="49" charset="0"/>
-              </a:rPr>
-              <a:t> </a:t>
-            </a:r>
-            <a:r>
-              <a:rPr lang="en-US" sz="1100" b="0" dirty="0" err="1">
-                <a:solidFill>
-                  <a:srgbClr val="D4D4D4"/>
-                </a:solidFill>
-                <a:effectLst/>
-                <a:latin typeface="Consolas" panose="020B0609020204030204" pitchFamily="49" charset="0"/>
-              </a:rPr>
-              <a:t>src_rule</a:t>
-            </a:r>
-            <a:r>
-              <a:rPr lang="en-US" sz="1100" b="0" dirty="0">
-                <a:solidFill>
-                  <a:srgbClr val="D4D4D4"/>
-                </a:solidFill>
-                <a:effectLst/>
-                <a:latin typeface="Consolas" panose="020B0609020204030204" pitchFamily="49" charset="0"/>
-              </a:rPr>
-              <a:t>[index] == </a:t>
-            </a:r>
-            <a:r>
-              <a:rPr lang="en-US" sz="1100" b="0" dirty="0">
-                <a:solidFill>
-                  <a:srgbClr val="CE9178"/>
-                </a:solidFill>
-                <a:effectLst/>
-                <a:latin typeface="Consolas" panose="020B0609020204030204" pitchFamily="49" charset="0"/>
-              </a:rPr>
-              <a:t>"0"</a:t>
-            </a:r>
-            <a:r>
-              <a:rPr lang="en-US" sz="1100" b="0" dirty="0">
-                <a:solidFill>
-                  <a:srgbClr val="D4D4D4"/>
-                </a:solidFill>
-                <a:effectLst/>
-                <a:latin typeface="Consolas" panose="020B0609020204030204" pitchFamily="49" charset="0"/>
-              </a:rPr>
-              <a:t>:</a:t>
-            </a:r>
-          </a:p>
-          <a:p>
-            <a:r>
-              <a:rPr lang="en-US" sz="1100" b="0" dirty="0">
-                <a:solidFill>
-                  <a:srgbClr val="D4D4D4"/>
-                </a:solidFill>
-                <a:effectLst/>
-                <a:latin typeface="Consolas" panose="020B0609020204030204" pitchFamily="49" charset="0"/>
-              </a:rPr>
-              <a:t>        </a:t>
-            </a:r>
-            <a:r>
-              <a:rPr lang="en-US" sz="1100" b="0" dirty="0">
-                <a:solidFill>
-                  <a:srgbClr val="C586C0"/>
-                </a:solidFill>
-                <a:effectLst/>
-                <a:latin typeface="Consolas" panose="020B0609020204030204" pitchFamily="49" charset="0"/>
-              </a:rPr>
-              <a:t>if</a:t>
-            </a:r>
-            <a:r>
-              <a:rPr lang="en-US" sz="1100" b="0" dirty="0">
-                <a:solidFill>
-                  <a:srgbClr val="D4D4D4"/>
-                </a:solidFill>
-                <a:effectLst/>
-                <a:latin typeface="Consolas" panose="020B0609020204030204" pitchFamily="49" charset="0"/>
-              </a:rPr>
-              <a:t> </a:t>
-            </a:r>
-            <a:r>
-              <a:rPr lang="en-US" sz="1100" b="0" dirty="0" err="1">
-                <a:solidFill>
-                  <a:srgbClr val="D4D4D4"/>
-                </a:solidFill>
-                <a:effectLst/>
-                <a:latin typeface="Consolas" panose="020B0609020204030204" pitchFamily="49" charset="0"/>
-              </a:rPr>
-              <a:t>node.zero</a:t>
-            </a:r>
-            <a:r>
-              <a:rPr lang="en-US" sz="1100" b="0" dirty="0">
-                <a:solidFill>
-                  <a:srgbClr val="D4D4D4"/>
-                </a:solidFill>
-                <a:effectLst/>
-                <a:latin typeface="Consolas" panose="020B0609020204030204" pitchFamily="49" charset="0"/>
-              </a:rPr>
-              <a:t> </a:t>
-            </a:r>
-            <a:r>
-              <a:rPr lang="en-US" sz="1100" b="0" dirty="0">
-                <a:solidFill>
-                  <a:srgbClr val="569CD6"/>
-                </a:solidFill>
-                <a:effectLst/>
-                <a:latin typeface="Consolas" panose="020B0609020204030204" pitchFamily="49" charset="0"/>
-              </a:rPr>
-              <a:t>is</a:t>
-            </a:r>
-            <a:r>
-              <a:rPr lang="en-US" sz="1100" b="0" dirty="0">
-                <a:solidFill>
-                  <a:srgbClr val="D4D4D4"/>
-                </a:solidFill>
-                <a:effectLst/>
-                <a:latin typeface="Consolas" panose="020B0609020204030204" pitchFamily="49" charset="0"/>
-              </a:rPr>
-              <a:t> </a:t>
-            </a:r>
-            <a:r>
-              <a:rPr lang="en-US" sz="1100" b="0" dirty="0">
-                <a:solidFill>
-                  <a:srgbClr val="569CD6"/>
-                </a:solidFill>
-                <a:effectLst/>
-                <a:latin typeface="Consolas" panose="020B0609020204030204" pitchFamily="49" charset="0"/>
-              </a:rPr>
-              <a:t>None</a:t>
-            </a:r>
-            <a:r>
-              <a:rPr lang="en-US" sz="1100" b="0" dirty="0">
-                <a:solidFill>
-                  <a:srgbClr val="D4D4D4"/>
-                </a:solidFill>
-                <a:effectLst/>
-                <a:latin typeface="Consolas" panose="020B0609020204030204" pitchFamily="49" charset="0"/>
-              </a:rPr>
-              <a:t>:</a:t>
-            </a:r>
-          </a:p>
-          <a:p>
-            <a:r>
-              <a:rPr lang="en-US" sz="1100" b="0" dirty="0">
-                <a:solidFill>
-                  <a:srgbClr val="D4D4D4"/>
-                </a:solidFill>
-                <a:effectLst/>
-                <a:latin typeface="Consolas" panose="020B0609020204030204" pitchFamily="49" charset="0"/>
-              </a:rPr>
-              <a:t>            </a:t>
-            </a:r>
-            <a:r>
-              <a:rPr lang="en-US" sz="1100" b="0" dirty="0" err="1">
-                <a:solidFill>
-                  <a:srgbClr val="D4D4D4"/>
-                </a:solidFill>
-                <a:effectLst/>
-                <a:latin typeface="Consolas" panose="020B0609020204030204" pitchFamily="49" charset="0"/>
-              </a:rPr>
-              <a:t>node.zero</a:t>
-            </a:r>
-            <a:r>
-              <a:rPr lang="en-US" sz="1100" b="0" dirty="0">
-                <a:solidFill>
-                  <a:srgbClr val="D4D4D4"/>
-                </a:solidFill>
-                <a:effectLst/>
-                <a:latin typeface="Consolas" panose="020B0609020204030204" pitchFamily="49" charset="0"/>
-              </a:rPr>
-              <a:t> = Node(</a:t>
-            </a:r>
-            <a:r>
-              <a:rPr lang="en-US" sz="1100" b="0" dirty="0">
-                <a:solidFill>
-                  <a:srgbClr val="9CDCFE"/>
-                </a:solidFill>
-                <a:effectLst/>
-                <a:latin typeface="Consolas" panose="020B0609020204030204" pitchFamily="49" charset="0"/>
-              </a:rPr>
-              <a:t>value</a:t>
-            </a:r>
-            <a:r>
-              <a:rPr lang="en-US" sz="1100" b="0" dirty="0">
-                <a:solidFill>
-                  <a:srgbClr val="D4D4D4"/>
-                </a:solidFill>
-                <a:effectLst/>
-                <a:latin typeface="Consolas" panose="020B0609020204030204" pitchFamily="49" charset="0"/>
-              </a:rPr>
-              <a:t>=(</a:t>
-            </a:r>
-            <a:r>
-              <a:rPr lang="en-US" sz="1100" b="0" dirty="0" err="1">
-                <a:solidFill>
-                  <a:srgbClr val="D4D4D4"/>
-                </a:solidFill>
-                <a:effectLst/>
-                <a:latin typeface="Consolas" panose="020B0609020204030204" pitchFamily="49" charset="0"/>
-              </a:rPr>
-              <a:t>node.value</a:t>
-            </a:r>
-            <a:r>
-              <a:rPr lang="en-US" sz="1100" b="0" dirty="0">
-                <a:solidFill>
-                  <a:srgbClr val="D4D4D4"/>
-                </a:solidFill>
-                <a:effectLst/>
-                <a:latin typeface="Consolas" panose="020B0609020204030204" pitchFamily="49" charset="0"/>
-              </a:rPr>
-              <a:t> + </a:t>
-            </a:r>
-            <a:r>
-              <a:rPr lang="en-US" sz="1100" b="0" dirty="0">
-                <a:solidFill>
-                  <a:srgbClr val="CE9178"/>
-                </a:solidFill>
-                <a:effectLst/>
-                <a:latin typeface="Consolas" panose="020B0609020204030204" pitchFamily="49" charset="0"/>
-              </a:rPr>
-              <a:t>"0"</a:t>
-            </a:r>
-            <a:r>
-              <a:rPr lang="en-US" sz="1100" b="0" dirty="0">
-                <a:solidFill>
-                  <a:srgbClr val="D4D4D4"/>
-                </a:solidFill>
-                <a:effectLst/>
-                <a:latin typeface="Consolas" panose="020B0609020204030204" pitchFamily="49" charset="0"/>
-              </a:rPr>
-              <a:t>))</a:t>
-            </a:r>
-          </a:p>
-          <a:p>
-            <a:r>
-              <a:rPr lang="en-US" sz="1100" b="0" dirty="0">
-                <a:solidFill>
-                  <a:srgbClr val="D4D4D4"/>
-                </a:solidFill>
-                <a:effectLst/>
-                <a:latin typeface="Consolas" panose="020B0609020204030204" pitchFamily="49" charset="0"/>
-              </a:rPr>
-              <a:t>        </a:t>
-            </a:r>
-            <a:r>
-              <a:rPr lang="en-US" sz="1100" b="0" dirty="0" err="1">
-                <a:solidFill>
-                  <a:srgbClr val="D4D4D4"/>
-                </a:solidFill>
-                <a:effectLst/>
-                <a:latin typeface="Consolas" panose="020B0609020204030204" pitchFamily="49" charset="0"/>
-              </a:rPr>
-              <a:t>add_src_nodes</a:t>
-            </a:r>
-            <a:r>
-              <a:rPr lang="en-US" sz="1100" b="0" dirty="0">
-                <a:solidFill>
-                  <a:srgbClr val="D4D4D4"/>
-                </a:solidFill>
-                <a:effectLst/>
-                <a:latin typeface="Consolas" panose="020B0609020204030204" pitchFamily="49" charset="0"/>
-              </a:rPr>
-              <a:t>(</a:t>
-            </a:r>
-            <a:r>
-              <a:rPr lang="en-US" sz="1100" b="0" dirty="0" err="1">
-                <a:solidFill>
-                  <a:srgbClr val="D4D4D4"/>
-                </a:solidFill>
-                <a:effectLst/>
-                <a:latin typeface="Consolas" panose="020B0609020204030204" pitchFamily="49" charset="0"/>
-              </a:rPr>
-              <a:t>node.zero,src_rule</a:t>
-            </a:r>
-            <a:r>
-              <a:rPr lang="en-US" sz="1100" b="0" dirty="0">
-                <a:solidFill>
-                  <a:srgbClr val="D4D4D4"/>
-                </a:solidFill>
-                <a:effectLst/>
-                <a:latin typeface="Consolas" panose="020B0609020204030204" pitchFamily="49" charset="0"/>
-              </a:rPr>
-              <a:t>, index+</a:t>
-            </a:r>
-            <a:r>
-              <a:rPr lang="en-US" sz="1100" b="0" dirty="0">
-                <a:solidFill>
-                  <a:srgbClr val="B5CEA8"/>
-                </a:solidFill>
-                <a:effectLst/>
-                <a:latin typeface="Consolas" panose="020B0609020204030204" pitchFamily="49" charset="0"/>
-              </a:rPr>
-              <a:t>1</a:t>
-            </a:r>
-            <a:r>
-              <a:rPr lang="en-US" sz="1100" b="0" dirty="0">
-                <a:solidFill>
-                  <a:srgbClr val="D4D4D4"/>
-                </a:solidFill>
-                <a:effectLst/>
-                <a:latin typeface="Consolas" panose="020B0609020204030204" pitchFamily="49" charset="0"/>
-              </a:rPr>
-              <a:t>, </a:t>
-            </a:r>
-            <a:r>
-              <a:rPr lang="en-US" sz="1100" b="0" dirty="0" err="1">
-                <a:solidFill>
-                  <a:srgbClr val="D4D4D4"/>
-                </a:solidFill>
-                <a:effectLst/>
-                <a:latin typeface="Consolas" panose="020B0609020204030204" pitchFamily="49" charset="0"/>
-              </a:rPr>
-              <a:t>dst_rule</a:t>
-            </a:r>
-            <a:r>
-              <a:rPr lang="en-US" sz="1100" b="0" dirty="0">
-                <a:solidFill>
-                  <a:srgbClr val="D4D4D4"/>
-                </a:solidFill>
-                <a:effectLst/>
-                <a:latin typeface="Consolas" panose="020B0609020204030204" pitchFamily="49" charset="0"/>
-              </a:rPr>
-              <a:t>, </a:t>
-            </a:r>
-            <a:r>
-              <a:rPr lang="en-US" sz="1100" b="0" dirty="0" err="1">
-                <a:solidFill>
-                  <a:srgbClr val="D4D4D4"/>
-                </a:solidFill>
-                <a:effectLst/>
-                <a:latin typeface="Consolas" panose="020B0609020204030204" pitchFamily="49" charset="0"/>
-              </a:rPr>
-              <a:t>rule_index</a:t>
-            </a:r>
-            <a:r>
-              <a:rPr lang="en-US" sz="1100" b="0" dirty="0">
-                <a:solidFill>
-                  <a:srgbClr val="D4D4D4"/>
-                </a:solidFill>
-                <a:effectLst/>
-                <a:latin typeface="Consolas" panose="020B0609020204030204" pitchFamily="49" charset="0"/>
-              </a:rPr>
-              <a:t>)</a:t>
-            </a:r>
-          </a:p>
-          <a:p>
-            <a:r>
-              <a:rPr lang="en-US" sz="1100" b="0" dirty="0">
-                <a:solidFill>
-                  <a:srgbClr val="D4D4D4"/>
-                </a:solidFill>
-                <a:effectLst/>
-                <a:latin typeface="Consolas" panose="020B0609020204030204" pitchFamily="49" charset="0"/>
-              </a:rPr>
-              <a:t>    </a:t>
-            </a:r>
-          </a:p>
-          <a:p>
-            <a:r>
-              <a:rPr lang="en-US" sz="1100" b="0" dirty="0">
-                <a:solidFill>
-                  <a:srgbClr val="D4D4D4"/>
-                </a:solidFill>
-                <a:effectLst/>
-                <a:latin typeface="Consolas" panose="020B0609020204030204" pitchFamily="49" charset="0"/>
-              </a:rPr>
-              <a:t>    </a:t>
-            </a:r>
-            <a:r>
-              <a:rPr lang="en-US" sz="1100" b="0" dirty="0">
-                <a:solidFill>
-                  <a:srgbClr val="C586C0"/>
-                </a:solidFill>
-                <a:effectLst/>
-                <a:latin typeface="Consolas" panose="020B0609020204030204" pitchFamily="49" charset="0"/>
-              </a:rPr>
-              <a:t>else</a:t>
-            </a:r>
-            <a:r>
-              <a:rPr lang="en-US" sz="1100" b="0" dirty="0">
-                <a:solidFill>
-                  <a:srgbClr val="D4D4D4"/>
-                </a:solidFill>
-                <a:effectLst/>
-                <a:latin typeface="Consolas" panose="020B0609020204030204" pitchFamily="49" charset="0"/>
-              </a:rPr>
-              <a:t> :</a:t>
-            </a:r>
-          </a:p>
-          <a:p>
-            <a:r>
-              <a:rPr lang="en-US" sz="1100" b="0" dirty="0">
-                <a:solidFill>
-                  <a:srgbClr val="D4D4D4"/>
-                </a:solidFill>
-                <a:effectLst/>
-                <a:latin typeface="Consolas" panose="020B0609020204030204" pitchFamily="49" charset="0"/>
-              </a:rPr>
-              <a:t>        </a:t>
-            </a:r>
-            <a:r>
-              <a:rPr lang="en-US" sz="1100" b="0" dirty="0">
-                <a:solidFill>
-                  <a:srgbClr val="C586C0"/>
-                </a:solidFill>
-                <a:effectLst/>
-                <a:latin typeface="Consolas" panose="020B0609020204030204" pitchFamily="49" charset="0"/>
-              </a:rPr>
-              <a:t>if</a:t>
-            </a:r>
-            <a:r>
-              <a:rPr lang="en-US" sz="1100" b="0" dirty="0">
-                <a:solidFill>
-                  <a:srgbClr val="D4D4D4"/>
-                </a:solidFill>
-                <a:effectLst/>
-                <a:latin typeface="Consolas" panose="020B0609020204030204" pitchFamily="49" charset="0"/>
-              </a:rPr>
-              <a:t> node.one </a:t>
-            </a:r>
-            <a:r>
-              <a:rPr lang="en-US" sz="1100" b="0" dirty="0">
-                <a:solidFill>
-                  <a:srgbClr val="569CD6"/>
-                </a:solidFill>
-                <a:effectLst/>
-                <a:latin typeface="Consolas" panose="020B0609020204030204" pitchFamily="49" charset="0"/>
-              </a:rPr>
-              <a:t>is</a:t>
-            </a:r>
-            <a:r>
-              <a:rPr lang="en-US" sz="1100" b="0" dirty="0">
-                <a:solidFill>
-                  <a:srgbClr val="D4D4D4"/>
-                </a:solidFill>
-                <a:effectLst/>
-                <a:latin typeface="Consolas" panose="020B0609020204030204" pitchFamily="49" charset="0"/>
-              </a:rPr>
-              <a:t> </a:t>
-            </a:r>
-            <a:r>
-              <a:rPr lang="en-US" sz="1100" b="0" dirty="0">
-                <a:solidFill>
-                  <a:srgbClr val="569CD6"/>
-                </a:solidFill>
-                <a:effectLst/>
-                <a:latin typeface="Consolas" panose="020B0609020204030204" pitchFamily="49" charset="0"/>
-              </a:rPr>
-              <a:t>None</a:t>
-            </a:r>
-            <a:r>
-              <a:rPr lang="en-US" sz="1100" b="0" dirty="0">
-                <a:solidFill>
-                  <a:srgbClr val="D4D4D4"/>
-                </a:solidFill>
-                <a:effectLst/>
-                <a:latin typeface="Consolas" panose="020B0609020204030204" pitchFamily="49" charset="0"/>
-              </a:rPr>
-              <a:t>:</a:t>
-            </a:r>
-          </a:p>
-          <a:p>
-            <a:r>
-              <a:rPr lang="en-US" sz="1100" b="0" dirty="0">
-                <a:solidFill>
-                  <a:srgbClr val="D4D4D4"/>
-                </a:solidFill>
-                <a:effectLst/>
-                <a:latin typeface="Consolas" panose="020B0609020204030204" pitchFamily="49" charset="0"/>
-              </a:rPr>
-              <a:t>            node.one = Node(</a:t>
-            </a:r>
-            <a:r>
-              <a:rPr lang="en-US" sz="1100" b="0" dirty="0">
-                <a:solidFill>
-                  <a:srgbClr val="9CDCFE"/>
-                </a:solidFill>
-                <a:effectLst/>
-                <a:latin typeface="Consolas" panose="020B0609020204030204" pitchFamily="49" charset="0"/>
-              </a:rPr>
-              <a:t>value</a:t>
-            </a:r>
-            <a:r>
-              <a:rPr lang="en-US" sz="1100" b="0" dirty="0">
-                <a:solidFill>
-                  <a:srgbClr val="D4D4D4"/>
-                </a:solidFill>
-                <a:effectLst/>
-                <a:latin typeface="Consolas" panose="020B0609020204030204" pitchFamily="49" charset="0"/>
-              </a:rPr>
-              <a:t>=(</a:t>
-            </a:r>
-            <a:r>
-              <a:rPr lang="en-US" sz="1100" b="0" dirty="0" err="1">
-                <a:solidFill>
-                  <a:srgbClr val="D4D4D4"/>
-                </a:solidFill>
-                <a:effectLst/>
-                <a:latin typeface="Consolas" panose="020B0609020204030204" pitchFamily="49" charset="0"/>
-              </a:rPr>
-              <a:t>node.value</a:t>
-            </a:r>
-            <a:r>
-              <a:rPr lang="en-US" sz="1100" b="0" dirty="0">
-                <a:solidFill>
-                  <a:srgbClr val="D4D4D4"/>
-                </a:solidFill>
-                <a:effectLst/>
-                <a:latin typeface="Consolas" panose="020B0609020204030204" pitchFamily="49" charset="0"/>
-              </a:rPr>
-              <a:t> + </a:t>
-            </a:r>
-            <a:r>
-              <a:rPr lang="en-US" sz="1100" b="0" dirty="0">
-                <a:solidFill>
-                  <a:srgbClr val="CE9178"/>
-                </a:solidFill>
-                <a:effectLst/>
-                <a:latin typeface="Consolas" panose="020B0609020204030204" pitchFamily="49" charset="0"/>
-              </a:rPr>
-              <a:t>"1"</a:t>
-            </a:r>
-            <a:r>
-              <a:rPr lang="en-US" sz="1100" b="0" dirty="0">
-                <a:solidFill>
-                  <a:srgbClr val="D4D4D4"/>
-                </a:solidFill>
-                <a:effectLst/>
-                <a:latin typeface="Consolas" panose="020B0609020204030204" pitchFamily="49" charset="0"/>
-              </a:rPr>
-              <a:t>))</a:t>
-            </a:r>
-          </a:p>
-          <a:p>
-            <a:r>
-              <a:rPr lang="en-US" sz="1100" b="0" dirty="0">
-                <a:solidFill>
-                  <a:srgbClr val="D4D4D4"/>
-                </a:solidFill>
-                <a:effectLst/>
-                <a:latin typeface="Consolas" panose="020B0609020204030204" pitchFamily="49" charset="0"/>
-              </a:rPr>
-              <a:t>        </a:t>
-            </a:r>
-            <a:r>
-              <a:rPr lang="en-US" sz="1100" b="0" dirty="0" err="1">
-                <a:solidFill>
-                  <a:srgbClr val="D4D4D4"/>
-                </a:solidFill>
-                <a:effectLst/>
-                <a:latin typeface="Consolas" panose="020B0609020204030204" pitchFamily="49" charset="0"/>
-              </a:rPr>
-              <a:t>add_src_nodes</a:t>
-            </a:r>
-            <a:r>
-              <a:rPr lang="en-US" sz="1100" b="0" dirty="0">
-                <a:solidFill>
-                  <a:srgbClr val="D4D4D4"/>
-                </a:solidFill>
-                <a:effectLst/>
-                <a:latin typeface="Consolas" panose="020B0609020204030204" pitchFamily="49" charset="0"/>
-              </a:rPr>
-              <a:t>(</a:t>
-            </a:r>
-            <a:r>
-              <a:rPr lang="en-US" sz="1100" b="0" dirty="0" err="1">
-                <a:solidFill>
-                  <a:srgbClr val="D4D4D4"/>
-                </a:solidFill>
-                <a:effectLst/>
-                <a:latin typeface="Consolas" panose="020B0609020204030204" pitchFamily="49" charset="0"/>
-              </a:rPr>
-              <a:t>node.one,src_rule</a:t>
-            </a:r>
-            <a:r>
-              <a:rPr lang="en-US" sz="1100" b="0" dirty="0">
-                <a:solidFill>
-                  <a:srgbClr val="D4D4D4"/>
-                </a:solidFill>
-                <a:effectLst/>
-                <a:latin typeface="Consolas" panose="020B0609020204030204" pitchFamily="49" charset="0"/>
-              </a:rPr>
-              <a:t>, index+</a:t>
-            </a:r>
-            <a:r>
-              <a:rPr lang="en-US" sz="1100" b="0" dirty="0">
-                <a:solidFill>
-                  <a:srgbClr val="B5CEA8"/>
-                </a:solidFill>
-                <a:effectLst/>
-                <a:latin typeface="Consolas" panose="020B0609020204030204" pitchFamily="49" charset="0"/>
-              </a:rPr>
-              <a:t>1</a:t>
-            </a:r>
-            <a:r>
-              <a:rPr lang="en-US" sz="1100" b="0" dirty="0">
-                <a:solidFill>
-                  <a:srgbClr val="D4D4D4"/>
-                </a:solidFill>
-                <a:effectLst/>
-                <a:latin typeface="Consolas" panose="020B0609020204030204" pitchFamily="49" charset="0"/>
-              </a:rPr>
-              <a:t>, </a:t>
-            </a:r>
-            <a:r>
-              <a:rPr lang="en-US" sz="1100" b="0" dirty="0" err="1">
-                <a:solidFill>
-                  <a:srgbClr val="D4D4D4"/>
-                </a:solidFill>
-                <a:effectLst/>
-                <a:latin typeface="Consolas" panose="020B0609020204030204" pitchFamily="49" charset="0"/>
-              </a:rPr>
-              <a:t>dst_rule</a:t>
-            </a:r>
-            <a:r>
-              <a:rPr lang="en-US" sz="1100" b="0" dirty="0">
-                <a:solidFill>
-                  <a:srgbClr val="D4D4D4"/>
-                </a:solidFill>
-                <a:effectLst/>
-                <a:latin typeface="Consolas" panose="020B0609020204030204" pitchFamily="49" charset="0"/>
-              </a:rPr>
-              <a:t>, </a:t>
-            </a:r>
-            <a:r>
-              <a:rPr lang="en-US" sz="1100" b="0" dirty="0" err="1">
-                <a:solidFill>
-                  <a:srgbClr val="D4D4D4"/>
-                </a:solidFill>
-                <a:effectLst/>
-                <a:latin typeface="Consolas" panose="020B0609020204030204" pitchFamily="49" charset="0"/>
-              </a:rPr>
-              <a:t>rule_index</a:t>
-            </a:r>
-            <a:r>
-              <a:rPr lang="en-US" sz="1100" b="0" dirty="0">
-                <a:solidFill>
-                  <a:srgbClr val="D4D4D4"/>
-                </a:solidFill>
-                <a:effectLst/>
-                <a:latin typeface="Consolas" panose="020B0609020204030204" pitchFamily="49" charset="0"/>
-              </a:rPr>
-              <a:t>)</a:t>
-            </a:r>
-          </a:p>
-        </p:txBody>
-      </p:sp>
-      <p:pic>
-        <p:nvPicPr>
-          <p:cNvPr id="20" name="Picture 19" descr="A picture containing screen, computer&#10;&#10;Description automatically generated">
-            <a:extLst>
-              <a:ext uri="{FF2B5EF4-FFF2-40B4-BE49-F238E27FC236}">
-                <a16:creationId xmlns:a16="http://schemas.microsoft.com/office/drawing/2014/main" id="{30888AEE-D268-4CEB-B24B-93E393635322}"/>
-              </a:ext>
-            </a:extLst>
-          </p:cNvPr>
-          <p:cNvPicPr>
-            <a:picLocks noChangeAspect="1"/>
-          </p:cNvPicPr>
-          <p:nvPr/>
-        </p:nvPicPr>
-        <p:blipFill>
-          <a:blip r:embed="rId2">
-            <a:extLst>
-              <a:ext uri="{28A0092B-C50C-407E-A947-70E740481C1C}">
-                <a14:useLocalDpi xmlns:a14="http://schemas.microsoft.com/office/drawing/2010/main" val="0"/>
-              </a:ext>
-            </a:extLst>
-          </a:blip>
-          <a:stretch>
-            <a:fillRect/>
-          </a:stretch>
-        </p:blipFill>
-        <p:spPr>
-          <a:xfrm>
-            <a:off x="2405121" y="3429000"/>
-            <a:ext cx="7381758" cy="3357030"/>
-          </a:xfrm>
-          <a:prstGeom prst="rect">
-            <a:avLst/>
-          </a:prstGeom>
-        </p:spPr>
-      </p:pic>
-    </p:spTree>
-    <p:extLst>
-      <p:ext uri="{BB962C8B-B14F-4D97-AF65-F5344CB8AC3E}">
-        <p14:creationId xmlns:p14="http://schemas.microsoft.com/office/powerpoint/2010/main" val="3560667468"/>
       </p:ext>
     </p:extLst>
   </p:cSld>
@@ -10416,7 +9993,7 @@
         </p:nvSpPr>
         <p:spPr>
           <a:xfrm>
-            <a:off x="604434" y="2053095"/>
+            <a:off x="604434" y="1196391"/>
             <a:ext cx="6096000" cy="2292935"/>
           </a:xfrm>
           <a:prstGeom prst="rect">
@@ -11145,7 +10722,7 @@
         </p:nvSpPr>
         <p:spPr>
           <a:xfrm>
-            <a:off x="368459" y="4237088"/>
+            <a:off x="6096000" y="1196391"/>
             <a:ext cx="5727541" cy="2462213"/>
           </a:xfrm>
           <a:prstGeom prst="rect">
@@ -12173,7 +11750,7 @@
         </p:blipFill>
         <p:spPr>
           <a:xfrm>
-            <a:off x="4441783" y="1038225"/>
+            <a:off x="2405121" y="3429000"/>
             <a:ext cx="7381758" cy="3357030"/>
           </a:xfrm>
           <a:prstGeom prst="rect">
@@ -12181,179 +11758,10 @@
           </a:prstGeom>
         </p:spPr>
       </p:pic>
-      <p:sp>
-        <p:nvSpPr>
-          <p:cNvPr id="4" name="TextBox 3">
-            <a:extLst>
-              <a:ext uri="{FF2B5EF4-FFF2-40B4-BE49-F238E27FC236}">
-                <a16:creationId xmlns:a16="http://schemas.microsoft.com/office/drawing/2014/main" id="{DD3A0285-A431-426F-A6D3-3C8C76E3D63F}"/>
-              </a:ext>
-            </a:extLst>
-          </p:cNvPr>
-          <p:cNvSpPr txBox="1"/>
-          <p:nvPr/>
-        </p:nvSpPr>
-        <p:spPr>
-          <a:xfrm>
-            <a:off x="6096000" y="4395255"/>
-            <a:ext cx="5491566" cy="769441"/>
-          </a:xfrm>
-          <a:prstGeom prst="rect">
-            <a:avLst/>
-          </a:prstGeom>
-          <a:noFill/>
-        </p:spPr>
-        <p:txBody>
-          <a:bodyPr wrap="square">
-            <a:spAutoFit/>
-          </a:bodyPr>
-          <a:lstStyle/>
-          <a:p>
-            <a:pPr marL="228600" indent="-228600">
-              <a:buAutoNum type="arabicPeriod"/>
-            </a:pPr>
-            <a:r>
-              <a:rPr lang="en-US" sz="1100" dirty="0">
-                <a:solidFill>
-                  <a:srgbClr val="D4D4D4"/>
-                </a:solidFill>
-                <a:latin typeface="Consolas" panose="020B0609020204030204" pitchFamily="49" charset="0"/>
-              </a:rPr>
-              <a:t>When </a:t>
-            </a:r>
-            <a:r>
-              <a:rPr lang="en-US" sz="1100" dirty="0" err="1">
-                <a:solidFill>
-                  <a:srgbClr val="D4D4D4"/>
-                </a:solidFill>
-                <a:latin typeface="Consolas" panose="020B0609020204030204" pitchFamily="49" charset="0"/>
-              </a:rPr>
-              <a:t>src_sub</a:t>
-            </a:r>
-            <a:r>
-              <a:rPr lang="en-US" sz="1100" dirty="0">
-                <a:solidFill>
-                  <a:srgbClr val="D4D4D4"/>
-                </a:solidFill>
-                <a:latin typeface="Consolas" panose="020B0609020204030204" pitchFamily="49" charset="0"/>
-              </a:rPr>
-              <a:t> =‘*’</a:t>
-            </a:r>
-          </a:p>
-          <a:p>
-            <a:pPr marL="228600" indent="-228600">
-              <a:buAutoNum type="arabicPeriod"/>
-            </a:pPr>
-            <a:r>
-              <a:rPr lang="en-US" sz="1100" dirty="0">
-                <a:solidFill>
-                  <a:srgbClr val="D4D4D4"/>
-                </a:solidFill>
-                <a:latin typeface="Consolas" panose="020B0609020204030204" pitchFamily="49" charset="0"/>
-              </a:rPr>
-              <a:t>When </a:t>
-            </a:r>
-            <a:r>
-              <a:rPr lang="en-US" sz="1100" dirty="0" err="1">
-                <a:solidFill>
-                  <a:srgbClr val="D4D4D4"/>
-                </a:solidFill>
-                <a:latin typeface="Consolas" panose="020B0609020204030204" pitchFamily="49" charset="0"/>
-              </a:rPr>
-              <a:t>src_sub</a:t>
-            </a:r>
-            <a:r>
-              <a:rPr lang="en-US" sz="1100" dirty="0">
-                <a:solidFill>
-                  <a:srgbClr val="D4D4D4"/>
-                </a:solidFill>
-                <a:latin typeface="Consolas" panose="020B0609020204030204" pitchFamily="49" charset="0"/>
-              </a:rPr>
-              <a:t> =‘*’ or reached the last bit in </a:t>
-            </a:r>
-            <a:r>
-              <a:rPr lang="en-US" sz="1100" dirty="0" err="1">
-                <a:solidFill>
-                  <a:srgbClr val="D4D4D4"/>
-                </a:solidFill>
-                <a:latin typeface="Consolas" panose="020B0609020204030204" pitchFamily="49" charset="0"/>
-              </a:rPr>
-              <a:t>src_rule</a:t>
-            </a:r>
-            <a:endParaRPr lang="en-US" sz="1100" dirty="0">
-              <a:solidFill>
-                <a:srgbClr val="D4D4D4"/>
-              </a:solidFill>
-              <a:latin typeface="Consolas" panose="020B0609020204030204" pitchFamily="49" charset="0"/>
-            </a:endParaRPr>
-          </a:p>
-          <a:p>
-            <a:pPr marL="228600" indent="-228600">
-              <a:buAutoNum type="arabicPeriod"/>
-            </a:pPr>
-            <a:r>
-              <a:rPr lang="en-US" sz="1100" dirty="0">
-                <a:solidFill>
-                  <a:srgbClr val="D4D4D4"/>
-                </a:solidFill>
-                <a:latin typeface="Consolas" panose="020B0609020204030204" pitchFamily="49" charset="0"/>
-              </a:rPr>
-              <a:t>When </a:t>
-            </a:r>
-            <a:r>
-              <a:rPr lang="en-US" sz="1100" dirty="0" err="1">
-                <a:solidFill>
-                  <a:srgbClr val="D4D4D4"/>
-                </a:solidFill>
-                <a:latin typeface="Consolas" panose="020B0609020204030204" pitchFamily="49" charset="0"/>
-              </a:rPr>
-              <a:t>src_sub</a:t>
-            </a:r>
-            <a:r>
-              <a:rPr lang="en-US" sz="1100" dirty="0">
-                <a:solidFill>
-                  <a:srgbClr val="D4D4D4"/>
-                </a:solidFill>
-                <a:latin typeface="Consolas" panose="020B0609020204030204" pitchFamily="49" charset="0"/>
-              </a:rPr>
-              <a:t> = ‘*’ and </a:t>
-            </a:r>
-            <a:r>
-              <a:rPr lang="en-US" sz="1100" dirty="0" err="1">
-                <a:solidFill>
-                  <a:srgbClr val="D4D4D4"/>
-                </a:solidFill>
-                <a:latin typeface="Consolas" panose="020B0609020204030204" pitchFamily="49" charset="0"/>
-              </a:rPr>
-              <a:t>dst_sub</a:t>
-            </a:r>
-            <a:r>
-              <a:rPr lang="en-US" sz="1100" dirty="0">
-                <a:solidFill>
-                  <a:srgbClr val="D4D4D4"/>
-                </a:solidFill>
-                <a:latin typeface="Consolas" panose="020B0609020204030204" pitchFamily="49" charset="0"/>
-              </a:rPr>
-              <a:t> = ‘*’ then we reached the end</a:t>
-            </a:r>
-          </a:p>
-          <a:p>
-            <a:pPr marL="228600" indent="-228600">
-              <a:buAutoNum type="arabicPeriod"/>
-            </a:pPr>
-            <a:endParaRPr lang="en-US" sz="1100" dirty="0">
-              <a:solidFill>
-                <a:srgbClr val="D4D4D4"/>
-              </a:solidFill>
-              <a:latin typeface="Consolas" panose="020B0609020204030204" pitchFamily="49" charset="0"/>
-            </a:endParaRPr>
-          </a:p>
-        </p:txBody>
-      </p:sp>
     </p:spTree>
     <p:extLst>
       <p:ext uri="{BB962C8B-B14F-4D97-AF65-F5344CB8AC3E}">
-        <p14:creationId xmlns:p14="http://schemas.microsoft.com/office/powerpoint/2010/main" val="2463993156"/>
+        <p14:creationId xmlns:p14="http://schemas.microsoft.com/office/powerpoint/2010/main" val="3560667468"/>
       </p:ext>
     </p:extLst>
   </p:cSld>
@@ -22324,265 +21732,6 @@
       </p:grpSpPr>
       <p:sp>
         <p:nvSpPr>
-          <p:cNvPr id="3" name="TextBox 2">
-            <a:extLst>
-              <a:ext uri="{FF2B5EF4-FFF2-40B4-BE49-F238E27FC236}">
-                <a16:creationId xmlns:a16="http://schemas.microsoft.com/office/drawing/2014/main" id="{F9299BA4-CDE1-4FEA-A90C-612CC68CFF95}"/>
-              </a:ext>
-            </a:extLst>
-          </p:cNvPr>
-          <p:cNvSpPr txBox="1"/>
-          <p:nvPr/>
-        </p:nvSpPr>
-        <p:spPr>
-          <a:xfrm>
-            <a:off x="604433" y="1266826"/>
-            <a:ext cx="6463117" cy="1838324"/>
-          </a:xfrm>
-          <a:prstGeom prst="rect">
-            <a:avLst/>
-          </a:prstGeom>
-        </p:spPr>
-        <p:txBody>
-          <a:bodyPr vert="horz" lIns="91440" tIns="45720" rIns="91440" bIns="45720" rtlCol="0">
-            <a:normAutofit/>
-          </a:bodyPr>
-          <a:lstStyle/>
-          <a:p>
-            <a:pPr algn="justLow">
-              <a:lnSpc>
-                <a:spcPct val="150000"/>
-              </a:lnSpc>
-            </a:pPr>
-            <a:r>
-              <a:rPr lang="en-US" sz="1200" dirty="0">
-                <a:solidFill>
-                  <a:schemeClr val="bg1"/>
-                </a:solidFill>
-              </a:rPr>
-              <a:t>First, we read the rule list using </a:t>
-            </a:r>
-            <a:r>
-              <a:rPr lang="en-US" sz="1200" dirty="0" err="1">
-                <a:solidFill>
-                  <a:schemeClr val="accent4"/>
-                </a:solidFill>
-              </a:rPr>
-              <a:t>read_rules</a:t>
-            </a:r>
-            <a:r>
-              <a:rPr lang="en-US" sz="1200" dirty="0">
-                <a:solidFill>
-                  <a:schemeClr val="accent4"/>
-                </a:solidFill>
-              </a:rPr>
-              <a:t>() </a:t>
-            </a:r>
-            <a:r>
-              <a:rPr lang="en-US" sz="1200" dirty="0">
-                <a:solidFill>
-                  <a:schemeClr val="bg1"/>
-                </a:solidFill>
-              </a:rPr>
-              <a:t>function. Inside this function we go over each line of our text file (</a:t>
-            </a:r>
-            <a:r>
-              <a:rPr lang="en-US" sz="1200" dirty="0">
-                <a:solidFill>
-                  <a:schemeClr val="accent2">
-                    <a:lumMod val="75000"/>
-                  </a:schemeClr>
-                </a:solidFill>
-              </a:rPr>
-              <a:t>rule_list.txt</a:t>
-            </a:r>
-            <a:r>
-              <a:rPr lang="en-US" sz="1200" dirty="0">
-                <a:solidFill>
-                  <a:schemeClr val="bg1"/>
-                </a:solidFill>
-              </a:rPr>
-              <a:t>)</a:t>
-            </a:r>
-            <a:r>
-              <a:rPr lang="en-US" sz="1200" dirty="0">
-                <a:solidFill>
-                  <a:schemeClr val="accent2">
-                    <a:lumMod val="75000"/>
-                  </a:schemeClr>
-                </a:solidFill>
-              </a:rPr>
-              <a:t> </a:t>
-            </a:r>
-            <a:r>
-              <a:rPr lang="en-US" sz="1200" dirty="0">
-                <a:solidFill>
-                  <a:schemeClr val="bg1"/>
-                </a:solidFill>
-              </a:rPr>
-              <a:t>and create an object </a:t>
-            </a:r>
-            <a:r>
-              <a:rPr lang="en-US" sz="1200" dirty="0">
-                <a:solidFill>
-                  <a:srgbClr val="92D050"/>
-                </a:solidFill>
-              </a:rPr>
-              <a:t>Rule</a:t>
-            </a:r>
-            <a:r>
-              <a:rPr lang="en-US" sz="1200" dirty="0">
-                <a:solidFill>
-                  <a:schemeClr val="bg1"/>
-                </a:solidFill>
-              </a:rPr>
-              <a:t>. In Rule object we have all the information that we need in separate attributes. The binary format of the prefixes will be calculated using </a:t>
-            </a:r>
-            <a:r>
-              <a:rPr lang="en-US" sz="1200" dirty="0" err="1">
-                <a:solidFill>
-                  <a:schemeClr val="accent4"/>
-                </a:solidFill>
-              </a:rPr>
-              <a:t>extract_info</a:t>
-            </a:r>
-            <a:r>
-              <a:rPr lang="en-US" sz="1200" dirty="0">
-                <a:solidFill>
-                  <a:schemeClr val="accent4"/>
-                </a:solidFill>
-              </a:rPr>
-              <a:t>()</a:t>
-            </a:r>
-            <a:r>
-              <a:rPr lang="en-US" sz="1200" dirty="0">
-                <a:solidFill>
-                  <a:schemeClr val="bg1"/>
-                </a:solidFill>
-              </a:rPr>
-              <a:t> function. If the NetID in the rule list has a </a:t>
-            </a:r>
-            <a:r>
-              <a:rPr lang="en-US" sz="1200" dirty="0">
-                <a:solidFill>
-                  <a:srgbClr val="FFC000"/>
-                </a:solidFill>
-              </a:rPr>
-              <a:t>*</a:t>
-            </a:r>
-            <a:r>
-              <a:rPr lang="en-US" sz="1200" dirty="0">
-                <a:solidFill>
-                  <a:schemeClr val="bg1"/>
-                </a:solidFill>
-              </a:rPr>
-              <a:t> (star) value, the </a:t>
-            </a:r>
-            <a:r>
-              <a:rPr lang="en-US" sz="1200" dirty="0" err="1">
-                <a:solidFill>
-                  <a:schemeClr val="bg1">
-                    <a:lumMod val="50000"/>
-                  </a:schemeClr>
-                </a:solidFill>
-              </a:rPr>
-              <a:t>src_sub_binary</a:t>
-            </a:r>
-            <a:r>
-              <a:rPr lang="en-US" sz="1200" dirty="0">
-                <a:solidFill>
-                  <a:schemeClr val="bg1">
-                    <a:lumMod val="50000"/>
-                  </a:schemeClr>
-                </a:solidFill>
-              </a:rPr>
-              <a:t> </a:t>
-            </a:r>
-            <a:r>
-              <a:rPr lang="en-US" sz="1200" dirty="0">
-                <a:solidFill>
-                  <a:schemeClr val="bg1"/>
-                </a:solidFill>
-              </a:rPr>
-              <a:t>or </a:t>
-            </a:r>
-            <a:r>
-              <a:rPr lang="en-US" sz="1200" dirty="0" err="1">
-                <a:solidFill>
-                  <a:schemeClr val="bg1">
-                    <a:lumMod val="50000"/>
-                  </a:schemeClr>
-                </a:solidFill>
-              </a:rPr>
-              <a:t>dst_sub_binary</a:t>
-            </a:r>
-            <a:r>
-              <a:rPr lang="en-US" sz="1200" dirty="0">
-                <a:solidFill>
-                  <a:schemeClr val="bg1">
-                    <a:lumMod val="50000"/>
-                  </a:schemeClr>
-                </a:solidFill>
-              </a:rPr>
-              <a:t> </a:t>
-            </a:r>
-            <a:r>
-              <a:rPr lang="en-US" sz="1200" dirty="0">
-                <a:solidFill>
-                  <a:schemeClr val="bg1"/>
-                </a:solidFill>
-              </a:rPr>
-              <a:t>attribute will remain as </a:t>
-            </a:r>
-            <a:r>
-              <a:rPr lang="en-US" sz="1200" dirty="0">
-                <a:solidFill>
-                  <a:srgbClr val="0070C0"/>
-                </a:solidFill>
-              </a:rPr>
-              <a:t>None</a:t>
-            </a:r>
-            <a:r>
-              <a:rPr lang="en-US" sz="1200" dirty="0">
-                <a:solidFill>
-                  <a:schemeClr val="bg1"/>
-                </a:solidFill>
-              </a:rPr>
-              <a:t>. All the object rules will be added to a list called </a:t>
-            </a:r>
-            <a:r>
-              <a:rPr lang="en-US" sz="1200" dirty="0" err="1">
-                <a:solidFill>
-                  <a:srgbClr val="FFFF00"/>
-                </a:solidFill>
-              </a:rPr>
-              <a:t>all_rules</a:t>
-            </a:r>
-            <a:r>
-              <a:rPr lang="en-US" sz="1200" dirty="0">
-                <a:solidFill>
-                  <a:schemeClr val="bg1"/>
-                </a:solidFill>
-              </a:rPr>
-              <a:t>.</a:t>
-            </a:r>
-          </a:p>
-          <a:p>
-            <a:pPr algn="justLow">
-              <a:lnSpc>
-                <a:spcPct val="150000"/>
-              </a:lnSpc>
-            </a:pPr>
-            <a:endParaRPr lang="en-US" sz="1200" dirty="0">
-              <a:solidFill>
-                <a:schemeClr val="bg1"/>
-              </a:solidFill>
-            </a:endParaRPr>
-          </a:p>
-        </p:txBody>
-      </p:sp>
-      <p:sp>
-        <p:nvSpPr>
           <p:cNvPr id="2" name="Title 1">
             <a:extLst>
               <a:ext uri="{FF2B5EF4-FFF2-40B4-BE49-F238E27FC236}">
@@ -22614,7 +21763,7 @@
           <a:lstStyle/>
           <a:p>
             <a:r>
-              <a:rPr lang="en-US" b="1" kern="1200" dirty="0" err="1">
+              <a:rPr lang="en-US" b="1" kern="1200" dirty="0">
                 <a:solidFill>
                   <a:schemeClr val="bg1"/>
                 </a:solidFill>
@@ -22622,645 +21771,85 @@
                 <a:ea typeface="+mj-ea"/>
                 <a:cs typeface="+mj-cs"/>
               </a:rPr>
-              <a:t>FlowDiagram</a:t>
-            </a:r>
-            <a:r>
-              <a:rPr lang="en-US" b="1" kern="1200" dirty="0">
-                <a:solidFill>
-                  <a:schemeClr val="bg1"/>
-                </a:solidFill>
-                <a:latin typeface="+mj-lt"/>
-                <a:ea typeface="+mj-ea"/>
-                <a:cs typeface="+mj-cs"/>
-              </a:rPr>
-              <a:t> – Rule</a:t>
+              <a:t>General Flow Chart of Program</a:t>
             </a:r>
           </a:p>
         </p:txBody>
       </p:sp>
-      <p:sp>
-        <p:nvSpPr>
-          <p:cNvPr id="8" name="Class Rule">
+      <p:pic>
+        <p:nvPicPr>
+          <p:cNvPr id="10" name="Picture 9">
             <a:extLst>
               <a:ext uri="{FF2B5EF4-FFF2-40B4-BE49-F238E27FC236}">
-                <a16:creationId xmlns:a16="http://schemas.microsoft.com/office/drawing/2014/main" id="{FE5B0770-5CBF-4CE0-BA84-8304FD587AB8}"/>
+                <a16:creationId xmlns:a16="http://schemas.microsoft.com/office/drawing/2014/main" id="{B090C891-48DE-4C96-B418-D8FF0F4219CF}"/>
               </a:ext>
             </a:extLst>
           </p:cNvPr>
-          <p:cNvSpPr txBox="1"/>
+          <p:cNvPicPr>
+            <a:picLocks noChangeAspect="1"/>
+          </p:cNvPicPr>
           <p:nvPr/>
-        </p:nvSpPr>
+        </p:nvPicPr>
+        <p:blipFill rotWithShape="1">
+          <a:blip r:embed="rId2">
+            <a:extLst>
+              <a:ext uri="{28A0092B-C50C-407E-A947-70E740481C1C}">
+                <a14:useLocalDpi xmlns:a14="http://schemas.microsoft.com/office/drawing/2010/main" val="0"/>
+              </a:ext>
+            </a:extLst>
+          </a:blip>
+          <a:srcRect t="51389"/>
+          <a:stretch/>
+        </p:blipFill>
         <p:spPr>
           <a:xfrm>
-            <a:off x="604433" y="3175585"/>
-            <a:ext cx="2148292" cy="2292935"/>
+            <a:off x="4595720" y="1196391"/>
+            <a:ext cx="6991846" cy="4162563"/>
           </a:xfrm>
           <a:prstGeom prst="rect">
             <a:avLst/>
           </a:prstGeom>
-          <a:noFill/>
         </p:spPr>
-        <p:txBody>
-          <a:bodyPr wrap="square">
-            <a:spAutoFit/>
-          </a:bodyPr>
-          <a:lstStyle/>
-          <a:p>
-            <a:r>
-              <a:rPr lang="en-US" sz="1100" b="0" dirty="0">
-                <a:solidFill>
-                  <a:srgbClr val="569CD6"/>
-                </a:solidFill>
-                <a:effectLst/>
-                <a:latin typeface="Consolas" panose="020B0609020204030204" pitchFamily="49" charset="0"/>
-              </a:rPr>
-              <a:t>class</a:t>
-            </a:r>
-            <a:r>
-              <a:rPr lang="en-US" sz="1100" b="0" dirty="0">
-                <a:solidFill>
-                  <a:srgbClr val="D4D4D4"/>
-                </a:solidFill>
-                <a:effectLst/>
-                <a:latin typeface="Consolas" panose="020B0609020204030204" pitchFamily="49" charset="0"/>
-              </a:rPr>
-              <a:t> </a:t>
-            </a:r>
-            <a:r>
-              <a:rPr lang="en-US" sz="1100" b="0" dirty="0">
-                <a:solidFill>
-                  <a:srgbClr val="4EC9B0"/>
-                </a:solidFill>
-                <a:effectLst/>
-                <a:latin typeface="Consolas" panose="020B0609020204030204" pitchFamily="49" charset="0"/>
-              </a:rPr>
-              <a:t>Rule</a:t>
-            </a:r>
-            <a:r>
-              <a:rPr lang="en-US" sz="1100" b="0" dirty="0">
-                <a:solidFill>
-                  <a:srgbClr val="D4D4D4"/>
-                </a:solidFill>
-                <a:effectLst/>
-                <a:latin typeface="Consolas" panose="020B0609020204030204" pitchFamily="49" charset="0"/>
-              </a:rPr>
-              <a:t>:</a:t>
-            </a:r>
-          </a:p>
-          <a:p>
-            <a:r>
-              <a:rPr lang="en-US" sz="1100" b="0" dirty="0">
-                <a:solidFill>
-                  <a:srgbClr val="D4D4D4"/>
-                </a:solidFill>
-                <a:effectLst/>
-                <a:latin typeface="Consolas" panose="020B0609020204030204" pitchFamily="49" charset="0"/>
-              </a:rPr>
-              <a:t>    </a:t>
-            </a:r>
-            <a:r>
-              <a:rPr lang="en-US" sz="1100" b="0" dirty="0" err="1">
-                <a:solidFill>
-                  <a:srgbClr val="D4D4D4"/>
-                </a:solidFill>
-                <a:effectLst/>
-                <a:latin typeface="Consolas" panose="020B0609020204030204" pitchFamily="49" charset="0"/>
-              </a:rPr>
-              <a:t>src_sub</a:t>
-            </a:r>
-            <a:r>
-              <a:rPr lang="en-US" sz="1100" b="0" dirty="0">
-                <a:solidFill>
-                  <a:srgbClr val="D4D4D4"/>
-                </a:solidFill>
-                <a:effectLst/>
-                <a:latin typeface="Consolas" panose="020B0609020204030204" pitchFamily="49" charset="0"/>
-              </a:rPr>
-              <a:t> = </a:t>
-            </a:r>
-            <a:r>
-              <a:rPr lang="en-US" sz="1100" b="0" dirty="0">
-                <a:solidFill>
-                  <a:srgbClr val="569CD6"/>
-                </a:solidFill>
-                <a:effectLst/>
-                <a:latin typeface="Consolas" panose="020B0609020204030204" pitchFamily="49" charset="0"/>
-              </a:rPr>
-              <a:t>None</a:t>
-            </a:r>
-            <a:endParaRPr lang="en-US" sz="1100" b="0" dirty="0">
-              <a:solidFill>
-                <a:srgbClr val="D4D4D4"/>
-              </a:solidFill>
-              <a:effectLst/>
-              <a:latin typeface="Consolas" panose="020B0609020204030204" pitchFamily="49" charset="0"/>
-            </a:endParaRPr>
-          </a:p>
-          <a:p>
-            <a:r>
-              <a:rPr lang="en-US" sz="1100" b="0" dirty="0">
-                <a:solidFill>
-                  <a:srgbClr val="D4D4D4"/>
-                </a:solidFill>
-                <a:effectLst/>
-                <a:latin typeface="Consolas" panose="020B0609020204030204" pitchFamily="49" charset="0"/>
-              </a:rPr>
-              <a:t>    </a:t>
-            </a:r>
-            <a:r>
-              <a:rPr lang="en-US" sz="1100" b="0" dirty="0" err="1">
-                <a:solidFill>
-                  <a:srgbClr val="D4D4D4"/>
-                </a:solidFill>
-                <a:effectLst/>
-                <a:latin typeface="Consolas" panose="020B0609020204030204" pitchFamily="49" charset="0"/>
-              </a:rPr>
-              <a:t>src_ip</a:t>
-            </a:r>
-            <a:r>
-              <a:rPr lang="en-US" sz="1100" b="0" dirty="0">
-                <a:solidFill>
-                  <a:srgbClr val="D4D4D4"/>
-                </a:solidFill>
-                <a:effectLst/>
-                <a:latin typeface="Consolas" panose="020B0609020204030204" pitchFamily="49" charset="0"/>
-              </a:rPr>
-              <a:t> = </a:t>
-            </a:r>
-            <a:r>
-              <a:rPr lang="en-US" sz="1100" b="0" dirty="0">
-                <a:solidFill>
-                  <a:srgbClr val="569CD6"/>
-                </a:solidFill>
-                <a:effectLst/>
-                <a:latin typeface="Consolas" panose="020B0609020204030204" pitchFamily="49" charset="0"/>
-              </a:rPr>
-              <a:t>None</a:t>
-            </a:r>
-            <a:endParaRPr lang="en-US" sz="1100" b="0" dirty="0">
-              <a:solidFill>
-                <a:srgbClr val="D4D4D4"/>
-              </a:solidFill>
-              <a:effectLst/>
-              <a:latin typeface="Consolas" panose="020B0609020204030204" pitchFamily="49" charset="0"/>
-            </a:endParaRPr>
-          </a:p>
-          <a:p>
-            <a:r>
-              <a:rPr lang="en-US" sz="1100" b="0" dirty="0">
-                <a:solidFill>
-                  <a:srgbClr val="D4D4D4"/>
-                </a:solidFill>
-                <a:effectLst/>
-                <a:latin typeface="Consolas" panose="020B0609020204030204" pitchFamily="49" charset="0"/>
-              </a:rPr>
-              <a:t>    </a:t>
-            </a:r>
-            <a:r>
-              <a:rPr lang="en-US" sz="1100" b="0" dirty="0" err="1">
-                <a:solidFill>
-                  <a:srgbClr val="D4D4D4"/>
-                </a:solidFill>
-                <a:effectLst/>
-                <a:latin typeface="Consolas" panose="020B0609020204030204" pitchFamily="49" charset="0"/>
-              </a:rPr>
-              <a:t>src_netmask</a:t>
-            </a:r>
-            <a:r>
-              <a:rPr lang="en-US" sz="1100" b="0" dirty="0">
-                <a:solidFill>
-                  <a:srgbClr val="D4D4D4"/>
-                </a:solidFill>
-                <a:effectLst/>
-                <a:latin typeface="Consolas" panose="020B0609020204030204" pitchFamily="49" charset="0"/>
-              </a:rPr>
-              <a:t> = </a:t>
-            </a:r>
-            <a:r>
-              <a:rPr lang="en-US" sz="1100" b="0" dirty="0">
-                <a:solidFill>
-                  <a:srgbClr val="569CD6"/>
-                </a:solidFill>
-                <a:effectLst/>
-                <a:latin typeface="Consolas" panose="020B0609020204030204" pitchFamily="49" charset="0"/>
-              </a:rPr>
-              <a:t>None</a:t>
-            </a:r>
-            <a:endParaRPr lang="en-US" sz="1100" b="0" dirty="0">
-              <a:solidFill>
-                <a:srgbClr val="D4D4D4"/>
-              </a:solidFill>
-              <a:effectLst/>
-              <a:latin typeface="Consolas" panose="020B0609020204030204" pitchFamily="49" charset="0"/>
-            </a:endParaRPr>
-          </a:p>
-          <a:p>
-            <a:r>
-              <a:rPr lang="en-US" sz="1100" b="0" dirty="0">
-                <a:solidFill>
-                  <a:srgbClr val="D4D4D4"/>
-                </a:solidFill>
-                <a:effectLst/>
-                <a:latin typeface="Consolas" panose="020B0609020204030204" pitchFamily="49" charset="0"/>
-              </a:rPr>
-              <a:t>    </a:t>
-            </a:r>
-            <a:r>
-              <a:rPr lang="en-US" sz="1100" b="0" dirty="0" err="1">
-                <a:solidFill>
-                  <a:srgbClr val="D4D4D4"/>
-                </a:solidFill>
-                <a:effectLst/>
-                <a:latin typeface="Consolas" panose="020B0609020204030204" pitchFamily="49" charset="0"/>
-              </a:rPr>
-              <a:t>src_sub_binary</a:t>
-            </a:r>
-            <a:r>
-              <a:rPr lang="en-US" sz="1100" b="0" dirty="0">
-                <a:solidFill>
-                  <a:srgbClr val="D4D4D4"/>
-                </a:solidFill>
-                <a:effectLst/>
-                <a:latin typeface="Consolas" panose="020B0609020204030204" pitchFamily="49" charset="0"/>
-              </a:rPr>
-              <a:t> = </a:t>
-            </a:r>
-            <a:r>
-              <a:rPr lang="en-US" sz="1100" b="0" dirty="0">
-                <a:solidFill>
-                  <a:srgbClr val="569CD6"/>
-                </a:solidFill>
-                <a:effectLst/>
-                <a:latin typeface="Consolas" panose="020B0609020204030204" pitchFamily="49" charset="0"/>
-              </a:rPr>
-              <a:t>None</a:t>
-            </a:r>
-            <a:endParaRPr lang="en-US" sz="1100" b="0" dirty="0">
-              <a:solidFill>
-                <a:srgbClr val="D4D4D4"/>
-              </a:solidFill>
-              <a:effectLst/>
-              <a:latin typeface="Consolas" panose="020B0609020204030204" pitchFamily="49" charset="0"/>
-            </a:endParaRPr>
-          </a:p>
-          <a:p>
-            <a:r>
-              <a:rPr lang="en-US" sz="1100" b="0" dirty="0">
-                <a:solidFill>
-                  <a:srgbClr val="D4D4D4"/>
-                </a:solidFill>
-                <a:effectLst/>
-                <a:latin typeface="Consolas" panose="020B0609020204030204" pitchFamily="49" charset="0"/>
-              </a:rPr>
-              <a:t>    </a:t>
-            </a:r>
-            <a:r>
-              <a:rPr lang="en-US" sz="1100" b="0" dirty="0" err="1">
-                <a:solidFill>
-                  <a:srgbClr val="D4D4D4"/>
-                </a:solidFill>
-                <a:effectLst/>
-                <a:latin typeface="Consolas" panose="020B0609020204030204" pitchFamily="49" charset="0"/>
-              </a:rPr>
-              <a:t>dst_sub</a:t>
-            </a:r>
-            <a:r>
-              <a:rPr lang="en-US" sz="1100" b="0" dirty="0">
-                <a:solidFill>
-                  <a:srgbClr val="D4D4D4"/>
-                </a:solidFill>
-                <a:effectLst/>
-                <a:latin typeface="Consolas" panose="020B0609020204030204" pitchFamily="49" charset="0"/>
-              </a:rPr>
-              <a:t> = </a:t>
-            </a:r>
-            <a:r>
-              <a:rPr lang="en-US" sz="1100" b="0" dirty="0">
-                <a:solidFill>
-                  <a:srgbClr val="569CD6"/>
-                </a:solidFill>
-                <a:effectLst/>
-                <a:latin typeface="Consolas" panose="020B0609020204030204" pitchFamily="49" charset="0"/>
-              </a:rPr>
-              <a:t>None</a:t>
-            </a:r>
-            <a:endParaRPr lang="en-US" sz="1100" b="0" dirty="0">
-              <a:solidFill>
-                <a:srgbClr val="D4D4D4"/>
-              </a:solidFill>
-              <a:effectLst/>
-              <a:latin typeface="Consolas" panose="020B0609020204030204" pitchFamily="49" charset="0"/>
-            </a:endParaRPr>
-          </a:p>
-          <a:p>
-            <a:r>
-              <a:rPr lang="en-US" sz="1100" b="0" dirty="0">
-                <a:solidFill>
-                  <a:srgbClr val="D4D4D4"/>
-                </a:solidFill>
-                <a:effectLst/>
-                <a:latin typeface="Consolas" panose="020B0609020204030204" pitchFamily="49" charset="0"/>
-              </a:rPr>
-              <a:t>    </a:t>
-            </a:r>
-            <a:r>
-              <a:rPr lang="en-US" sz="1100" b="0" dirty="0" err="1">
-                <a:solidFill>
-                  <a:srgbClr val="D4D4D4"/>
-                </a:solidFill>
-                <a:effectLst/>
-                <a:latin typeface="Consolas" panose="020B0609020204030204" pitchFamily="49" charset="0"/>
-              </a:rPr>
-              <a:t>dst_ip</a:t>
-            </a:r>
-            <a:r>
-              <a:rPr lang="en-US" sz="1100" b="0" dirty="0">
-                <a:solidFill>
-                  <a:srgbClr val="D4D4D4"/>
-                </a:solidFill>
-                <a:effectLst/>
-                <a:latin typeface="Consolas" panose="020B0609020204030204" pitchFamily="49" charset="0"/>
-              </a:rPr>
-              <a:t> = </a:t>
-            </a:r>
-            <a:r>
-              <a:rPr lang="en-US" sz="1100" b="0" dirty="0">
-                <a:solidFill>
-                  <a:srgbClr val="569CD6"/>
-                </a:solidFill>
-                <a:effectLst/>
-                <a:latin typeface="Consolas" panose="020B0609020204030204" pitchFamily="49" charset="0"/>
-              </a:rPr>
-              <a:t>None</a:t>
-            </a:r>
-            <a:endParaRPr lang="en-US" sz="1100" b="0" dirty="0">
-              <a:solidFill>
-                <a:srgbClr val="D4D4D4"/>
-              </a:solidFill>
-              <a:effectLst/>
-              <a:latin typeface="Consolas" panose="020B0609020204030204" pitchFamily="49" charset="0"/>
-            </a:endParaRPr>
-          </a:p>
-          <a:p>
-            <a:r>
-              <a:rPr lang="en-US" sz="1100" b="0" dirty="0">
-                <a:solidFill>
-                  <a:srgbClr val="D4D4D4"/>
-                </a:solidFill>
-                <a:effectLst/>
-                <a:latin typeface="Consolas" panose="020B0609020204030204" pitchFamily="49" charset="0"/>
-              </a:rPr>
-              <a:t>    </a:t>
-            </a:r>
-            <a:r>
-              <a:rPr lang="en-US" sz="1100" b="0" dirty="0" err="1">
-                <a:solidFill>
-                  <a:srgbClr val="D4D4D4"/>
-                </a:solidFill>
-                <a:effectLst/>
-                <a:latin typeface="Consolas" panose="020B0609020204030204" pitchFamily="49" charset="0"/>
-              </a:rPr>
-              <a:t>dst_netmask</a:t>
-            </a:r>
-            <a:r>
-              <a:rPr lang="en-US" sz="1100" b="0" dirty="0">
-                <a:solidFill>
-                  <a:srgbClr val="D4D4D4"/>
-                </a:solidFill>
-                <a:effectLst/>
-                <a:latin typeface="Consolas" panose="020B0609020204030204" pitchFamily="49" charset="0"/>
-              </a:rPr>
-              <a:t> = </a:t>
-            </a:r>
-            <a:r>
-              <a:rPr lang="en-US" sz="1100" b="0" dirty="0">
-                <a:solidFill>
-                  <a:srgbClr val="569CD6"/>
-                </a:solidFill>
-                <a:effectLst/>
-                <a:latin typeface="Consolas" panose="020B0609020204030204" pitchFamily="49" charset="0"/>
-              </a:rPr>
-              <a:t>None</a:t>
-            </a:r>
-            <a:endParaRPr lang="en-US" sz="1100" b="0" dirty="0">
-              <a:solidFill>
-                <a:srgbClr val="D4D4D4"/>
-              </a:solidFill>
-              <a:effectLst/>
-              <a:latin typeface="Consolas" panose="020B0609020204030204" pitchFamily="49" charset="0"/>
-            </a:endParaRPr>
-          </a:p>
-          <a:p>
-            <a:r>
-              <a:rPr lang="en-US" sz="1100" b="0" dirty="0">
-                <a:solidFill>
-                  <a:srgbClr val="D4D4D4"/>
-                </a:solidFill>
-                <a:effectLst/>
-                <a:latin typeface="Consolas" panose="020B0609020204030204" pitchFamily="49" charset="0"/>
-              </a:rPr>
-              <a:t>    </a:t>
-            </a:r>
-            <a:r>
-              <a:rPr lang="en-US" sz="1100" b="0" dirty="0" err="1">
-                <a:solidFill>
-                  <a:srgbClr val="D4D4D4"/>
-                </a:solidFill>
-                <a:effectLst/>
-                <a:latin typeface="Consolas" panose="020B0609020204030204" pitchFamily="49" charset="0"/>
-              </a:rPr>
-              <a:t>dst_sub_binary</a:t>
-            </a:r>
-            <a:r>
-              <a:rPr lang="en-US" sz="1100" b="0" dirty="0">
-                <a:solidFill>
-                  <a:srgbClr val="D4D4D4"/>
-                </a:solidFill>
-                <a:effectLst/>
-                <a:latin typeface="Consolas" panose="020B0609020204030204" pitchFamily="49" charset="0"/>
-              </a:rPr>
-              <a:t> = </a:t>
-            </a:r>
-            <a:r>
-              <a:rPr lang="en-US" sz="1100" b="0" dirty="0">
-                <a:solidFill>
-                  <a:srgbClr val="569CD6"/>
-                </a:solidFill>
-                <a:effectLst/>
-                <a:latin typeface="Consolas" panose="020B0609020204030204" pitchFamily="49" charset="0"/>
-              </a:rPr>
-              <a:t>None</a:t>
-            </a:r>
-            <a:endParaRPr lang="en-US" sz="1100" b="0" dirty="0">
-              <a:solidFill>
-                <a:srgbClr val="D4D4D4"/>
-              </a:solidFill>
-              <a:effectLst/>
-              <a:latin typeface="Consolas" panose="020B0609020204030204" pitchFamily="49" charset="0"/>
-            </a:endParaRPr>
-          </a:p>
-          <a:p>
-            <a:r>
-              <a:rPr lang="en-US" sz="1100" b="0" dirty="0">
-                <a:solidFill>
-                  <a:srgbClr val="D4D4D4"/>
-                </a:solidFill>
-                <a:effectLst/>
-                <a:latin typeface="Consolas" panose="020B0609020204030204" pitchFamily="49" charset="0"/>
-              </a:rPr>
-              <a:t>    </a:t>
-            </a:r>
-            <a:r>
-              <a:rPr lang="en-US" sz="1100" b="0" dirty="0" err="1">
-                <a:solidFill>
-                  <a:srgbClr val="D4D4D4"/>
-                </a:solidFill>
-                <a:effectLst/>
-                <a:latin typeface="Consolas" panose="020B0609020204030204" pitchFamily="49" charset="0"/>
-              </a:rPr>
-              <a:t>src_port</a:t>
-            </a:r>
-            <a:r>
-              <a:rPr lang="en-US" sz="1100" b="0" dirty="0">
-                <a:solidFill>
-                  <a:srgbClr val="D4D4D4"/>
-                </a:solidFill>
-                <a:effectLst/>
-                <a:latin typeface="Consolas" panose="020B0609020204030204" pitchFamily="49" charset="0"/>
-              </a:rPr>
-              <a:t> = </a:t>
-            </a:r>
-            <a:r>
-              <a:rPr lang="en-US" sz="1100" b="0" dirty="0">
-                <a:solidFill>
-                  <a:srgbClr val="569CD6"/>
-                </a:solidFill>
-                <a:effectLst/>
-                <a:latin typeface="Consolas" panose="020B0609020204030204" pitchFamily="49" charset="0"/>
-              </a:rPr>
-              <a:t>None</a:t>
-            </a:r>
-            <a:endParaRPr lang="en-US" sz="1100" b="0" dirty="0">
-              <a:solidFill>
-                <a:srgbClr val="D4D4D4"/>
-              </a:solidFill>
-              <a:effectLst/>
-              <a:latin typeface="Consolas" panose="020B0609020204030204" pitchFamily="49" charset="0"/>
-            </a:endParaRPr>
-          </a:p>
-          <a:p>
-            <a:r>
-              <a:rPr lang="en-US" sz="1100" b="0" dirty="0">
-                <a:solidFill>
-                  <a:srgbClr val="D4D4D4"/>
-                </a:solidFill>
-                <a:effectLst/>
-                <a:latin typeface="Consolas" panose="020B0609020204030204" pitchFamily="49" charset="0"/>
-              </a:rPr>
-              <a:t>    </a:t>
-            </a:r>
-            <a:r>
-              <a:rPr lang="en-US" sz="1100" b="0" dirty="0" err="1">
-                <a:solidFill>
-                  <a:srgbClr val="D4D4D4"/>
-                </a:solidFill>
-                <a:effectLst/>
-                <a:latin typeface="Consolas" panose="020B0609020204030204" pitchFamily="49" charset="0"/>
-              </a:rPr>
-              <a:t>dst_port</a:t>
-            </a:r>
-            <a:r>
-              <a:rPr lang="en-US" sz="1100" b="0" dirty="0">
-                <a:solidFill>
-                  <a:srgbClr val="D4D4D4"/>
-                </a:solidFill>
-                <a:effectLst/>
-                <a:latin typeface="Consolas" panose="020B0609020204030204" pitchFamily="49" charset="0"/>
-              </a:rPr>
-              <a:t> = </a:t>
-            </a:r>
-            <a:r>
-              <a:rPr lang="en-US" sz="1100" b="0" dirty="0">
-                <a:solidFill>
-                  <a:srgbClr val="569CD6"/>
-                </a:solidFill>
-                <a:effectLst/>
-                <a:latin typeface="Consolas" panose="020B0609020204030204" pitchFamily="49" charset="0"/>
-              </a:rPr>
-              <a:t>None</a:t>
-            </a:r>
-            <a:endParaRPr lang="en-US" sz="1100" b="0" dirty="0">
-              <a:solidFill>
-                <a:srgbClr val="D4D4D4"/>
-              </a:solidFill>
-              <a:effectLst/>
-              <a:latin typeface="Consolas" panose="020B0609020204030204" pitchFamily="49" charset="0"/>
-            </a:endParaRPr>
-          </a:p>
-          <a:p>
-            <a:r>
-              <a:rPr lang="en-US" sz="1100" b="0" dirty="0">
-                <a:solidFill>
-                  <a:srgbClr val="D4D4D4"/>
-                </a:solidFill>
-                <a:effectLst/>
-                <a:latin typeface="Consolas" panose="020B0609020204030204" pitchFamily="49" charset="0"/>
-              </a:rPr>
-              <a:t>    protocol = </a:t>
-            </a:r>
-            <a:r>
-              <a:rPr lang="en-US" sz="1100" b="0" dirty="0">
-                <a:solidFill>
-                  <a:srgbClr val="569CD6"/>
-                </a:solidFill>
-                <a:effectLst/>
-                <a:latin typeface="Consolas" panose="020B0609020204030204" pitchFamily="49" charset="0"/>
-              </a:rPr>
-              <a:t>None</a:t>
-            </a:r>
-            <a:endParaRPr lang="en-US" sz="1100" b="0" dirty="0">
-              <a:solidFill>
-                <a:srgbClr val="D4D4D4"/>
-              </a:solidFill>
-              <a:effectLst/>
-              <a:latin typeface="Consolas" panose="020B0609020204030204" pitchFamily="49" charset="0"/>
-            </a:endParaRPr>
-          </a:p>
-          <a:p>
-            <a:r>
-              <a:rPr lang="en-US" sz="1100" b="0" dirty="0">
-                <a:solidFill>
-                  <a:srgbClr val="D4D4D4"/>
-                </a:solidFill>
-                <a:effectLst/>
-                <a:latin typeface="Consolas" panose="020B0609020204030204" pitchFamily="49" charset="0"/>
-              </a:rPr>
-              <a:t>    action = </a:t>
-            </a:r>
-            <a:r>
-              <a:rPr lang="en-US" sz="1100" b="0" dirty="0">
-                <a:solidFill>
-                  <a:srgbClr val="569CD6"/>
-                </a:solidFill>
-                <a:effectLst/>
-                <a:latin typeface="Consolas" panose="020B0609020204030204" pitchFamily="49" charset="0"/>
-              </a:rPr>
-              <a:t>None</a:t>
-            </a:r>
-            <a:endParaRPr lang="en-US" sz="1100" b="0" dirty="0">
-              <a:solidFill>
-                <a:srgbClr val="D4D4D4"/>
-              </a:solidFill>
-              <a:effectLst/>
-              <a:latin typeface="Consolas" panose="020B0609020204030204" pitchFamily="49" charset="0"/>
-            </a:endParaRPr>
-          </a:p>
-        </p:txBody>
-      </p:sp>
+      </p:pic>
+      <p:pic>
+        <p:nvPicPr>
+          <p:cNvPr id="12" name="Picture 11">
+            <a:extLst>
+              <a:ext uri="{FF2B5EF4-FFF2-40B4-BE49-F238E27FC236}">
+                <a16:creationId xmlns:a16="http://schemas.microsoft.com/office/drawing/2014/main" id="{EAFEC649-62CD-45EB-9030-13822CD3215E}"/>
+              </a:ext>
+            </a:extLst>
+          </p:cNvPr>
+          <p:cNvPicPr>
+            <a:picLocks noChangeAspect="1"/>
+          </p:cNvPicPr>
+          <p:nvPr/>
+        </p:nvPicPr>
+        <p:blipFill rotWithShape="1">
+          <a:blip r:embed="rId2">
+            <a:extLst>
+              <a:ext uri="{28A0092B-C50C-407E-A947-70E740481C1C}">
+                <a14:useLocalDpi xmlns:a14="http://schemas.microsoft.com/office/drawing/2010/main" val="0"/>
+              </a:ext>
+            </a:extLst>
+          </a:blip>
+          <a:srcRect l="42800" b="46528"/>
+          <a:stretch/>
+        </p:blipFill>
+        <p:spPr>
+          <a:xfrm>
+            <a:off x="604434" y="1196391"/>
+            <a:ext cx="3991286" cy="4642434"/>
+          </a:xfrm>
+          <a:prstGeom prst="rect">
+            <a:avLst/>
+          </a:prstGeom>
+        </p:spPr>
+      </p:pic>
     </p:spTree>
     <p:extLst>
       <p:ext uri="{BB962C8B-B14F-4D97-AF65-F5344CB8AC3E}">
-        <p14:creationId xmlns:p14="http://schemas.microsoft.com/office/powerpoint/2010/main" val="2059633017"/>
+        <p14:creationId xmlns:p14="http://schemas.microsoft.com/office/powerpoint/2010/main" val="570743923"/>
       </p:ext>
     </p:extLst>
   </p:cSld>
@@ -23311,8 +21900,8 @@
         </p:nvSpPr>
         <p:spPr>
           <a:xfrm>
-            <a:off x="604433" y="1266825"/>
-            <a:ext cx="6463117" cy="1954381"/>
+            <a:off x="604433" y="1266826"/>
+            <a:ext cx="6463117" cy="1838324"/>
           </a:xfrm>
           <a:prstGeom prst="rect">
             <a:avLst/>
@@ -23435,7 +22024,23 @@
                   <a:schemeClr val="bg1"/>
                 </a:solidFill>
               </a:rPr>
-              <a:t> function. If the NetID in the rule list has a * (star) value, the </a:t>
+              <a:t> function. If the NetID in the rule list has a </a:t>
+            </a:r>
+            <a:r>
+              <a:rPr lang="en-US" sz="1200" dirty="0">
+                <a:solidFill>
+                  <a:srgbClr val="FFC000"/>
+                </a:solidFill>
+              </a:rPr>
+              <a:t>*</a:t>
+            </a:r>
+            <a:r>
+              <a:rPr lang="en-US" sz="1200" dirty="0">
+                <a:solidFill>
+                  <a:schemeClr val="bg1"/>
+                </a:solidFill>
+              </a:rPr>
+              <a:t> (star) value, the </a:t>
             </a:r>
             <a:r>
               <a:rPr lang="en-US" sz="1200" dirty="0" err="1">
@@ -23599,10 +22204,10 @@
       </p:sp>
       <p:sp>
         <p:nvSpPr>
-          <p:cNvPr id="10" name="Claa Rule __init__">
+          <p:cNvPr id="8" name="Class Rule">
             <a:extLst>
               <a:ext uri="{FF2B5EF4-FFF2-40B4-BE49-F238E27FC236}">
-                <a16:creationId xmlns:a16="http://schemas.microsoft.com/office/drawing/2014/main" id="{3673112C-3AAC-4715-9159-9FE50C548E39}"/>
+                <a16:creationId xmlns:a16="http://schemas.microsoft.com/office/drawing/2014/main" id="{FE5B0770-5CBF-4CE0-BA84-8304FD587AB8}"/>
               </a:ext>
             </a:extLst>
           </p:cNvPr>
@@ -23611,8 +22216,8 @@
         </p:nvSpPr>
         <p:spPr>
           <a:xfrm>
-            <a:off x="604433" y="3291640"/>
-            <a:ext cx="7329488" cy="1954381"/>
+            <a:off x="604433" y="3175585"/>
+            <a:ext cx="2148292" cy="2292935"/>
           </a:xfrm>
           <a:prstGeom prst="rect">
             <a:avLst/>
@@ -23633,7 +22238,7 @@
                 <a:effectLst/>
                 <a:latin typeface="Consolas" panose="020B0609020204030204" pitchFamily="49" charset="0"/>
               </a:rPr>
-              <a:t>def</a:t>
+              <a:t>class</a:t>
             </a:r>
             <a:r>
               <a:rPr lang="en-US" sz="1100" b="0" dirty="0">
@@ -23648,67 +22253,39 @@
             <a:r>
               <a:rPr lang="en-US" sz="1100" b="0" dirty="0">
                 <a:solidFill>
-                  <a:srgbClr val="DCDCAA"/>
-                </a:solidFill>
-                <a:effectLst/>
-                <a:latin typeface="Consolas" panose="020B0609020204030204" pitchFamily="49" charset="0"/>
-              </a:rPr>
-              <a:t>__</a:t>
-            </a:r>
-            <a:r>
-              <a:rPr lang="en-US" sz="1100" b="0" dirty="0" err="1">
-                <a:solidFill>
-                  <a:srgbClr val="DCDCAA"/>
-                </a:solidFill>
-                <a:effectLst/>
-                <a:latin typeface="Consolas" panose="020B0609020204030204" pitchFamily="49" charset="0"/>
-              </a:rPr>
-              <a:t>init</a:t>
-            </a:r>
-            <a:r>
-              <a:rPr lang="en-US" sz="1100" b="0" dirty="0">
-                <a:solidFill>
-                  <a:srgbClr val="DCDCAA"/>
-                </a:solidFill>
-                <a:effectLst/>
-                <a:latin typeface="Consolas" panose="020B0609020204030204" pitchFamily="49" charset="0"/>
-              </a:rPr>
-              <a:t>__</a:t>
-            </a:r>
-            <a:r>
-              <a:rPr lang="en-US" sz="1100" b="0" dirty="0">
-                <a:solidFill>
-                  <a:srgbClr val="D4D4D4"/>
-                </a:solidFill>
-                <a:effectLst/>
-                <a:latin typeface="Consolas" panose="020B0609020204030204" pitchFamily="49" charset="0"/>
-              </a:rPr>
-              <a:t>(</a:t>
-            </a:r>
-            <a:r>
-              <a:rPr lang="en-US" sz="1100" b="0" dirty="0">
-                <a:solidFill>
-                  <a:srgbClr val="9CDCFE"/>
-                </a:solidFill>
-                <a:effectLst/>
-                <a:latin typeface="Consolas" panose="020B0609020204030204" pitchFamily="49" charset="0"/>
-              </a:rPr>
-              <a:t>self</a:t>
-            </a:r>
-            <a:r>
-              <a:rPr lang="en-US" sz="1100" b="0" dirty="0">
-                <a:solidFill>
-                  <a:srgbClr val="D4D4D4"/>
-                </a:solidFill>
-                <a:effectLst/>
-                <a:latin typeface="Consolas" panose="020B0609020204030204" pitchFamily="49" charset="0"/>
-              </a:rPr>
-              <a:t>, </a:t>
-            </a:r>
-            <a:r>
-              <a:rPr lang="en-US" sz="1100" b="0" dirty="0" err="1">
-                <a:solidFill>
-                  <a:srgbClr val="9CDCFE"/>
+                  <a:srgbClr val="4EC9B0"/>
+                </a:solidFill>
+                <a:effectLst/>
+                <a:latin typeface="Consolas" panose="020B0609020204030204" pitchFamily="49" charset="0"/>
+              </a:rPr>
+              <a:t>Rule</a:t>
+            </a:r>
+            <a:r>
+              <a:rPr lang="en-US" sz="1100" b="0" dirty="0">
+                <a:solidFill>
+                  <a:srgbClr val="D4D4D4"/>
+                </a:solidFill>
+                <a:effectLst/>
+                <a:latin typeface="Consolas" panose="020B0609020204030204" pitchFamily="49" charset="0"/>
+              </a:rPr>
+              <a:t>:</a:t>
+            </a:r>
+          </a:p>
+          <a:p>
+            <a:r>
+              <a:rPr lang="en-US" sz="1100" b="0" dirty="0">
+                <a:solidFill>
+                  <a:srgbClr val="D4D4D4"/>
+                </a:solidFill>
+                <a:effectLst/>
+                <a:latin typeface="Consolas" panose="020B0609020204030204" pitchFamily="49" charset="0"/>
+              </a:rPr>
+              <a:t>    </a:t>
+            </a:r>
+            <a:r>
+              <a:rPr lang="en-US" sz="1100" b="0" dirty="0" err="1">
+                <a:solidFill>
+                  <a:srgbClr val="D4D4D4"/>
                 </a:solidFill>
                 <a:effectLst/>
                 <a:latin typeface="Consolas" panose="020B0609020204030204" pitchFamily="49" charset="0"/>
@@ -23723,159 +22300,17 @@
                 <a:effectLst/>
                 <a:latin typeface="Consolas" panose="020B0609020204030204" pitchFamily="49" charset="0"/>
               </a:rPr>
-              <a:t>, </a:t>
-            </a:r>
-            <a:r>
-              <a:rPr lang="en-US" sz="1100" b="0" dirty="0" err="1">
-                <a:solidFill>
-                  <a:srgbClr val="9CDCFE"/>
-                </a:solidFill>
-                <a:effectLst/>
-                <a:latin typeface="Consolas" panose="020B0609020204030204" pitchFamily="49" charset="0"/>
-              </a:rPr>
-              <a:t>dst_sub</a:t>
-            </a:r>
-            <a:r>
-              <a:rPr lang="en-US" sz="1100" b="0" dirty="0">
-                <a:solidFill>
-                  <a:srgbClr val="D4D4D4"/>
-                </a:solidFill>
-                <a:effectLst/>
-                <a:latin typeface="Consolas" panose="020B0609020204030204" pitchFamily="49" charset="0"/>
-              </a:rPr>
-              <a:t>, </a:t>
-            </a:r>
-            <a:r>
-              <a:rPr lang="en-US" sz="1100" b="0" dirty="0">
-                <a:solidFill>
-                  <a:srgbClr val="9CDCFE"/>
-                </a:solidFill>
-                <a:effectLst/>
-                <a:latin typeface="Consolas" panose="020B0609020204030204" pitchFamily="49" charset="0"/>
-              </a:rPr>
-              <a:t>protocol</a:t>
-            </a:r>
-            <a:r>
-              <a:rPr lang="en-US" sz="1100" b="0" dirty="0">
-                <a:solidFill>
-                  <a:srgbClr val="D4D4D4"/>
-                </a:solidFill>
-                <a:effectLst/>
-                <a:latin typeface="Consolas" panose="020B0609020204030204" pitchFamily="49" charset="0"/>
-              </a:rPr>
-              <a:t>, </a:t>
-            </a:r>
-            <a:r>
-              <a:rPr lang="en-US" sz="1100" b="0" dirty="0" err="1">
-                <a:solidFill>
-                  <a:srgbClr val="9CDCFE"/>
-                </a:solidFill>
-                <a:effectLst/>
-                <a:latin typeface="Consolas" panose="020B0609020204030204" pitchFamily="49" charset="0"/>
-              </a:rPr>
-              <a:t>src_port</a:t>
-            </a:r>
-            <a:r>
-              <a:rPr lang="en-US" sz="1100" b="0" dirty="0">
-                <a:solidFill>
-                  <a:srgbClr val="D4D4D4"/>
-                </a:solidFill>
-                <a:effectLst/>
-                <a:latin typeface="Consolas" panose="020B0609020204030204" pitchFamily="49" charset="0"/>
-              </a:rPr>
-              <a:t>, </a:t>
-            </a:r>
-            <a:r>
-              <a:rPr lang="en-US" sz="1100" b="0" dirty="0" err="1">
-                <a:solidFill>
-                  <a:srgbClr val="9CDCFE"/>
-                </a:solidFill>
-                <a:effectLst/>
-                <a:latin typeface="Consolas" panose="020B0609020204030204" pitchFamily="49" charset="0"/>
-              </a:rPr>
-              <a:t>dst_port</a:t>
-            </a:r>
-            <a:r>
-              <a:rPr lang="en-US" sz="1100" b="0" dirty="0">
-                <a:solidFill>
-                  <a:srgbClr val="D4D4D4"/>
-                </a:solidFill>
-                <a:effectLst/>
-                <a:latin typeface="Consolas" panose="020B0609020204030204" pitchFamily="49" charset="0"/>
-              </a:rPr>
-              <a:t>, </a:t>
-            </a:r>
-            <a:r>
-              <a:rPr lang="en-US" sz="1100" b="0" dirty="0">
-                <a:solidFill>
-                  <a:srgbClr val="9CDCFE"/>
-                </a:solidFill>
-                <a:effectLst/>
-                <a:latin typeface="Consolas" panose="020B0609020204030204" pitchFamily="49" charset="0"/>
-              </a:rPr>
-              <a:t>action</a:t>
-            </a:r>
-            <a:r>
-              <a:rPr lang="en-US" sz="1100" b="0" dirty="0">
-                <a:solidFill>
-                  <a:srgbClr val="D4D4D4"/>
-                </a:solidFill>
-                <a:effectLst/>
-                <a:latin typeface="Consolas" panose="020B0609020204030204" pitchFamily="49" charset="0"/>
-              </a:rPr>
-              <a:t>):</a:t>
-            </a:r>
-          </a:p>
-          <a:p>
-            <a:r>
-              <a:rPr lang="en-US" sz="1100" b="0" dirty="0">
-                <a:solidFill>
-                  <a:srgbClr val="D4D4D4"/>
-                </a:solidFill>
-                <a:effectLst/>
-                <a:latin typeface="Consolas" panose="020B0609020204030204" pitchFamily="49" charset="0"/>
-              </a:rPr>
-              <a:t>        </a:t>
-            </a:r>
-            <a:r>
-              <a:rPr lang="en-US" sz="1100" b="0" dirty="0" err="1">
+              <a:t> = </a:t>
+            </a:r>
+            <a:r>
+              <a:rPr lang="en-US" sz="1100" b="0" dirty="0">
                 <a:solidFill>
                   <a:srgbClr val="569CD6"/>
                 </a:solidFill>
                 <a:effectLst/>
                 <a:latin typeface="Consolas" panose="020B0609020204030204" pitchFamily="49" charset="0"/>
               </a:rPr>
-              <a:t>self</a:t>
-            </a:r>
-            <a:r>
-              <a:rPr lang="en-US" sz="1100" b="0" dirty="0" err="1">
-                <a:solidFill>
-                  <a:srgbClr val="D4D4D4"/>
-                </a:solidFill>
-                <a:effectLst/>
-                <a:latin typeface="Consolas" panose="020B0609020204030204" pitchFamily="49" charset="0"/>
-              </a:rPr>
-              <a:t>.src_sub</a:t>
-            </a:r>
-            <a:r>
-              <a:rPr lang="en-US" sz="1100" b="0" dirty="0">
-                <a:solidFill>
-                  <a:srgbClr val="D4D4D4"/>
-                </a:solidFill>
-                <a:effectLst/>
-                <a:latin typeface="Consolas" panose="020B0609020204030204" pitchFamily="49" charset="0"/>
-              </a:rPr>
-              <a:t> = </a:t>
-            </a:r>
-            <a:r>
-              <a:rPr lang="en-US" sz="1100" b="0" dirty="0" err="1">
-                <a:solidFill>
-                  <a:srgbClr val="D4D4D4"/>
-                </a:solidFill>
-                <a:effectLst/>
-                <a:latin typeface="Consolas" panose="020B0609020204030204" pitchFamily="49" charset="0"/>
-              </a:rPr>
-              <a:t>src_sub</a:t>
+              <a:t>None</a:t>
             </a:r>
             <a:endParaRPr lang="en-US" sz="1100" b="0" dirty="0">
               <a:solidFill>
@@ -23894,47 +22329,37 @@
                 <a:effectLst/>
                 <a:latin typeface="Consolas" panose="020B0609020204030204" pitchFamily="49" charset="0"/>
               </a:rPr>
-              <a:t>        </a:t>
-            </a:r>
-            <a:r>
-              <a:rPr lang="en-US" sz="1100" b="0" dirty="0" err="1">
+              <a:t>    </a:t>
+            </a:r>
+            <a:r>
+              <a:rPr lang="en-US" sz="1100" b="0" dirty="0" err="1">
+                <a:solidFill>
+                  <a:srgbClr val="D4D4D4"/>
+                </a:solidFill>
+                <a:effectLst/>
+                <a:latin typeface="Consolas" panose="020B0609020204030204" pitchFamily="49" charset="0"/>
+              </a:rPr>
+              <a:t>src_ip</a:t>
+            </a:r>
+            <a:r>
+              <a:rPr lang="en-US" sz="1100" b="0" dirty="0">
+                <a:solidFill>
+                  <a:srgbClr val="D4D4D4"/>
+                </a:solidFill>
+                <a:effectLst/>
+                <a:latin typeface="Consolas" panose="020B0609020204030204" pitchFamily="49" charset="0"/>
+              </a:rPr>
+              <a:t> = </a:t>
+            </a:r>
+            <a:r>
+              <a:rPr lang="en-US" sz="1100" b="0" dirty="0">
                 <a:solidFill>
                   <a:srgbClr val="569CD6"/>
                 </a:solidFill>
                 <a:effectLst/>
                 <a:latin typeface="Consolas" panose="020B0609020204030204" pitchFamily="49" charset="0"/>
               </a:rPr>
-              <a:t>self</a:t>
-            </a:r>
-            <a:r>
-              <a:rPr lang="en-US" sz="1100" b="0" dirty="0" err="1">
-                <a:solidFill>
-                  <a:srgbClr val="D4D4D4"/>
-                </a:solidFill>
-                <a:effectLst/>
-                <a:latin typeface="Consolas" panose="020B0609020204030204" pitchFamily="49" charset="0"/>
-              </a:rPr>
-              <a:t>.dst_sub</a:t>
-            </a:r>
-            <a:r>
-              <a:rPr lang="en-US" sz="1100" b="0" dirty="0">
-                <a:solidFill>
-                  <a:srgbClr val="D4D4D4"/>
-                </a:solidFill>
-                <a:effectLst/>
-                <a:latin typeface="Consolas" panose="020B0609020204030204" pitchFamily="49" charset="0"/>
-              </a:rPr>
-              <a:t> = </a:t>
-            </a:r>
-            <a:r>
-              <a:rPr lang="en-US" sz="1100" b="0" dirty="0" err="1">
-                <a:solidFill>
-                  <a:srgbClr val="D4D4D4"/>
-                </a:solidFill>
-                <a:effectLst/>
-                <a:latin typeface="Consolas" panose="020B0609020204030204" pitchFamily="49" charset="0"/>
-              </a:rPr>
-              <a:t>dst_sub</a:t>
+              <a:t>None</a:t>
             </a:r>
             <a:endParaRPr lang="en-US" sz="1100" b="0" dirty="0">
               <a:solidFill>
@@ -23953,89 +22378,37 @@
                 <a:effectLst/>
                 <a:latin typeface="Consolas" panose="020B0609020204030204" pitchFamily="49" charset="0"/>
               </a:rPr>
-              <a:t>        </a:t>
-            </a:r>
-            <a:r>
-              <a:rPr lang="en-US" sz="1100" b="0" dirty="0" err="1">
+              <a:t>    </a:t>
+            </a:r>
+            <a:r>
+              <a:rPr lang="en-US" sz="1100" b="0" dirty="0" err="1">
+                <a:solidFill>
+                  <a:srgbClr val="D4D4D4"/>
+                </a:solidFill>
+                <a:effectLst/>
+                <a:latin typeface="Consolas" panose="020B0609020204030204" pitchFamily="49" charset="0"/>
+              </a:rPr>
+              <a:t>src_netmask</a:t>
+            </a:r>
+            <a:r>
+              <a:rPr lang="en-US" sz="1100" b="0" dirty="0">
+                <a:solidFill>
+                  <a:srgbClr val="D4D4D4"/>
+                </a:solidFill>
+                <a:effectLst/>
+                <a:latin typeface="Consolas" panose="020B0609020204030204" pitchFamily="49" charset="0"/>
+              </a:rPr>
+              <a:t> = </a:t>
+            </a:r>
+            <a:r>
+              <a:rPr lang="en-US" sz="1100" b="0" dirty="0">
                 <a:solidFill>
                   <a:srgbClr val="569CD6"/>
                 </a:solidFill>
                 <a:effectLst/>
                 <a:latin typeface="Consolas" panose="020B0609020204030204" pitchFamily="49" charset="0"/>
               </a:rPr>
-              <a:t>self</a:t>
-            </a:r>
-            <a:r>
-              <a:rPr lang="en-US" sz="1100" b="0" dirty="0" err="1">
-                <a:solidFill>
-                  <a:srgbClr val="D4D4D4"/>
-                </a:solidFill>
-                <a:effectLst/>
-                <a:latin typeface="Consolas" panose="020B0609020204030204" pitchFamily="49" charset="0"/>
-              </a:rPr>
-              <a:t>.protocol</a:t>
-            </a:r>
-            <a:r>
-              <a:rPr lang="en-US" sz="1100" b="0" dirty="0">
-                <a:solidFill>
-                  <a:srgbClr val="D4D4D4"/>
-                </a:solidFill>
-                <a:effectLst/>
-                <a:latin typeface="Consolas" panose="020B0609020204030204" pitchFamily="49" charset="0"/>
-              </a:rPr>
-              <a:t> = protocol</a:t>
-            </a:r>
-          </a:p>
-          <a:p>
-            <a:r>
-              <a:rPr lang="en-US" sz="1100" b="0" dirty="0">
-                <a:solidFill>
-                  <a:srgbClr val="D4D4D4"/>
-                </a:solidFill>
-                <a:effectLst/>
-                <a:latin typeface="Consolas" panose="020B0609020204030204" pitchFamily="49" charset="0"/>
-              </a:rPr>
-              <a:t>        </a:t>
-            </a:r>
-            <a:r>
-              <a:rPr lang="en-US" sz="1100" b="0" dirty="0" err="1">
-                <a:solidFill>
-                  <a:srgbClr val="569CD6"/>
-                </a:solidFill>
-                <a:effectLst/>
-                <a:latin typeface="Consolas" panose="020B0609020204030204" pitchFamily="49" charset="0"/>
-              </a:rPr>
-              <a:t>self</a:t>
-            </a:r>
-            <a:r>
-              <a:rPr lang="en-US" sz="1100" b="0" dirty="0" err="1">
-                <a:solidFill>
-                  <a:srgbClr val="D4D4D4"/>
-                </a:solidFill>
-                <a:effectLst/>
-                <a:latin typeface="Consolas" panose="020B0609020204030204" pitchFamily="49" charset="0"/>
-              </a:rPr>
-              <a:t>.src_port</a:t>
-            </a:r>
-            <a:r>
-              <a:rPr lang="en-US" sz="1100" b="0" dirty="0">
-                <a:solidFill>
-                  <a:srgbClr val="D4D4D4"/>
-                </a:solidFill>
-                <a:effectLst/>
-                <a:latin typeface="Consolas" panose="020B0609020204030204" pitchFamily="49" charset="0"/>
-              </a:rPr>
-              <a:t> = </a:t>
-            </a:r>
-            <a:r>
-              <a:rPr lang="en-US" sz="1100" b="0" dirty="0" err="1">
-                <a:solidFill>
-                  <a:srgbClr val="D4D4D4"/>
-                </a:solidFill>
-                <a:effectLst/>
-                <a:latin typeface="Consolas" panose="020B0609020204030204" pitchFamily="49" charset="0"/>
-              </a:rPr>
-              <a:t>src_port</a:t>
+              <a:t>None</a:t>
             </a:r>
             <a:endParaRPr lang="en-US" sz="1100" b="0" dirty="0">
               <a:solidFill>
@@ -24054,47 +22427,37 @@
                 <a:effectLst/>
                 <a:latin typeface="Consolas" panose="020B0609020204030204" pitchFamily="49" charset="0"/>
               </a:rPr>
-              <a:t>        </a:t>
-            </a:r>
-            <a:r>
-              <a:rPr lang="en-US" sz="1100" b="0" dirty="0" err="1">
+              <a:t>    </a:t>
+            </a:r>
+            <a:r>
+              <a:rPr lang="en-US" sz="1100" b="0" dirty="0" err="1">
+                <a:solidFill>
+                  <a:srgbClr val="D4D4D4"/>
+                </a:solidFill>
+                <a:effectLst/>
+                <a:latin typeface="Consolas" panose="020B0609020204030204" pitchFamily="49" charset="0"/>
+              </a:rPr>
+              <a:t>src_sub_binary</a:t>
+            </a:r>
+            <a:r>
+              <a:rPr lang="en-US" sz="1100" b="0" dirty="0">
+                <a:solidFill>
+                  <a:srgbClr val="D4D4D4"/>
+                </a:solidFill>
+                <a:effectLst/>
+                <a:latin typeface="Consolas" panose="020B0609020204030204" pitchFamily="49" charset="0"/>
+              </a:rPr>
+              <a:t> = </a:t>
+            </a:r>
+            <a:r>
+              <a:rPr lang="en-US" sz="1100" b="0" dirty="0">
                 <a:solidFill>
                   <a:srgbClr val="569CD6"/>
                 </a:solidFill>
                 <a:effectLst/>
                 <a:latin typeface="Consolas" panose="020B0609020204030204" pitchFamily="49" charset="0"/>
               </a:rPr>
-              <a:t>self</a:t>
-            </a:r>
-            <a:r>
-              <a:rPr lang="en-US" sz="1100" b="0" dirty="0" err="1">
-                <a:solidFill>
-                  <a:srgbClr val="D4D4D4"/>
-                </a:solidFill>
-                <a:effectLst/>
-                <a:latin typeface="Consolas" panose="020B0609020204030204" pitchFamily="49" charset="0"/>
-              </a:rPr>
-              <a:t>.dst_port</a:t>
-            </a:r>
-            <a:r>
-              <a:rPr lang="en-US" sz="1100" b="0" dirty="0">
-                <a:solidFill>
-                  <a:srgbClr val="D4D4D4"/>
-                </a:solidFill>
-                <a:effectLst/>
-                <a:latin typeface="Consolas" panose="020B0609020204030204" pitchFamily="49" charset="0"/>
-              </a:rPr>
-              <a:t> = </a:t>
-            </a:r>
-            <a:r>
-              <a:rPr lang="en-US" sz="1100" b="0" dirty="0" err="1">
-                <a:solidFill>
-                  <a:srgbClr val="D4D4D4"/>
-                </a:solidFill>
-                <a:effectLst/>
-                <a:latin typeface="Consolas" panose="020B0609020204030204" pitchFamily="49" charset="0"/>
-              </a:rPr>
-              <a:t>dst_port</a:t>
+              <a:t>None</a:t>
             </a:r>
             <a:endParaRPr lang="en-US" sz="1100" b="0" dirty="0">
               <a:solidFill>
@@ -24113,99 +22476,125 @@
                 <a:effectLst/>
                 <a:latin typeface="Consolas" panose="020B0609020204030204" pitchFamily="49" charset="0"/>
               </a:rPr>
-              <a:t>        </a:t>
-            </a:r>
-            <a:r>
-              <a:rPr lang="en-US" sz="1100" b="0" dirty="0" err="1">
+              <a:t>    </a:t>
+            </a:r>
+            <a:r>
+              <a:rPr lang="en-US" sz="1100" b="0" dirty="0" err="1">
+                <a:solidFill>
+                  <a:srgbClr val="D4D4D4"/>
+                </a:solidFill>
+                <a:effectLst/>
+                <a:latin typeface="Consolas" panose="020B0609020204030204" pitchFamily="49" charset="0"/>
+              </a:rPr>
+              <a:t>dst_sub</a:t>
+            </a:r>
+            <a:r>
+              <a:rPr lang="en-US" sz="1100" b="0" dirty="0">
+                <a:solidFill>
+                  <a:srgbClr val="D4D4D4"/>
+                </a:solidFill>
+                <a:effectLst/>
+                <a:latin typeface="Consolas" panose="020B0609020204030204" pitchFamily="49" charset="0"/>
+              </a:rPr>
+              <a:t> = </a:t>
+            </a:r>
+            <a:r>
+              <a:rPr lang="en-US" sz="1100" b="0" dirty="0">
                 <a:solidFill>
                   <a:srgbClr val="569CD6"/>
                 </a:solidFill>
                 <a:effectLst/>
                 <a:latin typeface="Consolas" panose="020B0609020204030204" pitchFamily="49" charset="0"/>
               </a:rPr>
-              <a:t>self</a:t>
-            </a:r>
-            <a:r>
-              <a:rPr lang="en-US" sz="1100" b="0" dirty="0" err="1">
-                <a:solidFill>
-                  <a:srgbClr val="D4D4D4"/>
-                </a:solidFill>
-                <a:effectLst/>
-                <a:latin typeface="Consolas" panose="020B0609020204030204" pitchFamily="49" charset="0"/>
-              </a:rPr>
-              <a:t>.action</a:t>
-            </a:r>
-            <a:r>
-              <a:rPr lang="en-US" sz="1100" b="0" dirty="0">
-                <a:solidFill>
-                  <a:srgbClr val="D4D4D4"/>
-                </a:solidFill>
-                <a:effectLst/>
-                <a:latin typeface="Consolas" panose="020B0609020204030204" pitchFamily="49" charset="0"/>
-              </a:rPr>
-              <a:t> = action</a:t>
-            </a:r>
-          </a:p>
-          <a:p>
-            <a:r>
-              <a:rPr lang="en-US" sz="1100" b="0" dirty="0">
-                <a:solidFill>
-                  <a:srgbClr val="D4D4D4"/>
-                </a:solidFill>
-                <a:effectLst/>
-                <a:latin typeface="Consolas" panose="020B0609020204030204" pitchFamily="49" charset="0"/>
-              </a:rPr>
-              <a:t>        </a:t>
-            </a:r>
-            <a:r>
-              <a:rPr lang="en-US" sz="1100" b="0" dirty="0">
-                <a:solidFill>
-                  <a:srgbClr val="C586C0"/>
-                </a:solidFill>
-                <a:effectLst/>
-                <a:latin typeface="Consolas" panose="020B0609020204030204" pitchFamily="49" charset="0"/>
-              </a:rPr>
-              <a:t>if</a:t>
-            </a:r>
-            <a:r>
-              <a:rPr lang="en-US" sz="1100" b="0" dirty="0">
-                <a:solidFill>
-                  <a:srgbClr val="D4D4D4"/>
-                </a:solidFill>
-                <a:effectLst/>
-                <a:latin typeface="Consolas" panose="020B0609020204030204" pitchFamily="49" charset="0"/>
-              </a:rPr>
-              <a:t> </a:t>
-            </a:r>
-            <a:r>
-              <a:rPr lang="en-US" sz="1100" b="0" dirty="0" err="1">
+              <a:t>None</a:t>
+            </a:r>
+            <a:endParaRPr lang="en-US" sz="1100" b="0" dirty="0">
+              <a:solidFill>
+                <a:srgbClr val="D4D4D4"/>
+              </a:solidFill>
+              <a:effectLst/>
+              <a:latin typeface="Consolas" panose="020B0609020204030204" pitchFamily="49" charset="0"/>
+            </a:endParaRPr>
+          </a:p>
+          <a:p>
+            <a:r>
+              <a:rPr lang="en-US" sz="1100" b="0" dirty="0">
+                <a:solidFill>
+                  <a:srgbClr val="D4D4D4"/>
+                </a:solidFill>
+                <a:effectLst/>
+                <a:latin typeface="Consolas" panose="020B0609020204030204" pitchFamily="49" charset="0"/>
+              </a:rPr>
+              <a:t>    </a:t>
+            </a:r>
+            <a:r>
+              <a:rPr lang="en-US" sz="1100" b="0" dirty="0" err="1">
+                <a:solidFill>
+                  <a:srgbClr val="D4D4D4"/>
+                </a:solidFill>
+                <a:effectLst/>
+                <a:latin typeface="Consolas" panose="020B0609020204030204" pitchFamily="49" charset="0"/>
+              </a:rPr>
+              <a:t>dst_ip</a:t>
+            </a:r>
+            <a:r>
+              <a:rPr lang="en-US" sz="1100" b="0" dirty="0">
+                <a:solidFill>
+                  <a:srgbClr val="D4D4D4"/>
+                </a:solidFill>
+                <a:effectLst/>
+                <a:latin typeface="Consolas" panose="020B0609020204030204" pitchFamily="49" charset="0"/>
+              </a:rPr>
+              <a:t> = </a:t>
+            </a:r>
+            <a:r>
+              <a:rPr lang="en-US" sz="1100" b="0" dirty="0">
                 <a:solidFill>
                   <a:srgbClr val="569CD6"/>
                 </a:solidFill>
                 <a:effectLst/>
                 <a:latin typeface="Consolas" panose="020B0609020204030204" pitchFamily="49" charset="0"/>
               </a:rPr>
-              <a:t>self</a:t>
-            </a:r>
-            <a:r>
-              <a:rPr lang="en-US" sz="1100" b="0" dirty="0" err="1">
-                <a:solidFill>
-                  <a:srgbClr val="D4D4D4"/>
-                </a:solidFill>
-                <a:effectLst/>
-                <a:latin typeface="Consolas" panose="020B0609020204030204" pitchFamily="49" charset="0"/>
-              </a:rPr>
-              <a:t>.src_sub</a:t>
-            </a:r>
-            <a:r>
-              <a:rPr lang="en-US" sz="1100" b="0" dirty="0">
-                <a:solidFill>
-                  <a:srgbClr val="D4D4D4"/>
-                </a:solidFill>
-                <a:effectLst/>
-                <a:latin typeface="Consolas" panose="020B0609020204030204" pitchFamily="49" charset="0"/>
-              </a:rPr>
-              <a:t> </a:t>
+              <a:t>None</a:t>
+            </a:r>
+            <a:endParaRPr lang="en-US" sz="1100" b="0" dirty="0">
+              <a:solidFill>
+                <a:srgbClr val="D4D4D4"/>
+              </a:solidFill>
+              <a:effectLst/>
+              <a:latin typeface="Consolas" panose="020B0609020204030204" pitchFamily="49" charset="0"/>
+            </a:endParaRPr>
+          </a:p>
+          <a:p>
+            <a:r>
+              <a:rPr lang="en-US" sz="1100" b="0" dirty="0">
+                <a:solidFill>
+                  <a:srgbClr val="D4D4D4"/>
+                </a:solidFill>
+                <a:effectLst/>
+                <a:latin typeface="Consolas" panose="020B0609020204030204" pitchFamily="49" charset="0"/>
+              </a:rPr>
+              <a:t>    </a:t>
+            </a:r>
+            <a:r>
+              <a:rPr lang="en-US" sz="1100" b="0" dirty="0" err="1">
+                <a:solidFill>
+                  <a:srgbClr val="D4D4D4"/>
+                </a:solidFill>
+                <a:effectLst/>
+                <a:latin typeface="Consolas" panose="020B0609020204030204" pitchFamily="49" charset="0"/>
+              </a:rPr>
+              <a:t>dst_netmask</a:t>
+            </a:r>
+            <a:r>
+              <a:rPr lang="en-US" sz="1100" b="0" dirty="0">
+                <a:solidFill>
+                  <a:srgbClr val="D4D4D4"/>
+                </a:solidFill>
+                <a:effectLst/>
+                <a:latin typeface="Consolas" panose="020B0609020204030204" pitchFamily="49" charset="0"/>
+              </a:rPr>
+              <a:t> = </a:t>
             </a:r>
             <a:r>
               <a:rPr lang="en-US" sz="1100" b="0" dirty="0">
@@ -24215,17 +22604,46 @@
                 <a:effectLst/>
                 <a:latin typeface="Consolas" panose="020B0609020204030204" pitchFamily="49" charset="0"/>
               </a:rPr>
-              <a:t>is</a:t>
-            </a:r>
-            <a:r>
-              <a:rPr lang="en-US" sz="1100" b="0" dirty="0">
-                <a:solidFill>
-                  <a:srgbClr val="D4D4D4"/>
-                </a:solidFill>
-                <a:effectLst/>
-                <a:latin typeface="Consolas" panose="020B0609020204030204" pitchFamily="49" charset="0"/>
-              </a:rPr>
-              <a:t> </a:t>
+              <a:t>None</a:t>
+            </a:r>
+            <a:endParaRPr lang="en-US" sz="1100" b="0" dirty="0">
+              <a:solidFill>
+                <a:srgbClr val="D4D4D4"/>
+              </a:solidFill>
+              <a:effectLst/>
+              <a:latin typeface="Consolas" panose="020B0609020204030204" pitchFamily="49" charset="0"/>
+            </a:endParaRPr>
+          </a:p>
+          <a:p>
+            <a:r>
+              <a:rPr lang="en-US" sz="1100" b="0" dirty="0">
+                <a:solidFill>
+                  <a:srgbClr val="D4D4D4"/>
+                </a:solidFill>
+                <a:effectLst/>
+                <a:latin typeface="Consolas" panose="020B0609020204030204" pitchFamily="49" charset="0"/>
+              </a:rPr>
+              <a:t>    </a:t>
+            </a:r>
+            <a:r>
+              <a:rPr lang="en-US" sz="1100" b="0" dirty="0" err="1">
+                <a:solidFill>
+                  <a:srgbClr val="D4D4D4"/>
+                </a:solidFill>
+                <a:effectLst/>
+                <a:latin typeface="Consolas" panose="020B0609020204030204" pitchFamily="49" charset="0"/>
+              </a:rPr>
+              <a:t>dst_sub_binary</a:t>
+            </a:r>
+            <a:r>
+              <a:rPr lang="en-US" sz="1100" b="0" dirty="0">
+                <a:solidFill>
+                  <a:srgbClr val="D4D4D4"/>
+                </a:solidFill>
+                <a:effectLst/>
+                <a:latin typeface="Consolas" panose="020B0609020204030204" pitchFamily="49" charset="0"/>
+              </a:rPr>
+              <a:t> = </a:t>
             </a:r>
             <a:r>
               <a:rPr lang="en-US" sz="1100" b="0" dirty="0">
@@ -24235,507 +22653,178 @@
                 <a:effectLst/>
                 <a:latin typeface="Consolas" panose="020B0609020204030204" pitchFamily="49" charset="0"/>
               </a:rPr>
-              <a:t>not</a:t>
-            </a:r>
-            <a:r>
-              <a:rPr lang="en-US" sz="1100" b="0" dirty="0">
-                <a:solidFill>
-                  <a:srgbClr val="D4D4D4"/>
-                </a:solidFill>
-                <a:effectLst/>
-                <a:latin typeface="Consolas" panose="020B0609020204030204" pitchFamily="49" charset="0"/>
-              </a:rPr>
-              <a:t> </a:t>
-            </a:r>
-            <a:r>
-              <a:rPr lang="en-US" sz="1100" b="0" dirty="0">
-                <a:solidFill>
-                  <a:srgbClr val="CE9178"/>
-                </a:solidFill>
-                <a:effectLst/>
-                <a:latin typeface="Consolas" panose="020B0609020204030204" pitchFamily="49" charset="0"/>
-              </a:rPr>
-              <a:t>'*'</a:t>
-            </a:r>
-            <a:r>
-              <a:rPr lang="en-US" sz="1100" b="0" dirty="0">
-                <a:solidFill>
-                  <a:srgbClr val="D4D4D4"/>
-                </a:solidFill>
-                <a:effectLst/>
-                <a:latin typeface="Consolas" panose="020B0609020204030204" pitchFamily="49" charset="0"/>
-              </a:rPr>
-              <a:t>:</a:t>
-            </a:r>
-          </a:p>
-          <a:p>
-            <a:r>
-              <a:rPr lang="en-US" sz="1100" b="0" dirty="0">
-                <a:solidFill>
-                  <a:srgbClr val="D4D4D4"/>
-                </a:solidFill>
-                <a:effectLst/>
-                <a:latin typeface="Consolas" panose="020B0609020204030204" pitchFamily="49" charset="0"/>
-              </a:rPr>
-              <a:t>            </a:t>
-            </a:r>
-            <a:r>
-              <a:rPr lang="en-US" sz="1100" b="0" dirty="0" err="1">
+              <a:t>None</a:t>
+            </a:r>
+            <a:endParaRPr lang="en-US" sz="1100" b="0" dirty="0">
+              <a:solidFill>
+                <a:srgbClr val="D4D4D4"/>
+              </a:solidFill>
+              <a:effectLst/>
+              <a:latin typeface="Consolas" panose="020B0609020204030204" pitchFamily="49" charset="0"/>
+            </a:endParaRPr>
+          </a:p>
+          <a:p>
+            <a:r>
+              <a:rPr lang="en-US" sz="1100" b="0" dirty="0">
+                <a:solidFill>
+                  <a:srgbClr val="D4D4D4"/>
+                </a:solidFill>
+                <a:effectLst/>
+                <a:latin typeface="Consolas" panose="020B0609020204030204" pitchFamily="49" charset="0"/>
+              </a:rPr>
+              <a:t>    </a:t>
+            </a:r>
+            <a:r>
+              <a:rPr lang="en-US" sz="1100" b="0" dirty="0" err="1">
+                <a:solidFill>
+                  <a:srgbClr val="D4D4D4"/>
+                </a:solidFill>
+                <a:effectLst/>
+                <a:latin typeface="Consolas" panose="020B0609020204030204" pitchFamily="49" charset="0"/>
+              </a:rPr>
+              <a:t>src_port</a:t>
+            </a:r>
+            <a:r>
+              <a:rPr lang="en-US" sz="1100" b="0" dirty="0">
+                <a:solidFill>
+                  <a:srgbClr val="D4D4D4"/>
+                </a:solidFill>
+                <a:effectLst/>
+                <a:latin typeface="Consolas" panose="020B0609020204030204" pitchFamily="49" charset="0"/>
+              </a:rPr>
+              <a:t> = </a:t>
+            </a:r>
+            <a:r>
+              <a:rPr lang="en-US" sz="1100" b="0" dirty="0">
                 <a:solidFill>
                   <a:srgbClr val="569CD6"/>
                 </a:solidFill>
                 <a:effectLst/>
                 <a:latin typeface="Consolas" panose="020B0609020204030204" pitchFamily="49" charset="0"/>
               </a:rPr>
-              <a:t>self</a:t>
-            </a:r>
-            <a:r>
-              <a:rPr lang="en-US" sz="1100" b="0" dirty="0" err="1">
-                <a:solidFill>
-                  <a:srgbClr val="D4D4D4"/>
-                </a:solidFill>
-                <a:effectLst/>
-                <a:latin typeface="Consolas" panose="020B0609020204030204" pitchFamily="49" charset="0"/>
-              </a:rPr>
-              <a:t>.src_ip</a:t>
-            </a:r>
-            <a:r>
-              <a:rPr lang="en-US" sz="1100" b="0" dirty="0">
-                <a:solidFill>
-                  <a:srgbClr val="D4D4D4"/>
-                </a:solidFill>
-                <a:effectLst/>
-                <a:latin typeface="Consolas" panose="020B0609020204030204" pitchFamily="49" charset="0"/>
-              </a:rPr>
-              <a:t>, </a:t>
-            </a:r>
-            <a:r>
-              <a:rPr lang="en-US" sz="1100" b="0" dirty="0" err="1">
+              <a:t>None</a:t>
+            </a:r>
+            <a:endParaRPr lang="en-US" sz="1100" b="0" dirty="0">
+              <a:solidFill>
+                <a:srgbClr val="D4D4D4"/>
+              </a:solidFill>
+              <a:effectLst/>
+              <a:latin typeface="Consolas" panose="020B0609020204030204" pitchFamily="49" charset="0"/>
+            </a:endParaRPr>
+          </a:p>
+          <a:p>
+            <a:r>
+              <a:rPr lang="en-US" sz="1100" b="0" dirty="0">
+                <a:solidFill>
+                  <a:srgbClr val="D4D4D4"/>
+                </a:solidFill>
+                <a:effectLst/>
+                <a:latin typeface="Consolas" panose="020B0609020204030204" pitchFamily="49" charset="0"/>
+              </a:rPr>
+              <a:t>    </a:t>
+            </a:r>
+            <a:r>
+              <a:rPr lang="en-US" sz="1100" b="0" dirty="0" err="1">
+                <a:solidFill>
+                  <a:srgbClr val="D4D4D4"/>
+                </a:solidFill>
+                <a:effectLst/>
+                <a:latin typeface="Consolas" panose="020B0609020204030204" pitchFamily="49" charset="0"/>
+              </a:rPr>
+              <a:t>dst_port</a:t>
+            </a:r>
+            <a:r>
+              <a:rPr lang="en-US" sz="1100" b="0" dirty="0">
+                <a:solidFill>
+                  <a:srgbClr val="D4D4D4"/>
+                </a:solidFill>
+                <a:effectLst/>
+                <a:latin typeface="Consolas" panose="020B0609020204030204" pitchFamily="49" charset="0"/>
+              </a:rPr>
+              <a:t> = </a:t>
+            </a:r>
+            <a:r>
+              <a:rPr lang="en-US" sz="1100" b="0" dirty="0">
                 <a:solidFill>
                   <a:srgbClr val="569CD6"/>
                 </a:solidFill>
                 <a:effectLst/>
                 <a:latin typeface="Consolas" panose="020B0609020204030204" pitchFamily="49" charset="0"/>
               </a:rPr>
-              <a:t>self</a:t>
-            </a:r>
-            <a:r>
-              <a:rPr lang="en-US" sz="1100" b="0" dirty="0" err="1">
-                <a:solidFill>
-                  <a:srgbClr val="D4D4D4"/>
-                </a:solidFill>
-                <a:effectLst/>
-                <a:latin typeface="Consolas" panose="020B0609020204030204" pitchFamily="49" charset="0"/>
-              </a:rPr>
-              <a:t>.src_netmask</a:t>
-            </a:r>
-            <a:r>
-              <a:rPr lang="en-US" sz="1100" b="0" dirty="0">
-                <a:solidFill>
-                  <a:srgbClr val="D4D4D4"/>
-                </a:solidFill>
-                <a:effectLst/>
-                <a:latin typeface="Consolas" panose="020B0609020204030204" pitchFamily="49" charset="0"/>
-              </a:rPr>
-              <a:t>, </a:t>
-            </a:r>
-            <a:r>
-              <a:rPr lang="en-US" sz="1100" b="0" dirty="0" err="1">
+              <a:t>None</a:t>
+            </a:r>
+            <a:endParaRPr lang="en-US" sz="1100" b="0" dirty="0">
+              <a:solidFill>
+                <a:srgbClr val="D4D4D4"/>
+              </a:solidFill>
+              <a:effectLst/>
+              <a:latin typeface="Consolas" panose="020B0609020204030204" pitchFamily="49" charset="0"/>
+            </a:endParaRPr>
+          </a:p>
+          <a:p>
+            <a:r>
+              <a:rPr lang="en-US" sz="1100" b="0" dirty="0">
+                <a:solidFill>
+                  <a:srgbClr val="D4D4D4"/>
+                </a:solidFill>
+                <a:effectLst/>
+                <a:latin typeface="Consolas" panose="020B0609020204030204" pitchFamily="49" charset="0"/>
+              </a:rPr>
+              <a:t>    protocol = </a:t>
+            </a:r>
+            <a:r>
+              <a:rPr lang="en-US" sz="1100" b="0" dirty="0">
                 <a:solidFill>
                   <a:srgbClr val="569CD6"/>
                 </a:solidFill>
                 <a:effectLst/>
                 <a:latin typeface="Consolas" panose="020B0609020204030204" pitchFamily="49" charset="0"/>
               </a:rPr>
-              <a:t>self</a:t>
-            </a:r>
-            <a:r>
-              <a:rPr lang="en-US" sz="1100" b="0" dirty="0" err="1">
-                <a:solidFill>
-                  <a:srgbClr val="D4D4D4"/>
-                </a:solidFill>
-                <a:effectLst/>
-                <a:latin typeface="Consolas" panose="020B0609020204030204" pitchFamily="49" charset="0"/>
-              </a:rPr>
-              <a:t>.src_sub_binary</a:t>
-            </a:r>
-            <a:r>
-              <a:rPr lang="en-US" sz="1100" b="0" dirty="0">
-                <a:solidFill>
-                  <a:srgbClr val="D4D4D4"/>
-                </a:solidFill>
-                <a:effectLst/>
-                <a:latin typeface="Consolas" panose="020B0609020204030204" pitchFamily="49" charset="0"/>
-              </a:rPr>
-              <a:t> = </a:t>
-            </a:r>
-            <a:r>
-              <a:rPr lang="en-US" sz="1100" b="0" dirty="0" err="1">
-                <a:solidFill>
-                  <a:srgbClr val="D4D4D4"/>
-                </a:solidFill>
-                <a:effectLst/>
-                <a:latin typeface="Consolas" panose="020B0609020204030204" pitchFamily="49" charset="0"/>
-              </a:rPr>
-              <a:t>extract_info</a:t>
-            </a:r>
-            <a:r>
-              <a:rPr lang="en-US" sz="1100" b="0" dirty="0">
-                <a:solidFill>
-                  <a:srgbClr val="D4D4D4"/>
-                </a:solidFill>
-                <a:effectLst/>
-                <a:latin typeface="Consolas" panose="020B0609020204030204" pitchFamily="49" charset="0"/>
-              </a:rPr>
-              <a:t>(</a:t>
-            </a:r>
-            <a:r>
-              <a:rPr lang="en-US" sz="1100" b="0" dirty="0" err="1">
+              <a:t>None</a:t>
+            </a:r>
+            <a:endParaRPr lang="en-US" sz="1100" b="0" dirty="0">
+              <a:solidFill>
+                <a:srgbClr val="D4D4D4"/>
+              </a:solidFill>
+              <a:effectLst/>
+              <a:latin typeface="Consolas" panose="020B0609020204030204" pitchFamily="49" charset="0"/>
+            </a:endParaRPr>
+          </a:p>
+          <a:p>
+            <a:r>
+              <a:rPr lang="en-US" sz="1100" b="0" dirty="0">
+                <a:solidFill>
+                  <a:srgbClr val="D4D4D4"/>
+                </a:solidFill>
+                <a:effectLst/>
+                <a:latin typeface="Consolas" panose="020B0609020204030204" pitchFamily="49" charset="0"/>
+              </a:rPr>
+              <a:t>    action = </a:t>
+            </a:r>
+            <a:r>
+              <a:rPr lang="en-US" sz="1100" b="0" dirty="0">
                 <a:solidFill>
                   <a:srgbClr val="569CD6"/>
                 </a:solidFill>
                 <a:effectLst/>
                 <a:latin typeface="Consolas" panose="020B0609020204030204" pitchFamily="49" charset="0"/>
               </a:rPr>
-              <a:t>self</a:t>
-            </a:r>
-            <a:r>
-              <a:rPr lang="en-US" sz="1100" b="0" dirty="0" err="1">
-                <a:solidFill>
-                  <a:srgbClr val="D4D4D4"/>
-                </a:solidFill>
-                <a:effectLst/>
-                <a:latin typeface="Consolas" panose="020B0609020204030204" pitchFamily="49" charset="0"/>
-              </a:rPr>
-              <a:t>.src_sub</a:t>
-            </a:r>
-            <a:r>
-              <a:rPr lang="en-US" sz="1100" b="0" dirty="0">
-                <a:solidFill>
-                  <a:srgbClr val="D4D4D4"/>
-                </a:solidFill>
-                <a:effectLst/>
-                <a:latin typeface="Consolas" panose="020B0609020204030204" pitchFamily="49" charset="0"/>
-              </a:rPr>
-              <a:t>)</a:t>
-            </a:r>
-          </a:p>
-          <a:p>
-            <a:r>
-              <a:rPr lang="en-US" sz="1100" b="0" dirty="0">
-                <a:solidFill>
-                  <a:srgbClr val="D4D4D4"/>
-                </a:solidFill>
-                <a:effectLst/>
-                <a:latin typeface="Consolas" panose="020B0609020204030204" pitchFamily="49" charset="0"/>
-              </a:rPr>
-              <a:t>        </a:t>
-            </a:r>
-            <a:r>
-              <a:rPr lang="en-US" sz="1100" b="0" dirty="0">
-                <a:solidFill>
-                  <a:srgbClr val="C586C0"/>
-                </a:solidFill>
-                <a:effectLst/>
-                <a:latin typeface="Consolas" panose="020B0609020204030204" pitchFamily="49" charset="0"/>
-              </a:rPr>
-              <a:t>if</a:t>
-            </a:r>
-            <a:r>
-              <a:rPr lang="en-US" sz="1100" b="0" dirty="0">
-                <a:solidFill>
-                  <a:srgbClr val="D4D4D4"/>
-                </a:solidFill>
-                <a:effectLst/>
-                <a:latin typeface="Consolas" panose="020B0609020204030204" pitchFamily="49" charset="0"/>
-              </a:rPr>
-              <a:t> </a:t>
-            </a:r>
-            <a:r>
-              <a:rPr lang="en-US" sz="1100" b="0" dirty="0" err="1">
-                <a:solidFill>
-                  <a:srgbClr val="569CD6"/>
-                </a:solidFill>
-                <a:effectLst/>
-                <a:latin typeface="Consolas" panose="020B0609020204030204" pitchFamily="49" charset="0"/>
-              </a:rPr>
-              <a:t>self</a:t>
-            </a:r>
-            <a:r>
-              <a:rPr lang="en-US" sz="1100" b="0" dirty="0" err="1">
-                <a:solidFill>
-                  <a:srgbClr val="D4D4D4"/>
-                </a:solidFill>
-                <a:effectLst/>
-                <a:latin typeface="Consolas" panose="020B0609020204030204" pitchFamily="49" charset="0"/>
-              </a:rPr>
-              <a:t>.dst_sub</a:t>
-            </a:r>
-            <a:r>
-              <a:rPr lang="en-US" sz="1100" b="0" dirty="0">
-                <a:solidFill>
-                  <a:srgbClr val="D4D4D4"/>
-                </a:solidFill>
-                <a:effectLst/>
-                <a:latin typeface="Consolas" panose="020B0609020204030204" pitchFamily="49" charset="0"/>
-              </a:rPr>
-              <a:t> </a:t>
-            </a:r>
-            <a:r>
-              <a:rPr lang="en-US" sz="1100" b="0" dirty="0">
-                <a:solidFill>
-                  <a:srgbClr val="569CD6"/>
-                </a:solidFill>
-                <a:effectLst/>
-                <a:latin typeface="Consolas" panose="020B0609020204030204" pitchFamily="49" charset="0"/>
-              </a:rPr>
-              <a:t>is</a:t>
-            </a:r>
-            <a:r>
-              <a:rPr lang="en-US" sz="1100" b="0" dirty="0">
-                <a:solidFill>
-                  <a:srgbClr val="D4D4D4"/>
-                </a:solidFill>
-                <a:effectLst/>
-                <a:latin typeface="Consolas" panose="020B0609020204030204" pitchFamily="49" charset="0"/>
-              </a:rPr>
-              <a:t> </a:t>
-            </a:r>
-            <a:r>
-              <a:rPr lang="en-US" sz="1100" b="0" dirty="0">
-                <a:solidFill>
-                  <a:srgbClr val="569CD6"/>
-                </a:solidFill>
-                <a:effectLst/>
-                <a:latin typeface="Consolas" panose="020B0609020204030204" pitchFamily="49" charset="0"/>
-              </a:rPr>
-              <a:t>not</a:t>
-            </a:r>
-            <a:r>
-              <a:rPr lang="en-US" sz="1100" b="0" dirty="0">
-                <a:solidFill>
-                  <a:srgbClr val="D4D4D4"/>
-                </a:solidFill>
-                <a:effectLst/>
-                <a:latin typeface="Consolas" panose="020B0609020204030204" pitchFamily="49" charset="0"/>
-              </a:rPr>
-              <a:t> </a:t>
-            </a:r>
-            <a:r>
-              <a:rPr lang="en-US" sz="1100" b="0" dirty="0">
-                <a:solidFill>
-                  <a:srgbClr val="CE9178"/>
-                </a:solidFill>
-                <a:effectLst/>
-                <a:latin typeface="Consolas" panose="020B0609020204030204" pitchFamily="49" charset="0"/>
-              </a:rPr>
-              <a:t>'*'</a:t>
-            </a:r>
-            <a:r>
-              <a:rPr lang="en-US" sz="1100" b="0" dirty="0">
-                <a:solidFill>
-                  <a:srgbClr val="D4D4D4"/>
-                </a:solidFill>
-                <a:effectLst/>
-                <a:latin typeface="Consolas" panose="020B0609020204030204" pitchFamily="49" charset="0"/>
-              </a:rPr>
-              <a:t>:</a:t>
-            </a:r>
-          </a:p>
-          <a:p>
-            <a:r>
-              <a:rPr lang="en-US" sz="1100" b="0" dirty="0">
-                <a:solidFill>
-                  <a:srgbClr val="D4D4D4"/>
-                </a:solidFill>
-                <a:effectLst/>
-                <a:latin typeface="Consolas" panose="020B0609020204030204" pitchFamily="49" charset="0"/>
-              </a:rPr>
-              <a:t>            </a:t>
-            </a:r>
-            <a:r>
-              <a:rPr lang="en-US" sz="1100" b="0" dirty="0" err="1">
-                <a:solidFill>
-                  <a:srgbClr val="569CD6"/>
-                </a:solidFill>
-                <a:effectLst/>
-                <a:latin typeface="Consolas" panose="020B0609020204030204" pitchFamily="49" charset="0"/>
-              </a:rPr>
-              <a:t>self</a:t>
-            </a:r>
-            <a:r>
-              <a:rPr lang="en-US" sz="1100" b="0" dirty="0" err="1">
-                <a:solidFill>
-                  <a:srgbClr val="D4D4D4"/>
-                </a:solidFill>
-                <a:effectLst/>
-                <a:latin typeface="Consolas" panose="020B0609020204030204" pitchFamily="49" charset="0"/>
-              </a:rPr>
-              <a:t>.dst_ip</a:t>
-            </a:r>
-            <a:r>
-              <a:rPr lang="en-US" sz="1100" b="0" dirty="0">
-                <a:solidFill>
-                  <a:srgbClr val="D4D4D4"/>
-                </a:solidFill>
-                <a:effectLst/>
-                <a:latin typeface="Consolas" panose="020B0609020204030204" pitchFamily="49" charset="0"/>
-              </a:rPr>
-              <a:t>, </a:t>
-            </a:r>
-            <a:r>
-              <a:rPr lang="en-US" sz="1100" b="0" dirty="0" err="1">
-                <a:solidFill>
-                  <a:srgbClr val="569CD6"/>
-                </a:solidFill>
-                <a:effectLst/>
-                <a:latin typeface="Consolas" panose="020B0609020204030204" pitchFamily="49" charset="0"/>
-              </a:rPr>
-              <a:t>self</a:t>
-            </a:r>
-            <a:r>
-              <a:rPr lang="en-US" sz="1100" b="0" dirty="0" err="1">
-                <a:solidFill>
-                  <a:srgbClr val="D4D4D4"/>
-                </a:solidFill>
-                <a:effectLst/>
-                <a:latin typeface="Consolas" panose="020B0609020204030204" pitchFamily="49" charset="0"/>
-              </a:rPr>
-              <a:t>.dst_netmask</a:t>
-            </a:r>
-            <a:r>
-              <a:rPr lang="en-US" sz="1100" b="0" dirty="0">
-                <a:solidFill>
-                  <a:srgbClr val="D4D4D4"/>
-                </a:solidFill>
-                <a:effectLst/>
-                <a:latin typeface="Consolas" panose="020B0609020204030204" pitchFamily="49" charset="0"/>
-              </a:rPr>
-              <a:t>, </a:t>
-            </a:r>
-            <a:r>
-              <a:rPr lang="en-US" sz="1100" b="0" dirty="0" err="1">
-                <a:solidFill>
-                  <a:srgbClr val="569CD6"/>
-                </a:solidFill>
-                <a:effectLst/>
-                <a:latin typeface="Consolas" panose="020B0609020204030204" pitchFamily="49" charset="0"/>
-              </a:rPr>
-              <a:t>self</a:t>
-            </a:r>
-            <a:r>
-              <a:rPr lang="en-US" sz="1100" b="0" dirty="0" err="1">
-                <a:solidFill>
-                  <a:srgbClr val="D4D4D4"/>
-                </a:solidFill>
-                <a:effectLst/>
-                <a:latin typeface="Consolas" panose="020B0609020204030204" pitchFamily="49" charset="0"/>
-              </a:rPr>
-              <a:t>.dst_sub_binary</a:t>
-            </a:r>
-            <a:r>
-              <a:rPr lang="en-US" sz="1100" b="0" dirty="0">
-                <a:solidFill>
-                  <a:srgbClr val="D4D4D4"/>
-                </a:solidFill>
-                <a:effectLst/>
-                <a:latin typeface="Consolas" panose="020B0609020204030204" pitchFamily="49" charset="0"/>
-              </a:rPr>
-              <a:t> = </a:t>
-            </a:r>
-            <a:r>
-              <a:rPr lang="en-US" sz="1100" b="0" dirty="0" err="1">
-                <a:solidFill>
-                  <a:srgbClr val="D4D4D4"/>
-                </a:solidFill>
-                <a:effectLst/>
-                <a:latin typeface="Consolas" panose="020B0609020204030204" pitchFamily="49" charset="0"/>
-              </a:rPr>
-              <a:t>extract_info</a:t>
-            </a:r>
-            <a:r>
-              <a:rPr lang="en-US" sz="1100" b="0" dirty="0">
-                <a:solidFill>
-                  <a:srgbClr val="D4D4D4"/>
-                </a:solidFill>
-                <a:effectLst/>
-                <a:latin typeface="Consolas" panose="020B0609020204030204" pitchFamily="49" charset="0"/>
-              </a:rPr>
-              <a:t>(</a:t>
-            </a:r>
-            <a:r>
-              <a:rPr lang="en-US" sz="1100" b="0" dirty="0" err="1">
-                <a:solidFill>
-                  <a:srgbClr val="569CD6"/>
-                </a:solidFill>
-                <a:effectLst/>
-                <a:latin typeface="Consolas" panose="020B0609020204030204" pitchFamily="49" charset="0"/>
-              </a:rPr>
-              <a:t>self</a:t>
-            </a:r>
-            <a:r>
-              <a:rPr lang="en-US" sz="1100" b="0" dirty="0" err="1">
-                <a:solidFill>
-                  <a:srgbClr val="D4D4D4"/>
-                </a:solidFill>
-                <a:effectLst/>
-                <a:latin typeface="Consolas" panose="020B0609020204030204" pitchFamily="49" charset="0"/>
-              </a:rPr>
-              <a:t>.dst_sub</a:t>
-            </a:r>
-            <a:r>
-              <a:rPr lang="en-US" sz="1100" b="0" dirty="0">
-                <a:solidFill>
-                  <a:srgbClr val="D4D4D4"/>
-                </a:solidFill>
-                <a:effectLst/>
-                <a:latin typeface="Consolas" panose="020B0609020204030204" pitchFamily="49" charset="0"/>
-              </a:rPr>
-              <a:t>)</a:t>
-            </a:r>
+              <a:t>None</a:t>
+            </a:r>
+            <a:endParaRPr lang="en-US" sz="1100" b="0" dirty="0">
+              <a:solidFill>
+                <a:srgbClr val="D4D4D4"/>
+              </a:solidFill>
+              <a:effectLst/>
+              <a:latin typeface="Consolas" panose="020B0609020204030204" pitchFamily="49" charset="0"/>
+            </a:endParaRPr>
           </a:p>
         </p:txBody>
       </p:sp>
-      <p:pic>
-        <p:nvPicPr>
-          <p:cNvPr id="5" name="Picture 4" descr="A picture containing clock&#10;&#10;Description automatically generated">
-            <a:extLst>
-              <a:ext uri="{FF2B5EF4-FFF2-40B4-BE49-F238E27FC236}">
-                <a16:creationId xmlns:a16="http://schemas.microsoft.com/office/drawing/2014/main" id="{18524FAC-7C56-490C-8825-21A37E15379B}"/>
-              </a:ext>
-            </a:extLst>
-          </p:cNvPr>
-          <p:cNvPicPr>
-            <a:picLocks noChangeAspect="1"/>
-          </p:cNvPicPr>
-          <p:nvPr/>
-        </p:nvPicPr>
-        <p:blipFill>
-          <a:blip r:embed="rId2">
-            <a:extLst>
-              <a:ext uri="{28A0092B-C50C-407E-A947-70E740481C1C}">
-                <a14:useLocalDpi xmlns:a14="http://schemas.microsoft.com/office/drawing/2010/main" val="0"/>
-              </a:ext>
-            </a:extLst>
-          </a:blip>
-          <a:stretch>
-            <a:fillRect/>
-          </a:stretch>
-        </p:blipFill>
-        <p:spPr>
-          <a:xfrm>
-            <a:off x="7266038" y="1266825"/>
-            <a:ext cx="4321528" cy="2199007"/>
-          </a:xfrm>
-          <a:prstGeom prst="rect">
-            <a:avLst/>
-          </a:prstGeom>
-        </p:spPr>
-      </p:pic>
     </p:spTree>
     <p:extLst>
       <p:ext uri="{BB962C8B-B14F-4D97-AF65-F5344CB8AC3E}">
-        <p14:creationId xmlns:p14="http://schemas.microsoft.com/office/powerpoint/2010/main" val="1641183876"/>
+        <p14:creationId xmlns:p14="http://schemas.microsoft.com/office/powerpoint/2010/main" val="2059633017"/>
       </p:ext>
     </p:extLst>
   </p:cSld>
